--- a/Day_2/Day_2.pptx
+++ b/Day_2/Day_2.pptx
@@ -28,26 +28,27 @@
     <p:sldId id="276" r:id="rId22"/>
     <p:sldId id="277" r:id="rId23"/>
     <p:sldId id="278" r:id="rId24"/>
-    <p:sldId id="280" r:id="rId25"/>
-    <p:sldId id="281" r:id="rId26"/>
-    <p:sldId id="282" r:id="rId27"/>
-    <p:sldId id="283" r:id="rId28"/>
-    <p:sldId id="284" r:id="rId29"/>
-    <p:sldId id="285" r:id="rId30"/>
-    <p:sldId id="286" r:id="rId31"/>
-    <p:sldId id="287" r:id="rId32"/>
-    <p:sldId id="288" r:id="rId33"/>
-    <p:sldId id="289" r:id="rId34"/>
-    <p:sldId id="290" r:id="rId35"/>
-    <p:sldId id="291" r:id="rId36"/>
-    <p:sldId id="292" r:id="rId37"/>
-    <p:sldId id="293" r:id="rId38"/>
-    <p:sldId id="294" r:id="rId39"/>
-    <p:sldId id="295" r:id="rId40"/>
-    <p:sldId id="296" r:id="rId41"/>
-    <p:sldId id="297" r:id="rId42"/>
-    <p:sldId id="298" r:id="rId43"/>
-    <p:sldId id="299" r:id="rId44"/>
+    <p:sldId id="300" r:id="rId25"/>
+    <p:sldId id="280" r:id="rId26"/>
+    <p:sldId id="281" r:id="rId27"/>
+    <p:sldId id="282" r:id="rId28"/>
+    <p:sldId id="283" r:id="rId29"/>
+    <p:sldId id="284" r:id="rId30"/>
+    <p:sldId id="285" r:id="rId31"/>
+    <p:sldId id="286" r:id="rId32"/>
+    <p:sldId id="287" r:id="rId33"/>
+    <p:sldId id="288" r:id="rId34"/>
+    <p:sldId id="289" r:id="rId35"/>
+    <p:sldId id="290" r:id="rId36"/>
+    <p:sldId id="291" r:id="rId37"/>
+    <p:sldId id="292" r:id="rId38"/>
+    <p:sldId id="293" r:id="rId39"/>
+    <p:sldId id="294" r:id="rId40"/>
+    <p:sldId id="295" r:id="rId41"/>
+    <p:sldId id="296" r:id="rId42"/>
+    <p:sldId id="297" r:id="rId43"/>
+    <p:sldId id="298" r:id="rId44"/>
+    <p:sldId id="299" r:id="rId45"/>
   </p:sldIdLst>
   <p:sldSz cx="12192000" cy="6858000"/>
   <p:notesSz cx="6858000" cy="9144000"/>
@@ -204,7 +205,7 @@
           <a:noFill/>
           <a:extLst>
             <a:ext uri="{909E8E84-426E-40dd-AFC4-6F175D3DCCD1}">
-              <a14:hiddenFill xmlns:a14="http://schemas.microsoft.com/office/drawing/2010/main" xmlns="">
+              <a14:hiddenFill xmlns="" xmlns:a14="http://schemas.microsoft.com/office/drawing/2010/main">
                 <a:solidFill>
                   <a:srgbClr val="FFFFFF"/>
                 </a:solidFill>
@@ -264,7 +265,7 @@
             </a:ln>
             <a:extLst>
               <a:ext uri="{91240B29-F687-4f45-9708-019B960494DF}">
-                <a14:hiddenLine xmlns:a14="http://schemas.microsoft.com/office/drawing/2010/main" xmlns="" w="9525">
+                <a14:hiddenLine xmlns="" xmlns:a14="http://schemas.microsoft.com/office/drawing/2010/main" w="9525">
                   <a:solidFill>
                     <a:srgbClr val="000000"/>
                   </a:solidFill>
@@ -354,7 +355,7 @@
             </a:ln>
             <a:extLst>
               <a:ext uri="{91240B29-F687-4f45-9708-019B960494DF}">
-                <a14:hiddenLine xmlns:a14="http://schemas.microsoft.com/office/drawing/2010/main" xmlns="" w="9525">
+                <a14:hiddenLine xmlns="" xmlns:a14="http://schemas.microsoft.com/office/drawing/2010/main" w="9525">
                   <a:solidFill>
                     <a:srgbClr val="000000"/>
                   </a:solidFill>
@@ -444,7 +445,7 @@
             </a:ln>
             <a:extLst>
               <a:ext uri="{91240B29-F687-4f45-9708-019B960494DF}">
-                <a14:hiddenLine xmlns:a14="http://schemas.microsoft.com/office/drawing/2010/main" xmlns="" w="9525">
+                <a14:hiddenLine xmlns="" xmlns:a14="http://schemas.microsoft.com/office/drawing/2010/main" w="9525">
                   <a:solidFill>
                     <a:srgbClr val="000000"/>
                   </a:solidFill>
@@ -478,7 +479,7 @@
             </a:ln>
             <a:extLst>
               <a:ext uri="{91240B29-F687-4f45-9708-019B960494DF}">
-                <a14:hiddenLine xmlns:a14="http://schemas.microsoft.com/office/drawing/2010/main" xmlns="" w="9525">
+                <a14:hiddenLine xmlns="" xmlns:a14="http://schemas.microsoft.com/office/drawing/2010/main" w="9525">
                   <a:solidFill>
                     <a:srgbClr val="000000"/>
                   </a:solidFill>
@@ -568,7 +569,7 @@
             </a:ln>
             <a:extLst>
               <a:ext uri="{91240B29-F687-4f45-9708-019B960494DF}">
-                <a14:hiddenLine xmlns:a14="http://schemas.microsoft.com/office/drawing/2010/main" xmlns="" w="9525">
+                <a14:hiddenLine xmlns="" xmlns:a14="http://schemas.microsoft.com/office/drawing/2010/main" w="9525">
                   <a:solidFill>
                     <a:srgbClr val="000000"/>
                   </a:solidFill>
@@ -630,7 +631,7 @@
             </a:ln>
             <a:extLst>
               <a:ext uri="{91240B29-F687-4f45-9708-019B960494DF}">
-                <a14:hiddenLine xmlns:a14="http://schemas.microsoft.com/office/drawing/2010/main" xmlns="" w="9525">
+                <a14:hiddenLine xmlns="" xmlns:a14="http://schemas.microsoft.com/office/drawing/2010/main" w="9525">
                   <a:solidFill>
                     <a:srgbClr val="000000"/>
                   </a:solidFill>
@@ -692,7 +693,7 @@
             </a:ln>
             <a:extLst>
               <a:ext uri="{91240B29-F687-4f45-9708-019B960494DF}">
-                <a14:hiddenLine xmlns:a14="http://schemas.microsoft.com/office/drawing/2010/main" xmlns="" w="9525">
+                <a14:hiddenLine xmlns="" xmlns:a14="http://schemas.microsoft.com/office/drawing/2010/main" w="9525">
                   <a:solidFill>
                     <a:srgbClr val="000000"/>
                   </a:solidFill>
@@ -782,7 +783,7 @@
             </a:ln>
             <a:extLst>
               <a:ext uri="{91240B29-F687-4f45-9708-019B960494DF}">
-                <a14:hiddenLine xmlns:a14="http://schemas.microsoft.com/office/drawing/2010/main" xmlns="" w="9525">
+                <a14:hiddenLine xmlns="" xmlns:a14="http://schemas.microsoft.com/office/drawing/2010/main" w="9525">
                   <a:solidFill>
                     <a:srgbClr val="000000"/>
                   </a:solidFill>
@@ -844,7 +845,7 @@
             </a:ln>
             <a:extLst>
               <a:ext uri="{91240B29-F687-4f45-9708-019B960494DF}">
-                <a14:hiddenLine xmlns:a14="http://schemas.microsoft.com/office/drawing/2010/main" xmlns="" w="9525">
+                <a14:hiddenLine xmlns="" xmlns:a14="http://schemas.microsoft.com/office/drawing/2010/main" w="9525">
                   <a:solidFill>
                     <a:srgbClr val="000000"/>
                   </a:solidFill>
@@ -906,7 +907,7 @@
             </a:ln>
             <a:extLst>
               <a:ext uri="{91240B29-F687-4f45-9708-019B960494DF}">
-                <a14:hiddenLine xmlns:a14="http://schemas.microsoft.com/office/drawing/2010/main" xmlns="" w="9525">
+                <a14:hiddenLine xmlns="" xmlns:a14="http://schemas.microsoft.com/office/drawing/2010/main" w="9525">
                   <a:solidFill>
                     <a:srgbClr val="000000"/>
                   </a:solidFill>
@@ -996,7 +997,7 @@
             </a:ln>
             <a:extLst>
               <a:ext uri="{91240B29-F687-4f45-9708-019B960494DF}">
-                <a14:hiddenLine xmlns:a14="http://schemas.microsoft.com/office/drawing/2010/main" xmlns="" w="9525">
+                <a14:hiddenLine xmlns="" xmlns:a14="http://schemas.microsoft.com/office/drawing/2010/main" w="9525">
                   <a:solidFill>
                     <a:srgbClr val="000000"/>
                   </a:solidFill>
@@ -1086,7 +1087,7 @@
             </a:ln>
             <a:extLst>
               <a:ext uri="{91240B29-F687-4f45-9708-019B960494DF}">
-                <a14:hiddenLine xmlns:a14="http://schemas.microsoft.com/office/drawing/2010/main" xmlns="" w="9525">
+                <a14:hiddenLine xmlns="" xmlns:a14="http://schemas.microsoft.com/office/drawing/2010/main" w="9525">
                   <a:solidFill>
                     <a:srgbClr val="000000"/>
                   </a:solidFill>
@@ -1148,7 +1149,7 @@
             </a:ln>
             <a:extLst>
               <a:ext uri="{91240B29-F687-4f45-9708-019B960494DF}">
-                <a14:hiddenLine xmlns:a14="http://schemas.microsoft.com/office/drawing/2010/main" xmlns="" w="9525">
+                <a14:hiddenLine xmlns="" xmlns:a14="http://schemas.microsoft.com/office/drawing/2010/main" w="9525">
                   <a:solidFill>
                     <a:srgbClr val="000000"/>
                   </a:solidFill>
@@ -1258,7 +1259,7 @@
             </a:ln>
             <a:extLst>
               <a:ext uri="{91240B29-F687-4f45-9708-019B960494DF}">
-                <a14:hiddenLine xmlns:a14="http://schemas.microsoft.com/office/drawing/2010/main" xmlns="" w="9525">
+                <a14:hiddenLine xmlns="" xmlns:a14="http://schemas.microsoft.com/office/drawing/2010/main" w="9525">
                   <a:solidFill>
                     <a:srgbClr val="000000"/>
                   </a:solidFill>
@@ -1320,7 +1321,7 @@
             </a:ln>
             <a:extLst>
               <a:ext uri="{91240B29-F687-4f45-9708-019B960494DF}">
-                <a14:hiddenLine xmlns:a14="http://schemas.microsoft.com/office/drawing/2010/main" xmlns="" w="9525">
+                <a14:hiddenLine xmlns="" xmlns:a14="http://schemas.microsoft.com/office/drawing/2010/main" w="9525">
                   <a:solidFill>
                     <a:srgbClr val="000000"/>
                   </a:solidFill>
@@ -1410,7 +1411,7 @@
             </a:ln>
             <a:extLst>
               <a:ext uri="{91240B29-F687-4f45-9708-019B960494DF}">
-                <a14:hiddenLine xmlns:a14="http://schemas.microsoft.com/office/drawing/2010/main" xmlns="" w="9525">
+                <a14:hiddenLine xmlns="" xmlns:a14="http://schemas.microsoft.com/office/drawing/2010/main" w="9525">
                   <a:solidFill>
                     <a:srgbClr val="000000"/>
                   </a:solidFill>
@@ -1500,7 +1501,7 @@
             </a:ln>
             <a:extLst>
               <a:ext uri="{91240B29-F687-4f45-9708-019B960494DF}">
-                <a14:hiddenLine xmlns:a14="http://schemas.microsoft.com/office/drawing/2010/main" xmlns="" w="9525">
+                <a14:hiddenLine xmlns="" xmlns:a14="http://schemas.microsoft.com/office/drawing/2010/main" w="9525">
                   <a:solidFill>
                     <a:srgbClr val="000000"/>
                   </a:solidFill>
@@ -1562,7 +1563,7 @@
             </a:ln>
             <a:extLst>
               <a:ext uri="{91240B29-F687-4f45-9708-019B960494DF}">
-                <a14:hiddenLine xmlns:a14="http://schemas.microsoft.com/office/drawing/2010/main" xmlns="" w="9525">
+                <a14:hiddenLine xmlns="" xmlns:a14="http://schemas.microsoft.com/office/drawing/2010/main" w="9525">
                   <a:solidFill>
                     <a:srgbClr val="000000"/>
                   </a:solidFill>
@@ -1652,7 +1653,7 @@
             </a:ln>
             <a:extLst>
               <a:ext uri="{91240B29-F687-4f45-9708-019B960494DF}">
-                <a14:hiddenLine xmlns:a14="http://schemas.microsoft.com/office/drawing/2010/main" xmlns="" w="9525">
+                <a14:hiddenLine xmlns="" xmlns:a14="http://schemas.microsoft.com/office/drawing/2010/main" w="9525">
                   <a:solidFill>
                     <a:srgbClr val="000000"/>
                   </a:solidFill>
@@ -1742,7 +1743,7 @@
             </a:ln>
             <a:extLst>
               <a:ext uri="{91240B29-F687-4f45-9708-019B960494DF}">
-                <a14:hiddenLine xmlns:a14="http://schemas.microsoft.com/office/drawing/2010/main" xmlns="" w="9525">
+                <a14:hiddenLine xmlns="" xmlns:a14="http://schemas.microsoft.com/office/drawing/2010/main" w="9525">
                   <a:solidFill>
                     <a:srgbClr val="000000"/>
                   </a:solidFill>
@@ -1798,7 +1799,7 @@
             </a:ln>
             <a:extLst>
               <a:ext uri="{91240B29-F687-4f45-9708-019B960494DF}">
-                <a14:hiddenLine xmlns:a14="http://schemas.microsoft.com/office/drawing/2010/main" xmlns="" w="9525">
+                <a14:hiddenLine xmlns="" xmlns:a14="http://schemas.microsoft.com/office/drawing/2010/main" w="9525">
                   <a:solidFill>
                     <a:srgbClr val="000000"/>
                   </a:solidFill>
@@ -1888,7 +1889,7 @@
             </a:ln>
             <a:extLst>
               <a:ext uri="{91240B29-F687-4f45-9708-019B960494DF}">
-                <a14:hiddenLine xmlns:a14="http://schemas.microsoft.com/office/drawing/2010/main" xmlns="" w="9525">
+                <a14:hiddenLine xmlns="" xmlns:a14="http://schemas.microsoft.com/office/drawing/2010/main" w="9525">
                   <a:solidFill>
                     <a:srgbClr val="000000"/>
                   </a:solidFill>
@@ -1944,7 +1945,7 @@
             </a:ln>
             <a:extLst>
               <a:ext uri="{91240B29-F687-4f45-9708-019B960494DF}">
-                <a14:hiddenLine xmlns:a14="http://schemas.microsoft.com/office/drawing/2010/main" xmlns="" w="9525">
+                <a14:hiddenLine xmlns="" xmlns:a14="http://schemas.microsoft.com/office/drawing/2010/main" w="9525">
                   <a:solidFill>
                     <a:srgbClr val="000000"/>
                   </a:solidFill>
@@ -2034,7 +2035,7 @@
             </a:ln>
             <a:extLst>
               <a:ext uri="{91240B29-F687-4f45-9708-019B960494DF}">
-                <a14:hiddenLine xmlns:a14="http://schemas.microsoft.com/office/drawing/2010/main" xmlns="" w="9525">
+                <a14:hiddenLine xmlns="" xmlns:a14="http://schemas.microsoft.com/office/drawing/2010/main" w="9525">
                   <a:solidFill>
                     <a:srgbClr val="000000"/>
                   </a:solidFill>
@@ -2102,7 +2103,7 @@
             </a:ln>
             <a:extLst>
               <a:ext uri="{91240B29-F687-4f45-9708-019B960494DF}">
-                <a14:hiddenLine xmlns:a14="http://schemas.microsoft.com/office/drawing/2010/main" xmlns="" w="9525">
+                <a14:hiddenLine xmlns="" xmlns:a14="http://schemas.microsoft.com/office/drawing/2010/main" w="9525">
                   <a:solidFill>
                     <a:srgbClr val="000000"/>
                   </a:solidFill>
@@ -2192,7 +2193,7 @@
             </a:ln>
             <a:extLst>
               <a:ext uri="{91240B29-F687-4f45-9708-019B960494DF}">
-                <a14:hiddenLine xmlns:a14="http://schemas.microsoft.com/office/drawing/2010/main" xmlns="" w="9525">
+                <a14:hiddenLine xmlns="" xmlns:a14="http://schemas.microsoft.com/office/drawing/2010/main" w="9525">
                   <a:solidFill>
                     <a:srgbClr val="000000"/>
                   </a:solidFill>
@@ -2260,7 +2261,7 @@
             </a:ln>
             <a:extLst>
               <a:ext uri="{91240B29-F687-4f45-9708-019B960494DF}">
-                <a14:hiddenLine xmlns:a14="http://schemas.microsoft.com/office/drawing/2010/main" xmlns="" w="9525">
+                <a14:hiddenLine xmlns="" xmlns:a14="http://schemas.microsoft.com/office/drawing/2010/main" w="9525">
                   <a:solidFill>
                     <a:srgbClr val="000000"/>
                   </a:solidFill>
@@ -2350,7 +2351,7 @@
             </a:ln>
             <a:extLst>
               <a:ext uri="{91240B29-F687-4f45-9708-019B960494DF}">
-                <a14:hiddenLine xmlns:a14="http://schemas.microsoft.com/office/drawing/2010/main" xmlns="" w="9525">
+                <a14:hiddenLine xmlns="" xmlns:a14="http://schemas.microsoft.com/office/drawing/2010/main" w="9525">
                   <a:solidFill>
                     <a:srgbClr val="000000"/>
                   </a:solidFill>
@@ -2384,7 +2385,7 @@
             </a:ln>
             <a:extLst>
               <a:ext uri="{91240B29-F687-4f45-9708-019B960494DF}">
-                <a14:hiddenLine xmlns:a14="http://schemas.microsoft.com/office/drawing/2010/main" xmlns="" w="9525">
+                <a14:hiddenLine xmlns="" xmlns:a14="http://schemas.microsoft.com/office/drawing/2010/main" w="9525">
                   <a:solidFill>
                     <a:srgbClr val="000000"/>
                   </a:solidFill>
@@ -2474,7 +2475,7 @@
             </a:ln>
             <a:extLst>
               <a:ext uri="{91240B29-F687-4f45-9708-019B960494DF}">
-                <a14:hiddenLine xmlns:a14="http://schemas.microsoft.com/office/drawing/2010/main" xmlns="" w="9525">
+                <a14:hiddenLine xmlns="" xmlns:a14="http://schemas.microsoft.com/office/drawing/2010/main" w="9525">
                   <a:solidFill>
                     <a:srgbClr val="000000"/>
                   </a:solidFill>
@@ -2536,7 +2537,7 @@
             </a:ln>
             <a:extLst>
               <a:ext uri="{91240B29-F687-4f45-9708-019B960494DF}">
-                <a14:hiddenLine xmlns:a14="http://schemas.microsoft.com/office/drawing/2010/main" xmlns="" w="9525">
+                <a14:hiddenLine xmlns="" xmlns:a14="http://schemas.microsoft.com/office/drawing/2010/main" w="9525">
                   <a:solidFill>
                     <a:srgbClr val="000000"/>
                   </a:solidFill>
@@ -2598,7 +2599,7 @@
             </a:ln>
             <a:extLst>
               <a:ext uri="{91240B29-F687-4f45-9708-019B960494DF}">
-                <a14:hiddenLine xmlns:a14="http://schemas.microsoft.com/office/drawing/2010/main" xmlns="" w="9525">
+                <a14:hiddenLine xmlns="" xmlns:a14="http://schemas.microsoft.com/office/drawing/2010/main" w="9525">
                   <a:solidFill>
                     <a:srgbClr val="000000"/>
                   </a:solidFill>
@@ -2688,7 +2689,7 @@
             </a:ln>
             <a:extLst>
               <a:ext uri="{91240B29-F687-4f45-9708-019B960494DF}">
-                <a14:hiddenLine xmlns:a14="http://schemas.microsoft.com/office/drawing/2010/main" xmlns="" w="9525">
+                <a14:hiddenLine xmlns="" xmlns:a14="http://schemas.microsoft.com/office/drawing/2010/main" w="9525">
                   <a:solidFill>
                     <a:srgbClr val="000000"/>
                   </a:solidFill>
@@ -2756,7 +2757,7 @@
             </a:ln>
             <a:extLst>
               <a:ext uri="{91240B29-F687-4f45-9708-019B960494DF}">
-                <a14:hiddenLine xmlns:a14="http://schemas.microsoft.com/office/drawing/2010/main" xmlns="" w="9525">
+                <a14:hiddenLine xmlns="" xmlns:a14="http://schemas.microsoft.com/office/drawing/2010/main" w="9525">
                   <a:solidFill>
                     <a:srgbClr val="000000"/>
                   </a:solidFill>
@@ -2818,7 +2819,7 @@
             </a:ln>
             <a:extLst>
               <a:ext uri="{91240B29-F687-4f45-9708-019B960494DF}">
-                <a14:hiddenLine xmlns:a14="http://schemas.microsoft.com/office/drawing/2010/main" xmlns="" w="9525">
+                <a14:hiddenLine xmlns="" xmlns:a14="http://schemas.microsoft.com/office/drawing/2010/main" w="9525">
                   <a:solidFill>
                     <a:srgbClr val="000000"/>
                   </a:solidFill>
@@ -2908,7 +2909,7 @@
             </a:ln>
             <a:extLst>
               <a:ext uri="{91240B29-F687-4f45-9708-019B960494DF}">
-                <a14:hiddenLine xmlns:a14="http://schemas.microsoft.com/office/drawing/2010/main" xmlns="" w="9525">
+                <a14:hiddenLine xmlns="" xmlns:a14="http://schemas.microsoft.com/office/drawing/2010/main" w="9525">
                   <a:solidFill>
                     <a:srgbClr val="000000"/>
                   </a:solidFill>
@@ -2970,7 +2971,7 @@
             </a:ln>
             <a:extLst>
               <a:ext uri="{91240B29-F687-4f45-9708-019B960494DF}">
-                <a14:hiddenLine xmlns:a14="http://schemas.microsoft.com/office/drawing/2010/main" xmlns="" w="9525">
+                <a14:hiddenLine xmlns="" xmlns:a14="http://schemas.microsoft.com/office/drawing/2010/main" w="9525">
                   <a:solidFill>
                     <a:srgbClr val="000000"/>
                   </a:solidFill>
@@ -3060,7 +3061,7 @@
             </a:ln>
             <a:extLst>
               <a:ext uri="{91240B29-F687-4f45-9708-019B960494DF}">
-                <a14:hiddenLine xmlns:a14="http://schemas.microsoft.com/office/drawing/2010/main" xmlns="" w="9525">
+                <a14:hiddenLine xmlns="" xmlns:a14="http://schemas.microsoft.com/office/drawing/2010/main" w="9525">
                   <a:solidFill>
                     <a:srgbClr val="000000"/>
                   </a:solidFill>
@@ -3122,7 +3123,7 @@
             </a:ln>
             <a:extLst>
               <a:ext uri="{91240B29-F687-4f45-9708-019B960494DF}">
-                <a14:hiddenLine xmlns:a14="http://schemas.microsoft.com/office/drawing/2010/main" xmlns="" w="9525">
+                <a14:hiddenLine xmlns="" xmlns:a14="http://schemas.microsoft.com/office/drawing/2010/main" w="9525">
                   <a:solidFill>
                     <a:srgbClr val="000000"/>
                   </a:solidFill>
@@ -3212,7 +3213,7 @@
             </a:ln>
             <a:extLst>
               <a:ext uri="{91240B29-F687-4f45-9708-019B960494DF}">
-                <a14:hiddenLine xmlns:a14="http://schemas.microsoft.com/office/drawing/2010/main" xmlns="" w="9525">
+                <a14:hiddenLine xmlns="" xmlns:a14="http://schemas.microsoft.com/office/drawing/2010/main" w="9525">
                   <a:solidFill>
                     <a:srgbClr val="000000"/>
                   </a:solidFill>
@@ -3246,7 +3247,7 @@
             </a:ln>
             <a:extLst>
               <a:ext uri="{91240B29-F687-4f45-9708-019B960494DF}">
-                <a14:hiddenLine xmlns:a14="http://schemas.microsoft.com/office/drawing/2010/main" xmlns="" w="9525">
+                <a14:hiddenLine xmlns="" xmlns:a14="http://schemas.microsoft.com/office/drawing/2010/main" w="9525">
                   <a:solidFill>
                     <a:srgbClr val="000000"/>
                   </a:solidFill>
@@ -3311,7 +3312,7 @@
             </a:ln>
             <a:extLst>
               <a:ext uri="{91240B29-F687-4f45-9708-019B960494DF}">
-                <a14:hiddenLine xmlns:a14="http://schemas.microsoft.com/office/drawing/2010/main" xmlns="" w="9525">
+                <a14:hiddenLine xmlns="" xmlns:a14="http://schemas.microsoft.com/office/drawing/2010/main" w="9525">
                   <a:solidFill>
                     <a:srgbClr val="000000"/>
                   </a:solidFill>
@@ -3401,7 +3402,7 @@
             </a:ln>
             <a:extLst>
               <a:ext uri="{91240B29-F687-4f45-9708-019B960494DF}">
-                <a14:hiddenLine xmlns:a14="http://schemas.microsoft.com/office/drawing/2010/main" xmlns="" w="9525">
+                <a14:hiddenLine xmlns="" xmlns:a14="http://schemas.microsoft.com/office/drawing/2010/main" w="9525">
                   <a:solidFill>
                     <a:srgbClr val="000000"/>
                   </a:solidFill>
@@ -3463,7 +3464,7 @@
             </a:ln>
             <a:extLst>
               <a:ext uri="{91240B29-F687-4f45-9708-019B960494DF}">
-                <a14:hiddenLine xmlns:a14="http://schemas.microsoft.com/office/drawing/2010/main" xmlns="" w="9525">
+                <a14:hiddenLine xmlns="" xmlns:a14="http://schemas.microsoft.com/office/drawing/2010/main" w="9525">
                   <a:solidFill>
                     <a:srgbClr val="000000"/>
                   </a:solidFill>
@@ -3553,7 +3554,7 @@
             </a:ln>
             <a:extLst>
               <a:ext uri="{91240B29-F687-4f45-9708-019B960494DF}">
-                <a14:hiddenLine xmlns:a14="http://schemas.microsoft.com/office/drawing/2010/main" xmlns="" w="9525">
+                <a14:hiddenLine xmlns="" xmlns:a14="http://schemas.microsoft.com/office/drawing/2010/main" w="9525">
                   <a:solidFill>
                     <a:srgbClr val="000000"/>
                   </a:solidFill>
@@ -3643,7 +3644,7 @@
             </a:ln>
             <a:extLst>
               <a:ext uri="{91240B29-F687-4f45-9708-019B960494DF}">
-                <a14:hiddenLine xmlns:a14="http://schemas.microsoft.com/office/drawing/2010/main" xmlns="" w="9525">
+                <a14:hiddenLine xmlns="" xmlns:a14="http://schemas.microsoft.com/office/drawing/2010/main" w="9525">
                   <a:solidFill>
                     <a:srgbClr val="000000"/>
                   </a:solidFill>
@@ -3708,7 +3709,7 @@
             </a:ln>
             <a:extLst>
               <a:ext uri="{91240B29-F687-4f45-9708-019B960494DF}">
-                <a14:hiddenLine xmlns:a14="http://schemas.microsoft.com/office/drawing/2010/main" xmlns="" w="9525">
+                <a14:hiddenLine xmlns="" xmlns:a14="http://schemas.microsoft.com/office/drawing/2010/main" w="9525">
                   <a:solidFill>
                     <a:srgbClr val="000000"/>
                   </a:solidFill>
@@ -3770,7 +3771,7 @@
             </a:ln>
             <a:extLst>
               <a:ext uri="{91240B29-F687-4f45-9708-019B960494DF}">
-                <a14:hiddenLine xmlns:a14="http://schemas.microsoft.com/office/drawing/2010/main" xmlns="" w="9525">
+                <a14:hiddenLine xmlns="" xmlns:a14="http://schemas.microsoft.com/office/drawing/2010/main" w="9525">
                   <a:solidFill>
                     <a:srgbClr val="000000"/>
                   </a:solidFill>
@@ -3860,7 +3861,7 @@
             </a:ln>
             <a:extLst>
               <a:ext uri="{91240B29-F687-4f45-9708-019B960494DF}">
-                <a14:hiddenLine xmlns:a14="http://schemas.microsoft.com/office/drawing/2010/main" xmlns="" w="9525">
+                <a14:hiddenLine xmlns="" xmlns:a14="http://schemas.microsoft.com/office/drawing/2010/main" w="9525">
                   <a:solidFill>
                     <a:srgbClr val="000000"/>
                   </a:solidFill>
@@ -3950,7 +3951,7 @@
             </a:ln>
             <a:extLst>
               <a:ext uri="{91240B29-F687-4f45-9708-019B960494DF}">
-                <a14:hiddenLine xmlns:a14="http://schemas.microsoft.com/office/drawing/2010/main" xmlns="" w="9525">
+                <a14:hiddenLine xmlns="" xmlns:a14="http://schemas.microsoft.com/office/drawing/2010/main" w="9525">
                   <a:solidFill>
                     <a:srgbClr val="000000"/>
                   </a:solidFill>
@@ -4012,7 +4013,7 @@
             </a:ln>
             <a:extLst>
               <a:ext uri="{91240B29-F687-4f45-9708-019B960494DF}">
-                <a14:hiddenLine xmlns:a14="http://schemas.microsoft.com/office/drawing/2010/main" xmlns="" w="9525">
+                <a14:hiddenLine xmlns="" xmlns:a14="http://schemas.microsoft.com/office/drawing/2010/main" w="9525">
                   <a:solidFill>
                     <a:srgbClr val="000000"/>
                   </a:solidFill>
@@ -4132,7 +4133,7 @@
             </a:ln>
             <a:extLst>
               <a:ext uri="{91240B29-F687-4f45-9708-019B960494DF}">
-                <a14:hiddenLine xmlns:a14="http://schemas.microsoft.com/office/drawing/2010/main" xmlns="" w="9525">
+                <a14:hiddenLine xmlns="" xmlns:a14="http://schemas.microsoft.com/office/drawing/2010/main" w="9525">
                   <a:solidFill>
                     <a:srgbClr val="000000"/>
                   </a:solidFill>
@@ -4200,7 +4201,7 @@
             </a:ln>
             <a:extLst>
               <a:ext uri="{91240B29-F687-4f45-9708-019B960494DF}">
-                <a14:hiddenLine xmlns:a14="http://schemas.microsoft.com/office/drawing/2010/main" xmlns="" w="9525">
+                <a14:hiddenLine xmlns="" xmlns:a14="http://schemas.microsoft.com/office/drawing/2010/main" w="9525">
                   <a:solidFill>
                     <a:srgbClr val="000000"/>
                   </a:solidFill>
@@ -4290,7 +4291,7 @@
             </a:ln>
             <a:extLst>
               <a:ext uri="{91240B29-F687-4f45-9708-019B960494DF}">
-                <a14:hiddenLine xmlns:a14="http://schemas.microsoft.com/office/drawing/2010/main" xmlns="" w="9525">
+                <a14:hiddenLine xmlns="" xmlns:a14="http://schemas.microsoft.com/office/drawing/2010/main" w="9525">
                   <a:solidFill>
                     <a:srgbClr val="000000"/>
                   </a:solidFill>
@@ -4430,7 +4431,7 @@
           <a:p>
             <a:fld id="{48A87A34-81AB-432B-8DAE-1953F412C126}" type="datetimeFigureOut">
               <a:rPr lang="en-US" dirty="0"/>
-              <a:t>6/13/19</a:t>
+              <a:t>6/15/19</a:t>
             </a:fld>
             <a:endParaRPr lang="en-US" dirty="0"/>
           </a:p>
@@ -4692,7 +4693,7 @@
           <a:p>
             <a:fld id="{48A87A34-81AB-432B-8DAE-1953F412C126}" type="datetimeFigureOut">
               <a:rPr lang="en-US" dirty="0"/>
-              <a:t>6/13/19</a:t>
+              <a:t>6/15/19</a:t>
             </a:fld>
             <a:endParaRPr lang="en-US" dirty="0"/>
           </a:p>
@@ -4883,7 +4884,7 @@
           <a:p>
             <a:fld id="{48A87A34-81AB-432B-8DAE-1953F412C126}" type="datetimeFigureOut">
               <a:rPr lang="en-US" dirty="0"/>
-              <a:t>6/13/19</a:t>
+              <a:t>6/15/19</a:t>
             </a:fld>
             <a:endParaRPr lang="en-US" dirty="0"/>
           </a:p>
@@ -5141,7 +5142,7 @@
           <a:p>
             <a:fld id="{48A87A34-81AB-432B-8DAE-1953F412C126}" type="datetimeFigureOut">
               <a:rPr lang="en-US" dirty="0"/>
-              <a:t>6/13/19</a:t>
+              <a:t>6/15/19</a:t>
             </a:fld>
             <a:endParaRPr lang="en-US" dirty="0"/>
           </a:p>
@@ -5570,7 +5571,7 @@
           <a:p>
             <a:fld id="{48A87A34-81AB-432B-8DAE-1953F412C126}" type="datetimeFigureOut">
               <a:rPr lang="en-US" dirty="0"/>
-              <a:t>6/13/19</a:t>
+              <a:t>6/15/19</a:t>
             </a:fld>
             <a:endParaRPr lang="en-US" dirty="0"/>
           </a:p>
@@ -6111,7 +6112,7 @@
           <a:p>
             <a:fld id="{48A87A34-81AB-432B-8DAE-1953F412C126}" type="datetimeFigureOut">
               <a:rPr lang="en-US" dirty="0"/>
-              <a:t>6/13/19</a:t>
+              <a:t>6/15/19</a:t>
             </a:fld>
             <a:endParaRPr lang="en-US" dirty="0"/>
           </a:p>
@@ -6826,7 +6827,7 @@
           <a:p>
             <a:fld id="{48A87A34-81AB-432B-8DAE-1953F412C126}" type="datetimeFigureOut">
               <a:rPr lang="en-US" dirty="0"/>
-              <a:t>6/13/19</a:t>
+              <a:t>6/15/19</a:t>
             </a:fld>
             <a:endParaRPr lang="en-US" dirty="0"/>
           </a:p>
@@ -6991,7 +6992,7 @@
           <a:p>
             <a:fld id="{48A87A34-81AB-432B-8DAE-1953F412C126}" type="datetimeFigureOut">
               <a:rPr lang="en-US" dirty="0"/>
-              <a:t>6/13/19</a:t>
+              <a:t>6/15/19</a:t>
             </a:fld>
             <a:endParaRPr lang="en-US" dirty="0"/>
           </a:p>
@@ -7166,7 +7167,7 @@
           <a:p>
             <a:fld id="{48A87A34-81AB-432B-8DAE-1953F412C126}" type="datetimeFigureOut">
               <a:rPr lang="en-US" dirty="0"/>
-              <a:t>6/13/19</a:t>
+              <a:t>6/15/19</a:t>
             </a:fld>
             <a:endParaRPr lang="en-US" dirty="0"/>
           </a:p>
@@ -7331,7 +7332,7 @@
           <a:p>
             <a:fld id="{48A87A34-81AB-432B-8DAE-1953F412C126}" type="datetimeFigureOut">
               <a:rPr lang="en-US" dirty="0"/>
-              <a:t>6/13/19</a:t>
+              <a:t>6/15/19</a:t>
             </a:fld>
             <a:endParaRPr lang="en-US" dirty="0"/>
           </a:p>
@@ -7576,7 +7577,7 @@
           <a:p>
             <a:fld id="{48A87A34-81AB-432B-8DAE-1953F412C126}" type="datetimeFigureOut">
               <a:rPr lang="en-US" dirty="0"/>
-              <a:t>6/13/19</a:t>
+              <a:t>6/15/19</a:t>
             </a:fld>
             <a:endParaRPr lang="en-US" dirty="0"/>
           </a:p>
@@ -7803,7 +7804,7 @@
           <a:p>
             <a:fld id="{48A87A34-81AB-432B-8DAE-1953F412C126}" type="datetimeFigureOut">
               <a:rPr lang="en-US" dirty="0"/>
-              <a:t>6/13/19</a:t>
+              <a:t>6/15/19</a:t>
             </a:fld>
             <a:endParaRPr lang="en-US" dirty="0"/>
           </a:p>
@@ -8179,7 +8180,7 @@
           <a:p>
             <a:fld id="{48A87A34-81AB-432B-8DAE-1953F412C126}" type="datetimeFigureOut">
               <a:rPr lang="en-US" dirty="0"/>
-              <a:t>6/13/19</a:t>
+              <a:t>6/15/19</a:t>
             </a:fld>
             <a:endParaRPr lang="en-US" dirty="0"/>
           </a:p>
@@ -8292,7 +8293,7 @@
           <a:p>
             <a:fld id="{48A87A34-81AB-432B-8DAE-1953F412C126}" type="datetimeFigureOut">
               <a:rPr lang="en-US" dirty="0"/>
-              <a:t>6/13/19</a:t>
+              <a:t>6/15/19</a:t>
             </a:fld>
             <a:endParaRPr lang="en-US" dirty="0"/>
           </a:p>
@@ -8382,7 +8383,7 @@
           <a:p>
             <a:fld id="{48A87A34-81AB-432B-8DAE-1953F412C126}" type="datetimeFigureOut">
               <a:rPr lang="en-US" dirty="0"/>
-              <a:t>6/13/19</a:t>
+              <a:t>6/15/19</a:t>
             </a:fld>
             <a:endParaRPr lang="en-US" dirty="0"/>
           </a:p>
@@ -8626,7 +8627,7 @@
           <a:p>
             <a:fld id="{48A87A34-81AB-432B-8DAE-1953F412C126}" type="datetimeFigureOut">
               <a:rPr lang="en-US" dirty="0"/>
-              <a:t>6/13/19</a:t>
+              <a:t>6/15/19</a:t>
             </a:fld>
             <a:endParaRPr lang="en-US" dirty="0"/>
           </a:p>
@@ -8901,7 +8902,7 @@
           <a:p>
             <a:fld id="{48A87A34-81AB-432B-8DAE-1953F412C126}" type="datetimeFigureOut">
               <a:rPr lang="en-US" dirty="0"/>
-              <a:t>6/13/19</a:t>
+              <a:t>6/15/19</a:t>
             </a:fld>
             <a:endParaRPr lang="en-US" dirty="0"/>
           </a:p>
@@ -9017,7 +9018,7 @@
           <a:noFill/>
           <a:extLst>
             <a:ext uri="{909E8E84-426E-40dd-AFC4-6F175D3DCCD1}">
-              <a14:hiddenFill xmlns:a14="http://schemas.microsoft.com/office/drawing/2010/main" xmlns="">
+              <a14:hiddenFill xmlns="" xmlns:a14="http://schemas.microsoft.com/office/drawing/2010/main">
                 <a:solidFill>
                   <a:srgbClr val="FFFFFF"/>
                 </a:solidFill>
@@ -9091,7 +9092,7 @@
               </a:ln>
               <a:extLst>
                 <a:ext uri="{91240B29-F687-4f45-9708-019B960494DF}">
-                  <a14:hiddenLine xmlns:a14="http://schemas.microsoft.com/office/drawing/2010/main" xmlns="" w="9525">
+                  <a14:hiddenLine xmlns="" xmlns:a14="http://schemas.microsoft.com/office/drawing/2010/main" w="9525">
                     <a:solidFill>
                       <a:srgbClr val="000000"/>
                     </a:solidFill>
@@ -9181,7 +9182,7 @@
               </a:ln>
               <a:extLst>
                 <a:ext uri="{91240B29-F687-4f45-9708-019B960494DF}">
-                  <a14:hiddenLine xmlns:a14="http://schemas.microsoft.com/office/drawing/2010/main" xmlns="" w="9525">
+                  <a14:hiddenLine xmlns="" xmlns:a14="http://schemas.microsoft.com/office/drawing/2010/main" w="9525">
                     <a:solidFill>
                       <a:srgbClr val="000000"/>
                     </a:solidFill>
@@ -9271,7 +9272,7 @@
               </a:ln>
               <a:extLst>
                 <a:ext uri="{91240B29-F687-4f45-9708-019B960494DF}">
-                  <a14:hiddenLine xmlns:a14="http://schemas.microsoft.com/office/drawing/2010/main" xmlns="" w="9525">
+                  <a14:hiddenLine xmlns="" xmlns:a14="http://schemas.microsoft.com/office/drawing/2010/main" w="9525">
                     <a:solidFill>
                       <a:srgbClr val="000000"/>
                     </a:solidFill>
@@ -9333,7 +9334,7 @@
               </a:ln>
               <a:extLst>
                 <a:ext uri="{91240B29-F687-4f45-9708-019B960494DF}">
-                  <a14:hiddenLine xmlns:a14="http://schemas.microsoft.com/office/drawing/2010/main" xmlns="" w="9525">
+                  <a14:hiddenLine xmlns="" xmlns:a14="http://schemas.microsoft.com/office/drawing/2010/main" w="9525">
                     <a:solidFill>
                       <a:srgbClr val="000000"/>
                     </a:solidFill>
@@ -9423,7 +9424,7 @@
               </a:ln>
               <a:extLst>
                 <a:ext uri="{91240B29-F687-4f45-9708-019B960494DF}">
-                  <a14:hiddenLine xmlns:a14="http://schemas.microsoft.com/office/drawing/2010/main" xmlns="" w="9525">
+                  <a14:hiddenLine xmlns="" xmlns:a14="http://schemas.microsoft.com/office/drawing/2010/main" w="9525">
                     <a:solidFill>
                       <a:srgbClr val="000000"/>
                     </a:solidFill>
@@ -9485,7 +9486,7 @@
               </a:ln>
               <a:extLst>
                 <a:ext uri="{91240B29-F687-4f45-9708-019B960494DF}">
-                  <a14:hiddenLine xmlns:a14="http://schemas.microsoft.com/office/drawing/2010/main" xmlns="" w="9525">
+                  <a14:hiddenLine xmlns="" xmlns:a14="http://schemas.microsoft.com/office/drawing/2010/main" w="9525">
                     <a:solidFill>
                       <a:srgbClr val="000000"/>
                     </a:solidFill>
@@ -9547,7 +9548,7 @@
               </a:ln>
               <a:extLst>
                 <a:ext uri="{91240B29-F687-4f45-9708-019B960494DF}">
-                  <a14:hiddenLine xmlns:a14="http://schemas.microsoft.com/office/drawing/2010/main" xmlns="" w="9525">
+                  <a14:hiddenLine xmlns="" xmlns:a14="http://schemas.microsoft.com/office/drawing/2010/main" w="9525">
                     <a:solidFill>
                       <a:srgbClr val="000000"/>
                     </a:solidFill>
@@ -9637,7 +9638,7 @@
               </a:ln>
               <a:extLst>
                 <a:ext uri="{91240B29-F687-4f45-9708-019B960494DF}">
-                  <a14:hiddenLine xmlns:a14="http://schemas.microsoft.com/office/drawing/2010/main" xmlns="" w="9525">
+                  <a14:hiddenLine xmlns="" xmlns:a14="http://schemas.microsoft.com/office/drawing/2010/main" w="9525">
                     <a:solidFill>
                       <a:srgbClr val="000000"/>
                     </a:solidFill>
@@ -9727,7 +9728,7 @@
               </a:ln>
               <a:extLst>
                 <a:ext uri="{91240B29-F687-4f45-9708-019B960494DF}">
-                  <a14:hiddenLine xmlns:a14="http://schemas.microsoft.com/office/drawing/2010/main" xmlns="" w="9525">
+                  <a14:hiddenLine xmlns="" xmlns:a14="http://schemas.microsoft.com/office/drawing/2010/main" w="9525">
                     <a:solidFill>
                       <a:srgbClr val="000000"/>
                     </a:solidFill>
@@ -9789,7 +9790,7 @@
               </a:ln>
               <a:extLst>
                 <a:ext uri="{91240B29-F687-4f45-9708-019B960494DF}">
-                  <a14:hiddenLine xmlns:a14="http://schemas.microsoft.com/office/drawing/2010/main" xmlns="" w="9525">
+                  <a14:hiddenLine xmlns="" xmlns:a14="http://schemas.microsoft.com/office/drawing/2010/main" w="9525">
                     <a:solidFill>
                       <a:srgbClr val="000000"/>
                     </a:solidFill>
@@ -9899,7 +9900,7 @@
               </a:ln>
               <a:extLst>
                 <a:ext uri="{91240B29-F687-4f45-9708-019B960494DF}">
-                  <a14:hiddenLine xmlns:a14="http://schemas.microsoft.com/office/drawing/2010/main" xmlns="" w="9525">
+                  <a14:hiddenLine xmlns="" xmlns:a14="http://schemas.microsoft.com/office/drawing/2010/main" w="9525">
                     <a:solidFill>
                       <a:srgbClr val="000000"/>
                     </a:solidFill>
@@ -9983,7 +9984,7 @@
               </a:ln>
               <a:extLst>
                 <a:ext uri="{91240B29-F687-4f45-9708-019B960494DF}">
-                  <a14:hiddenLine xmlns:a14="http://schemas.microsoft.com/office/drawing/2010/main" xmlns="" w="9525">
+                  <a14:hiddenLine xmlns="" xmlns:a14="http://schemas.microsoft.com/office/drawing/2010/main" w="9525">
                     <a:solidFill>
                       <a:srgbClr val="000000"/>
                     </a:solidFill>
@@ -10045,7 +10046,7 @@
               </a:ln>
               <a:extLst>
                 <a:ext uri="{91240B29-F687-4f45-9708-019B960494DF}">
-                  <a14:hiddenLine xmlns:a14="http://schemas.microsoft.com/office/drawing/2010/main" xmlns="" w="9525">
+                  <a14:hiddenLine xmlns="" xmlns:a14="http://schemas.microsoft.com/office/drawing/2010/main" w="9525">
                     <a:solidFill>
                       <a:srgbClr val="000000"/>
                     </a:solidFill>
@@ -10107,7 +10108,7 @@
               </a:ln>
               <a:extLst>
                 <a:ext uri="{91240B29-F687-4f45-9708-019B960494DF}">
-                  <a14:hiddenLine xmlns:a14="http://schemas.microsoft.com/office/drawing/2010/main" xmlns="" w="9525">
+                  <a14:hiddenLine xmlns="" xmlns:a14="http://schemas.microsoft.com/office/drawing/2010/main" w="9525">
                     <a:solidFill>
                       <a:srgbClr val="000000"/>
                     </a:solidFill>
@@ -10197,7 +10198,7 @@
               </a:ln>
               <a:extLst>
                 <a:ext uri="{91240B29-F687-4f45-9708-019B960494DF}">
-                  <a14:hiddenLine xmlns:a14="http://schemas.microsoft.com/office/drawing/2010/main" xmlns="" w="9525">
+                  <a14:hiddenLine xmlns="" xmlns:a14="http://schemas.microsoft.com/office/drawing/2010/main" w="9525">
                     <a:solidFill>
                       <a:srgbClr val="000000"/>
                     </a:solidFill>
@@ -10231,7 +10232,7 @@
               </a:ln>
               <a:extLst>
                 <a:ext uri="{91240B29-F687-4f45-9708-019B960494DF}">
-                  <a14:hiddenLine xmlns:a14="http://schemas.microsoft.com/office/drawing/2010/main" xmlns="" w="9525">
+                  <a14:hiddenLine xmlns="" xmlns:a14="http://schemas.microsoft.com/office/drawing/2010/main" w="9525">
                     <a:solidFill>
                       <a:srgbClr val="000000"/>
                     </a:solidFill>
@@ -10296,7 +10297,7 @@
               </a:ln>
               <a:extLst>
                 <a:ext uri="{91240B29-F687-4f45-9708-019B960494DF}">
-                  <a14:hiddenLine xmlns:a14="http://schemas.microsoft.com/office/drawing/2010/main" xmlns="" w="9525">
+                  <a14:hiddenLine xmlns="" xmlns:a14="http://schemas.microsoft.com/office/drawing/2010/main" w="9525">
                     <a:solidFill>
                       <a:srgbClr val="000000"/>
                     </a:solidFill>
@@ -10386,7 +10387,7 @@
               </a:ln>
               <a:extLst>
                 <a:ext uri="{91240B29-F687-4f45-9708-019B960494DF}">
-                  <a14:hiddenLine xmlns:a14="http://schemas.microsoft.com/office/drawing/2010/main" xmlns="" w="9525">
+                  <a14:hiddenLine xmlns="" xmlns:a14="http://schemas.microsoft.com/office/drawing/2010/main" w="9525">
                     <a:solidFill>
                       <a:srgbClr val="000000"/>
                     </a:solidFill>
@@ -10448,7 +10449,7 @@
               </a:ln>
               <a:extLst>
                 <a:ext uri="{91240B29-F687-4f45-9708-019B960494DF}">
-                  <a14:hiddenLine xmlns:a14="http://schemas.microsoft.com/office/drawing/2010/main" xmlns="" w="9525">
+                  <a14:hiddenLine xmlns="" xmlns:a14="http://schemas.microsoft.com/office/drawing/2010/main" w="9525">
                     <a:solidFill>
                       <a:srgbClr val="000000"/>
                     </a:solidFill>
@@ -10538,7 +10539,7 @@
               </a:ln>
               <a:extLst>
                 <a:ext uri="{91240B29-F687-4f45-9708-019B960494DF}">
-                  <a14:hiddenLine xmlns:a14="http://schemas.microsoft.com/office/drawing/2010/main" xmlns="" w="9525">
+                  <a14:hiddenLine xmlns="" xmlns:a14="http://schemas.microsoft.com/office/drawing/2010/main" w="9525">
                     <a:solidFill>
                       <a:srgbClr val="000000"/>
                     </a:solidFill>
@@ -10603,7 +10604,7 @@
               </a:ln>
               <a:extLst>
                 <a:ext uri="{91240B29-F687-4f45-9708-019B960494DF}">
-                  <a14:hiddenLine xmlns:a14="http://schemas.microsoft.com/office/drawing/2010/main" xmlns="" w="9525">
+                  <a14:hiddenLine xmlns="" xmlns:a14="http://schemas.microsoft.com/office/drawing/2010/main" w="9525">
                     <a:solidFill>
                       <a:srgbClr val="000000"/>
                     </a:solidFill>
@@ -10665,7 +10666,7 @@
               </a:ln>
               <a:extLst>
                 <a:ext uri="{91240B29-F687-4f45-9708-019B960494DF}">
-                  <a14:hiddenLine xmlns:a14="http://schemas.microsoft.com/office/drawing/2010/main" xmlns="" w="9525">
+                  <a14:hiddenLine xmlns="" xmlns:a14="http://schemas.microsoft.com/office/drawing/2010/main" w="9525">
                     <a:solidFill>
                       <a:srgbClr val="000000"/>
                     </a:solidFill>
@@ -10755,7 +10756,7 @@
               </a:ln>
               <a:extLst>
                 <a:ext uri="{91240B29-F687-4f45-9708-019B960494DF}">
-                  <a14:hiddenLine xmlns:a14="http://schemas.microsoft.com/office/drawing/2010/main" xmlns="" w="9525">
+                  <a14:hiddenLine xmlns="" xmlns:a14="http://schemas.microsoft.com/office/drawing/2010/main" w="9525">
                     <a:solidFill>
                       <a:srgbClr val="000000"/>
                     </a:solidFill>
@@ -10845,7 +10846,7 @@
               </a:ln>
               <a:extLst>
                 <a:ext uri="{91240B29-F687-4f45-9708-019B960494DF}">
-                  <a14:hiddenLine xmlns:a14="http://schemas.microsoft.com/office/drawing/2010/main" xmlns="" w="9525">
+                  <a14:hiddenLine xmlns="" xmlns:a14="http://schemas.microsoft.com/office/drawing/2010/main" w="9525">
                     <a:solidFill>
                       <a:srgbClr val="000000"/>
                     </a:solidFill>
@@ -10910,7 +10911,7 @@
               </a:ln>
               <a:extLst>
                 <a:ext uri="{91240B29-F687-4f45-9708-019B960494DF}">
-                  <a14:hiddenLine xmlns:a14="http://schemas.microsoft.com/office/drawing/2010/main" xmlns="" w="9525">
+                  <a14:hiddenLine xmlns="" xmlns:a14="http://schemas.microsoft.com/office/drawing/2010/main" w="9525">
                     <a:solidFill>
                       <a:srgbClr val="000000"/>
                     </a:solidFill>
@@ -11030,7 +11031,7 @@
               </a:ln>
               <a:extLst>
                 <a:ext uri="{91240B29-F687-4f45-9708-019B960494DF}">
-                  <a14:hiddenLine xmlns:a14="http://schemas.microsoft.com/office/drawing/2010/main" xmlns="" w="9525">
+                  <a14:hiddenLine xmlns="" xmlns:a14="http://schemas.microsoft.com/office/drawing/2010/main" w="9525">
                     <a:solidFill>
                       <a:srgbClr val="000000"/>
                     </a:solidFill>
@@ -11128,7 +11129,7 @@
               </a:ln>
               <a:extLst>
                 <a:ext uri="{91240B29-F687-4f45-9708-019B960494DF}">
-                  <a14:hiddenLine xmlns:a14="http://schemas.microsoft.com/office/drawing/2010/main" xmlns="" w="9525">
+                  <a14:hiddenLine xmlns="" xmlns:a14="http://schemas.microsoft.com/office/drawing/2010/main" w="9525">
                     <a:solidFill>
                       <a:srgbClr val="000000"/>
                     </a:solidFill>
@@ -11243,7 +11244,7 @@
               </a:ln>
               <a:extLst>
                 <a:ext uri="{91240B29-F687-4f45-9708-019B960494DF}">
-                  <a14:hiddenLine xmlns:a14="http://schemas.microsoft.com/office/drawing/2010/main" xmlns="" w="9525">
+                  <a14:hiddenLine xmlns="" xmlns:a14="http://schemas.microsoft.com/office/drawing/2010/main" w="9525">
                     <a:solidFill>
                       <a:srgbClr val="000000"/>
                     </a:solidFill>
@@ -11333,7 +11334,7 @@
               </a:ln>
               <a:extLst>
                 <a:ext uri="{91240B29-F687-4f45-9708-019B960494DF}">
-                  <a14:hiddenLine xmlns:a14="http://schemas.microsoft.com/office/drawing/2010/main" xmlns="" w="9525">
+                  <a14:hiddenLine xmlns="" xmlns:a14="http://schemas.microsoft.com/office/drawing/2010/main" w="9525">
                     <a:solidFill>
                       <a:srgbClr val="000000"/>
                     </a:solidFill>
@@ -11398,7 +11399,7 @@
               </a:ln>
               <a:extLst>
                 <a:ext uri="{91240B29-F687-4f45-9708-019B960494DF}">
-                  <a14:hiddenLine xmlns:a14="http://schemas.microsoft.com/office/drawing/2010/main" xmlns="" w="9525">
+                  <a14:hiddenLine xmlns="" xmlns:a14="http://schemas.microsoft.com/office/drawing/2010/main" w="9525">
                     <a:solidFill>
                       <a:srgbClr val="000000"/>
                     </a:solidFill>
@@ -11488,7 +11489,7 @@
               </a:ln>
               <a:extLst>
                 <a:ext uri="{91240B29-F687-4f45-9708-019B960494DF}">
-                  <a14:hiddenLine xmlns:a14="http://schemas.microsoft.com/office/drawing/2010/main" xmlns="" w="9525">
+                  <a14:hiddenLine xmlns="" xmlns:a14="http://schemas.microsoft.com/office/drawing/2010/main" w="9525">
                     <a:solidFill>
                       <a:srgbClr val="000000"/>
                     </a:solidFill>
@@ -11556,7 +11557,7 @@
               </a:ln>
               <a:extLst>
                 <a:ext uri="{91240B29-F687-4f45-9708-019B960494DF}">
-                  <a14:hiddenLine xmlns:a14="http://schemas.microsoft.com/office/drawing/2010/main" xmlns="" w="9525">
+                  <a14:hiddenLine xmlns="" xmlns:a14="http://schemas.microsoft.com/office/drawing/2010/main" w="9525">
                     <a:solidFill>
                       <a:srgbClr val="000000"/>
                     </a:solidFill>
@@ -11646,7 +11647,7 @@
               </a:ln>
               <a:extLst>
                 <a:ext uri="{91240B29-F687-4f45-9708-019B960494DF}">
-                  <a14:hiddenLine xmlns:a14="http://schemas.microsoft.com/office/drawing/2010/main" xmlns="" w="9525">
+                  <a14:hiddenLine xmlns="" xmlns:a14="http://schemas.microsoft.com/office/drawing/2010/main" w="9525">
                     <a:solidFill>
                       <a:srgbClr val="000000"/>
                     </a:solidFill>
@@ -11714,7 +11715,7 @@
               </a:ln>
               <a:extLst>
                 <a:ext uri="{91240B29-F687-4f45-9708-019B960494DF}">
-                  <a14:hiddenLine xmlns:a14="http://schemas.microsoft.com/office/drawing/2010/main" xmlns="" w="9525">
+                  <a14:hiddenLine xmlns="" xmlns:a14="http://schemas.microsoft.com/office/drawing/2010/main" w="9525">
                     <a:solidFill>
                       <a:srgbClr val="000000"/>
                     </a:solidFill>
@@ -11804,7 +11805,7 @@
               </a:ln>
               <a:extLst>
                 <a:ext uri="{91240B29-F687-4f45-9708-019B960494DF}">
-                  <a14:hiddenLine xmlns:a14="http://schemas.microsoft.com/office/drawing/2010/main" xmlns="" w="9525">
+                  <a14:hiddenLine xmlns="" xmlns:a14="http://schemas.microsoft.com/office/drawing/2010/main" w="9525">
                     <a:solidFill>
                       <a:srgbClr val="000000"/>
                     </a:solidFill>
@@ -11838,7 +11839,7 @@
               </a:ln>
               <a:extLst>
                 <a:ext uri="{91240B29-F687-4f45-9708-019B960494DF}">
-                  <a14:hiddenLine xmlns:a14="http://schemas.microsoft.com/office/drawing/2010/main" xmlns="" w="9525">
+                  <a14:hiddenLine xmlns="" xmlns:a14="http://schemas.microsoft.com/office/drawing/2010/main" w="9525">
                     <a:solidFill>
                       <a:srgbClr val="000000"/>
                     </a:solidFill>
@@ -11979,7 +11980,7 @@
             <a:fld id="{48A87A34-81AB-432B-8DAE-1953F412C126}" type="datetimeFigureOut">
               <a:rPr lang="en-US" dirty="0"/>
               <a:pPr/>
-              <a:t>6/13/19</a:t>
+              <a:t>6/15/19</a:t>
             </a:fld>
             <a:endParaRPr lang="en-US" dirty="0"/>
           </a:p>
@@ -18859,7 +18860,9 @@
           </a:xfrm>
         </p:spPr>
         <p:txBody>
-          <a:bodyPr/>
+          <a:bodyPr>
+            <a:normAutofit/>
+          </a:bodyPr>
           <a:lstStyle/>
           <a:p>
             <a:r>
@@ -18952,7 +18955,7 @@
             </a:r>
             <a:r>
               <a:rPr lang="en-US" dirty="0"/>
-              <a:t> statement CAN’T be used with the </a:t>
+              <a:t> expression CAN’T be used with any </a:t>
             </a:r>
             <a:r>
               <a:rPr lang="en-US" u="sng" dirty="0"/>
@@ -18980,7 +18983,7 @@
             </a:r>
             <a:r>
               <a:rPr lang="en-US" dirty="0"/>
-              <a:t> statement CAN’T be used with the </a:t>
+              <a:t> constant CAN’T be used with the </a:t>
             </a:r>
             <a:r>
               <a:rPr lang="en-US" sz="2000" u="sng" dirty="0">
@@ -19430,7 +19433,12 @@
             <p:ph type="title"/>
           </p:nvPr>
         </p:nvSpPr>
-        <p:spPr/>
+        <p:spPr>
+          <a:xfrm>
+            <a:off x="1141413" y="618518"/>
+            <a:ext cx="9905998" cy="1291306"/>
+          </a:xfrm>
+        </p:spPr>
         <p:txBody>
           <a:bodyPr/>
           <a:lstStyle/>
@@ -22238,7 +22246,7 @@
                             </p:stCondLst>
                             <p:childTnLst>
                               <p:par>
-                                <p:cTn id="10" presetID="2" presetClass="entr" presetSubtype="4" fill="hold" grpId="1" nodeType="clickEffect">
+                                <p:cTn id="10" presetID="22" presetClass="entr" presetSubtype="4" fill="hold" grpId="0" nodeType="clickEffect">
                                   <p:stCondLst>
                                     <p:cond delay="0"/>
                                   </p:stCondLst>
@@ -22251,97 +22259,6 @@
                                           </p:stCondLst>
                                         </p:cTn>
                                         <p:tgtEl>
-                                          <p:spTgt spid="8"/>
-                                        </p:tgtEl>
-                                        <p:attrNameLst>
-                                          <p:attrName>style.visibility</p:attrName>
-                                        </p:attrNameLst>
-                                      </p:cBhvr>
-                                      <p:to>
-                                        <p:strVal val="visible"/>
-                                      </p:to>
-                                    </p:set>
-                                    <p:anim calcmode="lin" valueType="num">
-                                      <p:cBhvr additive="base">
-                                        <p:cTn id="12" dur="500" fill="hold"/>
-                                        <p:tgtEl>
-                                          <p:spTgt spid="8"/>
-                                        </p:tgtEl>
-                                        <p:attrNameLst>
-                                          <p:attrName>ppt_x</p:attrName>
-                                        </p:attrNameLst>
-                                      </p:cBhvr>
-                                      <p:tavLst>
-                                        <p:tav tm="0">
-                                          <p:val>
-                                            <p:strVal val="#ppt_x"/>
-                                          </p:val>
-                                        </p:tav>
-                                        <p:tav tm="100000">
-                                          <p:val>
-                                            <p:strVal val="#ppt_x"/>
-                                          </p:val>
-                                        </p:tav>
-                                      </p:tavLst>
-                                    </p:anim>
-                                    <p:anim calcmode="lin" valueType="num">
-                                      <p:cBhvr additive="base">
-                                        <p:cTn id="13" dur="500" fill="hold"/>
-                                        <p:tgtEl>
-                                          <p:spTgt spid="8"/>
-                                        </p:tgtEl>
-                                        <p:attrNameLst>
-                                          <p:attrName>ppt_y</p:attrName>
-                                        </p:attrNameLst>
-                                      </p:cBhvr>
-                                      <p:tavLst>
-                                        <p:tav tm="0">
-                                          <p:val>
-                                            <p:strVal val="1+#ppt_h/2"/>
-                                          </p:val>
-                                        </p:tav>
-                                        <p:tav tm="100000">
-                                          <p:val>
-                                            <p:strVal val="#ppt_y"/>
-                                          </p:val>
-                                        </p:tav>
-                                      </p:tavLst>
-                                    </p:anim>
-                                  </p:childTnLst>
-                                </p:cTn>
-                              </p:par>
-                            </p:childTnLst>
-                          </p:cTn>
-                        </p:par>
-                      </p:childTnLst>
-                    </p:cTn>
-                  </p:par>
-                  <p:par>
-                    <p:cTn id="14" fill="hold">
-                      <p:stCondLst>
-                        <p:cond delay="indefinite"/>
-                      </p:stCondLst>
-                      <p:childTnLst>
-                        <p:par>
-                          <p:cTn id="15" fill="hold">
-                            <p:stCondLst>
-                              <p:cond delay="0"/>
-                            </p:stCondLst>
-                            <p:childTnLst>
-                              <p:par>
-                                <p:cTn id="16" presetID="22" presetClass="entr" presetSubtype="4" fill="hold" grpId="0" nodeType="clickEffect">
-                                  <p:stCondLst>
-                                    <p:cond delay="0"/>
-                                  </p:stCondLst>
-                                  <p:childTnLst>
-                                    <p:set>
-                                      <p:cBhvr>
-                                        <p:cTn id="17" dur="1" fill="hold">
-                                          <p:stCondLst>
-                                            <p:cond delay="0"/>
-                                          </p:stCondLst>
-                                        </p:cTn>
-                                        <p:tgtEl>
                                           <p:spTgt spid="9"/>
                                         </p:tgtEl>
                                         <p:attrNameLst>
@@ -22354,7 +22271,7 @@
                                     </p:set>
                                     <p:animEffect transition="in" filter="wipe(down)">
                                       <p:cBhvr>
-                                        <p:cTn id="18" dur="500"/>
+                                        <p:cTn id="12" dur="500"/>
                                         <p:tgtEl>
                                           <p:spTgt spid="9"/>
                                         </p:tgtEl>
@@ -22392,7 +22309,6 @@
     </p:tnLst>
     <p:bldLst>
       <p:bldP spid="8" grpId="0"/>
-      <p:bldP spid="8" grpId="1"/>
       <p:bldP spid="9" grpId="0"/>
     </p:bldLst>
   </p:timing>
@@ -22693,6 +22609,266 @@
           <p:cNvPr id="2" name="Title 1">
             <a:extLst>
               <a:ext uri="{FF2B5EF4-FFF2-40B4-BE49-F238E27FC236}">
+                <a16:creationId xmlns:a16="http://schemas.microsoft.com/office/drawing/2014/main" id="{8E23B47B-9A37-9348-9856-EACCEF07484E}"/>
+              </a:ext>
+            </a:extLst>
+          </p:cNvPr>
+          <p:cNvSpPr>
+            <a:spLocks noGrp="1"/>
+          </p:cNvSpPr>
+          <p:nvPr>
+            <p:ph type="title"/>
+          </p:nvPr>
+        </p:nvSpPr>
+        <p:spPr>
+          <a:xfrm>
+            <a:off x="1141413" y="618518"/>
+            <a:ext cx="9905998" cy="1146782"/>
+          </a:xfrm>
+        </p:spPr>
+        <p:txBody>
+          <a:bodyPr/>
+          <a:lstStyle/>
+          <a:p>
+            <a:pPr algn="ctr"/>
+            <a:r>
+              <a:rPr lang="en-US" dirty="0"/>
+              <a:t>Solution(s)</a:t>
+            </a:r>
+          </a:p>
+        </p:txBody>
+      </p:sp>
+      <p:pic>
+        <p:nvPicPr>
+          <p:cNvPr id="5" name="Picture 4">
+            <a:extLst>
+              <a:ext uri="{FF2B5EF4-FFF2-40B4-BE49-F238E27FC236}">
+                <a16:creationId xmlns:a16="http://schemas.microsoft.com/office/drawing/2014/main" id="{AD06B89F-C54F-1649-98D5-5574EA4F98F8}"/>
+              </a:ext>
+            </a:extLst>
+          </p:cNvPr>
+          <p:cNvPicPr>
+            <a:picLocks noChangeAspect="1"/>
+          </p:cNvPicPr>
+          <p:nvPr/>
+        </p:nvPicPr>
+        <p:blipFill>
+          <a:blip r:embed="rId2"/>
+          <a:stretch>
+            <a:fillRect/>
+          </a:stretch>
+        </p:blipFill>
+        <p:spPr>
+          <a:xfrm>
+            <a:off x="845984" y="1765300"/>
+            <a:ext cx="4394200" cy="3327400"/>
+          </a:xfrm>
+          <a:prstGeom prst="rect">
+            <a:avLst/>
+          </a:prstGeom>
+        </p:spPr>
+      </p:pic>
+      <p:pic>
+        <p:nvPicPr>
+          <p:cNvPr id="7" name="Picture 6">
+            <a:extLst>
+              <a:ext uri="{FF2B5EF4-FFF2-40B4-BE49-F238E27FC236}">
+                <a16:creationId xmlns:a16="http://schemas.microsoft.com/office/drawing/2014/main" id="{60792DB1-7F70-9147-9BF3-B592FB4B66D2}"/>
+              </a:ext>
+            </a:extLst>
+          </p:cNvPr>
+          <p:cNvPicPr>
+            <a:picLocks noChangeAspect="1"/>
+          </p:cNvPicPr>
+          <p:nvPr/>
+        </p:nvPicPr>
+        <p:blipFill>
+          <a:blip r:embed="rId3"/>
+          <a:stretch>
+            <a:fillRect/>
+          </a:stretch>
+        </p:blipFill>
+        <p:spPr>
+          <a:xfrm>
+            <a:off x="6653211" y="1765300"/>
+            <a:ext cx="4394200" cy="4879934"/>
+          </a:xfrm>
+          <a:prstGeom prst="rect">
+            <a:avLst/>
+          </a:prstGeom>
+        </p:spPr>
+      </p:pic>
+    </p:spTree>
+    <p:extLst>
+      <p:ext uri="{BB962C8B-B14F-4D97-AF65-F5344CB8AC3E}">
+        <p14:creationId xmlns:p14="http://schemas.microsoft.com/office/powerpoint/2010/main" val="3722316044"/>
+      </p:ext>
+    </p:extLst>
+  </p:cSld>
+  <p:clrMapOvr>
+    <a:masterClrMapping/>
+  </p:clrMapOvr>
+  <p:timing>
+    <p:tnLst>
+      <p:par>
+        <p:cTn id="1" dur="indefinite" restart="never" nodeType="tmRoot">
+          <p:childTnLst>
+            <p:seq concurrent="1" nextAc="seek">
+              <p:cTn id="2" dur="indefinite" nodeType="mainSeq">
+                <p:childTnLst>
+                  <p:par>
+                    <p:cTn id="3" fill="hold">
+                      <p:stCondLst>
+                        <p:cond delay="indefinite"/>
+                      </p:stCondLst>
+                      <p:childTnLst>
+                        <p:par>
+                          <p:cTn id="4" fill="hold">
+                            <p:stCondLst>
+                              <p:cond delay="0"/>
+                            </p:stCondLst>
+                            <p:childTnLst>
+                              <p:par>
+                                <p:cTn id="5" presetID="9" presetClass="entr" presetSubtype="0" fill="hold" nodeType="clickEffect">
+                                  <p:stCondLst>
+                                    <p:cond delay="0"/>
+                                  </p:stCondLst>
+                                  <p:childTnLst>
+                                    <p:set>
+                                      <p:cBhvr>
+                                        <p:cTn id="6" dur="1" fill="hold">
+                                          <p:stCondLst>
+                                            <p:cond delay="0"/>
+                                          </p:stCondLst>
+                                        </p:cTn>
+                                        <p:tgtEl>
+                                          <p:spTgt spid="5"/>
+                                        </p:tgtEl>
+                                        <p:attrNameLst>
+                                          <p:attrName>style.visibility</p:attrName>
+                                        </p:attrNameLst>
+                                      </p:cBhvr>
+                                      <p:to>
+                                        <p:strVal val="visible"/>
+                                      </p:to>
+                                    </p:set>
+                                    <p:animEffect transition="in" filter="dissolve">
+                                      <p:cBhvr>
+                                        <p:cTn id="7" dur="500"/>
+                                        <p:tgtEl>
+                                          <p:spTgt spid="5"/>
+                                        </p:tgtEl>
+                                      </p:cBhvr>
+                                    </p:animEffect>
+                                  </p:childTnLst>
+                                </p:cTn>
+                              </p:par>
+                            </p:childTnLst>
+                          </p:cTn>
+                        </p:par>
+                      </p:childTnLst>
+                    </p:cTn>
+                  </p:par>
+                  <p:par>
+                    <p:cTn id="8" fill="hold">
+                      <p:stCondLst>
+                        <p:cond delay="indefinite"/>
+                      </p:stCondLst>
+                      <p:childTnLst>
+                        <p:par>
+                          <p:cTn id="9" fill="hold">
+                            <p:stCondLst>
+                              <p:cond delay="0"/>
+                            </p:stCondLst>
+                            <p:childTnLst>
+                              <p:par>
+                                <p:cTn id="10" presetID="16" presetClass="entr" presetSubtype="21" fill="hold" nodeType="clickEffect">
+                                  <p:stCondLst>
+                                    <p:cond delay="0"/>
+                                  </p:stCondLst>
+                                  <p:childTnLst>
+                                    <p:set>
+                                      <p:cBhvr>
+                                        <p:cTn id="11" dur="1" fill="hold">
+                                          <p:stCondLst>
+                                            <p:cond delay="0"/>
+                                          </p:stCondLst>
+                                        </p:cTn>
+                                        <p:tgtEl>
+                                          <p:spTgt spid="7"/>
+                                        </p:tgtEl>
+                                        <p:attrNameLst>
+                                          <p:attrName>style.visibility</p:attrName>
+                                        </p:attrNameLst>
+                                      </p:cBhvr>
+                                      <p:to>
+                                        <p:strVal val="visible"/>
+                                      </p:to>
+                                    </p:set>
+                                    <p:animEffect transition="in" filter="barn(inVertical)">
+                                      <p:cBhvr>
+                                        <p:cTn id="12" dur="500"/>
+                                        <p:tgtEl>
+                                          <p:spTgt spid="7"/>
+                                        </p:tgtEl>
+                                      </p:cBhvr>
+                                    </p:animEffect>
+                                  </p:childTnLst>
+                                </p:cTn>
+                              </p:par>
+                            </p:childTnLst>
+                          </p:cTn>
+                        </p:par>
+                      </p:childTnLst>
+                    </p:cTn>
+                  </p:par>
+                </p:childTnLst>
+              </p:cTn>
+              <p:prevCondLst>
+                <p:cond evt="onPrev" delay="0">
+                  <p:tgtEl>
+                    <p:sldTgt/>
+                  </p:tgtEl>
+                </p:cond>
+              </p:prevCondLst>
+              <p:nextCondLst>
+                <p:cond evt="onNext" delay="0">
+                  <p:tgtEl>
+                    <p:sldTgt/>
+                  </p:tgtEl>
+                </p:cond>
+              </p:nextCondLst>
+            </p:seq>
+          </p:childTnLst>
+        </p:cTn>
+      </p:par>
+    </p:tnLst>
+  </p:timing>
+</p:sld>
+</file>
+
+<file path=ppt/slides/slide25.xml><?xml version="1.0" encoding="utf-8"?>
+<p:sld xmlns:a="http://schemas.openxmlformats.org/drawingml/2006/main" xmlns:r="http://schemas.openxmlformats.org/officeDocument/2006/relationships" xmlns:p="http://schemas.openxmlformats.org/presentationml/2006/main">
+  <p:cSld>
+    <p:spTree>
+      <p:nvGrpSpPr>
+        <p:cNvPr id="1" name=""/>
+        <p:cNvGrpSpPr/>
+        <p:nvPr/>
+      </p:nvGrpSpPr>
+      <p:grpSpPr>
+        <a:xfrm>
+          <a:off x="0" y="0"/>
+          <a:ext cx="0" cy="0"/>
+          <a:chOff x="0" y="0"/>
+          <a:chExt cx="0" cy="0"/>
+        </a:xfrm>
+      </p:grpSpPr>
+      <p:sp>
+        <p:nvSpPr>
+          <p:cNvPr id="2" name="Title 1">
+            <a:extLst>
+              <a:ext uri="{FF2B5EF4-FFF2-40B4-BE49-F238E27FC236}">
                 <a16:creationId xmlns:a16="http://schemas.microsoft.com/office/drawing/2014/main" id="{E2D84056-6F89-1440-A4DF-639F38276F04}"/>
               </a:ext>
             </a:extLst>
@@ -22711,7 +22887,7 @@
           <a:p>
             <a:pPr algn="ctr"/>
             <a:r>
-              <a:rPr lang="en-US" dirty="0"/>
+              <a:rPr lang="en-US" b="1" dirty="0"/>
               <a:t>Functions (An extended look)</a:t>
             </a:r>
           </a:p>
@@ -23151,7 +23327,7 @@
 </p:sld>
 </file>
 
-<file path=ppt/slides/slide25.xml><?xml version="1.0" encoding="utf-8"?>
+<file path=ppt/slides/slide26.xml><?xml version="1.0" encoding="utf-8"?>
 <p:sld xmlns:a="http://schemas.openxmlformats.org/drawingml/2006/main" xmlns:r="http://schemas.openxmlformats.org/officeDocument/2006/relationships" xmlns:p="http://schemas.openxmlformats.org/presentationml/2006/main">
   <p:cSld>
     <p:spTree>
@@ -23528,7 +23704,7 @@
 </p:sld>
 </file>
 
-<file path=ppt/slides/slide26.xml><?xml version="1.0" encoding="utf-8"?>
+<file path=ppt/slides/slide27.xml><?xml version="1.0" encoding="utf-8"?>
 <p:sld xmlns:a="http://schemas.openxmlformats.org/drawingml/2006/main" xmlns:r="http://schemas.openxmlformats.org/officeDocument/2006/relationships" xmlns:p="http://schemas.openxmlformats.org/presentationml/2006/main">
   <p:cSld>
     <p:spTree>
@@ -25551,7 +25727,7 @@
 </p:sld>
 </file>
 
-<file path=ppt/slides/slide27.xml><?xml version="1.0" encoding="utf-8"?>
+<file path=ppt/slides/slide28.xml><?xml version="1.0" encoding="utf-8"?>
 <p:sld xmlns:a="http://schemas.openxmlformats.org/drawingml/2006/main" xmlns:r="http://schemas.openxmlformats.org/officeDocument/2006/relationships" xmlns:p="http://schemas.openxmlformats.org/presentationml/2006/main">
   <p:cSld>
     <p:spTree>
@@ -26190,7 +26366,7 @@
 </p:sld>
 </file>
 
-<file path=ppt/slides/slide28.xml><?xml version="1.0" encoding="utf-8"?>
+<file path=ppt/slides/slide29.xml><?xml version="1.0" encoding="utf-8"?>
 <p:sld xmlns:a="http://schemas.openxmlformats.org/drawingml/2006/main" xmlns:r="http://schemas.openxmlformats.org/officeDocument/2006/relationships" xmlns:p="http://schemas.openxmlformats.org/presentationml/2006/main">
   <p:cSld>
     <p:spTree>
@@ -26772,7 +26948,457 @@
 </p:sld>
 </file>
 
-<file path=ppt/slides/slide29.xml><?xml version="1.0" encoding="utf-8"?>
+<file path=ppt/slides/slide3.xml><?xml version="1.0" encoding="utf-8"?>
+<p:sld xmlns:a="http://schemas.openxmlformats.org/drawingml/2006/main" xmlns:r="http://schemas.openxmlformats.org/officeDocument/2006/relationships" xmlns:p="http://schemas.openxmlformats.org/presentationml/2006/main">
+  <p:cSld>
+    <p:spTree>
+      <p:nvGrpSpPr>
+        <p:cNvPr id="1" name=""/>
+        <p:cNvGrpSpPr/>
+        <p:nvPr/>
+      </p:nvGrpSpPr>
+      <p:grpSpPr>
+        <a:xfrm>
+          <a:off x="0" y="0"/>
+          <a:ext cx="0" cy="0"/>
+          <a:chOff x="0" y="0"/>
+          <a:chExt cx="0" cy="0"/>
+        </a:xfrm>
+      </p:grpSpPr>
+      <p:sp>
+        <p:nvSpPr>
+          <p:cNvPr id="2" name="Title 1">
+            <a:extLst>
+              <a:ext uri="{FF2B5EF4-FFF2-40B4-BE49-F238E27FC236}">
+                <a16:creationId xmlns:a16="http://schemas.microsoft.com/office/drawing/2014/main" id="{0D0C1154-0301-1649-B9DB-B2A24AA76196}"/>
+              </a:ext>
+            </a:extLst>
+          </p:cNvPr>
+          <p:cNvSpPr>
+            <a:spLocks noGrp="1"/>
+          </p:cNvSpPr>
+          <p:nvPr>
+            <p:ph type="title"/>
+          </p:nvPr>
+        </p:nvSpPr>
+        <p:spPr/>
+        <p:txBody>
+          <a:bodyPr/>
+          <a:lstStyle/>
+          <a:p>
+            <a:pPr algn="ctr"/>
+            <a:r>
+              <a:rPr lang="en-US" b="1" dirty="0"/>
+              <a:t>What are conditions?</a:t>
+            </a:r>
+          </a:p>
+        </p:txBody>
+      </p:sp>
+      <p:sp>
+        <p:nvSpPr>
+          <p:cNvPr id="3" name="Content Placeholder 2">
+            <a:extLst>
+              <a:ext uri="{FF2B5EF4-FFF2-40B4-BE49-F238E27FC236}">
+                <a16:creationId xmlns:a16="http://schemas.microsoft.com/office/drawing/2014/main" id="{9237A354-D20C-2744-A897-9698139413DF}"/>
+              </a:ext>
+            </a:extLst>
+          </p:cNvPr>
+          <p:cNvSpPr>
+            <a:spLocks noGrp="1"/>
+          </p:cNvSpPr>
+          <p:nvPr>
+            <p:ph idx="1"/>
+          </p:nvPr>
+        </p:nvSpPr>
+        <p:spPr/>
+        <p:txBody>
+          <a:bodyPr/>
+          <a:lstStyle/>
+          <a:p>
+            <a:r>
+              <a:rPr lang="en-US" dirty="0"/>
+              <a:t>A condition is a statement that must hold true in order for something to occur</a:t>
+            </a:r>
+          </a:p>
+          <a:p>
+            <a:endParaRPr lang="en-US" dirty="0"/>
+          </a:p>
+          <a:p>
+            <a:r>
+              <a:rPr lang="en-US" dirty="0"/>
+              <a:t>Conditions are usually seen in the form of some term/expression</a:t>
+            </a:r>
+          </a:p>
+          <a:p>
+            <a:endParaRPr lang="en-US" dirty="0"/>
+          </a:p>
+          <a:p>
+            <a:endParaRPr lang="en-US" dirty="0"/>
+          </a:p>
+          <a:p>
+            <a:r>
+              <a:rPr lang="en-US" dirty="0"/>
+              <a:t>Lets look at some examples</a:t>
+            </a:r>
+          </a:p>
+        </p:txBody>
+      </p:sp>
+    </p:spTree>
+    <p:extLst>
+      <p:ext uri="{BB962C8B-B14F-4D97-AF65-F5344CB8AC3E}">
+        <p14:creationId xmlns:p14="http://schemas.microsoft.com/office/powerpoint/2010/main" val="3859208482"/>
+      </p:ext>
+    </p:extLst>
+  </p:cSld>
+  <p:clrMapOvr>
+    <a:masterClrMapping/>
+  </p:clrMapOvr>
+  <p:timing>
+    <p:tnLst>
+      <p:par>
+        <p:cTn id="1" dur="indefinite" restart="never" nodeType="tmRoot">
+          <p:childTnLst>
+            <p:seq concurrent="1" nextAc="seek">
+              <p:cTn id="2" dur="indefinite" nodeType="mainSeq">
+                <p:childTnLst>
+                  <p:par>
+                    <p:cTn id="3" fill="hold">
+                      <p:stCondLst>
+                        <p:cond delay="indefinite"/>
+                      </p:stCondLst>
+                      <p:childTnLst>
+                        <p:par>
+                          <p:cTn id="4" fill="hold">
+                            <p:stCondLst>
+                              <p:cond delay="0"/>
+                            </p:stCondLst>
+                            <p:childTnLst>
+                              <p:par>
+                                <p:cTn id="5" presetID="2" presetClass="entr" presetSubtype="4" fill="hold" grpId="0" nodeType="clickEffect">
+                                  <p:stCondLst>
+                                    <p:cond delay="0"/>
+                                  </p:stCondLst>
+                                  <p:childTnLst>
+                                    <p:set>
+                                      <p:cBhvr>
+                                        <p:cTn id="6" dur="1" fill="hold">
+                                          <p:stCondLst>
+                                            <p:cond delay="0"/>
+                                          </p:stCondLst>
+                                        </p:cTn>
+                                        <p:tgtEl>
+                                          <p:spTgt spid="3">
+                                            <p:txEl>
+                                              <p:pRg st="0" end="0"/>
+                                            </p:txEl>
+                                          </p:spTgt>
+                                        </p:tgtEl>
+                                        <p:attrNameLst>
+                                          <p:attrName>style.visibility</p:attrName>
+                                        </p:attrNameLst>
+                                      </p:cBhvr>
+                                      <p:to>
+                                        <p:strVal val="visible"/>
+                                      </p:to>
+                                    </p:set>
+                                    <p:anim calcmode="lin" valueType="num">
+                                      <p:cBhvr additive="base">
+                                        <p:cTn id="7" dur="500" fill="hold"/>
+                                        <p:tgtEl>
+                                          <p:spTgt spid="3">
+                                            <p:txEl>
+                                              <p:pRg st="0" end="0"/>
+                                            </p:txEl>
+                                          </p:spTgt>
+                                        </p:tgtEl>
+                                        <p:attrNameLst>
+                                          <p:attrName>ppt_x</p:attrName>
+                                        </p:attrNameLst>
+                                      </p:cBhvr>
+                                      <p:tavLst>
+                                        <p:tav tm="0">
+                                          <p:val>
+                                            <p:strVal val="#ppt_x"/>
+                                          </p:val>
+                                        </p:tav>
+                                        <p:tav tm="100000">
+                                          <p:val>
+                                            <p:strVal val="#ppt_x"/>
+                                          </p:val>
+                                        </p:tav>
+                                      </p:tavLst>
+                                    </p:anim>
+                                    <p:anim calcmode="lin" valueType="num">
+                                      <p:cBhvr additive="base">
+                                        <p:cTn id="8" dur="500" fill="hold"/>
+                                        <p:tgtEl>
+                                          <p:spTgt spid="3">
+                                            <p:txEl>
+                                              <p:pRg st="0" end="0"/>
+                                            </p:txEl>
+                                          </p:spTgt>
+                                        </p:tgtEl>
+                                        <p:attrNameLst>
+                                          <p:attrName>ppt_y</p:attrName>
+                                        </p:attrNameLst>
+                                      </p:cBhvr>
+                                      <p:tavLst>
+                                        <p:tav tm="0">
+                                          <p:val>
+                                            <p:strVal val="1+#ppt_h/2"/>
+                                          </p:val>
+                                        </p:tav>
+                                        <p:tav tm="100000">
+                                          <p:val>
+                                            <p:strVal val="#ppt_y"/>
+                                          </p:val>
+                                        </p:tav>
+                                      </p:tavLst>
+                                    </p:anim>
+                                  </p:childTnLst>
+                                </p:cTn>
+                              </p:par>
+                            </p:childTnLst>
+                          </p:cTn>
+                        </p:par>
+                      </p:childTnLst>
+                    </p:cTn>
+                  </p:par>
+                  <p:par>
+                    <p:cTn id="9" fill="hold">
+                      <p:stCondLst>
+                        <p:cond delay="indefinite"/>
+                      </p:stCondLst>
+                      <p:childTnLst>
+                        <p:par>
+                          <p:cTn id="10" fill="hold">
+                            <p:stCondLst>
+                              <p:cond delay="0"/>
+                            </p:stCondLst>
+                            <p:childTnLst>
+                              <p:par>
+                                <p:cTn id="11" presetID="2" presetClass="entr" presetSubtype="4" fill="hold" grpId="0" nodeType="clickEffect">
+                                  <p:stCondLst>
+                                    <p:cond delay="0"/>
+                                  </p:stCondLst>
+                                  <p:childTnLst>
+                                    <p:set>
+                                      <p:cBhvr>
+                                        <p:cTn id="12" dur="1" fill="hold">
+                                          <p:stCondLst>
+                                            <p:cond delay="0"/>
+                                          </p:stCondLst>
+                                        </p:cTn>
+                                        <p:tgtEl>
+                                          <p:spTgt spid="3">
+                                            <p:txEl>
+                                              <p:pRg st="2" end="2"/>
+                                            </p:txEl>
+                                          </p:spTgt>
+                                        </p:tgtEl>
+                                        <p:attrNameLst>
+                                          <p:attrName>style.visibility</p:attrName>
+                                        </p:attrNameLst>
+                                      </p:cBhvr>
+                                      <p:to>
+                                        <p:strVal val="visible"/>
+                                      </p:to>
+                                    </p:set>
+                                    <p:anim calcmode="lin" valueType="num">
+                                      <p:cBhvr additive="base">
+                                        <p:cTn id="13" dur="500" fill="hold"/>
+                                        <p:tgtEl>
+                                          <p:spTgt spid="3">
+                                            <p:txEl>
+                                              <p:pRg st="2" end="2"/>
+                                            </p:txEl>
+                                          </p:spTgt>
+                                        </p:tgtEl>
+                                        <p:attrNameLst>
+                                          <p:attrName>ppt_x</p:attrName>
+                                        </p:attrNameLst>
+                                      </p:cBhvr>
+                                      <p:tavLst>
+                                        <p:tav tm="0">
+                                          <p:val>
+                                            <p:strVal val="#ppt_x"/>
+                                          </p:val>
+                                        </p:tav>
+                                        <p:tav tm="100000">
+                                          <p:val>
+                                            <p:strVal val="#ppt_x"/>
+                                          </p:val>
+                                        </p:tav>
+                                      </p:tavLst>
+                                    </p:anim>
+                                    <p:anim calcmode="lin" valueType="num">
+                                      <p:cBhvr additive="base">
+                                        <p:cTn id="14" dur="500" fill="hold"/>
+                                        <p:tgtEl>
+                                          <p:spTgt spid="3">
+                                            <p:txEl>
+                                              <p:pRg st="2" end="2"/>
+                                            </p:txEl>
+                                          </p:spTgt>
+                                        </p:tgtEl>
+                                        <p:attrNameLst>
+                                          <p:attrName>ppt_y</p:attrName>
+                                        </p:attrNameLst>
+                                      </p:cBhvr>
+                                      <p:tavLst>
+                                        <p:tav tm="0">
+                                          <p:val>
+                                            <p:strVal val="1+#ppt_h/2"/>
+                                          </p:val>
+                                        </p:tav>
+                                        <p:tav tm="100000">
+                                          <p:val>
+                                            <p:strVal val="#ppt_y"/>
+                                          </p:val>
+                                        </p:tav>
+                                      </p:tavLst>
+                                    </p:anim>
+                                  </p:childTnLst>
+                                </p:cTn>
+                              </p:par>
+                            </p:childTnLst>
+                          </p:cTn>
+                        </p:par>
+                      </p:childTnLst>
+                    </p:cTn>
+                  </p:par>
+                  <p:par>
+                    <p:cTn id="15" fill="hold">
+                      <p:stCondLst>
+                        <p:cond delay="indefinite"/>
+                      </p:stCondLst>
+                      <p:childTnLst>
+                        <p:par>
+                          <p:cTn id="16" fill="hold">
+                            <p:stCondLst>
+                              <p:cond delay="0"/>
+                            </p:stCondLst>
+                            <p:childTnLst>
+                              <p:par>
+                                <p:cTn id="17" presetID="2" presetClass="entr" presetSubtype="4" fill="hold" grpId="0" nodeType="clickEffect">
+                                  <p:stCondLst>
+                                    <p:cond delay="0"/>
+                                  </p:stCondLst>
+                                  <p:childTnLst>
+                                    <p:set>
+                                      <p:cBhvr>
+                                        <p:cTn id="18" dur="1" fill="hold">
+                                          <p:stCondLst>
+                                            <p:cond delay="0"/>
+                                          </p:stCondLst>
+                                        </p:cTn>
+                                        <p:tgtEl>
+                                          <p:spTgt spid="3">
+                                            <p:txEl>
+                                              <p:pRg st="5" end="5"/>
+                                            </p:txEl>
+                                          </p:spTgt>
+                                        </p:tgtEl>
+                                        <p:attrNameLst>
+                                          <p:attrName>style.visibility</p:attrName>
+                                        </p:attrNameLst>
+                                      </p:cBhvr>
+                                      <p:to>
+                                        <p:strVal val="visible"/>
+                                      </p:to>
+                                    </p:set>
+                                    <p:anim calcmode="lin" valueType="num">
+                                      <p:cBhvr additive="base">
+                                        <p:cTn id="19" dur="500" fill="hold"/>
+                                        <p:tgtEl>
+                                          <p:spTgt spid="3">
+                                            <p:txEl>
+                                              <p:pRg st="5" end="5"/>
+                                            </p:txEl>
+                                          </p:spTgt>
+                                        </p:tgtEl>
+                                        <p:attrNameLst>
+                                          <p:attrName>ppt_x</p:attrName>
+                                        </p:attrNameLst>
+                                      </p:cBhvr>
+                                      <p:tavLst>
+                                        <p:tav tm="0">
+                                          <p:val>
+                                            <p:strVal val="#ppt_x"/>
+                                          </p:val>
+                                        </p:tav>
+                                        <p:tav tm="100000">
+                                          <p:val>
+                                            <p:strVal val="#ppt_x"/>
+                                          </p:val>
+                                        </p:tav>
+                                      </p:tavLst>
+                                    </p:anim>
+                                    <p:anim calcmode="lin" valueType="num">
+                                      <p:cBhvr additive="base">
+                                        <p:cTn id="20" dur="500" fill="hold"/>
+                                        <p:tgtEl>
+                                          <p:spTgt spid="3">
+                                            <p:txEl>
+                                              <p:pRg st="5" end="5"/>
+                                            </p:txEl>
+                                          </p:spTgt>
+                                        </p:tgtEl>
+                                        <p:attrNameLst>
+                                          <p:attrName>ppt_y</p:attrName>
+                                        </p:attrNameLst>
+                                      </p:cBhvr>
+                                      <p:tavLst>
+                                        <p:tav tm="0">
+                                          <p:val>
+                                            <p:strVal val="1+#ppt_h/2"/>
+                                          </p:val>
+                                        </p:tav>
+                                        <p:tav tm="100000">
+                                          <p:val>
+                                            <p:strVal val="#ppt_y"/>
+                                          </p:val>
+                                        </p:tav>
+                                      </p:tavLst>
+                                    </p:anim>
+                                  </p:childTnLst>
+                                </p:cTn>
+                              </p:par>
+                            </p:childTnLst>
+                          </p:cTn>
+                        </p:par>
+                      </p:childTnLst>
+                    </p:cTn>
+                  </p:par>
+                </p:childTnLst>
+              </p:cTn>
+              <p:prevCondLst>
+                <p:cond evt="onPrev" delay="0">
+                  <p:tgtEl>
+                    <p:sldTgt/>
+                  </p:tgtEl>
+                </p:cond>
+              </p:prevCondLst>
+              <p:nextCondLst>
+                <p:cond evt="onNext" delay="0">
+                  <p:tgtEl>
+                    <p:sldTgt/>
+                  </p:tgtEl>
+                </p:cond>
+              </p:nextCondLst>
+            </p:seq>
+          </p:childTnLst>
+        </p:cTn>
+      </p:par>
+    </p:tnLst>
+    <p:bldLst>
+      <p:bldP spid="3" grpId="0" build="p"/>
+    </p:bldLst>
+  </p:timing>
+</p:sld>
+</file>
+
+<file path=ppt/slides/slide30.xml><?xml version="1.0" encoding="utf-8"?>
 <p:sld xmlns:a="http://schemas.openxmlformats.org/drawingml/2006/main" xmlns:r="http://schemas.openxmlformats.org/officeDocument/2006/relationships" xmlns:p="http://schemas.openxmlformats.org/presentationml/2006/main">
   <p:cSld>
     <p:spTree>
@@ -27052,457 +27678,7 @@
 </p:sld>
 </file>
 
-<file path=ppt/slides/slide3.xml><?xml version="1.0" encoding="utf-8"?>
-<p:sld xmlns:a="http://schemas.openxmlformats.org/drawingml/2006/main" xmlns:r="http://schemas.openxmlformats.org/officeDocument/2006/relationships" xmlns:p="http://schemas.openxmlformats.org/presentationml/2006/main">
-  <p:cSld>
-    <p:spTree>
-      <p:nvGrpSpPr>
-        <p:cNvPr id="1" name=""/>
-        <p:cNvGrpSpPr/>
-        <p:nvPr/>
-      </p:nvGrpSpPr>
-      <p:grpSpPr>
-        <a:xfrm>
-          <a:off x="0" y="0"/>
-          <a:ext cx="0" cy="0"/>
-          <a:chOff x="0" y="0"/>
-          <a:chExt cx="0" cy="0"/>
-        </a:xfrm>
-      </p:grpSpPr>
-      <p:sp>
-        <p:nvSpPr>
-          <p:cNvPr id="2" name="Title 1">
-            <a:extLst>
-              <a:ext uri="{FF2B5EF4-FFF2-40B4-BE49-F238E27FC236}">
-                <a16:creationId xmlns:a16="http://schemas.microsoft.com/office/drawing/2014/main" id="{0D0C1154-0301-1649-B9DB-B2A24AA76196}"/>
-              </a:ext>
-            </a:extLst>
-          </p:cNvPr>
-          <p:cNvSpPr>
-            <a:spLocks noGrp="1"/>
-          </p:cNvSpPr>
-          <p:nvPr>
-            <p:ph type="title"/>
-          </p:nvPr>
-        </p:nvSpPr>
-        <p:spPr/>
-        <p:txBody>
-          <a:bodyPr/>
-          <a:lstStyle/>
-          <a:p>
-            <a:pPr algn="ctr"/>
-            <a:r>
-              <a:rPr lang="en-US" b="1" dirty="0"/>
-              <a:t>What are conditions?</a:t>
-            </a:r>
-          </a:p>
-        </p:txBody>
-      </p:sp>
-      <p:sp>
-        <p:nvSpPr>
-          <p:cNvPr id="3" name="Content Placeholder 2">
-            <a:extLst>
-              <a:ext uri="{FF2B5EF4-FFF2-40B4-BE49-F238E27FC236}">
-                <a16:creationId xmlns:a16="http://schemas.microsoft.com/office/drawing/2014/main" id="{9237A354-D20C-2744-A897-9698139413DF}"/>
-              </a:ext>
-            </a:extLst>
-          </p:cNvPr>
-          <p:cNvSpPr>
-            <a:spLocks noGrp="1"/>
-          </p:cNvSpPr>
-          <p:nvPr>
-            <p:ph idx="1"/>
-          </p:nvPr>
-        </p:nvSpPr>
-        <p:spPr/>
-        <p:txBody>
-          <a:bodyPr/>
-          <a:lstStyle/>
-          <a:p>
-            <a:r>
-              <a:rPr lang="en-US" dirty="0"/>
-              <a:t>A condition is a statement that must hold true in order for something to occur</a:t>
-            </a:r>
-          </a:p>
-          <a:p>
-            <a:endParaRPr lang="en-US" dirty="0"/>
-          </a:p>
-          <a:p>
-            <a:r>
-              <a:rPr lang="en-US" dirty="0"/>
-              <a:t>Conditions are usually seen in the form of some term/expression</a:t>
-            </a:r>
-          </a:p>
-          <a:p>
-            <a:endParaRPr lang="en-US" dirty="0"/>
-          </a:p>
-          <a:p>
-            <a:endParaRPr lang="en-US" dirty="0"/>
-          </a:p>
-          <a:p>
-            <a:r>
-              <a:rPr lang="en-US" dirty="0"/>
-              <a:t>Lets look at some examples</a:t>
-            </a:r>
-          </a:p>
-        </p:txBody>
-      </p:sp>
-    </p:spTree>
-    <p:extLst>
-      <p:ext uri="{BB962C8B-B14F-4D97-AF65-F5344CB8AC3E}">
-        <p14:creationId xmlns:p14="http://schemas.microsoft.com/office/powerpoint/2010/main" val="3859208482"/>
-      </p:ext>
-    </p:extLst>
-  </p:cSld>
-  <p:clrMapOvr>
-    <a:masterClrMapping/>
-  </p:clrMapOvr>
-  <p:timing>
-    <p:tnLst>
-      <p:par>
-        <p:cTn id="1" dur="indefinite" restart="never" nodeType="tmRoot">
-          <p:childTnLst>
-            <p:seq concurrent="1" nextAc="seek">
-              <p:cTn id="2" dur="indefinite" nodeType="mainSeq">
-                <p:childTnLst>
-                  <p:par>
-                    <p:cTn id="3" fill="hold">
-                      <p:stCondLst>
-                        <p:cond delay="indefinite"/>
-                      </p:stCondLst>
-                      <p:childTnLst>
-                        <p:par>
-                          <p:cTn id="4" fill="hold">
-                            <p:stCondLst>
-                              <p:cond delay="0"/>
-                            </p:stCondLst>
-                            <p:childTnLst>
-                              <p:par>
-                                <p:cTn id="5" presetID="2" presetClass="entr" presetSubtype="4" fill="hold" grpId="0" nodeType="clickEffect">
-                                  <p:stCondLst>
-                                    <p:cond delay="0"/>
-                                  </p:stCondLst>
-                                  <p:childTnLst>
-                                    <p:set>
-                                      <p:cBhvr>
-                                        <p:cTn id="6" dur="1" fill="hold">
-                                          <p:stCondLst>
-                                            <p:cond delay="0"/>
-                                          </p:stCondLst>
-                                        </p:cTn>
-                                        <p:tgtEl>
-                                          <p:spTgt spid="3">
-                                            <p:txEl>
-                                              <p:pRg st="0" end="0"/>
-                                            </p:txEl>
-                                          </p:spTgt>
-                                        </p:tgtEl>
-                                        <p:attrNameLst>
-                                          <p:attrName>style.visibility</p:attrName>
-                                        </p:attrNameLst>
-                                      </p:cBhvr>
-                                      <p:to>
-                                        <p:strVal val="visible"/>
-                                      </p:to>
-                                    </p:set>
-                                    <p:anim calcmode="lin" valueType="num">
-                                      <p:cBhvr additive="base">
-                                        <p:cTn id="7" dur="500" fill="hold"/>
-                                        <p:tgtEl>
-                                          <p:spTgt spid="3">
-                                            <p:txEl>
-                                              <p:pRg st="0" end="0"/>
-                                            </p:txEl>
-                                          </p:spTgt>
-                                        </p:tgtEl>
-                                        <p:attrNameLst>
-                                          <p:attrName>ppt_x</p:attrName>
-                                        </p:attrNameLst>
-                                      </p:cBhvr>
-                                      <p:tavLst>
-                                        <p:tav tm="0">
-                                          <p:val>
-                                            <p:strVal val="#ppt_x"/>
-                                          </p:val>
-                                        </p:tav>
-                                        <p:tav tm="100000">
-                                          <p:val>
-                                            <p:strVal val="#ppt_x"/>
-                                          </p:val>
-                                        </p:tav>
-                                      </p:tavLst>
-                                    </p:anim>
-                                    <p:anim calcmode="lin" valueType="num">
-                                      <p:cBhvr additive="base">
-                                        <p:cTn id="8" dur="500" fill="hold"/>
-                                        <p:tgtEl>
-                                          <p:spTgt spid="3">
-                                            <p:txEl>
-                                              <p:pRg st="0" end="0"/>
-                                            </p:txEl>
-                                          </p:spTgt>
-                                        </p:tgtEl>
-                                        <p:attrNameLst>
-                                          <p:attrName>ppt_y</p:attrName>
-                                        </p:attrNameLst>
-                                      </p:cBhvr>
-                                      <p:tavLst>
-                                        <p:tav tm="0">
-                                          <p:val>
-                                            <p:strVal val="1+#ppt_h/2"/>
-                                          </p:val>
-                                        </p:tav>
-                                        <p:tav tm="100000">
-                                          <p:val>
-                                            <p:strVal val="#ppt_y"/>
-                                          </p:val>
-                                        </p:tav>
-                                      </p:tavLst>
-                                    </p:anim>
-                                  </p:childTnLst>
-                                </p:cTn>
-                              </p:par>
-                            </p:childTnLst>
-                          </p:cTn>
-                        </p:par>
-                      </p:childTnLst>
-                    </p:cTn>
-                  </p:par>
-                  <p:par>
-                    <p:cTn id="9" fill="hold">
-                      <p:stCondLst>
-                        <p:cond delay="indefinite"/>
-                      </p:stCondLst>
-                      <p:childTnLst>
-                        <p:par>
-                          <p:cTn id="10" fill="hold">
-                            <p:stCondLst>
-                              <p:cond delay="0"/>
-                            </p:stCondLst>
-                            <p:childTnLst>
-                              <p:par>
-                                <p:cTn id="11" presetID="2" presetClass="entr" presetSubtype="4" fill="hold" grpId="0" nodeType="clickEffect">
-                                  <p:stCondLst>
-                                    <p:cond delay="0"/>
-                                  </p:stCondLst>
-                                  <p:childTnLst>
-                                    <p:set>
-                                      <p:cBhvr>
-                                        <p:cTn id="12" dur="1" fill="hold">
-                                          <p:stCondLst>
-                                            <p:cond delay="0"/>
-                                          </p:stCondLst>
-                                        </p:cTn>
-                                        <p:tgtEl>
-                                          <p:spTgt spid="3">
-                                            <p:txEl>
-                                              <p:pRg st="2" end="2"/>
-                                            </p:txEl>
-                                          </p:spTgt>
-                                        </p:tgtEl>
-                                        <p:attrNameLst>
-                                          <p:attrName>style.visibility</p:attrName>
-                                        </p:attrNameLst>
-                                      </p:cBhvr>
-                                      <p:to>
-                                        <p:strVal val="visible"/>
-                                      </p:to>
-                                    </p:set>
-                                    <p:anim calcmode="lin" valueType="num">
-                                      <p:cBhvr additive="base">
-                                        <p:cTn id="13" dur="500" fill="hold"/>
-                                        <p:tgtEl>
-                                          <p:spTgt spid="3">
-                                            <p:txEl>
-                                              <p:pRg st="2" end="2"/>
-                                            </p:txEl>
-                                          </p:spTgt>
-                                        </p:tgtEl>
-                                        <p:attrNameLst>
-                                          <p:attrName>ppt_x</p:attrName>
-                                        </p:attrNameLst>
-                                      </p:cBhvr>
-                                      <p:tavLst>
-                                        <p:tav tm="0">
-                                          <p:val>
-                                            <p:strVal val="#ppt_x"/>
-                                          </p:val>
-                                        </p:tav>
-                                        <p:tav tm="100000">
-                                          <p:val>
-                                            <p:strVal val="#ppt_x"/>
-                                          </p:val>
-                                        </p:tav>
-                                      </p:tavLst>
-                                    </p:anim>
-                                    <p:anim calcmode="lin" valueType="num">
-                                      <p:cBhvr additive="base">
-                                        <p:cTn id="14" dur="500" fill="hold"/>
-                                        <p:tgtEl>
-                                          <p:spTgt spid="3">
-                                            <p:txEl>
-                                              <p:pRg st="2" end="2"/>
-                                            </p:txEl>
-                                          </p:spTgt>
-                                        </p:tgtEl>
-                                        <p:attrNameLst>
-                                          <p:attrName>ppt_y</p:attrName>
-                                        </p:attrNameLst>
-                                      </p:cBhvr>
-                                      <p:tavLst>
-                                        <p:tav tm="0">
-                                          <p:val>
-                                            <p:strVal val="1+#ppt_h/2"/>
-                                          </p:val>
-                                        </p:tav>
-                                        <p:tav tm="100000">
-                                          <p:val>
-                                            <p:strVal val="#ppt_y"/>
-                                          </p:val>
-                                        </p:tav>
-                                      </p:tavLst>
-                                    </p:anim>
-                                  </p:childTnLst>
-                                </p:cTn>
-                              </p:par>
-                            </p:childTnLst>
-                          </p:cTn>
-                        </p:par>
-                      </p:childTnLst>
-                    </p:cTn>
-                  </p:par>
-                  <p:par>
-                    <p:cTn id="15" fill="hold">
-                      <p:stCondLst>
-                        <p:cond delay="indefinite"/>
-                      </p:stCondLst>
-                      <p:childTnLst>
-                        <p:par>
-                          <p:cTn id="16" fill="hold">
-                            <p:stCondLst>
-                              <p:cond delay="0"/>
-                            </p:stCondLst>
-                            <p:childTnLst>
-                              <p:par>
-                                <p:cTn id="17" presetID="2" presetClass="entr" presetSubtype="4" fill="hold" grpId="0" nodeType="clickEffect">
-                                  <p:stCondLst>
-                                    <p:cond delay="0"/>
-                                  </p:stCondLst>
-                                  <p:childTnLst>
-                                    <p:set>
-                                      <p:cBhvr>
-                                        <p:cTn id="18" dur="1" fill="hold">
-                                          <p:stCondLst>
-                                            <p:cond delay="0"/>
-                                          </p:stCondLst>
-                                        </p:cTn>
-                                        <p:tgtEl>
-                                          <p:spTgt spid="3">
-                                            <p:txEl>
-                                              <p:pRg st="5" end="5"/>
-                                            </p:txEl>
-                                          </p:spTgt>
-                                        </p:tgtEl>
-                                        <p:attrNameLst>
-                                          <p:attrName>style.visibility</p:attrName>
-                                        </p:attrNameLst>
-                                      </p:cBhvr>
-                                      <p:to>
-                                        <p:strVal val="visible"/>
-                                      </p:to>
-                                    </p:set>
-                                    <p:anim calcmode="lin" valueType="num">
-                                      <p:cBhvr additive="base">
-                                        <p:cTn id="19" dur="500" fill="hold"/>
-                                        <p:tgtEl>
-                                          <p:spTgt spid="3">
-                                            <p:txEl>
-                                              <p:pRg st="5" end="5"/>
-                                            </p:txEl>
-                                          </p:spTgt>
-                                        </p:tgtEl>
-                                        <p:attrNameLst>
-                                          <p:attrName>ppt_x</p:attrName>
-                                        </p:attrNameLst>
-                                      </p:cBhvr>
-                                      <p:tavLst>
-                                        <p:tav tm="0">
-                                          <p:val>
-                                            <p:strVal val="#ppt_x"/>
-                                          </p:val>
-                                        </p:tav>
-                                        <p:tav tm="100000">
-                                          <p:val>
-                                            <p:strVal val="#ppt_x"/>
-                                          </p:val>
-                                        </p:tav>
-                                      </p:tavLst>
-                                    </p:anim>
-                                    <p:anim calcmode="lin" valueType="num">
-                                      <p:cBhvr additive="base">
-                                        <p:cTn id="20" dur="500" fill="hold"/>
-                                        <p:tgtEl>
-                                          <p:spTgt spid="3">
-                                            <p:txEl>
-                                              <p:pRg st="5" end="5"/>
-                                            </p:txEl>
-                                          </p:spTgt>
-                                        </p:tgtEl>
-                                        <p:attrNameLst>
-                                          <p:attrName>ppt_y</p:attrName>
-                                        </p:attrNameLst>
-                                      </p:cBhvr>
-                                      <p:tavLst>
-                                        <p:tav tm="0">
-                                          <p:val>
-                                            <p:strVal val="1+#ppt_h/2"/>
-                                          </p:val>
-                                        </p:tav>
-                                        <p:tav tm="100000">
-                                          <p:val>
-                                            <p:strVal val="#ppt_y"/>
-                                          </p:val>
-                                        </p:tav>
-                                      </p:tavLst>
-                                    </p:anim>
-                                  </p:childTnLst>
-                                </p:cTn>
-                              </p:par>
-                            </p:childTnLst>
-                          </p:cTn>
-                        </p:par>
-                      </p:childTnLst>
-                    </p:cTn>
-                  </p:par>
-                </p:childTnLst>
-              </p:cTn>
-              <p:prevCondLst>
-                <p:cond evt="onPrev" delay="0">
-                  <p:tgtEl>
-                    <p:sldTgt/>
-                  </p:tgtEl>
-                </p:cond>
-              </p:prevCondLst>
-              <p:nextCondLst>
-                <p:cond evt="onNext" delay="0">
-                  <p:tgtEl>
-                    <p:sldTgt/>
-                  </p:tgtEl>
-                </p:cond>
-              </p:nextCondLst>
-            </p:seq>
-          </p:childTnLst>
-        </p:cTn>
-      </p:par>
-    </p:tnLst>
-    <p:bldLst>
-      <p:bldP spid="3" grpId="0" build="p"/>
-    </p:bldLst>
-  </p:timing>
-</p:sld>
-</file>
-
-<file path=ppt/slides/slide30.xml><?xml version="1.0" encoding="utf-8"?>
+<file path=ppt/slides/slide31.xml><?xml version="1.0" encoding="utf-8"?>
 <p:sld xmlns:a="http://schemas.openxmlformats.org/drawingml/2006/main" xmlns:r="http://schemas.openxmlformats.org/officeDocument/2006/relationships" xmlns:p="http://schemas.openxmlformats.org/presentationml/2006/main">
   <p:cSld>
     <p:spTree>
@@ -27578,7 +27754,9 @@
           </a:xfrm>
         </p:spPr>
         <p:txBody>
-          <a:bodyPr/>
+          <a:bodyPr>
+            <a:normAutofit fontScale="92500"/>
+          </a:bodyPr>
           <a:lstStyle/>
           <a:p>
             <a:r>
@@ -27592,6 +27770,15 @@
             <a:r>
               <a:rPr lang="en-US" dirty="0"/>
               <a:t>of the thing we passed in!</a:t>
+            </a:r>
+          </a:p>
+          <a:p>
+            <a:endParaRPr lang="en-US" dirty="0"/>
+          </a:p>
+          <a:p>
+            <a:r>
+              <a:rPr lang="en-US" dirty="0"/>
+              <a:t>NOTE: There are ways to manipulate the actual variable, but this is not in the scope of this course. If you are interested in this we can look at it during the break</a:t>
             </a:r>
           </a:p>
         </p:txBody>
@@ -27717,6 +27904,109 @@
                       </p:childTnLst>
                     </p:cTn>
                   </p:par>
+                  <p:par>
+                    <p:cTn id="9" fill="hold">
+                      <p:stCondLst>
+                        <p:cond delay="indefinite"/>
+                      </p:stCondLst>
+                      <p:childTnLst>
+                        <p:par>
+                          <p:cTn id="10" fill="hold">
+                            <p:stCondLst>
+                              <p:cond delay="0"/>
+                            </p:stCondLst>
+                            <p:childTnLst>
+                              <p:par>
+                                <p:cTn id="11" presetID="2" presetClass="entr" presetSubtype="4" fill="hold" grpId="0" nodeType="clickEffect">
+                                  <p:stCondLst>
+                                    <p:cond delay="0"/>
+                                  </p:stCondLst>
+                                  <p:childTnLst>
+                                    <p:set>
+                                      <p:cBhvr>
+                                        <p:cTn id="12" dur="1" fill="hold">
+                                          <p:stCondLst>
+                                            <p:cond delay="0"/>
+                                          </p:stCondLst>
+                                        </p:cTn>
+                                        <p:tgtEl>
+                                          <p:spTgt spid="3">
+                                            <p:txEl>
+                                              <p:pRg st="2" end="2"/>
+                                            </p:txEl>
+                                          </p:spTgt>
+                                        </p:tgtEl>
+                                        <p:attrNameLst>
+                                          <p:attrName>style.visibility</p:attrName>
+                                        </p:attrNameLst>
+                                      </p:cBhvr>
+                                      <p:to>
+                                        <p:strVal val="visible"/>
+                                      </p:to>
+                                    </p:set>
+                                    <p:anim calcmode="lin" valueType="num">
+                                      <p:cBhvr additive="base">
+                                        <p:cTn id="13" dur="500" fill="hold"/>
+                                        <p:tgtEl>
+                                          <p:spTgt spid="3">
+                                            <p:txEl>
+                                              <p:pRg st="2" end="2"/>
+                                            </p:txEl>
+                                          </p:spTgt>
+                                        </p:tgtEl>
+                                        <p:attrNameLst>
+                                          <p:attrName>ppt_x</p:attrName>
+                                        </p:attrNameLst>
+                                      </p:cBhvr>
+                                      <p:tavLst>
+                                        <p:tav tm="0">
+                                          <p:val>
+                                            <p:strVal val="#ppt_x"/>
+                                          </p:val>
+                                        </p:tav>
+                                        <p:tav tm="100000">
+                                          <p:val>
+                                            <p:strVal val="#ppt_x"/>
+                                          </p:val>
+                                        </p:tav>
+                                      </p:tavLst>
+                                    </p:anim>
+                                    <p:anim calcmode="lin" valueType="num">
+                                      <p:cBhvr additive="base">
+                                        <p:cTn id="14" dur="500" fill="hold"/>
+                                        <p:tgtEl>
+                                          <p:spTgt spid="3">
+                                            <p:txEl>
+                                              <p:pRg st="2" end="2"/>
+                                            </p:txEl>
+                                          </p:spTgt>
+                                        </p:tgtEl>
+                                        <p:attrNameLst>
+                                          <p:attrName>ppt_y</p:attrName>
+                                        </p:attrNameLst>
+                                      </p:cBhvr>
+                                      <p:tavLst>
+                                        <p:tav tm="0">
+                                          <p:val>
+                                            <p:strVal val="1+#ppt_h/2"/>
+                                          </p:val>
+                                        </p:tav>
+                                        <p:tav tm="100000">
+                                          <p:val>
+                                            <p:strVal val="#ppt_y"/>
+                                          </p:val>
+                                        </p:tav>
+                                      </p:tavLst>
+                                    </p:anim>
+                                  </p:childTnLst>
+                                </p:cTn>
+                              </p:par>
+                            </p:childTnLst>
+                          </p:cTn>
+                        </p:par>
+                      </p:childTnLst>
+                    </p:cTn>
+                  </p:par>
                 </p:childTnLst>
               </p:cTn>
               <p:prevCondLst>
@@ -27745,7 +28035,7 @@
 </p:sld>
 </file>
 
-<file path=ppt/slides/slide31.xml><?xml version="1.0" encoding="utf-8"?>
+<file path=ppt/slides/slide32.xml><?xml version="1.0" encoding="utf-8"?>
 <p:sld xmlns:a="http://schemas.openxmlformats.org/drawingml/2006/main" xmlns:r="http://schemas.openxmlformats.org/officeDocument/2006/relationships" xmlns:p="http://schemas.openxmlformats.org/presentationml/2006/main">
   <p:cSld>
     <p:spTree>
@@ -27785,12 +28075,8 @@
           <a:p>
             <a:pPr algn="ctr"/>
             <a:r>
-              <a:rPr lang="en-US" dirty="0"/>
-              <a:t>Pass by value </a:t>
-            </a:r>
-            <a:r>
               <a:rPr lang="en-US" b="1" dirty="0"/>
-              <a:t>example</a:t>
+              <a:t>Pass by value example</a:t>
             </a:r>
           </a:p>
         </p:txBody>
@@ -28460,7 +28746,7 @@
 </p:sld>
 </file>
 
-<file path=ppt/slides/slide32.xml><?xml version="1.0" encoding="utf-8"?>
+<file path=ppt/slides/slide33.xml><?xml version="1.0" encoding="utf-8"?>
 <p:sld xmlns:a="http://schemas.openxmlformats.org/drawingml/2006/main" xmlns:r="http://schemas.openxmlformats.org/officeDocument/2006/relationships" xmlns:p="http://schemas.openxmlformats.org/presentationml/2006/main">
   <p:cSld>
     <p:spTree>
@@ -28593,14 +28879,26 @@
             <a:pPr lvl="1"/>
             <a:r>
               <a:rPr lang="en-US" dirty="0"/>
-              <a:t>Member variables are created when a function is called </a:t>
+              <a:t>Member variables are </a:t>
+            </a:r>
+            <a:r>
+              <a:rPr lang="en-US" u="sng" dirty="0"/>
+              <a:t>created when a function is called </a:t>
             </a:r>
           </a:p>
           <a:p>
             <a:pPr lvl="1"/>
             <a:r>
               <a:rPr lang="en-US" dirty="0"/>
-              <a:t>Member variables are destroyed once a function ends (returns)</a:t>
+              <a:t>Member variables </a:t>
+            </a:r>
+            <a:r>
+              <a:rPr lang="en-US" u="sng" dirty="0"/>
+              <a:t>are destroyed once a function ends </a:t>
+            </a:r>
+            <a:r>
+              <a:rPr lang="en-US" dirty="0"/>
+              <a:t>(returns)</a:t>
             </a:r>
           </a:p>
         </p:txBody>
@@ -29027,7 +29325,7 @@
 </p:sld>
 </file>
 
-<file path=ppt/slides/slide33.xml><?xml version="1.0" encoding="utf-8"?>
+<file path=ppt/slides/slide34.xml><?xml version="1.0" encoding="utf-8"?>
 <p:sld xmlns:a="http://schemas.openxmlformats.org/drawingml/2006/main" xmlns:r="http://schemas.openxmlformats.org/officeDocument/2006/relationships" xmlns:p="http://schemas.openxmlformats.org/presentationml/2006/main">
   <p:cSld>
     <p:spTree>
@@ -29891,7 +30189,7 @@
 </p:sld>
 </file>
 
-<file path=ppt/slides/slide34.xml><?xml version="1.0" encoding="utf-8"?>
+<file path=ppt/slides/slide35.xml><?xml version="1.0" encoding="utf-8"?>
 <p:sld xmlns:a="http://schemas.openxmlformats.org/drawingml/2006/main" xmlns:r="http://schemas.openxmlformats.org/officeDocument/2006/relationships" xmlns:p="http://schemas.openxmlformats.org/presentationml/2006/main">
   <p:cSld>
     <p:spTree>
@@ -29960,12 +30258,20 @@
           </a:xfrm>
         </p:spPr>
         <p:txBody>
-          <a:bodyPr/>
+          <a:bodyPr>
+            <a:normAutofit fontScale="92500" lnSpcReduction="10000"/>
+          </a:bodyPr>
           <a:lstStyle/>
           <a:p>
             <a:r>
               <a:rPr lang="en-US" dirty="0"/>
               <a:t>Feel free to ask about anything that is still not clear</a:t>
+            </a:r>
+          </a:p>
+          <a:p>
+            <a:r>
+              <a:rPr lang="en-US" dirty="0"/>
+              <a:t>If you are interested, then we can look at how we can avid the whole “pass by value” issue.</a:t>
             </a:r>
           </a:p>
           <a:p>
@@ -30191,7 +30497,7 @@
                                         <p:tgtEl>
                                           <p:spTgt spid="3">
                                             <p:txEl>
-                                              <p:pRg st="2" end="2"/>
+                                              <p:pRg st="1" end="1"/>
                                             </p:txEl>
                                           </p:spTgt>
                                         </p:tgtEl>
@@ -30209,7 +30515,7 @@
                                         <p:tgtEl>
                                           <p:spTgt spid="3">
                                             <p:txEl>
-                                              <p:pRg st="2" end="2"/>
+                                              <p:pRg st="1" end="1"/>
                                             </p:txEl>
                                           </p:spTgt>
                                         </p:tgtEl>
@@ -30236,7 +30542,110 @@
                                         <p:tgtEl>
                                           <p:spTgt spid="3">
                                             <p:txEl>
-                                              <p:pRg st="2" end="2"/>
+                                              <p:pRg st="1" end="1"/>
+                                            </p:txEl>
+                                          </p:spTgt>
+                                        </p:tgtEl>
+                                        <p:attrNameLst>
+                                          <p:attrName>ppt_y</p:attrName>
+                                        </p:attrNameLst>
+                                      </p:cBhvr>
+                                      <p:tavLst>
+                                        <p:tav tm="0">
+                                          <p:val>
+                                            <p:strVal val="1+#ppt_h/2"/>
+                                          </p:val>
+                                        </p:tav>
+                                        <p:tav tm="100000">
+                                          <p:val>
+                                            <p:strVal val="#ppt_y"/>
+                                          </p:val>
+                                        </p:tav>
+                                      </p:tavLst>
+                                    </p:anim>
+                                  </p:childTnLst>
+                                </p:cTn>
+                              </p:par>
+                            </p:childTnLst>
+                          </p:cTn>
+                        </p:par>
+                      </p:childTnLst>
+                    </p:cTn>
+                  </p:par>
+                  <p:par>
+                    <p:cTn id="15" fill="hold">
+                      <p:stCondLst>
+                        <p:cond delay="indefinite"/>
+                      </p:stCondLst>
+                      <p:childTnLst>
+                        <p:par>
+                          <p:cTn id="16" fill="hold">
+                            <p:stCondLst>
+                              <p:cond delay="0"/>
+                            </p:stCondLst>
+                            <p:childTnLst>
+                              <p:par>
+                                <p:cTn id="17" presetID="2" presetClass="entr" presetSubtype="4" fill="hold" grpId="0" nodeType="clickEffect">
+                                  <p:stCondLst>
+                                    <p:cond delay="0"/>
+                                  </p:stCondLst>
+                                  <p:childTnLst>
+                                    <p:set>
+                                      <p:cBhvr>
+                                        <p:cTn id="18" dur="1" fill="hold">
+                                          <p:stCondLst>
+                                            <p:cond delay="0"/>
+                                          </p:stCondLst>
+                                        </p:cTn>
+                                        <p:tgtEl>
+                                          <p:spTgt spid="3">
+                                            <p:txEl>
+                                              <p:pRg st="3" end="3"/>
+                                            </p:txEl>
+                                          </p:spTgt>
+                                        </p:tgtEl>
+                                        <p:attrNameLst>
+                                          <p:attrName>style.visibility</p:attrName>
+                                        </p:attrNameLst>
+                                      </p:cBhvr>
+                                      <p:to>
+                                        <p:strVal val="visible"/>
+                                      </p:to>
+                                    </p:set>
+                                    <p:anim calcmode="lin" valueType="num">
+                                      <p:cBhvr additive="base">
+                                        <p:cTn id="19" dur="500" fill="hold"/>
+                                        <p:tgtEl>
+                                          <p:spTgt spid="3">
+                                            <p:txEl>
+                                              <p:pRg st="3" end="3"/>
+                                            </p:txEl>
+                                          </p:spTgt>
+                                        </p:tgtEl>
+                                        <p:attrNameLst>
+                                          <p:attrName>ppt_x</p:attrName>
+                                        </p:attrNameLst>
+                                      </p:cBhvr>
+                                      <p:tavLst>
+                                        <p:tav tm="0">
+                                          <p:val>
+                                            <p:strVal val="#ppt_x"/>
+                                          </p:val>
+                                        </p:tav>
+                                        <p:tav tm="100000">
+                                          <p:val>
+                                            <p:strVal val="#ppt_x"/>
+                                          </p:val>
+                                        </p:tav>
+                                      </p:tavLst>
+                                    </p:anim>
+                                    <p:anim calcmode="lin" valueType="num">
+                                      <p:cBhvr additive="base">
+                                        <p:cTn id="20" dur="500" fill="hold"/>
+                                        <p:tgtEl>
+                                          <p:spTgt spid="3">
+                                            <p:txEl>
+                                              <p:pRg st="3" end="3"/>
                                             </p:txEl>
                                           </p:spTgt>
                                         </p:tgtEl>
@@ -30261,14 +30670,14 @@
                                 </p:cTn>
                               </p:par>
                               <p:par>
-                                <p:cTn id="15" presetID="2" presetClass="entr" presetSubtype="4" fill="hold" grpId="0" nodeType="withEffect">
+                                <p:cTn id="21" presetID="2" presetClass="entr" presetSubtype="4" fill="hold" grpId="0" nodeType="withEffect">
                                   <p:stCondLst>
                                     <p:cond delay="0"/>
                                   </p:stCondLst>
                                   <p:childTnLst>
                                     <p:set>
                                       <p:cBhvr>
-                                        <p:cTn id="16" dur="1" fill="hold">
+                                        <p:cTn id="22" dur="1" fill="hold">
                                           <p:stCondLst>
                                             <p:cond delay="0"/>
                                           </p:stCondLst>
@@ -30276,7 +30685,7 @@
                                         <p:tgtEl>
                                           <p:spTgt spid="3">
                                             <p:txEl>
-                                              <p:pRg st="3" end="3"/>
+                                              <p:pRg st="4" end="4"/>
                                             </p:txEl>
                                           </p:spTgt>
                                         </p:tgtEl>
@@ -30290,11 +30699,11 @@
                                     </p:set>
                                     <p:anim calcmode="lin" valueType="num">
                                       <p:cBhvr additive="base">
-                                        <p:cTn id="17" dur="500" fill="hold"/>
+                                        <p:cTn id="23" dur="500" fill="hold"/>
                                         <p:tgtEl>
                                           <p:spTgt spid="3">
                                             <p:txEl>
-                                              <p:pRg st="3" end="3"/>
+                                              <p:pRg st="4" end="4"/>
                                             </p:txEl>
                                           </p:spTgt>
                                         </p:tgtEl>
@@ -30317,11 +30726,11 @@
                                     </p:anim>
                                     <p:anim calcmode="lin" valueType="num">
                                       <p:cBhvr additive="base">
-                                        <p:cTn id="18" dur="500" fill="hold"/>
+                                        <p:cTn id="24" dur="500" fill="hold"/>
                                         <p:tgtEl>
                                           <p:spTgt spid="3">
                                             <p:txEl>
-                                              <p:pRg st="3" end="3"/>
+                                              <p:pRg st="4" end="4"/>
                                             </p:txEl>
                                           </p:spTgt>
                                         </p:tgtEl>
@@ -30346,14 +30755,14 @@
                                 </p:cTn>
                               </p:par>
                               <p:par>
-                                <p:cTn id="19" presetID="2" presetClass="entr" presetSubtype="4" fill="hold" grpId="0" nodeType="withEffect">
+                                <p:cTn id="25" presetID="2" presetClass="entr" presetSubtype="4" fill="hold" grpId="0" nodeType="withEffect">
                                   <p:stCondLst>
                                     <p:cond delay="0"/>
                                   </p:stCondLst>
                                   <p:childTnLst>
                                     <p:set>
                                       <p:cBhvr>
-                                        <p:cTn id="20" dur="1" fill="hold">
+                                        <p:cTn id="26" dur="1" fill="hold">
                                           <p:stCondLst>
                                             <p:cond delay="0"/>
                                           </p:stCondLst>
@@ -30361,7 +30770,7 @@
                                         <p:tgtEl>
                                           <p:spTgt spid="3">
                                             <p:txEl>
-                                              <p:pRg st="4" end="4"/>
+                                              <p:pRg st="5" end="5"/>
                                             </p:txEl>
                                           </p:spTgt>
                                         </p:tgtEl>
@@ -30375,11 +30784,11 @@
                                     </p:set>
                                     <p:anim calcmode="lin" valueType="num">
                                       <p:cBhvr additive="base">
-                                        <p:cTn id="21" dur="500" fill="hold"/>
+                                        <p:cTn id="27" dur="500" fill="hold"/>
                                         <p:tgtEl>
                                           <p:spTgt spid="3">
                                             <p:txEl>
-                                              <p:pRg st="4" end="4"/>
+                                              <p:pRg st="5" end="5"/>
                                             </p:txEl>
                                           </p:spTgt>
                                         </p:tgtEl>
@@ -30402,11 +30811,11 @@
                                     </p:anim>
                                     <p:anim calcmode="lin" valueType="num">
                                       <p:cBhvr additive="base">
-                                        <p:cTn id="22" dur="500" fill="hold"/>
+                                        <p:cTn id="28" dur="500" fill="hold"/>
                                         <p:tgtEl>
                                           <p:spTgt spid="3">
                                             <p:txEl>
-                                              <p:pRg st="4" end="4"/>
+                                              <p:pRg st="5" end="5"/>
                                             </p:txEl>
                                           </p:spTgt>
                                         </p:tgtEl>
@@ -30431,14 +30840,14 @@
                                 </p:cTn>
                               </p:par>
                               <p:par>
-                                <p:cTn id="23" presetID="2" presetClass="entr" presetSubtype="4" fill="hold" grpId="0" nodeType="withEffect">
+                                <p:cTn id="29" presetID="2" presetClass="entr" presetSubtype="4" fill="hold" grpId="0" nodeType="withEffect">
                                   <p:stCondLst>
                                     <p:cond delay="0"/>
                                   </p:stCondLst>
                                   <p:childTnLst>
                                     <p:set>
                                       <p:cBhvr>
-                                        <p:cTn id="24" dur="1" fill="hold">
+                                        <p:cTn id="30" dur="1" fill="hold">
                                           <p:stCondLst>
                                             <p:cond delay="0"/>
                                           </p:stCondLst>
@@ -30446,7 +30855,7 @@
                                         <p:tgtEl>
                                           <p:spTgt spid="3">
                                             <p:txEl>
-                                              <p:pRg st="5" end="5"/>
+                                              <p:pRg st="6" end="6"/>
                                             </p:txEl>
                                           </p:spTgt>
                                         </p:tgtEl>
@@ -30460,11 +30869,11 @@
                                     </p:set>
                                     <p:anim calcmode="lin" valueType="num">
                                       <p:cBhvr additive="base">
-                                        <p:cTn id="25" dur="500" fill="hold"/>
+                                        <p:cTn id="31" dur="500" fill="hold"/>
                                         <p:tgtEl>
                                           <p:spTgt spid="3">
                                             <p:txEl>
-                                              <p:pRg st="5" end="5"/>
+                                              <p:pRg st="6" end="6"/>
                                             </p:txEl>
                                           </p:spTgt>
                                         </p:tgtEl>
@@ -30487,11 +30896,11 @@
                                     </p:anim>
                                     <p:anim calcmode="lin" valueType="num">
                                       <p:cBhvr additive="base">
-                                        <p:cTn id="26" dur="500" fill="hold"/>
+                                        <p:cTn id="32" dur="500" fill="hold"/>
                                         <p:tgtEl>
                                           <p:spTgt spid="3">
                                             <p:txEl>
-                                              <p:pRg st="5" end="5"/>
+                                              <p:pRg st="6" end="6"/>
                                             </p:txEl>
                                           </p:spTgt>
                                         </p:tgtEl>
@@ -30516,14 +30925,14 @@
                                 </p:cTn>
                               </p:par>
                               <p:par>
-                                <p:cTn id="27" presetID="2" presetClass="entr" presetSubtype="4" fill="hold" grpId="0" nodeType="withEffect">
+                                <p:cTn id="33" presetID="2" presetClass="entr" presetSubtype="4" fill="hold" grpId="0" nodeType="withEffect">
                                   <p:stCondLst>
                                     <p:cond delay="0"/>
                                   </p:stCondLst>
                                   <p:childTnLst>
                                     <p:set>
                                       <p:cBhvr>
-                                        <p:cTn id="28" dur="1" fill="hold">
+                                        <p:cTn id="34" dur="1" fill="hold">
                                           <p:stCondLst>
                                             <p:cond delay="0"/>
                                           </p:stCondLst>
@@ -30531,7 +30940,7 @@
                                         <p:tgtEl>
                                           <p:spTgt spid="3">
                                             <p:txEl>
-                                              <p:pRg st="6" end="6"/>
+                                              <p:pRg st="7" end="7"/>
                                             </p:txEl>
                                           </p:spTgt>
                                         </p:tgtEl>
@@ -30545,11 +30954,11 @@
                                     </p:set>
                                     <p:anim calcmode="lin" valueType="num">
                                       <p:cBhvr additive="base">
-                                        <p:cTn id="29" dur="500" fill="hold"/>
+                                        <p:cTn id="35" dur="500" fill="hold"/>
                                         <p:tgtEl>
                                           <p:spTgt spid="3">
                                             <p:txEl>
-                                              <p:pRg st="6" end="6"/>
+                                              <p:pRg st="7" end="7"/>
                                             </p:txEl>
                                           </p:spTgt>
                                         </p:tgtEl>
@@ -30572,11 +30981,11 @@
                                     </p:anim>
                                     <p:anim calcmode="lin" valueType="num">
                                       <p:cBhvr additive="base">
-                                        <p:cTn id="30" dur="500" fill="hold"/>
+                                        <p:cTn id="36" dur="500" fill="hold"/>
                                         <p:tgtEl>
                                           <p:spTgt spid="3">
                                             <p:txEl>
-                                              <p:pRg st="6" end="6"/>
+                                              <p:pRg st="7" end="7"/>
                                             </p:txEl>
                                           </p:spTgt>
                                         </p:tgtEl>
@@ -30601,14 +31010,14 @@
                                 </p:cTn>
                               </p:par>
                               <p:par>
-                                <p:cTn id="31" presetID="2" presetClass="entr" presetSubtype="4" fill="hold" grpId="0" nodeType="withEffect">
+                                <p:cTn id="37" presetID="2" presetClass="entr" presetSubtype="4" fill="hold" grpId="0" nodeType="withEffect">
                                   <p:stCondLst>
                                     <p:cond delay="0"/>
                                   </p:stCondLst>
                                   <p:childTnLst>
                                     <p:set>
                                       <p:cBhvr>
-                                        <p:cTn id="32" dur="1" fill="hold">
+                                        <p:cTn id="38" dur="1" fill="hold">
                                           <p:stCondLst>
                                             <p:cond delay="0"/>
                                           </p:stCondLst>
@@ -30616,7 +31025,7 @@
                                         <p:tgtEl>
                                           <p:spTgt spid="3">
                                             <p:txEl>
-                                              <p:pRg st="7" end="7"/>
+                                              <p:pRg st="8" end="8"/>
                                             </p:txEl>
                                           </p:spTgt>
                                         </p:tgtEl>
@@ -30630,11 +31039,11 @@
                                     </p:set>
                                     <p:anim calcmode="lin" valueType="num">
                                       <p:cBhvr additive="base">
-                                        <p:cTn id="33" dur="500" fill="hold"/>
+                                        <p:cTn id="39" dur="500" fill="hold"/>
                                         <p:tgtEl>
                                           <p:spTgt spid="3">
                                             <p:txEl>
-                                              <p:pRg st="7" end="7"/>
+                                              <p:pRg st="8" end="8"/>
                                             </p:txEl>
                                           </p:spTgt>
                                         </p:tgtEl>
@@ -30657,11 +31066,11 @@
                                     </p:anim>
                                     <p:anim calcmode="lin" valueType="num">
                                       <p:cBhvr additive="base">
-                                        <p:cTn id="34" dur="500" fill="hold"/>
+                                        <p:cTn id="40" dur="500" fill="hold"/>
                                         <p:tgtEl>
                                           <p:spTgt spid="3">
                                             <p:txEl>
-                                              <p:pRg st="7" end="7"/>
+                                              <p:pRg st="8" end="8"/>
                                             </p:txEl>
                                           </p:spTgt>
                                         </p:tgtEl>
@@ -30719,7 +31128,7 @@
 </p:sld>
 </file>
 
-<file path=ppt/slides/slide35.xml><?xml version="1.0" encoding="utf-8"?>
+<file path=ppt/slides/slide36.xml><?xml version="1.0" encoding="utf-8"?>
 <p:sld xmlns:a="http://schemas.openxmlformats.org/drawingml/2006/main" xmlns:r="http://schemas.openxmlformats.org/officeDocument/2006/relationships" xmlns:p="http://schemas.openxmlformats.org/presentationml/2006/main">
   <p:cSld>
     <p:spTree>
@@ -31332,7 +31741,7 @@
 </p:sld>
 </file>
 
-<file path=ppt/slides/slide36.xml><?xml version="1.0" encoding="utf-8"?>
+<file path=ppt/slides/slide37.xml><?xml version="1.0" encoding="utf-8"?>
 <p:sld xmlns:a="http://schemas.openxmlformats.org/drawingml/2006/main" xmlns:r="http://schemas.openxmlformats.org/officeDocument/2006/relationships" xmlns:p="http://schemas.openxmlformats.org/presentationml/2006/main">
   <p:cSld>
     <p:spTree>
@@ -31372,8 +31781,8 @@
           <a:p>
             <a:pPr algn="ctr"/>
             <a:r>
-              <a:rPr lang="en-US" dirty="0"/>
-              <a:t>Arrays in depth</a:t>
+              <a:rPr lang="en-US" b="1" dirty="0"/>
+              <a:t>Arrays Revisited!</a:t>
             </a:r>
           </a:p>
         </p:txBody>
@@ -31552,350 +31961,6 @@
                                           <p:spTgt spid="3">
                                             <p:txEl>
                                               <p:pRg st="0" end="0"/>
-                                            </p:txEl>
-                                          </p:spTgt>
-                                        </p:tgtEl>
-                                        <p:attrNameLst>
-                                          <p:attrName>ppt_y</p:attrName>
-                                        </p:attrNameLst>
-                                      </p:cBhvr>
-                                      <p:tavLst>
-                                        <p:tav tm="0">
-                                          <p:val>
-                                            <p:strVal val="1+#ppt_h/2"/>
-                                          </p:val>
-                                        </p:tav>
-                                        <p:tav tm="100000">
-                                          <p:val>
-                                            <p:strVal val="#ppt_y"/>
-                                          </p:val>
-                                        </p:tav>
-                                      </p:tavLst>
-                                    </p:anim>
-                                  </p:childTnLst>
-                                </p:cTn>
-                              </p:par>
-                            </p:childTnLst>
-                          </p:cTn>
-                        </p:par>
-                      </p:childTnLst>
-                    </p:cTn>
-                  </p:par>
-                </p:childTnLst>
-              </p:cTn>
-              <p:prevCondLst>
-                <p:cond evt="onPrev" delay="0">
-                  <p:tgtEl>
-                    <p:sldTgt/>
-                  </p:tgtEl>
-                </p:cond>
-              </p:prevCondLst>
-              <p:nextCondLst>
-                <p:cond evt="onNext" delay="0">
-                  <p:tgtEl>
-                    <p:sldTgt/>
-                  </p:tgtEl>
-                </p:cond>
-              </p:nextCondLst>
-            </p:seq>
-          </p:childTnLst>
-        </p:cTn>
-      </p:par>
-    </p:tnLst>
-    <p:bldLst>
-      <p:bldP spid="3" grpId="0" build="p"/>
-    </p:bldLst>
-  </p:timing>
-</p:sld>
-</file>
-
-<file path=ppt/slides/slide37.xml><?xml version="1.0" encoding="utf-8"?>
-<p:sld xmlns:a="http://schemas.openxmlformats.org/drawingml/2006/main" xmlns:r="http://schemas.openxmlformats.org/officeDocument/2006/relationships" xmlns:p="http://schemas.openxmlformats.org/presentationml/2006/main">
-  <p:cSld>
-    <p:spTree>
-      <p:nvGrpSpPr>
-        <p:cNvPr id="1" name=""/>
-        <p:cNvGrpSpPr/>
-        <p:nvPr/>
-      </p:nvGrpSpPr>
-      <p:grpSpPr>
-        <a:xfrm>
-          <a:off x="0" y="0"/>
-          <a:ext cx="0" cy="0"/>
-          <a:chOff x="0" y="0"/>
-          <a:chExt cx="0" cy="0"/>
-        </a:xfrm>
-      </p:grpSpPr>
-      <p:sp>
-        <p:nvSpPr>
-          <p:cNvPr id="2" name="Title 1">
-            <a:extLst>
-              <a:ext uri="{FF2B5EF4-FFF2-40B4-BE49-F238E27FC236}">
-                <a16:creationId xmlns:a16="http://schemas.microsoft.com/office/drawing/2014/main" id="{E2035CE6-0828-7740-A5F9-8D7F12FA575B}"/>
-              </a:ext>
-            </a:extLst>
-          </p:cNvPr>
-          <p:cNvSpPr>
-            <a:spLocks noGrp="1"/>
-          </p:cNvSpPr>
-          <p:nvPr>
-            <p:ph type="title"/>
-          </p:nvPr>
-        </p:nvSpPr>
-        <p:spPr/>
-        <p:txBody>
-          <a:bodyPr/>
-          <a:lstStyle/>
-          <a:p>
-            <a:pPr algn="ctr"/>
-            <a:r>
-              <a:rPr lang="en-US" dirty="0"/>
-              <a:t>What does “Contiguous memory” mean?</a:t>
-            </a:r>
-          </a:p>
-        </p:txBody>
-      </p:sp>
-      <p:sp>
-        <p:nvSpPr>
-          <p:cNvPr id="3" name="Content Placeholder 2">
-            <a:extLst>
-              <a:ext uri="{FF2B5EF4-FFF2-40B4-BE49-F238E27FC236}">
-                <a16:creationId xmlns:a16="http://schemas.microsoft.com/office/drawing/2014/main" id="{3FEF1AAE-DAE8-1D4B-B549-71DEE4ECCA5A}"/>
-              </a:ext>
-            </a:extLst>
-          </p:cNvPr>
-          <p:cNvSpPr>
-            <a:spLocks noGrp="1"/>
-          </p:cNvSpPr>
-          <p:nvPr>
-            <p:ph idx="1"/>
-          </p:nvPr>
-        </p:nvSpPr>
-        <p:spPr>
-          <a:xfrm>
-            <a:off x="1141412" y="2249487"/>
-            <a:ext cx="9905999" cy="2773926"/>
-          </a:xfrm>
-        </p:spPr>
-        <p:txBody>
-          <a:bodyPr/>
-          <a:lstStyle/>
-          <a:p>
-            <a:r>
-              <a:rPr lang="en-US" u="sng" dirty="0"/>
-              <a:t>Contiguous memory</a:t>
-            </a:r>
-            <a:r>
-              <a:rPr lang="en-US" dirty="0"/>
-              <a:t> just means “appearing right after each other in memory”</a:t>
-            </a:r>
-          </a:p>
-          <a:p>
-            <a:endParaRPr lang="en-US" dirty="0"/>
-          </a:p>
-          <a:p>
-            <a:r>
-              <a:rPr lang="en-US" dirty="0"/>
-              <a:t>All the elements in an array are direct neighbors regarding their position in memory. </a:t>
-            </a:r>
-          </a:p>
-        </p:txBody>
-      </p:sp>
-    </p:spTree>
-    <p:extLst>
-      <p:ext uri="{BB962C8B-B14F-4D97-AF65-F5344CB8AC3E}">
-        <p14:creationId xmlns:p14="http://schemas.microsoft.com/office/powerpoint/2010/main" val="620870786"/>
-      </p:ext>
-    </p:extLst>
-  </p:cSld>
-  <p:clrMapOvr>
-    <a:masterClrMapping/>
-  </p:clrMapOvr>
-  <p:timing>
-    <p:tnLst>
-      <p:par>
-        <p:cTn id="1" dur="indefinite" restart="never" nodeType="tmRoot">
-          <p:childTnLst>
-            <p:seq concurrent="1" nextAc="seek">
-              <p:cTn id="2" dur="indefinite" nodeType="mainSeq">
-                <p:childTnLst>
-                  <p:par>
-                    <p:cTn id="3" fill="hold">
-                      <p:stCondLst>
-                        <p:cond delay="indefinite"/>
-                      </p:stCondLst>
-                      <p:childTnLst>
-                        <p:par>
-                          <p:cTn id="4" fill="hold">
-                            <p:stCondLst>
-                              <p:cond delay="0"/>
-                            </p:stCondLst>
-                            <p:childTnLst>
-                              <p:par>
-                                <p:cTn id="5" presetID="2" presetClass="entr" presetSubtype="4" fill="hold" grpId="0" nodeType="clickEffect">
-                                  <p:stCondLst>
-                                    <p:cond delay="0"/>
-                                  </p:stCondLst>
-                                  <p:childTnLst>
-                                    <p:set>
-                                      <p:cBhvr>
-                                        <p:cTn id="6" dur="1" fill="hold">
-                                          <p:stCondLst>
-                                            <p:cond delay="0"/>
-                                          </p:stCondLst>
-                                        </p:cTn>
-                                        <p:tgtEl>
-                                          <p:spTgt spid="3">
-                                            <p:txEl>
-                                              <p:pRg st="0" end="0"/>
-                                            </p:txEl>
-                                          </p:spTgt>
-                                        </p:tgtEl>
-                                        <p:attrNameLst>
-                                          <p:attrName>style.visibility</p:attrName>
-                                        </p:attrNameLst>
-                                      </p:cBhvr>
-                                      <p:to>
-                                        <p:strVal val="visible"/>
-                                      </p:to>
-                                    </p:set>
-                                    <p:anim calcmode="lin" valueType="num">
-                                      <p:cBhvr additive="base">
-                                        <p:cTn id="7" dur="500" fill="hold"/>
-                                        <p:tgtEl>
-                                          <p:spTgt spid="3">
-                                            <p:txEl>
-                                              <p:pRg st="0" end="0"/>
-                                            </p:txEl>
-                                          </p:spTgt>
-                                        </p:tgtEl>
-                                        <p:attrNameLst>
-                                          <p:attrName>ppt_x</p:attrName>
-                                        </p:attrNameLst>
-                                      </p:cBhvr>
-                                      <p:tavLst>
-                                        <p:tav tm="0">
-                                          <p:val>
-                                            <p:strVal val="#ppt_x"/>
-                                          </p:val>
-                                        </p:tav>
-                                        <p:tav tm="100000">
-                                          <p:val>
-                                            <p:strVal val="#ppt_x"/>
-                                          </p:val>
-                                        </p:tav>
-                                      </p:tavLst>
-                                    </p:anim>
-                                    <p:anim calcmode="lin" valueType="num">
-                                      <p:cBhvr additive="base">
-                                        <p:cTn id="8" dur="500" fill="hold"/>
-                                        <p:tgtEl>
-                                          <p:spTgt spid="3">
-                                            <p:txEl>
-                                              <p:pRg st="0" end="0"/>
-                                            </p:txEl>
-                                          </p:spTgt>
-                                        </p:tgtEl>
-                                        <p:attrNameLst>
-                                          <p:attrName>ppt_y</p:attrName>
-                                        </p:attrNameLst>
-                                      </p:cBhvr>
-                                      <p:tavLst>
-                                        <p:tav tm="0">
-                                          <p:val>
-                                            <p:strVal val="1+#ppt_h/2"/>
-                                          </p:val>
-                                        </p:tav>
-                                        <p:tav tm="100000">
-                                          <p:val>
-                                            <p:strVal val="#ppt_y"/>
-                                          </p:val>
-                                        </p:tav>
-                                      </p:tavLst>
-                                    </p:anim>
-                                  </p:childTnLst>
-                                </p:cTn>
-                              </p:par>
-                            </p:childTnLst>
-                          </p:cTn>
-                        </p:par>
-                      </p:childTnLst>
-                    </p:cTn>
-                  </p:par>
-                  <p:par>
-                    <p:cTn id="9" fill="hold">
-                      <p:stCondLst>
-                        <p:cond delay="indefinite"/>
-                      </p:stCondLst>
-                      <p:childTnLst>
-                        <p:par>
-                          <p:cTn id="10" fill="hold">
-                            <p:stCondLst>
-                              <p:cond delay="0"/>
-                            </p:stCondLst>
-                            <p:childTnLst>
-                              <p:par>
-                                <p:cTn id="11" presetID="2" presetClass="entr" presetSubtype="4" fill="hold" grpId="0" nodeType="clickEffect">
-                                  <p:stCondLst>
-                                    <p:cond delay="0"/>
-                                  </p:stCondLst>
-                                  <p:childTnLst>
-                                    <p:set>
-                                      <p:cBhvr>
-                                        <p:cTn id="12" dur="1" fill="hold">
-                                          <p:stCondLst>
-                                            <p:cond delay="0"/>
-                                          </p:stCondLst>
-                                        </p:cTn>
-                                        <p:tgtEl>
-                                          <p:spTgt spid="3">
-                                            <p:txEl>
-                                              <p:pRg st="2" end="2"/>
-                                            </p:txEl>
-                                          </p:spTgt>
-                                        </p:tgtEl>
-                                        <p:attrNameLst>
-                                          <p:attrName>style.visibility</p:attrName>
-                                        </p:attrNameLst>
-                                      </p:cBhvr>
-                                      <p:to>
-                                        <p:strVal val="visible"/>
-                                      </p:to>
-                                    </p:set>
-                                    <p:anim calcmode="lin" valueType="num">
-                                      <p:cBhvr additive="base">
-                                        <p:cTn id="13" dur="500" fill="hold"/>
-                                        <p:tgtEl>
-                                          <p:spTgt spid="3">
-                                            <p:txEl>
-                                              <p:pRg st="2" end="2"/>
-                                            </p:txEl>
-                                          </p:spTgt>
-                                        </p:tgtEl>
-                                        <p:attrNameLst>
-                                          <p:attrName>ppt_x</p:attrName>
-                                        </p:attrNameLst>
-                                      </p:cBhvr>
-                                      <p:tavLst>
-                                        <p:tav tm="0">
-                                          <p:val>
-                                            <p:strVal val="#ppt_x"/>
-                                          </p:val>
-                                        </p:tav>
-                                        <p:tav tm="100000">
-                                          <p:val>
-                                            <p:strVal val="#ppt_x"/>
-                                          </p:val>
-                                        </p:tav>
-                                      </p:tavLst>
-                                    </p:anim>
-                                    <p:anim calcmode="lin" valueType="num">
-                                      <p:cBhvr additive="base">
-                                        <p:cTn id="14" dur="500" fill="hold"/>
-                                        <p:tgtEl>
-                                          <p:spTgt spid="3">
-                                            <p:txEl>
-                                              <p:pRg st="2" end="2"/>
                                             </p:txEl>
                                           </p:spTgt>
                                         </p:tgtEl>
@@ -31975,6 +32040,586 @@
           <p:cNvPr id="2" name="Title 1">
             <a:extLst>
               <a:ext uri="{FF2B5EF4-FFF2-40B4-BE49-F238E27FC236}">
+                <a16:creationId xmlns:a16="http://schemas.microsoft.com/office/drawing/2014/main" id="{E2035CE6-0828-7740-A5F9-8D7F12FA575B}"/>
+              </a:ext>
+            </a:extLst>
+          </p:cNvPr>
+          <p:cNvSpPr>
+            <a:spLocks noGrp="1"/>
+          </p:cNvSpPr>
+          <p:nvPr>
+            <p:ph type="title"/>
+          </p:nvPr>
+        </p:nvSpPr>
+        <p:spPr/>
+        <p:txBody>
+          <a:bodyPr/>
+          <a:lstStyle/>
+          <a:p>
+            <a:pPr algn="ctr"/>
+            <a:r>
+              <a:rPr lang="en-US" dirty="0"/>
+              <a:t>What does “</a:t>
+            </a:r>
+            <a:r>
+              <a:rPr lang="en-US" u="sng" dirty="0"/>
+              <a:t>Contiguous memory</a:t>
+            </a:r>
+            <a:r>
+              <a:rPr lang="en-US" dirty="0"/>
+              <a:t>” mean?</a:t>
+            </a:r>
+          </a:p>
+        </p:txBody>
+      </p:sp>
+      <p:sp>
+        <p:nvSpPr>
+          <p:cNvPr id="3" name="Content Placeholder 2">
+            <a:extLst>
+              <a:ext uri="{FF2B5EF4-FFF2-40B4-BE49-F238E27FC236}">
+                <a16:creationId xmlns:a16="http://schemas.microsoft.com/office/drawing/2014/main" id="{3FEF1AAE-DAE8-1D4B-B549-71DEE4ECCA5A}"/>
+              </a:ext>
+            </a:extLst>
+          </p:cNvPr>
+          <p:cNvSpPr>
+            <a:spLocks noGrp="1"/>
+          </p:cNvSpPr>
+          <p:nvPr>
+            <p:ph idx="1"/>
+          </p:nvPr>
+        </p:nvSpPr>
+        <p:spPr>
+          <a:xfrm>
+            <a:off x="1141412" y="2249486"/>
+            <a:ext cx="9905999" cy="3989995"/>
+          </a:xfrm>
+        </p:spPr>
+        <p:txBody>
+          <a:bodyPr>
+            <a:normAutofit lnSpcReduction="10000"/>
+          </a:bodyPr>
+          <a:lstStyle/>
+          <a:p>
+            <a:r>
+              <a:rPr lang="en-US" u="sng" dirty="0"/>
+              <a:t>Contiguous memory</a:t>
+            </a:r>
+            <a:r>
+              <a:rPr lang="en-US" dirty="0"/>
+              <a:t> just means “appearing right after each other in memory”</a:t>
+            </a:r>
+          </a:p>
+          <a:p>
+            <a:endParaRPr lang="en-US" dirty="0"/>
+          </a:p>
+          <a:p>
+            <a:r>
+              <a:rPr lang="en-US" dirty="0"/>
+              <a:t>All the elements in an array are direct neighbors regarding their position in memory.  Hence arrays are contiguous in memory!</a:t>
+            </a:r>
+          </a:p>
+          <a:p>
+            <a:endParaRPr lang="en-US" dirty="0"/>
+          </a:p>
+          <a:p>
+            <a:r>
+              <a:rPr lang="en-US" u="sng" dirty="0"/>
+              <a:t>Question</a:t>
+            </a:r>
+            <a:r>
+              <a:rPr lang="en-US" dirty="0"/>
+              <a:t>: Can our computer access arrays quickly or slowly?</a:t>
+            </a:r>
+          </a:p>
+          <a:p>
+            <a:pPr lvl="1"/>
+            <a:r>
+              <a:rPr lang="en-US" dirty="0"/>
+              <a:t>Arrays can be accessed very quickly since we can cache (temporarily save) them without messing up the order.</a:t>
+            </a:r>
+          </a:p>
+        </p:txBody>
+      </p:sp>
+    </p:spTree>
+    <p:extLst>
+      <p:ext uri="{BB962C8B-B14F-4D97-AF65-F5344CB8AC3E}">
+        <p14:creationId xmlns:p14="http://schemas.microsoft.com/office/powerpoint/2010/main" val="620870786"/>
+      </p:ext>
+    </p:extLst>
+  </p:cSld>
+  <p:clrMapOvr>
+    <a:masterClrMapping/>
+  </p:clrMapOvr>
+  <p:timing>
+    <p:tnLst>
+      <p:par>
+        <p:cTn id="1" dur="indefinite" restart="never" nodeType="tmRoot">
+          <p:childTnLst>
+            <p:seq concurrent="1" nextAc="seek">
+              <p:cTn id="2" dur="indefinite" nodeType="mainSeq">
+                <p:childTnLst>
+                  <p:par>
+                    <p:cTn id="3" fill="hold">
+                      <p:stCondLst>
+                        <p:cond delay="indefinite"/>
+                      </p:stCondLst>
+                      <p:childTnLst>
+                        <p:par>
+                          <p:cTn id="4" fill="hold">
+                            <p:stCondLst>
+                              <p:cond delay="0"/>
+                            </p:stCondLst>
+                            <p:childTnLst>
+                              <p:par>
+                                <p:cTn id="5" presetID="2" presetClass="entr" presetSubtype="4" fill="hold" grpId="0" nodeType="clickEffect">
+                                  <p:stCondLst>
+                                    <p:cond delay="0"/>
+                                  </p:stCondLst>
+                                  <p:childTnLst>
+                                    <p:set>
+                                      <p:cBhvr>
+                                        <p:cTn id="6" dur="1" fill="hold">
+                                          <p:stCondLst>
+                                            <p:cond delay="0"/>
+                                          </p:stCondLst>
+                                        </p:cTn>
+                                        <p:tgtEl>
+                                          <p:spTgt spid="3">
+                                            <p:txEl>
+                                              <p:pRg st="0" end="0"/>
+                                            </p:txEl>
+                                          </p:spTgt>
+                                        </p:tgtEl>
+                                        <p:attrNameLst>
+                                          <p:attrName>style.visibility</p:attrName>
+                                        </p:attrNameLst>
+                                      </p:cBhvr>
+                                      <p:to>
+                                        <p:strVal val="visible"/>
+                                      </p:to>
+                                    </p:set>
+                                    <p:anim calcmode="lin" valueType="num">
+                                      <p:cBhvr additive="base">
+                                        <p:cTn id="7" dur="500" fill="hold"/>
+                                        <p:tgtEl>
+                                          <p:spTgt spid="3">
+                                            <p:txEl>
+                                              <p:pRg st="0" end="0"/>
+                                            </p:txEl>
+                                          </p:spTgt>
+                                        </p:tgtEl>
+                                        <p:attrNameLst>
+                                          <p:attrName>ppt_x</p:attrName>
+                                        </p:attrNameLst>
+                                      </p:cBhvr>
+                                      <p:tavLst>
+                                        <p:tav tm="0">
+                                          <p:val>
+                                            <p:strVal val="#ppt_x"/>
+                                          </p:val>
+                                        </p:tav>
+                                        <p:tav tm="100000">
+                                          <p:val>
+                                            <p:strVal val="#ppt_x"/>
+                                          </p:val>
+                                        </p:tav>
+                                      </p:tavLst>
+                                    </p:anim>
+                                    <p:anim calcmode="lin" valueType="num">
+                                      <p:cBhvr additive="base">
+                                        <p:cTn id="8" dur="500" fill="hold"/>
+                                        <p:tgtEl>
+                                          <p:spTgt spid="3">
+                                            <p:txEl>
+                                              <p:pRg st="0" end="0"/>
+                                            </p:txEl>
+                                          </p:spTgt>
+                                        </p:tgtEl>
+                                        <p:attrNameLst>
+                                          <p:attrName>ppt_y</p:attrName>
+                                        </p:attrNameLst>
+                                      </p:cBhvr>
+                                      <p:tavLst>
+                                        <p:tav tm="0">
+                                          <p:val>
+                                            <p:strVal val="1+#ppt_h/2"/>
+                                          </p:val>
+                                        </p:tav>
+                                        <p:tav tm="100000">
+                                          <p:val>
+                                            <p:strVal val="#ppt_y"/>
+                                          </p:val>
+                                        </p:tav>
+                                      </p:tavLst>
+                                    </p:anim>
+                                  </p:childTnLst>
+                                </p:cTn>
+                              </p:par>
+                            </p:childTnLst>
+                          </p:cTn>
+                        </p:par>
+                      </p:childTnLst>
+                    </p:cTn>
+                  </p:par>
+                  <p:par>
+                    <p:cTn id="9" fill="hold">
+                      <p:stCondLst>
+                        <p:cond delay="indefinite"/>
+                      </p:stCondLst>
+                      <p:childTnLst>
+                        <p:par>
+                          <p:cTn id="10" fill="hold">
+                            <p:stCondLst>
+                              <p:cond delay="0"/>
+                            </p:stCondLst>
+                            <p:childTnLst>
+                              <p:par>
+                                <p:cTn id="11" presetID="2" presetClass="entr" presetSubtype="4" fill="hold" grpId="0" nodeType="clickEffect">
+                                  <p:stCondLst>
+                                    <p:cond delay="0"/>
+                                  </p:stCondLst>
+                                  <p:childTnLst>
+                                    <p:set>
+                                      <p:cBhvr>
+                                        <p:cTn id="12" dur="1" fill="hold">
+                                          <p:stCondLst>
+                                            <p:cond delay="0"/>
+                                          </p:stCondLst>
+                                        </p:cTn>
+                                        <p:tgtEl>
+                                          <p:spTgt spid="3">
+                                            <p:txEl>
+                                              <p:pRg st="2" end="2"/>
+                                            </p:txEl>
+                                          </p:spTgt>
+                                        </p:tgtEl>
+                                        <p:attrNameLst>
+                                          <p:attrName>style.visibility</p:attrName>
+                                        </p:attrNameLst>
+                                      </p:cBhvr>
+                                      <p:to>
+                                        <p:strVal val="visible"/>
+                                      </p:to>
+                                    </p:set>
+                                    <p:anim calcmode="lin" valueType="num">
+                                      <p:cBhvr additive="base">
+                                        <p:cTn id="13" dur="500" fill="hold"/>
+                                        <p:tgtEl>
+                                          <p:spTgt spid="3">
+                                            <p:txEl>
+                                              <p:pRg st="2" end="2"/>
+                                            </p:txEl>
+                                          </p:spTgt>
+                                        </p:tgtEl>
+                                        <p:attrNameLst>
+                                          <p:attrName>ppt_x</p:attrName>
+                                        </p:attrNameLst>
+                                      </p:cBhvr>
+                                      <p:tavLst>
+                                        <p:tav tm="0">
+                                          <p:val>
+                                            <p:strVal val="#ppt_x"/>
+                                          </p:val>
+                                        </p:tav>
+                                        <p:tav tm="100000">
+                                          <p:val>
+                                            <p:strVal val="#ppt_x"/>
+                                          </p:val>
+                                        </p:tav>
+                                      </p:tavLst>
+                                    </p:anim>
+                                    <p:anim calcmode="lin" valueType="num">
+                                      <p:cBhvr additive="base">
+                                        <p:cTn id="14" dur="500" fill="hold"/>
+                                        <p:tgtEl>
+                                          <p:spTgt spid="3">
+                                            <p:txEl>
+                                              <p:pRg st="2" end="2"/>
+                                            </p:txEl>
+                                          </p:spTgt>
+                                        </p:tgtEl>
+                                        <p:attrNameLst>
+                                          <p:attrName>ppt_y</p:attrName>
+                                        </p:attrNameLst>
+                                      </p:cBhvr>
+                                      <p:tavLst>
+                                        <p:tav tm="0">
+                                          <p:val>
+                                            <p:strVal val="1+#ppt_h/2"/>
+                                          </p:val>
+                                        </p:tav>
+                                        <p:tav tm="100000">
+                                          <p:val>
+                                            <p:strVal val="#ppt_y"/>
+                                          </p:val>
+                                        </p:tav>
+                                      </p:tavLst>
+                                    </p:anim>
+                                  </p:childTnLst>
+                                </p:cTn>
+                              </p:par>
+                            </p:childTnLst>
+                          </p:cTn>
+                        </p:par>
+                      </p:childTnLst>
+                    </p:cTn>
+                  </p:par>
+                  <p:par>
+                    <p:cTn id="15" fill="hold">
+                      <p:stCondLst>
+                        <p:cond delay="indefinite"/>
+                      </p:stCondLst>
+                      <p:childTnLst>
+                        <p:par>
+                          <p:cTn id="16" fill="hold">
+                            <p:stCondLst>
+                              <p:cond delay="0"/>
+                            </p:stCondLst>
+                            <p:childTnLst>
+                              <p:par>
+                                <p:cTn id="17" presetID="2" presetClass="entr" presetSubtype="4" fill="hold" grpId="0" nodeType="clickEffect">
+                                  <p:stCondLst>
+                                    <p:cond delay="0"/>
+                                  </p:stCondLst>
+                                  <p:childTnLst>
+                                    <p:set>
+                                      <p:cBhvr>
+                                        <p:cTn id="18" dur="1" fill="hold">
+                                          <p:stCondLst>
+                                            <p:cond delay="0"/>
+                                          </p:stCondLst>
+                                        </p:cTn>
+                                        <p:tgtEl>
+                                          <p:spTgt spid="3">
+                                            <p:txEl>
+                                              <p:pRg st="4" end="4"/>
+                                            </p:txEl>
+                                          </p:spTgt>
+                                        </p:tgtEl>
+                                        <p:attrNameLst>
+                                          <p:attrName>style.visibility</p:attrName>
+                                        </p:attrNameLst>
+                                      </p:cBhvr>
+                                      <p:to>
+                                        <p:strVal val="visible"/>
+                                      </p:to>
+                                    </p:set>
+                                    <p:anim calcmode="lin" valueType="num">
+                                      <p:cBhvr additive="base">
+                                        <p:cTn id="19" dur="500" fill="hold"/>
+                                        <p:tgtEl>
+                                          <p:spTgt spid="3">
+                                            <p:txEl>
+                                              <p:pRg st="4" end="4"/>
+                                            </p:txEl>
+                                          </p:spTgt>
+                                        </p:tgtEl>
+                                        <p:attrNameLst>
+                                          <p:attrName>ppt_x</p:attrName>
+                                        </p:attrNameLst>
+                                      </p:cBhvr>
+                                      <p:tavLst>
+                                        <p:tav tm="0">
+                                          <p:val>
+                                            <p:strVal val="#ppt_x"/>
+                                          </p:val>
+                                        </p:tav>
+                                        <p:tav tm="100000">
+                                          <p:val>
+                                            <p:strVal val="#ppt_x"/>
+                                          </p:val>
+                                        </p:tav>
+                                      </p:tavLst>
+                                    </p:anim>
+                                    <p:anim calcmode="lin" valueType="num">
+                                      <p:cBhvr additive="base">
+                                        <p:cTn id="20" dur="500" fill="hold"/>
+                                        <p:tgtEl>
+                                          <p:spTgt spid="3">
+                                            <p:txEl>
+                                              <p:pRg st="4" end="4"/>
+                                            </p:txEl>
+                                          </p:spTgt>
+                                        </p:tgtEl>
+                                        <p:attrNameLst>
+                                          <p:attrName>ppt_y</p:attrName>
+                                        </p:attrNameLst>
+                                      </p:cBhvr>
+                                      <p:tavLst>
+                                        <p:tav tm="0">
+                                          <p:val>
+                                            <p:strVal val="1+#ppt_h/2"/>
+                                          </p:val>
+                                        </p:tav>
+                                        <p:tav tm="100000">
+                                          <p:val>
+                                            <p:strVal val="#ppt_y"/>
+                                          </p:val>
+                                        </p:tav>
+                                      </p:tavLst>
+                                    </p:anim>
+                                  </p:childTnLst>
+                                </p:cTn>
+                              </p:par>
+                            </p:childTnLst>
+                          </p:cTn>
+                        </p:par>
+                      </p:childTnLst>
+                    </p:cTn>
+                  </p:par>
+                  <p:par>
+                    <p:cTn id="21" fill="hold">
+                      <p:stCondLst>
+                        <p:cond delay="indefinite"/>
+                      </p:stCondLst>
+                      <p:childTnLst>
+                        <p:par>
+                          <p:cTn id="22" fill="hold">
+                            <p:stCondLst>
+                              <p:cond delay="0"/>
+                            </p:stCondLst>
+                            <p:childTnLst>
+                              <p:par>
+                                <p:cTn id="23" presetID="2" presetClass="entr" presetSubtype="4" fill="hold" grpId="0" nodeType="clickEffect">
+                                  <p:stCondLst>
+                                    <p:cond delay="0"/>
+                                  </p:stCondLst>
+                                  <p:childTnLst>
+                                    <p:set>
+                                      <p:cBhvr>
+                                        <p:cTn id="24" dur="1" fill="hold">
+                                          <p:stCondLst>
+                                            <p:cond delay="0"/>
+                                          </p:stCondLst>
+                                        </p:cTn>
+                                        <p:tgtEl>
+                                          <p:spTgt spid="3">
+                                            <p:txEl>
+                                              <p:pRg st="5" end="5"/>
+                                            </p:txEl>
+                                          </p:spTgt>
+                                        </p:tgtEl>
+                                        <p:attrNameLst>
+                                          <p:attrName>style.visibility</p:attrName>
+                                        </p:attrNameLst>
+                                      </p:cBhvr>
+                                      <p:to>
+                                        <p:strVal val="visible"/>
+                                      </p:to>
+                                    </p:set>
+                                    <p:anim calcmode="lin" valueType="num">
+                                      <p:cBhvr additive="base">
+                                        <p:cTn id="25" dur="500" fill="hold"/>
+                                        <p:tgtEl>
+                                          <p:spTgt spid="3">
+                                            <p:txEl>
+                                              <p:pRg st="5" end="5"/>
+                                            </p:txEl>
+                                          </p:spTgt>
+                                        </p:tgtEl>
+                                        <p:attrNameLst>
+                                          <p:attrName>ppt_x</p:attrName>
+                                        </p:attrNameLst>
+                                      </p:cBhvr>
+                                      <p:tavLst>
+                                        <p:tav tm="0">
+                                          <p:val>
+                                            <p:strVal val="#ppt_x"/>
+                                          </p:val>
+                                        </p:tav>
+                                        <p:tav tm="100000">
+                                          <p:val>
+                                            <p:strVal val="#ppt_x"/>
+                                          </p:val>
+                                        </p:tav>
+                                      </p:tavLst>
+                                    </p:anim>
+                                    <p:anim calcmode="lin" valueType="num">
+                                      <p:cBhvr additive="base">
+                                        <p:cTn id="26" dur="500" fill="hold"/>
+                                        <p:tgtEl>
+                                          <p:spTgt spid="3">
+                                            <p:txEl>
+                                              <p:pRg st="5" end="5"/>
+                                            </p:txEl>
+                                          </p:spTgt>
+                                        </p:tgtEl>
+                                        <p:attrNameLst>
+                                          <p:attrName>ppt_y</p:attrName>
+                                        </p:attrNameLst>
+                                      </p:cBhvr>
+                                      <p:tavLst>
+                                        <p:tav tm="0">
+                                          <p:val>
+                                            <p:strVal val="1+#ppt_h/2"/>
+                                          </p:val>
+                                        </p:tav>
+                                        <p:tav tm="100000">
+                                          <p:val>
+                                            <p:strVal val="#ppt_y"/>
+                                          </p:val>
+                                        </p:tav>
+                                      </p:tavLst>
+                                    </p:anim>
+                                  </p:childTnLst>
+                                </p:cTn>
+                              </p:par>
+                            </p:childTnLst>
+                          </p:cTn>
+                        </p:par>
+                      </p:childTnLst>
+                    </p:cTn>
+                  </p:par>
+                </p:childTnLst>
+              </p:cTn>
+              <p:prevCondLst>
+                <p:cond evt="onPrev" delay="0">
+                  <p:tgtEl>
+                    <p:sldTgt/>
+                  </p:tgtEl>
+                </p:cond>
+              </p:prevCondLst>
+              <p:nextCondLst>
+                <p:cond evt="onNext" delay="0">
+                  <p:tgtEl>
+                    <p:sldTgt/>
+                  </p:tgtEl>
+                </p:cond>
+              </p:nextCondLst>
+            </p:seq>
+          </p:childTnLst>
+        </p:cTn>
+      </p:par>
+    </p:tnLst>
+    <p:bldLst>
+      <p:bldP spid="3" grpId="0" uiExpand="1" build="p"/>
+    </p:bldLst>
+  </p:timing>
+</p:sld>
+</file>
+
+<file path=ppt/slides/slide39.xml><?xml version="1.0" encoding="utf-8"?>
+<p:sld xmlns:a="http://schemas.openxmlformats.org/drawingml/2006/main" xmlns:r="http://schemas.openxmlformats.org/officeDocument/2006/relationships" xmlns:p="http://schemas.openxmlformats.org/presentationml/2006/main">
+  <p:cSld>
+    <p:spTree>
+      <p:nvGrpSpPr>
+        <p:cNvPr id="1" name=""/>
+        <p:cNvGrpSpPr/>
+        <p:nvPr/>
+      </p:nvGrpSpPr>
+      <p:grpSpPr>
+        <a:xfrm>
+          <a:off x="0" y="0"/>
+          <a:ext cx="0" cy="0"/>
+          <a:chOff x="0" y="0"/>
+          <a:chExt cx="0" cy="0"/>
+        </a:xfrm>
+      </p:grpSpPr>
+      <p:sp>
+        <p:nvSpPr>
+          <p:cNvPr id="2" name="Title 1">
+            <a:extLst>
+              <a:ext uri="{FF2B5EF4-FFF2-40B4-BE49-F238E27FC236}">
                 <a16:creationId xmlns:a16="http://schemas.microsoft.com/office/drawing/2014/main" id="{26F5B365-9497-7744-9173-E96F9FDCFE38}"/>
               </a:ext>
             </a:extLst>
@@ -32029,7 +32674,27 @@
           <a:p>
             <a:r>
               <a:rPr lang="en-US" dirty="0"/>
-              <a:t>If we have an array of chars, then it would have a structure like this in memory</a:t>
+              <a:t>If we have an array of </a:t>
+            </a:r>
+            <a:r>
+              <a:rPr lang="en-US" sz="2000" dirty="0">
+                <a:solidFill>
+                  <a:schemeClr val="accent4"/>
+                </a:solidFill>
+                <a:latin typeface="Consolas" panose="020B0609020204030204" pitchFamily="49" charset="0"/>
+                <a:cs typeface="Consolas" panose="020B0609020204030204" pitchFamily="49" charset="0"/>
+              </a:rPr>
+              <a:t>char</a:t>
+            </a:r>
+            <a:r>
+              <a:rPr lang="en-US" dirty="0">
+                <a:cs typeface="Consolas" panose="020B0609020204030204" pitchFamily="49" charset="0"/>
+              </a:rPr>
+              <a:t>s</a:t>
+            </a:r>
+            <a:r>
+              <a:rPr lang="en-US" dirty="0"/>
+              <a:t>, then it would have a structure like this in memory</a:t>
             </a:r>
           </a:p>
           <a:p>
@@ -32194,7 +32859,23 @@
               <a:rPr lang="en-US" dirty="0">
                 <a:cs typeface="Consolas" panose="020B0609020204030204" pitchFamily="49" charset="0"/>
               </a:rPr>
-              <a:t> just indicates where the array ends</a:t>
+              <a:t> just indicates where the array ends ( include this in for </a:t>
+            </a:r>
+            <a:r>
+              <a:rPr lang="en-US" sz="1800" dirty="0">
+                <a:solidFill>
+                  <a:schemeClr val="accent4"/>
+                </a:solidFill>
+                <a:latin typeface="Consolas" panose="020B0609020204030204" pitchFamily="49" charset="0"/>
+                <a:cs typeface="Consolas" panose="020B0609020204030204" pitchFamily="49" charset="0"/>
+              </a:rPr>
+              <a:t>char</a:t>
+            </a:r>
+            <a:r>
+              <a:rPr lang="en-US" dirty="0">
+                <a:cs typeface="Consolas" panose="020B0609020204030204" pitchFamily="49" charset="0"/>
+              </a:rPr>
+              <a:t> arrays as a safety measure)</a:t>
             </a:r>
           </a:p>
         </p:txBody>
@@ -32513,2510 +33194,6 @@
     </p:tnLst>
     <p:bldLst>
       <p:bldP spid="3" grpId="0" build="p"/>
-    </p:bldLst>
-  </p:timing>
-</p:sld>
-</file>
-
-<file path=ppt/slides/slide39.xml><?xml version="1.0" encoding="utf-8"?>
-<p:sld xmlns:a="http://schemas.openxmlformats.org/drawingml/2006/main" xmlns:r="http://schemas.openxmlformats.org/officeDocument/2006/relationships" xmlns:p="http://schemas.openxmlformats.org/presentationml/2006/main">
-  <p:cSld>
-    <p:spTree>
-      <p:nvGrpSpPr>
-        <p:cNvPr id="1" name=""/>
-        <p:cNvGrpSpPr/>
-        <p:nvPr/>
-      </p:nvGrpSpPr>
-      <p:grpSpPr>
-        <a:xfrm>
-          <a:off x="0" y="0"/>
-          <a:ext cx="0" cy="0"/>
-          <a:chOff x="0" y="0"/>
-          <a:chExt cx="0" cy="0"/>
-        </a:xfrm>
-      </p:grpSpPr>
-      <p:sp>
-        <p:nvSpPr>
-          <p:cNvPr id="2" name="Title 1">
-            <a:extLst>
-              <a:ext uri="{FF2B5EF4-FFF2-40B4-BE49-F238E27FC236}">
-                <a16:creationId xmlns:a16="http://schemas.microsoft.com/office/drawing/2014/main" id="{766F9608-B213-4542-B581-4F712F142756}"/>
-              </a:ext>
-            </a:extLst>
-          </p:cNvPr>
-          <p:cNvSpPr>
-            <a:spLocks noGrp="1"/>
-          </p:cNvSpPr>
-          <p:nvPr>
-            <p:ph type="title"/>
-          </p:nvPr>
-        </p:nvSpPr>
-        <p:spPr>
-          <a:xfrm>
-            <a:off x="1141413" y="618518"/>
-            <a:ext cx="9905998" cy="1328201"/>
-          </a:xfrm>
-        </p:spPr>
-        <p:txBody>
-          <a:bodyPr/>
-          <a:lstStyle/>
-          <a:p>
-            <a:pPr algn="ctr"/>
-            <a:r>
-              <a:rPr lang="en-US" dirty="0"/>
-              <a:t>Memory layout of the array</a:t>
-            </a:r>
-          </a:p>
-        </p:txBody>
-      </p:sp>
-      <p:sp>
-        <p:nvSpPr>
-          <p:cNvPr id="4" name="Rectangle 3">
-            <a:extLst>
-              <a:ext uri="{FF2B5EF4-FFF2-40B4-BE49-F238E27FC236}">
-                <a16:creationId xmlns:a16="http://schemas.microsoft.com/office/drawing/2014/main" id="{9116956D-5830-4341-91F0-FF70D74598D4}"/>
-              </a:ext>
-            </a:extLst>
-          </p:cNvPr>
-          <p:cNvSpPr/>
-          <p:nvPr/>
-        </p:nvSpPr>
-        <p:spPr>
-          <a:xfrm>
-            <a:off x="3553428" y="2474085"/>
-            <a:ext cx="662652" cy="662652"/>
-          </a:xfrm>
-          <a:prstGeom prst="rect">
-            <a:avLst/>
-          </a:prstGeom>
-          <a:ln>
-            <a:solidFill>
-              <a:schemeClr val="bg1"/>
-            </a:solidFill>
-          </a:ln>
-        </p:spPr>
-        <p:style>
-          <a:lnRef idx="2">
-            <a:schemeClr val="accent5">
-              <a:shade val="50000"/>
-            </a:schemeClr>
-          </a:lnRef>
-          <a:fillRef idx="1">
-            <a:schemeClr val="accent5"/>
-          </a:fillRef>
-          <a:effectRef idx="0">
-            <a:schemeClr val="accent5"/>
-          </a:effectRef>
-          <a:fontRef idx="minor">
-            <a:schemeClr val="lt1"/>
-          </a:fontRef>
-        </p:style>
-        <p:txBody>
-          <a:bodyPr rtlCol="0" anchor="ctr"/>
-          <a:lstStyle/>
-          <a:p>
-            <a:pPr algn="ctr"/>
-            <a:r>
-              <a:rPr lang="en-US" dirty="0">
-                <a:solidFill>
-                  <a:schemeClr val="accent2"/>
-                </a:solidFill>
-                <a:latin typeface="Consolas" panose="020B0609020204030204" pitchFamily="49" charset="0"/>
-                <a:cs typeface="Consolas" panose="020B0609020204030204" pitchFamily="49" charset="0"/>
-              </a:rPr>
-              <a:t>‘H’</a:t>
-            </a:r>
-          </a:p>
-        </p:txBody>
-      </p:sp>
-      <p:sp>
-        <p:nvSpPr>
-          <p:cNvPr id="5" name="Rectangle 4">
-            <a:extLst>
-              <a:ext uri="{FF2B5EF4-FFF2-40B4-BE49-F238E27FC236}">
-                <a16:creationId xmlns:a16="http://schemas.microsoft.com/office/drawing/2014/main" id="{1B92CDC6-FF2A-F745-9297-1F75092D3897}"/>
-              </a:ext>
-            </a:extLst>
-          </p:cNvPr>
-          <p:cNvSpPr/>
-          <p:nvPr/>
-        </p:nvSpPr>
-        <p:spPr>
-          <a:xfrm>
-            <a:off x="3553428" y="3136737"/>
-            <a:ext cx="662652" cy="662652"/>
-          </a:xfrm>
-          <a:prstGeom prst="rect">
-            <a:avLst/>
-          </a:prstGeom>
-          <a:ln>
-            <a:solidFill>
-              <a:schemeClr val="bg1"/>
-            </a:solidFill>
-          </a:ln>
-        </p:spPr>
-        <p:style>
-          <a:lnRef idx="2">
-            <a:schemeClr val="accent5">
-              <a:shade val="50000"/>
-            </a:schemeClr>
-          </a:lnRef>
-          <a:fillRef idx="1">
-            <a:schemeClr val="accent5"/>
-          </a:fillRef>
-          <a:effectRef idx="0">
-            <a:schemeClr val="accent5"/>
-          </a:effectRef>
-          <a:fontRef idx="minor">
-            <a:schemeClr val="lt1"/>
-          </a:fontRef>
-        </p:style>
-        <p:txBody>
-          <a:bodyPr rtlCol="0" anchor="ctr"/>
-          <a:lstStyle/>
-          <a:p>
-            <a:pPr algn="ctr"/>
-            <a:r>
-              <a:rPr lang="en-US" dirty="0">
-                <a:solidFill>
-                  <a:schemeClr val="accent2"/>
-                </a:solidFill>
-                <a:latin typeface="Consolas" panose="020B0609020204030204" pitchFamily="49" charset="0"/>
-                <a:cs typeface="Consolas" panose="020B0609020204030204" pitchFamily="49" charset="0"/>
-              </a:rPr>
-              <a:t>‘E’</a:t>
-            </a:r>
-          </a:p>
-        </p:txBody>
-      </p:sp>
-      <p:sp>
-        <p:nvSpPr>
-          <p:cNvPr id="6" name="Rectangle 5">
-            <a:extLst>
-              <a:ext uri="{FF2B5EF4-FFF2-40B4-BE49-F238E27FC236}">
-                <a16:creationId xmlns:a16="http://schemas.microsoft.com/office/drawing/2014/main" id="{AF7EA948-D76C-DA41-9CCB-1A6ED0B3680B}"/>
-              </a:ext>
-            </a:extLst>
-          </p:cNvPr>
-          <p:cNvSpPr/>
-          <p:nvPr/>
-        </p:nvSpPr>
-        <p:spPr>
-          <a:xfrm>
-            <a:off x="3553428" y="3799389"/>
-            <a:ext cx="662652" cy="662652"/>
-          </a:xfrm>
-          <a:prstGeom prst="rect">
-            <a:avLst/>
-          </a:prstGeom>
-          <a:ln>
-            <a:solidFill>
-              <a:schemeClr val="bg1"/>
-            </a:solidFill>
-          </a:ln>
-        </p:spPr>
-        <p:style>
-          <a:lnRef idx="2">
-            <a:schemeClr val="accent5">
-              <a:shade val="50000"/>
-            </a:schemeClr>
-          </a:lnRef>
-          <a:fillRef idx="1">
-            <a:schemeClr val="accent5"/>
-          </a:fillRef>
-          <a:effectRef idx="0">
-            <a:schemeClr val="accent5"/>
-          </a:effectRef>
-          <a:fontRef idx="minor">
-            <a:schemeClr val="lt1"/>
-          </a:fontRef>
-        </p:style>
-        <p:txBody>
-          <a:bodyPr rtlCol="0" anchor="ctr"/>
-          <a:lstStyle/>
-          <a:p>
-            <a:pPr algn="ctr"/>
-            <a:r>
-              <a:rPr lang="en-US" dirty="0">
-                <a:solidFill>
-                  <a:schemeClr val="accent2"/>
-                </a:solidFill>
-                <a:latin typeface="Consolas" panose="020B0609020204030204" pitchFamily="49" charset="0"/>
-                <a:cs typeface="Consolas" panose="020B0609020204030204" pitchFamily="49" charset="0"/>
-              </a:rPr>
-              <a:t>‘L’</a:t>
-            </a:r>
-          </a:p>
-        </p:txBody>
-      </p:sp>
-      <p:sp>
-        <p:nvSpPr>
-          <p:cNvPr id="7" name="Rectangle 6">
-            <a:extLst>
-              <a:ext uri="{FF2B5EF4-FFF2-40B4-BE49-F238E27FC236}">
-                <a16:creationId xmlns:a16="http://schemas.microsoft.com/office/drawing/2014/main" id="{95F3A75B-81D6-4D44-B1BF-19DA04EDC88E}"/>
-              </a:ext>
-            </a:extLst>
-          </p:cNvPr>
-          <p:cNvSpPr/>
-          <p:nvPr/>
-        </p:nvSpPr>
-        <p:spPr>
-          <a:xfrm>
-            <a:off x="3553428" y="4462041"/>
-            <a:ext cx="662652" cy="662652"/>
-          </a:xfrm>
-          <a:prstGeom prst="rect">
-            <a:avLst/>
-          </a:prstGeom>
-          <a:ln>
-            <a:solidFill>
-              <a:schemeClr val="bg1"/>
-            </a:solidFill>
-          </a:ln>
-        </p:spPr>
-        <p:style>
-          <a:lnRef idx="2">
-            <a:schemeClr val="accent5">
-              <a:shade val="50000"/>
-            </a:schemeClr>
-          </a:lnRef>
-          <a:fillRef idx="1">
-            <a:schemeClr val="accent5"/>
-          </a:fillRef>
-          <a:effectRef idx="0">
-            <a:schemeClr val="accent5"/>
-          </a:effectRef>
-          <a:fontRef idx="minor">
-            <a:schemeClr val="lt1"/>
-          </a:fontRef>
-        </p:style>
-        <p:txBody>
-          <a:bodyPr rtlCol="0" anchor="ctr"/>
-          <a:lstStyle/>
-          <a:p>
-            <a:pPr algn="ctr"/>
-            <a:r>
-              <a:rPr lang="en-US" dirty="0">
-                <a:solidFill>
-                  <a:schemeClr val="accent2"/>
-                </a:solidFill>
-                <a:latin typeface="Consolas" panose="020B0609020204030204" pitchFamily="49" charset="0"/>
-                <a:cs typeface="Consolas" panose="020B0609020204030204" pitchFamily="49" charset="0"/>
-              </a:rPr>
-              <a:t>‘L’</a:t>
-            </a:r>
-          </a:p>
-        </p:txBody>
-      </p:sp>
-      <p:sp>
-        <p:nvSpPr>
-          <p:cNvPr id="8" name="Rectangle 7">
-            <a:extLst>
-              <a:ext uri="{FF2B5EF4-FFF2-40B4-BE49-F238E27FC236}">
-                <a16:creationId xmlns:a16="http://schemas.microsoft.com/office/drawing/2014/main" id="{94B05099-DACC-C141-BDDE-143B3BA09CB9}"/>
-              </a:ext>
-            </a:extLst>
-          </p:cNvPr>
-          <p:cNvSpPr/>
-          <p:nvPr/>
-        </p:nvSpPr>
-        <p:spPr>
-          <a:xfrm>
-            <a:off x="3553428" y="5124693"/>
-            <a:ext cx="662652" cy="662652"/>
-          </a:xfrm>
-          <a:prstGeom prst="rect">
-            <a:avLst/>
-          </a:prstGeom>
-          <a:ln>
-            <a:solidFill>
-              <a:schemeClr val="bg1"/>
-            </a:solidFill>
-          </a:ln>
-        </p:spPr>
-        <p:style>
-          <a:lnRef idx="2">
-            <a:schemeClr val="accent5">
-              <a:shade val="50000"/>
-            </a:schemeClr>
-          </a:lnRef>
-          <a:fillRef idx="1">
-            <a:schemeClr val="accent5"/>
-          </a:fillRef>
-          <a:effectRef idx="0">
-            <a:schemeClr val="accent5"/>
-          </a:effectRef>
-          <a:fontRef idx="minor">
-            <a:schemeClr val="lt1"/>
-          </a:fontRef>
-        </p:style>
-        <p:txBody>
-          <a:bodyPr rtlCol="0" anchor="ctr"/>
-          <a:lstStyle/>
-          <a:p>
-            <a:pPr algn="ctr"/>
-            <a:r>
-              <a:rPr lang="en-US" dirty="0">
-                <a:solidFill>
-                  <a:schemeClr val="accent2"/>
-                </a:solidFill>
-                <a:latin typeface="Consolas" panose="020B0609020204030204" pitchFamily="49" charset="0"/>
-                <a:cs typeface="Consolas" panose="020B0609020204030204" pitchFamily="49" charset="0"/>
-              </a:rPr>
-              <a:t>‘O’</a:t>
-            </a:r>
-          </a:p>
-        </p:txBody>
-      </p:sp>
-      <p:sp>
-        <p:nvSpPr>
-          <p:cNvPr id="10" name="TextBox 9">
-            <a:extLst>
-              <a:ext uri="{FF2B5EF4-FFF2-40B4-BE49-F238E27FC236}">
-                <a16:creationId xmlns:a16="http://schemas.microsoft.com/office/drawing/2014/main" id="{FE4678DA-B6B9-5B4A-85C4-6EEA31ED2A32}"/>
-              </a:ext>
-            </a:extLst>
-          </p:cNvPr>
-          <p:cNvSpPr txBox="1"/>
-          <p:nvPr/>
-        </p:nvSpPr>
-        <p:spPr>
-          <a:xfrm>
-            <a:off x="2545217" y="1987730"/>
-            <a:ext cx="902826" cy="369332"/>
-          </a:xfrm>
-          <a:prstGeom prst="rect">
-            <a:avLst/>
-          </a:prstGeom>
-          <a:noFill/>
-        </p:spPr>
-        <p:txBody>
-          <a:bodyPr wrap="square" rtlCol="0">
-            <a:spAutoFit/>
-          </a:bodyPr>
-          <a:lstStyle/>
-          <a:p>
-            <a:r>
-              <a:rPr lang="en-US" u="sng" dirty="0"/>
-              <a:t>Index</a:t>
-            </a:r>
-            <a:r>
-              <a:rPr lang="en-US" dirty="0"/>
-              <a:t>:</a:t>
-            </a:r>
-          </a:p>
-        </p:txBody>
-      </p:sp>
-      <p:sp>
-        <p:nvSpPr>
-          <p:cNvPr id="11" name="TextBox 10">
-            <a:extLst>
-              <a:ext uri="{FF2B5EF4-FFF2-40B4-BE49-F238E27FC236}">
-                <a16:creationId xmlns:a16="http://schemas.microsoft.com/office/drawing/2014/main" id="{A134D04B-DC48-E047-9970-B476BC3A7B27}"/>
-              </a:ext>
-            </a:extLst>
-          </p:cNvPr>
-          <p:cNvSpPr txBox="1"/>
-          <p:nvPr/>
-        </p:nvSpPr>
-        <p:spPr>
-          <a:xfrm>
-            <a:off x="3113589" y="2632119"/>
-            <a:ext cx="311304" cy="369332"/>
-          </a:xfrm>
-          <a:prstGeom prst="rect">
-            <a:avLst/>
-          </a:prstGeom>
-          <a:noFill/>
-        </p:spPr>
-        <p:txBody>
-          <a:bodyPr wrap="none" rtlCol="0">
-            <a:spAutoFit/>
-          </a:bodyPr>
-          <a:lstStyle/>
-          <a:p>
-            <a:r>
-              <a:rPr lang="en-US" dirty="0"/>
-              <a:t>0</a:t>
-            </a:r>
-          </a:p>
-        </p:txBody>
-      </p:sp>
-      <p:sp>
-        <p:nvSpPr>
-          <p:cNvPr id="12" name="TextBox 11">
-            <a:extLst>
-              <a:ext uri="{FF2B5EF4-FFF2-40B4-BE49-F238E27FC236}">
-                <a16:creationId xmlns:a16="http://schemas.microsoft.com/office/drawing/2014/main" id="{1CBAFEE8-029E-F245-A81D-F131F4DF68A4}"/>
-              </a:ext>
-            </a:extLst>
-          </p:cNvPr>
-          <p:cNvSpPr txBox="1"/>
-          <p:nvPr/>
-        </p:nvSpPr>
-        <p:spPr>
-          <a:xfrm>
-            <a:off x="3102015" y="3283397"/>
-            <a:ext cx="311304" cy="369332"/>
-          </a:xfrm>
-          <a:prstGeom prst="rect">
-            <a:avLst/>
-          </a:prstGeom>
-          <a:noFill/>
-        </p:spPr>
-        <p:txBody>
-          <a:bodyPr wrap="none" rtlCol="0">
-            <a:spAutoFit/>
-          </a:bodyPr>
-          <a:lstStyle/>
-          <a:p>
-            <a:r>
-              <a:rPr lang="en-US" dirty="0"/>
-              <a:t>1</a:t>
-            </a:r>
-          </a:p>
-        </p:txBody>
-      </p:sp>
-      <p:sp>
-        <p:nvSpPr>
-          <p:cNvPr id="13" name="TextBox 12">
-            <a:extLst>
-              <a:ext uri="{FF2B5EF4-FFF2-40B4-BE49-F238E27FC236}">
-                <a16:creationId xmlns:a16="http://schemas.microsoft.com/office/drawing/2014/main" id="{D82E5C4C-C57C-2E42-B2B0-6DB516614B99}"/>
-              </a:ext>
-            </a:extLst>
-          </p:cNvPr>
-          <p:cNvSpPr txBox="1"/>
-          <p:nvPr/>
-        </p:nvSpPr>
-        <p:spPr>
-          <a:xfrm>
-            <a:off x="3102015" y="3943806"/>
-            <a:ext cx="311304" cy="369332"/>
-          </a:xfrm>
-          <a:prstGeom prst="rect">
-            <a:avLst/>
-          </a:prstGeom>
-          <a:noFill/>
-        </p:spPr>
-        <p:txBody>
-          <a:bodyPr wrap="none" rtlCol="0">
-            <a:spAutoFit/>
-          </a:bodyPr>
-          <a:lstStyle/>
-          <a:p>
-            <a:r>
-              <a:rPr lang="en-US" dirty="0"/>
-              <a:t>2</a:t>
-            </a:r>
-          </a:p>
-        </p:txBody>
-      </p:sp>
-      <p:sp>
-        <p:nvSpPr>
-          <p:cNvPr id="14" name="TextBox 13">
-            <a:extLst>
-              <a:ext uri="{FF2B5EF4-FFF2-40B4-BE49-F238E27FC236}">
-                <a16:creationId xmlns:a16="http://schemas.microsoft.com/office/drawing/2014/main" id="{BBA1277C-812C-884F-8BA6-41B15DB5FE53}"/>
-              </a:ext>
-            </a:extLst>
-          </p:cNvPr>
-          <p:cNvSpPr txBox="1"/>
-          <p:nvPr/>
-        </p:nvSpPr>
-        <p:spPr>
-          <a:xfrm>
-            <a:off x="3136739" y="4604216"/>
-            <a:ext cx="311304" cy="369332"/>
-          </a:xfrm>
-          <a:prstGeom prst="rect">
-            <a:avLst/>
-          </a:prstGeom>
-          <a:noFill/>
-        </p:spPr>
-        <p:txBody>
-          <a:bodyPr wrap="none" rtlCol="0">
-            <a:spAutoFit/>
-          </a:bodyPr>
-          <a:lstStyle/>
-          <a:p>
-            <a:r>
-              <a:rPr lang="en-US" dirty="0"/>
-              <a:t>3</a:t>
-            </a:r>
-          </a:p>
-        </p:txBody>
-      </p:sp>
-      <p:sp>
-        <p:nvSpPr>
-          <p:cNvPr id="15" name="TextBox 14">
-            <a:extLst>
-              <a:ext uri="{FF2B5EF4-FFF2-40B4-BE49-F238E27FC236}">
-                <a16:creationId xmlns:a16="http://schemas.microsoft.com/office/drawing/2014/main" id="{545CE61A-7D76-2343-BAEB-4B683693C991}"/>
-              </a:ext>
-            </a:extLst>
-          </p:cNvPr>
-          <p:cNvSpPr txBox="1"/>
-          <p:nvPr/>
-        </p:nvSpPr>
-        <p:spPr>
-          <a:xfrm>
-            <a:off x="3136739" y="5223915"/>
-            <a:ext cx="311304" cy="369332"/>
-          </a:xfrm>
-          <a:prstGeom prst="rect">
-            <a:avLst/>
-          </a:prstGeom>
-          <a:noFill/>
-        </p:spPr>
-        <p:txBody>
-          <a:bodyPr wrap="none" rtlCol="0">
-            <a:spAutoFit/>
-          </a:bodyPr>
-          <a:lstStyle/>
-          <a:p>
-            <a:r>
-              <a:rPr lang="en-US" dirty="0"/>
-              <a:t>4</a:t>
-            </a:r>
-          </a:p>
-        </p:txBody>
-      </p:sp>
-      <p:sp>
-        <p:nvSpPr>
-          <p:cNvPr id="16" name="TextBox 15">
-            <a:extLst>
-              <a:ext uri="{FF2B5EF4-FFF2-40B4-BE49-F238E27FC236}">
-                <a16:creationId xmlns:a16="http://schemas.microsoft.com/office/drawing/2014/main" id="{04A4323B-D078-1E40-BFAA-0C43884D4167}"/>
-              </a:ext>
-            </a:extLst>
-          </p:cNvPr>
-          <p:cNvSpPr txBox="1"/>
-          <p:nvPr/>
-        </p:nvSpPr>
-        <p:spPr>
-          <a:xfrm>
-            <a:off x="4864845" y="1987730"/>
-            <a:ext cx="6223319" cy="369332"/>
-          </a:xfrm>
-          <a:prstGeom prst="rect">
-            <a:avLst/>
-          </a:prstGeom>
-          <a:noFill/>
-        </p:spPr>
-        <p:txBody>
-          <a:bodyPr wrap="square" rtlCol="0">
-            <a:spAutoFit/>
-          </a:bodyPr>
-          <a:lstStyle/>
-          <a:p>
-            <a:r>
-              <a:rPr lang="en-US" dirty="0"/>
-              <a:t>Every block has a size of 1 Byte, since the size of a </a:t>
-            </a:r>
-            <a:r>
-              <a:rPr lang="en-US" sz="1600" dirty="0">
-                <a:solidFill>
-                  <a:schemeClr val="accent4"/>
-                </a:solidFill>
-                <a:latin typeface="Consolas" panose="020B0609020204030204" pitchFamily="49" charset="0"/>
-                <a:cs typeface="Consolas" panose="020B0609020204030204" pitchFamily="49" charset="0"/>
-              </a:rPr>
-              <a:t>char</a:t>
-            </a:r>
-            <a:r>
-              <a:rPr lang="en-US" dirty="0"/>
-              <a:t> is 1 Byte</a:t>
-            </a:r>
-          </a:p>
-        </p:txBody>
-      </p:sp>
-      <p:sp>
-        <p:nvSpPr>
-          <p:cNvPr id="17" name="TextBox 16">
-            <a:extLst>
-              <a:ext uri="{FF2B5EF4-FFF2-40B4-BE49-F238E27FC236}">
-                <a16:creationId xmlns:a16="http://schemas.microsoft.com/office/drawing/2014/main" id="{C407DF0C-EF35-9949-A014-D811E2CF5A1E}"/>
-              </a:ext>
-            </a:extLst>
-          </p:cNvPr>
-          <p:cNvSpPr txBox="1"/>
-          <p:nvPr/>
-        </p:nvSpPr>
-        <p:spPr>
-          <a:xfrm>
-            <a:off x="4864845" y="2620745"/>
-            <a:ext cx="1451038" cy="369332"/>
-          </a:xfrm>
-          <a:prstGeom prst="rect">
-            <a:avLst/>
-          </a:prstGeom>
-          <a:noFill/>
-        </p:spPr>
-        <p:txBody>
-          <a:bodyPr wrap="none" rtlCol="0">
-            <a:spAutoFit/>
-          </a:bodyPr>
-          <a:lstStyle/>
-          <a:p>
-            <a:r>
-              <a:rPr lang="en-US" dirty="0" err="1">
-                <a:latin typeface="Consolas" panose="020B0609020204030204" pitchFamily="49" charset="0"/>
-                <a:cs typeface="Consolas" panose="020B0609020204030204" pitchFamily="49" charset="0"/>
-              </a:rPr>
-              <a:t>myArray</a:t>
-            </a:r>
-            <a:r>
-              <a:rPr lang="en-US" dirty="0">
-                <a:latin typeface="Consolas" panose="020B0609020204030204" pitchFamily="49" charset="0"/>
-                <a:cs typeface="Consolas" panose="020B0609020204030204" pitchFamily="49" charset="0"/>
-              </a:rPr>
-              <a:t>[</a:t>
-            </a:r>
-            <a:r>
-              <a:rPr lang="en-US" dirty="0">
-                <a:solidFill>
-                  <a:schemeClr val="accent4"/>
-                </a:solidFill>
-                <a:latin typeface="Consolas" panose="020B0609020204030204" pitchFamily="49" charset="0"/>
-                <a:cs typeface="Consolas" panose="020B0609020204030204" pitchFamily="49" charset="0"/>
-              </a:rPr>
-              <a:t>0</a:t>
-            </a:r>
-            <a:r>
-              <a:rPr lang="en-US" dirty="0">
-                <a:latin typeface="Consolas" panose="020B0609020204030204" pitchFamily="49" charset="0"/>
-                <a:cs typeface="Consolas" panose="020B0609020204030204" pitchFamily="49" charset="0"/>
-              </a:rPr>
-              <a:t>]</a:t>
-            </a:r>
-          </a:p>
-        </p:txBody>
-      </p:sp>
-      <p:sp>
-        <p:nvSpPr>
-          <p:cNvPr id="19" name="TextBox 18">
-            <a:extLst>
-              <a:ext uri="{FF2B5EF4-FFF2-40B4-BE49-F238E27FC236}">
-                <a16:creationId xmlns:a16="http://schemas.microsoft.com/office/drawing/2014/main" id="{D9C6CF2C-EE2A-104A-9921-5160F90009E6}"/>
-              </a:ext>
-            </a:extLst>
-          </p:cNvPr>
-          <p:cNvSpPr txBox="1"/>
-          <p:nvPr/>
-        </p:nvSpPr>
-        <p:spPr>
-          <a:xfrm>
-            <a:off x="4864845" y="3294771"/>
-            <a:ext cx="1451038" cy="369332"/>
-          </a:xfrm>
-          <a:prstGeom prst="rect">
-            <a:avLst/>
-          </a:prstGeom>
-          <a:noFill/>
-        </p:spPr>
-        <p:txBody>
-          <a:bodyPr wrap="none" rtlCol="0">
-            <a:spAutoFit/>
-          </a:bodyPr>
-          <a:lstStyle/>
-          <a:p>
-            <a:r>
-              <a:rPr lang="en-US" dirty="0" err="1">
-                <a:latin typeface="Consolas" panose="020B0609020204030204" pitchFamily="49" charset="0"/>
-                <a:cs typeface="Consolas" panose="020B0609020204030204" pitchFamily="49" charset="0"/>
-              </a:rPr>
-              <a:t>myArray</a:t>
-            </a:r>
-            <a:r>
-              <a:rPr lang="en-US" dirty="0">
-                <a:latin typeface="Consolas" panose="020B0609020204030204" pitchFamily="49" charset="0"/>
-                <a:cs typeface="Consolas" panose="020B0609020204030204" pitchFamily="49" charset="0"/>
-              </a:rPr>
-              <a:t>[</a:t>
-            </a:r>
-            <a:r>
-              <a:rPr lang="en-US" dirty="0">
-                <a:solidFill>
-                  <a:schemeClr val="accent4"/>
-                </a:solidFill>
-                <a:latin typeface="Consolas" panose="020B0609020204030204" pitchFamily="49" charset="0"/>
-                <a:cs typeface="Consolas" panose="020B0609020204030204" pitchFamily="49" charset="0"/>
-              </a:rPr>
-              <a:t>1</a:t>
-            </a:r>
-            <a:r>
-              <a:rPr lang="en-US" dirty="0">
-                <a:latin typeface="Consolas" panose="020B0609020204030204" pitchFamily="49" charset="0"/>
-                <a:cs typeface="Consolas" panose="020B0609020204030204" pitchFamily="49" charset="0"/>
-              </a:rPr>
-              <a:t>]</a:t>
-            </a:r>
-          </a:p>
-        </p:txBody>
-      </p:sp>
-      <p:sp>
-        <p:nvSpPr>
-          <p:cNvPr id="20" name="TextBox 19">
-            <a:extLst>
-              <a:ext uri="{FF2B5EF4-FFF2-40B4-BE49-F238E27FC236}">
-                <a16:creationId xmlns:a16="http://schemas.microsoft.com/office/drawing/2014/main" id="{3F0791DB-C566-A84C-BD5F-8EFCBF2201B3}"/>
-              </a:ext>
-            </a:extLst>
-          </p:cNvPr>
-          <p:cNvSpPr txBox="1"/>
-          <p:nvPr/>
-        </p:nvSpPr>
-        <p:spPr>
-          <a:xfrm>
-            <a:off x="4864845" y="3945786"/>
-            <a:ext cx="1451038" cy="369332"/>
-          </a:xfrm>
-          <a:prstGeom prst="rect">
-            <a:avLst/>
-          </a:prstGeom>
-          <a:noFill/>
-        </p:spPr>
-        <p:txBody>
-          <a:bodyPr wrap="none" rtlCol="0">
-            <a:spAutoFit/>
-          </a:bodyPr>
-          <a:lstStyle/>
-          <a:p>
-            <a:r>
-              <a:rPr lang="en-US" dirty="0" err="1">
-                <a:latin typeface="Consolas" panose="020B0609020204030204" pitchFamily="49" charset="0"/>
-                <a:cs typeface="Consolas" panose="020B0609020204030204" pitchFamily="49" charset="0"/>
-              </a:rPr>
-              <a:t>myArray</a:t>
-            </a:r>
-            <a:r>
-              <a:rPr lang="en-US" dirty="0">
-                <a:latin typeface="Consolas" panose="020B0609020204030204" pitchFamily="49" charset="0"/>
-                <a:cs typeface="Consolas" panose="020B0609020204030204" pitchFamily="49" charset="0"/>
-              </a:rPr>
-              <a:t>[</a:t>
-            </a:r>
-            <a:r>
-              <a:rPr lang="en-US" dirty="0">
-                <a:solidFill>
-                  <a:schemeClr val="accent4"/>
-                </a:solidFill>
-                <a:latin typeface="Consolas" panose="020B0609020204030204" pitchFamily="49" charset="0"/>
-                <a:cs typeface="Consolas" panose="020B0609020204030204" pitchFamily="49" charset="0"/>
-              </a:rPr>
-              <a:t>2</a:t>
-            </a:r>
-            <a:r>
-              <a:rPr lang="en-US" dirty="0">
-                <a:latin typeface="Consolas" panose="020B0609020204030204" pitchFamily="49" charset="0"/>
-                <a:cs typeface="Consolas" panose="020B0609020204030204" pitchFamily="49" charset="0"/>
-              </a:rPr>
-              <a:t>]</a:t>
-            </a:r>
-          </a:p>
-        </p:txBody>
-      </p:sp>
-      <p:sp>
-        <p:nvSpPr>
-          <p:cNvPr id="21" name="TextBox 20">
-            <a:extLst>
-              <a:ext uri="{FF2B5EF4-FFF2-40B4-BE49-F238E27FC236}">
-                <a16:creationId xmlns:a16="http://schemas.microsoft.com/office/drawing/2014/main" id="{8AF54F2B-151F-DA46-B1F5-2975781F5FCF}"/>
-              </a:ext>
-            </a:extLst>
-          </p:cNvPr>
-          <p:cNvSpPr txBox="1"/>
-          <p:nvPr/>
-        </p:nvSpPr>
-        <p:spPr>
-          <a:xfrm>
-            <a:off x="4864845" y="4604216"/>
-            <a:ext cx="1451038" cy="369332"/>
-          </a:xfrm>
-          <a:prstGeom prst="rect">
-            <a:avLst/>
-          </a:prstGeom>
-          <a:noFill/>
-        </p:spPr>
-        <p:txBody>
-          <a:bodyPr wrap="none" rtlCol="0">
-            <a:spAutoFit/>
-          </a:bodyPr>
-          <a:lstStyle/>
-          <a:p>
-            <a:r>
-              <a:rPr lang="en-US" dirty="0" err="1">
-                <a:latin typeface="Consolas" panose="020B0609020204030204" pitchFamily="49" charset="0"/>
-                <a:cs typeface="Consolas" panose="020B0609020204030204" pitchFamily="49" charset="0"/>
-              </a:rPr>
-              <a:t>myArray</a:t>
-            </a:r>
-            <a:r>
-              <a:rPr lang="en-US" dirty="0">
-                <a:latin typeface="Consolas" panose="020B0609020204030204" pitchFamily="49" charset="0"/>
-                <a:cs typeface="Consolas" panose="020B0609020204030204" pitchFamily="49" charset="0"/>
-              </a:rPr>
-              <a:t>[</a:t>
-            </a:r>
-            <a:r>
-              <a:rPr lang="en-US" dirty="0">
-                <a:solidFill>
-                  <a:schemeClr val="accent4"/>
-                </a:solidFill>
-                <a:latin typeface="Consolas" panose="020B0609020204030204" pitchFamily="49" charset="0"/>
-                <a:cs typeface="Consolas" panose="020B0609020204030204" pitchFamily="49" charset="0"/>
-              </a:rPr>
-              <a:t>3</a:t>
-            </a:r>
-            <a:r>
-              <a:rPr lang="en-US" dirty="0">
-                <a:latin typeface="Consolas" panose="020B0609020204030204" pitchFamily="49" charset="0"/>
-                <a:cs typeface="Consolas" panose="020B0609020204030204" pitchFamily="49" charset="0"/>
-              </a:rPr>
-              <a:t>]</a:t>
-            </a:r>
-          </a:p>
-        </p:txBody>
-      </p:sp>
-      <p:sp>
-        <p:nvSpPr>
-          <p:cNvPr id="22" name="TextBox 21">
-            <a:extLst>
-              <a:ext uri="{FF2B5EF4-FFF2-40B4-BE49-F238E27FC236}">
-                <a16:creationId xmlns:a16="http://schemas.microsoft.com/office/drawing/2014/main" id="{A869E9B1-F45B-B842-8DAC-1AAEF477D472}"/>
-              </a:ext>
-            </a:extLst>
-          </p:cNvPr>
-          <p:cNvSpPr txBox="1"/>
-          <p:nvPr/>
-        </p:nvSpPr>
-        <p:spPr>
-          <a:xfrm>
-            <a:off x="4864845" y="5262646"/>
-            <a:ext cx="1451038" cy="369332"/>
-          </a:xfrm>
-          <a:prstGeom prst="rect">
-            <a:avLst/>
-          </a:prstGeom>
-          <a:noFill/>
-        </p:spPr>
-        <p:txBody>
-          <a:bodyPr wrap="none" rtlCol="0">
-            <a:spAutoFit/>
-          </a:bodyPr>
-          <a:lstStyle/>
-          <a:p>
-            <a:r>
-              <a:rPr lang="en-US" dirty="0" err="1">
-                <a:latin typeface="Consolas" panose="020B0609020204030204" pitchFamily="49" charset="0"/>
-                <a:cs typeface="Consolas" panose="020B0609020204030204" pitchFamily="49" charset="0"/>
-              </a:rPr>
-              <a:t>myArray</a:t>
-            </a:r>
-            <a:r>
-              <a:rPr lang="en-US" dirty="0">
-                <a:latin typeface="Consolas" panose="020B0609020204030204" pitchFamily="49" charset="0"/>
-                <a:cs typeface="Consolas" panose="020B0609020204030204" pitchFamily="49" charset="0"/>
-              </a:rPr>
-              <a:t>[</a:t>
-            </a:r>
-            <a:r>
-              <a:rPr lang="en-US" dirty="0">
-                <a:solidFill>
-                  <a:schemeClr val="accent4"/>
-                </a:solidFill>
-                <a:latin typeface="Consolas" panose="020B0609020204030204" pitchFamily="49" charset="0"/>
-                <a:cs typeface="Consolas" panose="020B0609020204030204" pitchFamily="49" charset="0"/>
-              </a:rPr>
-              <a:t>4</a:t>
-            </a:r>
-            <a:r>
-              <a:rPr lang="en-US" dirty="0">
-                <a:latin typeface="Consolas" panose="020B0609020204030204" pitchFamily="49" charset="0"/>
-                <a:cs typeface="Consolas" panose="020B0609020204030204" pitchFamily="49" charset="0"/>
-              </a:rPr>
-              <a:t>]</a:t>
-            </a:r>
-          </a:p>
-        </p:txBody>
-      </p:sp>
-      <p:sp>
-        <p:nvSpPr>
-          <p:cNvPr id="23" name="TextBox 22">
-            <a:extLst>
-              <a:ext uri="{FF2B5EF4-FFF2-40B4-BE49-F238E27FC236}">
-                <a16:creationId xmlns:a16="http://schemas.microsoft.com/office/drawing/2014/main" id="{FAB48AA9-F26B-1C44-846C-D80DEFB11143}"/>
-              </a:ext>
-            </a:extLst>
-          </p:cNvPr>
-          <p:cNvSpPr txBox="1"/>
-          <p:nvPr/>
-        </p:nvSpPr>
-        <p:spPr>
-          <a:xfrm>
-            <a:off x="4216080" y="6126831"/>
-            <a:ext cx="6695166" cy="646331"/>
-          </a:xfrm>
-          <a:prstGeom prst="rect">
-            <a:avLst/>
-          </a:prstGeom>
-          <a:noFill/>
-        </p:spPr>
-        <p:txBody>
-          <a:bodyPr wrap="none" rtlCol="0">
-            <a:spAutoFit/>
-          </a:bodyPr>
-          <a:lstStyle/>
-          <a:p>
-            <a:r>
-              <a:rPr lang="en-US" dirty="0"/>
-              <a:t>This is a contiguous layout since the elements are immediate neighbors. </a:t>
-            </a:r>
-          </a:p>
-          <a:p>
-            <a:r>
-              <a:rPr lang="en-US" u="sng" dirty="0"/>
-              <a:t>Note</a:t>
-            </a:r>
-            <a:r>
-              <a:rPr lang="en-US" dirty="0"/>
-              <a:t>: We can omit the </a:t>
-            </a:r>
-            <a:r>
-              <a:rPr lang="en-US" sz="1600" dirty="0">
-                <a:solidFill>
-                  <a:schemeClr val="accent4"/>
-                </a:solidFill>
-                <a:latin typeface="Consolas" panose="020B0609020204030204" pitchFamily="49" charset="0"/>
-                <a:cs typeface="Consolas" panose="020B0609020204030204" pitchFamily="49" charset="0"/>
-              </a:rPr>
-              <a:t>0</a:t>
-            </a:r>
-            <a:r>
-              <a:rPr lang="en-US" dirty="0"/>
-              <a:t> at the end of the array </a:t>
-            </a:r>
-          </a:p>
-        </p:txBody>
-      </p:sp>
-    </p:spTree>
-    <p:extLst>
-      <p:ext uri="{BB962C8B-B14F-4D97-AF65-F5344CB8AC3E}">
-        <p14:creationId xmlns:p14="http://schemas.microsoft.com/office/powerpoint/2010/main" val="2413863398"/>
-      </p:ext>
-    </p:extLst>
-  </p:cSld>
-  <p:clrMapOvr>
-    <a:masterClrMapping/>
-  </p:clrMapOvr>
-  <p:timing>
-    <p:tnLst>
-      <p:par>
-        <p:cTn id="1" dur="indefinite" restart="never" nodeType="tmRoot">
-          <p:childTnLst>
-            <p:seq concurrent="1" nextAc="seek">
-              <p:cTn id="2" dur="indefinite" nodeType="mainSeq">
-                <p:childTnLst>
-                  <p:par>
-                    <p:cTn id="3" fill="hold">
-                      <p:stCondLst>
-                        <p:cond delay="indefinite"/>
-                      </p:stCondLst>
-                      <p:childTnLst>
-                        <p:par>
-                          <p:cTn id="4" fill="hold">
-                            <p:stCondLst>
-                              <p:cond delay="0"/>
-                            </p:stCondLst>
-                            <p:childTnLst>
-                              <p:par>
-                                <p:cTn id="5" presetID="2" presetClass="entr" presetSubtype="4" fill="hold" grpId="0" nodeType="clickEffect">
-                                  <p:stCondLst>
-                                    <p:cond delay="0"/>
-                                  </p:stCondLst>
-                                  <p:childTnLst>
-                                    <p:set>
-                                      <p:cBhvr>
-                                        <p:cTn id="6" dur="1" fill="hold">
-                                          <p:stCondLst>
-                                            <p:cond delay="0"/>
-                                          </p:stCondLst>
-                                        </p:cTn>
-                                        <p:tgtEl>
-                                          <p:spTgt spid="10"/>
-                                        </p:tgtEl>
-                                        <p:attrNameLst>
-                                          <p:attrName>style.visibility</p:attrName>
-                                        </p:attrNameLst>
-                                      </p:cBhvr>
-                                      <p:to>
-                                        <p:strVal val="visible"/>
-                                      </p:to>
-                                    </p:set>
-                                    <p:anim calcmode="lin" valueType="num">
-                                      <p:cBhvr additive="base">
-                                        <p:cTn id="7" dur="500" fill="hold"/>
-                                        <p:tgtEl>
-                                          <p:spTgt spid="10"/>
-                                        </p:tgtEl>
-                                        <p:attrNameLst>
-                                          <p:attrName>ppt_x</p:attrName>
-                                        </p:attrNameLst>
-                                      </p:cBhvr>
-                                      <p:tavLst>
-                                        <p:tav tm="0">
-                                          <p:val>
-                                            <p:strVal val="#ppt_x"/>
-                                          </p:val>
-                                        </p:tav>
-                                        <p:tav tm="100000">
-                                          <p:val>
-                                            <p:strVal val="#ppt_x"/>
-                                          </p:val>
-                                        </p:tav>
-                                      </p:tavLst>
-                                    </p:anim>
-                                    <p:anim calcmode="lin" valueType="num">
-                                      <p:cBhvr additive="base">
-                                        <p:cTn id="8" dur="500" fill="hold"/>
-                                        <p:tgtEl>
-                                          <p:spTgt spid="10"/>
-                                        </p:tgtEl>
-                                        <p:attrNameLst>
-                                          <p:attrName>ppt_y</p:attrName>
-                                        </p:attrNameLst>
-                                      </p:cBhvr>
-                                      <p:tavLst>
-                                        <p:tav tm="0">
-                                          <p:val>
-                                            <p:strVal val="1+#ppt_h/2"/>
-                                          </p:val>
-                                        </p:tav>
-                                        <p:tav tm="100000">
-                                          <p:val>
-                                            <p:strVal val="#ppt_y"/>
-                                          </p:val>
-                                        </p:tav>
-                                      </p:tavLst>
-                                    </p:anim>
-                                  </p:childTnLst>
-                                </p:cTn>
-                              </p:par>
-                            </p:childTnLst>
-                          </p:cTn>
-                        </p:par>
-                      </p:childTnLst>
-                    </p:cTn>
-                  </p:par>
-                  <p:par>
-                    <p:cTn id="9" fill="hold">
-                      <p:stCondLst>
-                        <p:cond delay="indefinite"/>
-                      </p:stCondLst>
-                      <p:childTnLst>
-                        <p:par>
-                          <p:cTn id="10" fill="hold">
-                            <p:stCondLst>
-                              <p:cond delay="0"/>
-                            </p:stCondLst>
-                            <p:childTnLst>
-                              <p:par>
-                                <p:cTn id="11" presetID="2" presetClass="entr" presetSubtype="4" fill="hold" grpId="0" nodeType="clickEffect">
-                                  <p:stCondLst>
-                                    <p:cond delay="0"/>
-                                  </p:stCondLst>
-                                  <p:childTnLst>
-                                    <p:set>
-                                      <p:cBhvr>
-                                        <p:cTn id="12" dur="1" fill="hold">
-                                          <p:stCondLst>
-                                            <p:cond delay="0"/>
-                                          </p:stCondLst>
-                                        </p:cTn>
-                                        <p:tgtEl>
-                                          <p:spTgt spid="11"/>
-                                        </p:tgtEl>
-                                        <p:attrNameLst>
-                                          <p:attrName>style.visibility</p:attrName>
-                                        </p:attrNameLst>
-                                      </p:cBhvr>
-                                      <p:to>
-                                        <p:strVal val="visible"/>
-                                      </p:to>
-                                    </p:set>
-                                    <p:anim calcmode="lin" valueType="num">
-                                      <p:cBhvr additive="base">
-                                        <p:cTn id="13" dur="500" fill="hold"/>
-                                        <p:tgtEl>
-                                          <p:spTgt spid="11"/>
-                                        </p:tgtEl>
-                                        <p:attrNameLst>
-                                          <p:attrName>ppt_x</p:attrName>
-                                        </p:attrNameLst>
-                                      </p:cBhvr>
-                                      <p:tavLst>
-                                        <p:tav tm="0">
-                                          <p:val>
-                                            <p:strVal val="#ppt_x"/>
-                                          </p:val>
-                                        </p:tav>
-                                        <p:tav tm="100000">
-                                          <p:val>
-                                            <p:strVal val="#ppt_x"/>
-                                          </p:val>
-                                        </p:tav>
-                                      </p:tavLst>
-                                    </p:anim>
-                                    <p:anim calcmode="lin" valueType="num">
-                                      <p:cBhvr additive="base">
-                                        <p:cTn id="14" dur="500" fill="hold"/>
-                                        <p:tgtEl>
-                                          <p:spTgt spid="11"/>
-                                        </p:tgtEl>
-                                        <p:attrNameLst>
-                                          <p:attrName>ppt_y</p:attrName>
-                                        </p:attrNameLst>
-                                      </p:cBhvr>
-                                      <p:tavLst>
-                                        <p:tav tm="0">
-                                          <p:val>
-                                            <p:strVal val="1+#ppt_h/2"/>
-                                          </p:val>
-                                        </p:tav>
-                                        <p:tav tm="100000">
-                                          <p:val>
-                                            <p:strVal val="#ppt_y"/>
-                                          </p:val>
-                                        </p:tav>
-                                      </p:tavLst>
-                                    </p:anim>
-                                  </p:childTnLst>
-                                </p:cTn>
-                              </p:par>
-                              <p:par>
-                                <p:cTn id="15" presetID="2" presetClass="entr" presetSubtype="4" fill="hold" grpId="0" nodeType="withEffect">
-                                  <p:stCondLst>
-                                    <p:cond delay="0"/>
-                                  </p:stCondLst>
-                                  <p:childTnLst>
-                                    <p:set>
-                                      <p:cBhvr>
-                                        <p:cTn id="16" dur="1" fill="hold">
-                                          <p:stCondLst>
-                                            <p:cond delay="0"/>
-                                          </p:stCondLst>
-                                        </p:cTn>
-                                        <p:tgtEl>
-                                          <p:spTgt spid="4"/>
-                                        </p:tgtEl>
-                                        <p:attrNameLst>
-                                          <p:attrName>style.visibility</p:attrName>
-                                        </p:attrNameLst>
-                                      </p:cBhvr>
-                                      <p:to>
-                                        <p:strVal val="visible"/>
-                                      </p:to>
-                                    </p:set>
-                                    <p:anim calcmode="lin" valueType="num">
-                                      <p:cBhvr additive="base">
-                                        <p:cTn id="17" dur="500" fill="hold"/>
-                                        <p:tgtEl>
-                                          <p:spTgt spid="4"/>
-                                        </p:tgtEl>
-                                        <p:attrNameLst>
-                                          <p:attrName>ppt_x</p:attrName>
-                                        </p:attrNameLst>
-                                      </p:cBhvr>
-                                      <p:tavLst>
-                                        <p:tav tm="0">
-                                          <p:val>
-                                            <p:strVal val="#ppt_x"/>
-                                          </p:val>
-                                        </p:tav>
-                                        <p:tav tm="100000">
-                                          <p:val>
-                                            <p:strVal val="#ppt_x"/>
-                                          </p:val>
-                                        </p:tav>
-                                      </p:tavLst>
-                                    </p:anim>
-                                    <p:anim calcmode="lin" valueType="num">
-                                      <p:cBhvr additive="base">
-                                        <p:cTn id="18" dur="500" fill="hold"/>
-                                        <p:tgtEl>
-                                          <p:spTgt spid="4"/>
-                                        </p:tgtEl>
-                                        <p:attrNameLst>
-                                          <p:attrName>ppt_y</p:attrName>
-                                        </p:attrNameLst>
-                                      </p:cBhvr>
-                                      <p:tavLst>
-                                        <p:tav tm="0">
-                                          <p:val>
-                                            <p:strVal val="1+#ppt_h/2"/>
-                                          </p:val>
-                                        </p:tav>
-                                        <p:tav tm="100000">
-                                          <p:val>
-                                            <p:strVal val="#ppt_y"/>
-                                          </p:val>
-                                        </p:tav>
-                                      </p:tavLst>
-                                    </p:anim>
-                                  </p:childTnLst>
-                                </p:cTn>
-                              </p:par>
-                              <p:par>
-                                <p:cTn id="19" presetID="2" presetClass="entr" presetSubtype="4" fill="hold" grpId="0" nodeType="withEffect">
-                                  <p:stCondLst>
-                                    <p:cond delay="0"/>
-                                  </p:stCondLst>
-                                  <p:childTnLst>
-                                    <p:set>
-                                      <p:cBhvr>
-                                        <p:cTn id="20" dur="1" fill="hold">
-                                          <p:stCondLst>
-                                            <p:cond delay="0"/>
-                                          </p:stCondLst>
-                                        </p:cTn>
-                                        <p:tgtEl>
-                                          <p:spTgt spid="17"/>
-                                        </p:tgtEl>
-                                        <p:attrNameLst>
-                                          <p:attrName>style.visibility</p:attrName>
-                                        </p:attrNameLst>
-                                      </p:cBhvr>
-                                      <p:to>
-                                        <p:strVal val="visible"/>
-                                      </p:to>
-                                    </p:set>
-                                    <p:anim calcmode="lin" valueType="num">
-                                      <p:cBhvr additive="base">
-                                        <p:cTn id="21" dur="500" fill="hold"/>
-                                        <p:tgtEl>
-                                          <p:spTgt spid="17"/>
-                                        </p:tgtEl>
-                                        <p:attrNameLst>
-                                          <p:attrName>ppt_x</p:attrName>
-                                        </p:attrNameLst>
-                                      </p:cBhvr>
-                                      <p:tavLst>
-                                        <p:tav tm="0">
-                                          <p:val>
-                                            <p:strVal val="#ppt_x"/>
-                                          </p:val>
-                                        </p:tav>
-                                        <p:tav tm="100000">
-                                          <p:val>
-                                            <p:strVal val="#ppt_x"/>
-                                          </p:val>
-                                        </p:tav>
-                                      </p:tavLst>
-                                    </p:anim>
-                                    <p:anim calcmode="lin" valueType="num">
-                                      <p:cBhvr additive="base">
-                                        <p:cTn id="22" dur="500" fill="hold"/>
-                                        <p:tgtEl>
-                                          <p:spTgt spid="17"/>
-                                        </p:tgtEl>
-                                        <p:attrNameLst>
-                                          <p:attrName>ppt_y</p:attrName>
-                                        </p:attrNameLst>
-                                      </p:cBhvr>
-                                      <p:tavLst>
-                                        <p:tav tm="0">
-                                          <p:val>
-                                            <p:strVal val="1+#ppt_h/2"/>
-                                          </p:val>
-                                        </p:tav>
-                                        <p:tav tm="100000">
-                                          <p:val>
-                                            <p:strVal val="#ppt_y"/>
-                                          </p:val>
-                                        </p:tav>
-                                      </p:tavLst>
-                                    </p:anim>
-                                  </p:childTnLst>
-                                </p:cTn>
-                              </p:par>
-                            </p:childTnLst>
-                          </p:cTn>
-                        </p:par>
-                      </p:childTnLst>
-                    </p:cTn>
-                  </p:par>
-                  <p:par>
-                    <p:cTn id="23" fill="hold">
-                      <p:stCondLst>
-                        <p:cond delay="indefinite"/>
-                      </p:stCondLst>
-                      <p:childTnLst>
-                        <p:par>
-                          <p:cTn id="24" fill="hold">
-                            <p:stCondLst>
-                              <p:cond delay="0"/>
-                            </p:stCondLst>
-                            <p:childTnLst>
-                              <p:par>
-                                <p:cTn id="25" presetID="2" presetClass="entr" presetSubtype="4" fill="hold" grpId="0" nodeType="clickEffect">
-                                  <p:stCondLst>
-                                    <p:cond delay="0"/>
-                                  </p:stCondLst>
-                                  <p:childTnLst>
-                                    <p:set>
-                                      <p:cBhvr>
-                                        <p:cTn id="26" dur="1" fill="hold">
-                                          <p:stCondLst>
-                                            <p:cond delay="0"/>
-                                          </p:stCondLst>
-                                        </p:cTn>
-                                        <p:tgtEl>
-                                          <p:spTgt spid="12"/>
-                                        </p:tgtEl>
-                                        <p:attrNameLst>
-                                          <p:attrName>style.visibility</p:attrName>
-                                        </p:attrNameLst>
-                                      </p:cBhvr>
-                                      <p:to>
-                                        <p:strVal val="visible"/>
-                                      </p:to>
-                                    </p:set>
-                                    <p:anim calcmode="lin" valueType="num">
-                                      <p:cBhvr additive="base">
-                                        <p:cTn id="27" dur="500" fill="hold"/>
-                                        <p:tgtEl>
-                                          <p:spTgt spid="12"/>
-                                        </p:tgtEl>
-                                        <p:attrNameLst>
-                                          <p:attrName>ppt_x</p:attrName>
-                                        </p:attrNameLst>
-                                      </p:cBhvr>
-                                      <p:tavLst>
-                                        <p:tav tm="0">
-                                          <p:val>
-                                            <p:strVal val="#ppt_x"/>
-                                          </p:val>
-                                        </p:tav>
-                                        <p:tav tm="100000">
-                                          <p:val>
-                                            <p:strVal val="#ppt_x"/>
-                                          </p:val>
-                                        </p:tav>
-                                      </p:tavLst>
-                                    </p:anim>
-                                    <p:anim calcmode="lin" valueType="num">
-                                      <p:cBhvr additive="base">
-                                        <p:cTn id="28" dur="500" fill="hold"/>
-                                        <p:tgtEl>
-                                          <p:spTgt spid="12"/>
-                                        </p:tgtEl>
-                                        <p:attrNameLst>
-                                          <p:attrName>ppt_y</p:attrName>
-                                        </p:attrNameLst>
-                                      </p:cBhvr>
-                                      <p:tavLst>
-                                        <p:tav tm="0">
-                                          <p:val>
-                                            <p:strVal val="1+#ppt_h/2"/>
-                                          </p:val>
-                                        </p:tav>
-                                        <p:tav tm="100000">
-                                          <p:val>
-                                            <p:strVal val="#ppt_y"/>
-                                          </p:val>
-                                        </p:tav>
-                                      </p:tavLst>
-                                    </p:anim>
-                                  </p:childTnLst>
-                                </p:cTn>
-                              </p:par>
-                              <p:par>
-                                <p:cTn id="29" presetID="2" presetClass="entr" presetSubtype="4" fill="hold" grpId="0" nodeType="withEffect">
-                                  <p:stCondLst>
-                                    <p:cond delay="0"/>
-                                  </p:stCondLst>
-                                  <p:childTnLst>
-                                    <p:set>
-                                      <p:cBhvr>
-                                        <p:cTn id="30" dur="1" fill="hold">
-                                          <p:stCondLst>
-                                            <p:cond delay="0"/>
-                                          </p:stCondLst>
-                                        </p:cTn>
-                                        <p:tgtEl>
-                                          <p:spTgt spid="5"/>
-                                        </p:tgtEl>
-                                        <p:attrNameLst>
-                                          <p:attrName>style.visibility</p:attrName>
-                                        </p:attrNameLst>
-                                      </p:cBhvr>
-                                      <p:to>
-                                        <p:strVal val="visible"/>
-                                      </p:to>
-                                    </p:set>
-                                    <p:anim calcmode="lin" valueType="num">
-                                      <p:cBhvr additive="base">
-                                        <p:cTn id="31" dur="500" fill="hold"/>
-                                        <p:tgtEl>
-                                          <p:spTgt spid="5"/>
-                                        </p:tgtEl>
-                                        <p:attrNameLst>
-                                          <p:attrName>ppt_x</p:attrName>
-                                        </p:attrNameLst>
-                                      </p:cBhvr>
-                                      <p:tavLst>
-                                        <p:tav tm="0">
-                                          <p:val>
-                                            <p:strVal val="#ppt_x"/>
-                                          </p:val>
-                                        </p:tav>
-                                        <p:tav tm="100000">
-                                          <p:val>
-                                            <p:strVal val="#ppt_x"/>
-                                          </p:val>
-                                        </p:tav>
-                                      </p:tavLst>
-                                    </p:anim>
-                                    <p:anim calcmode="lin" valueType="num">
-                                      <p:cBhvr additive="base">
-                                        <p:cTn id="32" dur="500" fill="hold"/>
-                                        <p:tgtEl>
-                                          <p:spTgt spid="5"/>
-                                        </p:tgtEl>
-                                        <p:attrNameLst>
-                                          <p:attrName>ppt_y</p:attrName>
-                                        </p:attrNameLst>
-                                      </p:cBhvr>
-                                      <p:tavLst>
-                                        <p:tav tm="0">
-                                          <p:val>
-                                            <p:strVal val="1+#ppt_h/2"/>
-                                          </p:val>
-                                        </p:tav>
-                                        <p:tav tm="100000">
-                                          <p:val>
-                                            <p:strVal val="#ppt_y"/>
-                                          </p:val>
-                                        </p:tav>
-                                      </p:tavLst>
-                                    </p:anim>
-                                  </p:childTnLst>
-                                </p:cTn>
-                              </p:par>
-                              <p:par>
-                                <p:cTn id="33" presetID="2" presetClass="entr" presetSubtype="4" fill="hold" grpId="0" nodeType="withEffect">
-                                  <p:stCondLst>
-                                    <p:cond delay="0"/>
-                                  </p:stCondLst>
-                                  <p:childTnLst>
-                                    <p:set>
-                                      <p:cBhvr>
-                                        <p:cTn id="34" dur="1" fill="hold">
-                                          <p:stCondLst>
-                                            <p:cond delay="0"/>
-                                          </p:stCondLst>
-                                        </p:cTn>
-                                        <p:tgtEl>
-                                          <p:spTgt spid="19"/>
-                                        </p:tgtEl>
-                                        <p:attrNameLst>
-                                          <p:attrName>style.visibility</p:attrName>
-                                        </p:attrNameLst>
-                                      </p:cBhvr>
-                                      <p:to>
-                                        <p:strVal val="visible"/>
-                                      </p:to>
-                                    </p:set>
-                                    <p:anim calcmode="lin" valueType="num">
-                                      <p:cBhvr additive="base">
-                                        <p:cTn id="35" dur="500" fill="hold"/>
-                                        <p:tgtEl>
-                                          <p:spTgt spid="19"/>
-                                        </p:tgtEl>
-                                        <p:attrNameLst>
-                                          <p:attrName>ppt_x</p:attrName>
-                                        </p:attrNameLst>
-                                      </p:cBhvr>
-                                      <p:tavLst>
-                                        <p:tav tm="0">
-                                          <p:val>
-                                            <p:strVal val="#ppt_x"/>
-                                          </p:val>
-                                        </p:tav>
-                                        <p:tav tm="100000">
-                                          <p:val>
-                                            <p:strVal val="#ppt_x"/>
-                                          </p:val>
-                                        </p:tav>
-                                      </p:tavLst>
-                                    </p:anim>
-                                    <p:anim calcmode="lin" valueType="num">
-                                      <p:cBhvr additive="base">
-                                        <p:cTn id="36" dur="500" fill="hold"/>
-                                        <p:tgtEl>
-                                          <p:spTgt spid="19"/>
-                                        </p:tgtEl>
-                                        <p:attrNameLst>
-                                          <p:attrName>ppt_y</p:attrName>
-                                        </p:attrNameLst>
-                                      </p:cBhvr>
-                                      <p:tavLst>
-                                        <p:tav tm="0">
-                                          <p:val>
-                                            <p:strVal val="1+#ppt_h/2"/>
-                                          </p:val>
-                                        </p:tav>
-                                        <p:tav tm="100000">
-                                          <p:val>
-                                            <p:strVal val="#ppt_y"/>
-                                          </p:val>
-                                        </p:tav>
-                                      </p:tavLst>
-                                    </p:anim>
-                                  </p:childTnLst>
-                                </p:cTn>
-                              </p:par>
-                            </p:childTnLst>
-                          </p:cTn>
-                        </p:par>
-                      </p:childTnLst>
-                    </p:cTn>
-                  </p:par>
-                  <p:par>
-                    <p:cTn id="37" fill="hold">
-                      <p:stCondLst>
-                        <p:cond delay="indefinite"/>
-                      </p:stCondLst>
-                      <p:childTnLst>
-                        <p:par>
-                          <p:cTn id="38" fill="hold">
-                            <p:stCondLst>
-                              <p:cond delay="0"/>
-                            </p:stCondLst>
-                            <p:childTnLst>
-                              <p:par>
-                                <p:cTn id="39" presetID="2" presetClass="entr" presetSubtype="4" fill="hold" grpId="0" nodeType="clickEffect">
-                                  <p:stCondLst>
-                                    <p:cond delay="0"/>
-                                  </p:stCondLst>
-                                  <p:childTnLst>
-                                    <p:set>
-                                      <p:cBhvr>
-                                        <p:cTn id="40" dur="1" fill="hold">
-                                          <p:stCondLst>
-                                            <p:cond delay="0"/>
-                                          </p:stCondLst>
-                                        </p:cTn>
-                                        <p:tgtEl>
-                                          <p:spTgt spid="13"/>
-                                        </p:tgtEl>
-                                        <p:attrNameLst>
-                                          <p:attrName>style.visibility</p:attrName>
-                                        </p:attrNameLst>
-                                      </p:cBhvr>
-                                      <p:to>
-                                        <p:strVal val="visible"/>
-                                      </p:to>
-                                    </p:set>
-                                    <p:anim calcmode="lin" valueType="num">
-                                      <p:cBhvr additive="base">
-                                        <p:cTn id="41" dur="500" fill="hold"/>
-                                        <p:tgtEl>
-                                          <p:spTgt spid="13"/>
-                                        </p:tgtEl>
-                                        <p:attrNameLst>
-                                          <p:attrName>ppt_x</p:attrName>
-                                        </p:attrNameLst>
-                                      </p:cBhvr>
-                                      <p:tavLst>
-                                        <p:tav tm="0">
-                                          <p:val>
-                                            <p:strVal val="#ppt_x"/>
-                                          </p:val>
-                                        </p:tav>
-                                        <p:tav tm="100000">
-                                          <p:val>
-                                            <p:strVal val="#ppt_x"/>
-                                          </p:val>
-                                        </p:tav>
-                                      </p:tavLst>
-                                    </p:anim>
-                                    <p:anim calcmode="lin" valueType="num">
-                                      <p:cBhvr additive="base">
-                                        <p:cTn id="42" dur="500" fill="hold"/>
-                                        <p:tgtEl>
-                                          <p:spTgt spid="13"/>
-                                        </p:tgtEl>
-                                        <p:attrNameLst>
-                                          <p:attrName>ppt_y</p:attrName>
-                                        </p:attrNameLst>
-                                      </p:cBhvr>
-                                      <p:tavLst>
-                                        <p:tav tm="0">
-                                          <p:val>
-                                            <p:strVal val="1+#ppt_h/2"/>
-                                          </p:val>
-                                        </p:tav>
-                                        <p:tav tm="100000">
-                                          <p:val>
-                                            <p:strVal val="#ppt_y"/>
-                                          </p:val>
-                                        </p:tav>
-                                      </p:tavLst>
-                                    </p:anim>
-                                  </p:childTnLst>
-                                </p:cTn>
-                              </p:par>
-                              <p:par>
-                                <p:cTn id="43" presetID="2" presetClass="entr" presetSubtype="4" fill="hold" grpId="0" nodeType="withEffect">
-                                  <p:stCondLst>
-                                    <p:cond delay="0"/>
-                                  </p:stCondLst>
-                                  <p:childTnLst>
-                                    <p:set>
-                                      <p:cBhvr>
-                                        <p:cTn id="44" dur="1" fill="hold">
-                                          <p:stCondLst>
-                                            <p:cond delay="0"/>
-                                          </p:stCondLst>
-                                        </p:cTn>
-                                        <p:tgtEl>
-                                          <p:spTgt spid="6"/>
-                                        </p:tgtEl>
-                                        <p:attrNameLst>
-                                          <p:attrName>style.visibility</p:attrName>
-                                        </p:attrNameLst>
-                                      </p:cBhvr>
-                                      <p:to>
-                                        <p:strVal val="visible"/>
-                                      </p:to>
-                                    </p:set>
-                                    <p:anim calcmode="lin" valueType="num">
-                                      <p:cBhvr additive="base">
-                                        <p:cTn id="45" dur="500" fill="hold"/>
-                                        <p:tgtEl>
-                                          <p:spTgt spid="6"/>
-                                        </p:tgtEl>
-                                        <p:attrNameLst>
-                                          <p:attrName>ppt_x</p:attrName>
-                                        </p:attrNameLst>
-                                      </p:cBhvr>
-                                      <p:tavLst>
-                                        <p:tav tm="0">
-                                          <p:val>
-                                            <p:strVal val="#ppt_x"/>
-                                          </p:val>
-                                        </p:tav>
-                                        <p:tav tm="100000">
-                                          <p:val>
-                                            <p:strVal val="#ppt_x"/>
-                                          </p:val>
-                                        </p:tav>
-                                      </p:tavLst>
-                                    </p:anim>
-                                    <p:anim calcmode="lin" valueType="num">
-                                      <p:cBhvr additive="base">
-                                        <p:cTn id="46" dur="500" fill="hold"/>
-                                        <p:tgtEl>
-                                          <p:spTgt spid="6"/>
-                                        </p:tgtEl>
-                                        <p:attrNameLst>
-                                          <p:attrName>ppt_y</p:attrName>
-                                        </p:attrNameLst>
-                                      </p:cBhvr>
-                                      <p:tavLst>
-                                        <p:tav tm="0">
-                                          <p:val>
-                                            <p:strVal val="1+#ppt_h/2"/>
-                                          </p:val>
-                                        </p:tav>
-                                        <p:tav tm="100000">
-                                          <p:val>
-                                            <p:strVal val="#ppt_y"/>
-                                          </p:val>
-                                        </p:tav>
-                                      </p:tavLst>
-                                    </p:anim>
-                                  </p:childTnLst>
-                                </p:cTn>
-                              </p:par>
-                              <p:par>
-                                <p:cTn id="47" presetID="2" presetClass="entr" presetSubtype="4" fill="hold" grpId="0" nodeType="withEffect">
-                                  <p:stCondLst>
-                                    <p:cond delay="0"/>
-                                  </p:stCondLst>
-                                  <p:childTnLst>
-                                    <p:set>
-                                      <p:cBhvr>
-                                        <p:cTn id="48" dur="1" fill="hold">
-                                          <p:stCondLst>
-                                            <p:cond delay="0"/>
-                                          </p:stCondLst>
-                                        </p:cTn>
-                                        <p:tgtEl>
-                                          <p:spTgt spid="20"/>
-                                        </p:tgtEl>
-                                        <p:attrNameLst>
-                                          <p:attrName>style.visibility</p:attrName>
-                                        </p:attrNameLst>
-                                      </p:cBhvr>
-                                      <p:to>
-                                        <p:strVal val="visible"/>
-                                      </p:to>
-                                    </p:set>
-                                    <p:anim calcmode="lin" valueType="num">
-                                      <p:cBhvr additive="base">
-                                        <p:cTn id="49" dur="500" fill="hold"/>
-                                        <p:tgtEl>
-                                          <p:spTgt spid="20"/>
-                                        </p:tgtEl>
-                                        <p:attrNameLst>
-                                          <p:attrName>ppt_x</p:attrName>
-                                        </p:attrNameLst>
-                                      </p:cBhvr>
-                                      <p:tavLst>
-                                        <p:tav tm="0">
-                                          <p:val>
-                                            <p:strVal val="#ppt_x"/>
-                                          </p:val>
-                                        </p:tav>
-                                        <p:tav tm="100000">
-                                          <p:val>
-                                            <p:strVal val="#ppt_x"/>
-                                          </p:val>
-                                        </p:tav>
-                                      </p:tavLst>
-                                    </p:anim>
-                                    <p:anim calcmode="lin" valueType="num">
-                                      <p:cBhvr additive="base">
-                                        <p:cTn id="50" dur="500" fill="hold"/>
-                                        <p:tgtEl>
-                                          <p:spTgt spid="20"/>
-                                        </p:tgtEl>
-                                        <p:attrNameLst>
-                                          <p:attrName>ppt_y</p:attrName>
-                                        </p:attrNameLst>
-                                      </p:cBhvr>
-                                      <p:tavLst>
-                                        <p:tav tm="0">
-                                          <p:val>
-                                            <p:strVal val="1+#ppt_h/2"/>
-                                          </p:val>
-                                        </p:tav>
-                                        <p:tav tm="100000">
-                                          <p:val>
-                                            <p:strVal val="#ppt_y"/>
-                                          </p:val>
-                                        </p:tav>
-                                      </p:tavLst>
-                                    </p:anim>
-                                  </p:childTnLst>
-                                </p:cTn>
-                              </p:par>
-                            </p:childTnLst>
-                          </p:cTn>
-                        </p:par>
-                      </p:childTnLst>
-                    </p:cTn>
-                  </p:par>
-                  <p:par>
-                    <p:cTn id="51" fill="hold">
-                      <p:stCondLst>
-                        <p:cond delay="indefinite"/>
-                      </p:stCondLst>
-                      <p:childTnLst>
-                        <p:par>
-                          <p:cTn id="52" fill="hold">
-                            <p:stCondLst>
-                              <p:cond delay="0"/>
-                            </p:stCondLst>
-                            <p:childTnLst>
-                              <p:par>
-                                <p:cTn id="53" presetID="2" presetClass="entr" presetSubtype="4" fill="hold" grpId="0" nodeType="clickEffect">
-                                  <p:stCondLst>
-                                    <p:cond delay="0"/>
-                                  </p:stCondLst>
-                                  <p:childTnLst>
-                                    <p:set>
-                                      <p:cBhvr>
-                                        <p:cTn id="54" dur="1" fill="hold">
-                                          <p:stCondLst>
-                                            <p:cond delay="0"/>
-                                          </p:stCondLst>
-                                        </p:cTn>
-                                        <p:tgtEl>
-                                          <p:spTgt spid="14"/>
-                                        </p:tgtEl>
-                                        <p:attrNameLst>
-                                          <p:attrName>style.visibility</p:attrName>
-                                        </p:attrNameLst>
-                                      </p:cBhvr>
-                                      <p:to>
-                                        <p:strVal val="visible"/>
-                                      </p:to>
-                                    </p:set>
-                                    <p:anim calcmode="lin" valueType="num">
-                                      <p:cBhvr additive="base">
-                                        <p:cTn id="55" dur="500" fill="hold"/>
-                                        <p:tgtEl>
-                                          <p:spTgt spid="14"/>
-                                        </p:tgtEl>
-                                        <p:attrNameLst>
-                                          <p:attrName>ppt_x</p:attrName>
-                                        </p:attrNameLst>
-                                      </p:cBhvr>
-                                      <p:tavLst>
-                                        <p:tav tm="0">
-                                          <p:val>
-                                            <p:strVal val="#ppt_x"/>
-                                          </p:val>
-                                        </p:tav>
-                                        <p:tav tm="100000">
-                                          <p:val>
-                                            <p:strVal val="#ppt_x"/>
-                                          </p:val>
-                                        </p:tav>
-                                      </p:tavLst>
-                                    </p:anim>
-                                    <p:anim calcmode="lin" valueType="num">
-                                      <p:cBhvr additive="base">
-                                        <p:cTn id="56" dur="500" fill="hold"/>
-                                        <p:tgtEl>
-                                          <p:spTgt spid="14"/>
-                                        </p:tgtEl>
-                                        <p:attrNameLst>
-                                          <p:attrName>ppt_y</p:attrName>
-                                        </p:attrNameLst>
-                                      </p:cBhvr>
-                                      <p:tavLst>
-                                        <p:tav tm="0">
-                                          <p:val>
-                                            <p:strVal val="1+#ppt_h/2"/>
-                                          </p:val>
-                                        </p:tav>
-                                        <p:tav tm="100000">
-                                          <p:val>
-                                            <p:strVal val="#ppt_y"/>
-                                          </p:val>
-                                        </p:tav>
-                                      </p:tavLst>
-                                    </p:anim>
-                                  </p:childTnLst>
-                                </p:cTn>
-                              </p:par>
-                              <p:par>
-                                <p:cTn id="57" presetID="2" presetClass="entr" presetSubtype="4" fill="hold" grpId="0" nodeType="withEffect">
-                                  <p:stCondLst>
-                                    <p:cond delay="0"/>
-                                  </p:stCondLst>
-                                  <p:childTnLst>
-                                    <p:set>
-                                      <p:cBhvr>
-                                        <p:cTn id="58" dur="1" fill="hold">
-                                          <p:stCondLst>
-                                            <p:cond delay="0"/>
-                                          </p:stCondLst>
-                                        </p:cTn>
-                                        <p:tgtEl>
-                                          <p:spTgt spid="7"/>
-                                        </p:tgtEl>
-                                        <p:attrNameLst>
-                                          <p:attrName>style.visibility</p:attrName>
-                                        </p:attrNameLst>
-                                      </p:cBhvr>
-                                      <p:to>
-                                        <p:strVal val="visible"/>
-                                      </p:to>
-                                    </p:set>
-                                    <p:anim calcmode="lin" valueType="num">
-                                      <p:cBhvr additive="base">
-                                        <p:cTn id="59" dur="500" fill="hold"/>
-                                        <p:tgtEl>
-                                          <p:spTgt spid="7"/>
-                                        </p:tgtEl>
-                                        <p:attrNameLst>
-                                          <p:attrName>ppt_x</p:attrName>
-                                        </p:attrNameLst>
-                                      </p:cBhvr>
-                                      <p:tavLst>
-                                        <p:tav tm="0">
-                                          <p:val>
-                                            <p:strVal val="#ppt_x"/>
-                                          </p:val>
-                                        </p:tav>
-                                        <p:tav tm="100000">
-                                          <p:val>
-                                            <p:strVal val="#ppt_x"/>
-                                          </p:val>
-                                        </p:tav>
-                                      </p:tavLst>
-                                    </p:anim>
-                                    <p:anim calcmode="lin" valueType="num">
-                                      <p:cBhvr additive="base">
-                                        <p:cTn id="60" dur="500" fill="hold"/>
-                                        <p:tgtEl>
-                                          <p:spTgt spid="7"/>
-                                        </p:tgtEl>
-                                        <p:attrNameLst>
-                                          <p:attrName>ppt_y</p:attrName>
-                                        </p:attrNameLst>
-                                      </p:cBhvr>
-                                      <p:tavLst>
-                                        <p:tav tm="0">
-                                          <p:val>
-                                            <p:strVal val="1+#ppt_h/2"/>
-                                          </p:val>
-                                        </p:tav>
-                                        <p:tav tm="100000">
-                                          <p:val>
-                                            <p:strVal val="#ppt_y"/>
-                                          </p:val>
-                                        </p:tav>
-                                      </p:tavLst>
-                                    </p:anim>
-                                  </p:childTnLst>
-                                </p:cTn>
-                              </p:par>
-                              <p:par>
-                                <p:cTn id="61" presetID="2" presetClass="entr" presetSubtype="4" fill="hold" grpId="0" nodeType="withEffect">
-                                  <p:stCondLst>
-                                    <p:cond delay="0"/>
-                                  </p:stCondLst>
-                                  <p:childTnLst>
-                                    <p:set>
-                                      <p:cBhvr>
-                                        <p:cTn id="62" dur="1" fill="hold">
-                                          <p:stCondLst>
-                                            <p:cond delay="0"/>
-                                          </p:stCondLst>
-                                        </p:cTn>
-                                        <p:tgtEl>
-                                          <p:spTgt spid="21"/>
-                                        </p:tgtEl>
-                                        <p:attrNameLst>
-                                          <p:attrName>style.visibility</p:attrName>
-                                        </p:attrNameLst>
-                                      </p:cBhvr>
-                                      <p:to>
-                                        <p:strVal val="visible"/>
-                                      </p:to>
-                                    </p:set>
-                                    <p:anim calcmode="lin" valueType="num">
-                                      <p:cBhvr additive="base">
-                                        <p:cTn id="63" dur="500" fill="hold"/>
-                                        <p:tgtEl>
-                                          <p:spTgt spid="21"/>
-                                        </p:tgtEl>
-                                        <p:attrNameLst>
-                                          <p:attrName>ppt_x</p:attrName>
-                                        </p:attrNameLst>
-                                      </p:cBhvr>
-                                      <p:tavLst>
-                                        <p:tav tm="0">
-                                          <p:val>
-                                            <p:strVal val="#ppt_x"/>
-                                          </p:val>
-                                        </p:tav>
-                                        <p:tav tm="100000">
-                                          <p:val>
-                                            <p:strVal val="#ppt_x"/>
-                                          </p:val>
-                                        </p:tav>
-                                      </p:tavLst>
-                                    </p:anim>
-                                    <p:anim calcmode="lin" valueType="num">
-                                      <p:cBhvr additive="base">
-                                        <p:cTn id="64" dur="500" fill="hold"/>
-                                        <p:tgtEl>
-                                          <p:spTgt spid="21"/>
-                                        </p:tgtEl>
-                                        <p:attrNameLst>
-                                          <p:attrName>ppt_y</p:attrName>
-                                        </p:attrNameLst>
-                                      </p:cBhvr>
-                                      <p:tavLst>
-                                        <p:tav tm="0">
-                                          <p:val>
-                                            <p:strVal val="1+#ppt_h/2"/>
-                                          </p:val>
-                                        </p:tav>
-                                        <p:tav tm="100000">
-                                          <p:val>
-                                            <p:strVal val="#ppt_y"/>
-                                          </p:val>
-                                        </p:tav>
-                                      </p:tavLst>
-                                    </p:anim>
-                                  </p:childTnLst>
-                                </p:cTn>
-                              </p:par>
-                            </p:childTnLst>
-                          </p:cTn>
-                        </p:par>
-                      </p:childTnLst>
-                    </p:cTn>
-                  </p:par>
-                  <p:par>
-                    <p:cTn id="65" fill="hold">
-                      <p:stCondLst>
-                        <p:cond delay="indefinite"/>
-                      </p:stCondLst>
-                      <p:childTnLst>
-                        <p:par>
-                          <p:cTn id="66" fill="hold">
-                            <p:stCondLst>
-                              <p:cond delay="0"/>
-                            </p:stCondLst>
-                            <p:childTnLst>
-                              <p:par>
-                                <p:cTn id="67" presetID="2" presetClass="entr" presetSubtype="4" fill="hold" grpId="0" nodeType="clickEffect">
-                                  <p:stCondLst>
-                                    <p:cond delay="0"/>
-                                  </p:stCondLst>
-                                  <p:childTnLst>
-                                    <p:set>
-                                      <p:cBhvr>
-                                        <p:cTn id="68" dur="1" fill="hold">
-                                          <p:stCondLst>
-                                            <p:cond delay="0"/>
-                                          </p:stCondLst>
-                                        </p:cTn>
-                                        <p:tgtEl>
-                                          <p:spTgt spid="15"/>
-                                        </p:tgtEl>
-                                        <p:attrNameLst>
-                                          <p:attrName>style.visibility</p:attrName>
-                                        </p:attrNameLst>
-                                      </p:cBhvr>
-                                      <p:to>
-                                        <p:strVal val="visible"/>
-                                      </p:to>
-                                    </p:set>
-                                    <p:anim calcmode="lin" valueType="num">
-                                      <p:cBhvr additive="base">
-                                        <p:cTn id="69" dur="500" fill="hold"/>
-                                        <p:tgtEl>
-                                          <p:spTgt spid="15"/>
-                                        </p:tgtEl>
-                                        <p:attrNameLst>
-                                          <p:attrName>ppt_x</p:attrName>
-                                        </p:attrNameLst>
-                                      </p:cBhvr>
-                                      <p:tavLst>
-                                        <p:tav tm="0">
-                                          <p:val>
-                                            <p:strVal val="#ppt_x"/>
-                                          </p:val>
-                                        </p:tav>
-                                        <p:tav tm="100000">
-                                          <p:val>
-                                            <p:strVal val="#ppt_x"/>
-                                          </p:val>
-                                        </p:tav>
-                                      </p:tavLst>
-                                    </p:anim>
-                                    <p:anim calcmode="lin" valueType="num">
-                                      <p:cBhvr additive="base">
-                                        <p:cTn id="70" dur="500" fill="hold"/>
-                                        <p:tgtEl>
-                                          <p:spTgt spid="15"/>
-                                        </p:tgtEl>
-                                        <p:attrNameLst>
-                                          <p:attrName>ppt_y</p:attrName>
-                                        </p:attrNameLst>
-                                      </p:cBhvr>
-                                      <p:tavLst>
-                                        <p:tav tm="0">
-                                          <p:val>
-                                            <p:strVal val="1+#ppt_h/2"/>
-                                          </p:val>
-                                        </p:tav>
-                                        <p:tav tm="100000">
-                                          <p:val>
-                                            <p:strVal val="#ppt_y"/>
-                                          </p:val>
-                                        </p:tav>
-                                      </p:tavLst>
-                                    </p:anim>
-                                  </p:childTnLst>
-                                </p:cTn>
-                              </p:par>
-                              <p:par>
-                                <p:cTn id="71" presetID="2" presetClass="entr" presetSubtype="4" fill="hold" grpId="0" nodeType="withEffect">
-                                  <p:stCondLst>
-                                    <p:cond delay="0"/>
-                                  </p:stCondLst>
-                                  <p:childTnLst>
-                                    <p:set>
-                                      <p:cBhvr>
-                                        <p:cTn id="72" dur="1" fill="hold">
-                                          <p:stCondLst>
-                                            <p:cond delay="0"/>
-                                          </p:stCondLst>
-                                        </p:cTn>
-                                        <p:tgtEl>
-                                          <p:spTgt spid="8"/>
-                                        </p:tgtEl>
-                                        <p:attrNameLst>
-                                          <p:attrName>style.visibility</p:attrName>
-                                        </p:attrNameLst>
-                                      </p:cBhvr>
-                                      <p:to>
-                                        <p:strVal val="visible"/>
-                                      </p:to>
-                                    </p:set>
-                                    <p:anim calcmode="lin" valueType="num">
-                                      <p:cBhvr additive="base">
-                                        <p:cTn id="73" dur="500" fill="hold"/>
-                                        <p:tgtEl>
-                                          <p:spTgt spid="8"/>
-                                        </p:tgtEl>
-                                        <p:attrNameLst>
-                                          <p:attrName>ppt_x</p:attrName>
-                                        </p:attrNameLst>
-                                      </p:cBhvr>
-                                      <p:tavLst>
-                                        <p:tav tm="0">
-                                          <p:val>
-                                            <p:strVal val="#ppt_x"/>
-                                          </p:val>
-                                        </p:tav>
-                                        <p:tav tm="100000">
-                                          <p:val>
-                                            <p:strVal val="#ppt_x"/>
-                                          </p:val>
-                                        </p:tav>
-                                      </p:tavLst>
-                                    </p:anim>
-                                    <p:anim calcmode="lin" valueType="num">
-                                      <p:cBhvr additive="base">
-                                        <p:cTn id="74" dur="500" fill="hold"/>
-                                        <p:tgtEl>
-                                          <p:spTgt spid="8"/>
-                                        </p:tgtEl>
-                                        <p:attrNameLst>
-                                          <p:attrName>ppt_y</p:attrName>
-                                        </p:attrNameLst>
-                                      </p:cBhvr>
-                                      <p:tavLst>
-                                        <p:tav tm="0">
-                                          <p:val>
-                                            <p:strVal val="1+#ppt_h/2"/>
-                                          </p:val>
-                                        </p:tav>
-                                        <p:tav tm="100000">
-                                          <p:val>
-                                            <p:strVal val="#ppt_y"/>
-                                          </p:val>
-                                        </p:tav>
-                                      </p:tavLst>
-                                    </p:anim>
-                                  </p:childTnLst>
-                                </p:cTn>
-                              </p:par>
-                              <p:par>
-                                <p:cTn id="75" presetID="2" presetClass="entr" presetSubtype="4" fill="hold" grpId="0" nodeType="withEffect">
-                                  <p:stCondLst>
-                                    <p:cond delay="0"/>
-                                  </p:stCondLst>
-                                  <p:childTnLst>
-                                    <p:set>
-                                      <p:cBhvr>
-                                        <p:cTn id="76" dur="1" fill="hold">
-                                          <p:stCondLst>
-                                            <p:cond delay="0"/>
-                                          </p:stCondLst>
-                                        </p:cTn>
-                                        <p:tgtEl>
-                                          <p:spTgt spid="22"/>
-                                        </p:tgtEl>
-                                        <p:attrNameLst>
-                                          <p:attrName>style.visibility</p:attrName>
-                                        </p:attrNameLst>
-                                      </p:cBhvr>
-                                      <p:to>
-                                        <p:strVal val="visible"/>
-                                      </p:to>
-                                    </p:set>
-                                    <p:anim calcmode="lin" valueType="num">
-                                      <p:cBhvr additive="base">
-                                        <p:cTn id="77" dur="500" fill="hold"/>
-                                        <p:tgtEl>
-                                          <p:spTgt spid="22"/>
-                                        </p:tgtEl>
-                                        <p:attrNameLst>
-                                          <p:attrName>ppt_x</p:attrName>
-                                        </p:attrNameLst>
-                                      </p:cBhvr>
-                                      <p:tavLst>
-                                        <p:tav tm="0">
-                                          <p:val>
-                                            <p:strVal val="#ppt_x"/>
-                                          </p:val>
-                                        </p:tav>
-                                        <p:tav tm="100000">
-                                          <p:val>
-                                            <p:strVal val="#ppt_x"/>
-                                          </p:val>
-                                        </p:tav>
-                                      </p:tavLst>
-                                    </p:anim>
-                                    <p:anim calcmode="lin" valueType="num">
-                                      <p:cBhvr additive="base">
-                                        <p:cTn id="78" dur="500" fill="hold"/>
-                                        <p:tgtEl>
-                                          <p:spTgt spid="22"/>
-                                        </p:tgtEl>
-                                        <p:attrNameLst>
-                                          <p:attrName>ppt_y</p:attrName>
-                                        </p:attrNameLst>
-                                      </p:cBhvr>
-                                      <p:tavLst>
-                                        <p:tav tm="0">
-                                          <p:val>
-                                            <p:strVal val="1+#ppt_h/2"/>
-                                          </p:val>
-                                        </p:tav>
-                                        <p:tav tm="100000">
-                                          <p:val>
-                                            <p:strVal val="#ppt_y"/>
-                                          </p:val>
-                                        </p:tav>
-                                      </p:tavLst>
-                                    </p:anim>
-                                  </p:childTnLst>
-                                </p:cTn>
-                              </p:par>
-                            </p:childTnLst>
-                          </p:cTn>
-                        </p:par>
-                      </p:childTnLst>
-                    </p:cTn>
-                  </p:par>
-                  <p:par>
-                    <p:cTn id="79" fill="hold">
-                      <p:stCondLst>
-                        <p:cond delay="indefinite"/>
-                      </p:stCondLst>
-                      <p:childTnLst>
-                        <p:par>
-                          <p:cTn id="80" fill="hold">
-                            <p:stCondLst>
-                              <p:cond delay="0"/>
-                            </p:stCondLst>
-                            <p:childTnLst>
-                              <p:par>
-                                <p:cTn id="81" presetID="2" presetClass="entr" presetSubtype="4" fill="hold" grpId="0" nodeType="clickEffect">
-                                  <p:stCondLst>
-                                    <p:cond delay="0"/>
-                                  </p:stCondLst>
-                                  <p:childTnLst>
-                                    <p:set>
-                                      <p:cBhvr>
-                                        <p:cTn id="82" dur="1" fill="hold">
-                                          <p:stCondLst>
-                                            <p:cond delay="0"/>
-                                          </p:stCondLst>
-                                        </p:cTn>
-                                        <p:tgtEl>
-                                          <p:spTgt spid="16"/>
-                                        </p:tgtEl>
-                                        <p:attrNameLst>
-                                          <p:attrName>style.visibility</p:attrName>
-                                        </p:attrNameLst>
-                                      </p:cBhvr>
-                                      <p:to>
-                                        <p:strVal val="visible"/>
-                                      </p:to>
-                                    </p:set>
-                                    <p:anim calcmode="lin" valueType="num">
-                                      <p:cBhvr additive="base">
-                                        <p:cTn id="83" dur="500" fill="hold"/>
-                                        <p:tgtEl>
-                                          <p:spTgt spid="16"/>
-                                        </p:tgtEl>
-                                        <p:attrNameLst>
-                                          <p:attrName>ppt_x</p:attrName>
-                                        </p:attrNameLst>
-                                      </p:cBhvr>
-                                      <p:tavLst>
-                                        <p:tav tm="0">
-                                          <p:val>
-                                            <p:strVal val="#ppt_x"/>
-                                          </p:val>
-                                        </p:tav>
-                                        <p:tav tm="100000">
-                                          <p:val>
-                                            <p:strVal val="#ppt_x"/>
-                                          </p:val>
-                                        </p:tav>
-                                      </p:tavLst>
-                                    </p:anim>
-                                    <p:anim calcmode="lin" valueType="num">
-                                      <p:cBhvr additive="base">
-                                        <p:cTn id="84" dur="500" fill="hold"/>
-                                        <p:tgtEl>
-                                          <p:spTgt spid="16"/>
-                                        </p:tgtEl>
-                                        <p:attrNameLst>
-                                          <p:attrName>ppt_y</p:attrName>
-                                        </p:attrNameLst>
-                                      </p:cBhvr>
-                                      <p:tavLst>
-                                        <p:tav tm="0">
-                                          <p:val>
-                                            <p:strVal val="1+#ppt_h/2"/>
-                                          </p:val>
-                                        </p:tav>
-                                        <p:tav tm="100000">
-                                          <p:val>
-                                            <p:strVal val="#ppt_y"/>
-                                          </p:val>
-                                        </p:tav>
-                                      </p:tavLst>
-                                    </p:anim>
-                                  </p:childTnLst>
-                                </p:cTn>
-                              </p:par>
-                            </p:childTnLst>
-                          </p:cTn>
-                        </p:par>
-                      </p:childTnLst>
-                    </p:cTn>
-                  </p:par>
-                  <p:par>
-                    <p:cTn id="85" fill="hold">
-                      <p:stCondLst>
-                        <p:cond delay="indefinite"/>
-                      </p:stCondLst>
-                      <p:childTnLst>
-                        <p:par>
-                          <p:cTn id="86" fill="hold">
-                            <p:stCondLst>
-                              <p:cond delay="0"/>
-                            </p:stCondLst>
-                            <p:childTnLst>
-                              <p:par>
-                                <p:cTn id="87" presetID="2" presetClass="entr" presetSubtype="4" fill="hold" grpId="0" nodeType="clickEffect">
-                                  <p:stCondLst>
-                                    <p:cond delay="0"/>
-                                  </p:stCondLst>
-                                  <p:childTnLst>
-                                    <p:set>
-                                      <p:cBhvr>
-                                        <p:cTn id="88" dur="1" fill="hold">
-                                          <p:stCondLst>
-                                            <p:cond delay="0"/>
-                                          </p:stCondLst>
-                                        </p:cTn>
-                                        <p:tgtEl>
-                                          <p:spTgt spid="23"/>
-                                        </p:tgtEl>
-                                        <p:attrNameLst>
-                                          <p:attrName>style.visibility</p:attrName>
-                                        </p:attrNameLst>
-                                      </p:cBhvr>
-                                      <p:to>
-                                        <p:strVal val="visible"/>
-                                      </p:to>
-                                    </p:set>
-                                    <p:anim calcmode="lin" valueType="num">
-                                      <p:cBhvr additive="base">
-                                        <p:cTn id="89" dur="500" fill="hold"/>
-                                        <p:tgtEl>
-                                          <p:spTgt spid="23"/>
-                                        </p:tgtEl>
-                                        <p:attrNameLst>
-                                          <p:attrName>ppt_x</p:attrName>
-                                        </p:attrNameLst>
-                                      </p:cBhvr>
-                                      <p:tavLst>
-                                        <p:tav tm="0">
-                                          <p:val>
-                                            <p:strVal val="#ppt_x"/>
-                                          </p:val>
-                                        </p:tav>
-                                        <p:tav tm="100000">
-                                          <p:val>
-                                            <p:strVal val="#ppt_x"/>
-                                          </p:val>
-                                        </p:tav>
-                                      </p:tavLst>
-                                    </p:anim>
-                                    <p:anim calcmode="lin" valueType="num">
-                                      <p:cBhvr additive="base">
-                                        <p:cTn id="90" dur="500" fill="hold"/>
-                                        <p:tgtEl>
-                                          <p:spTgt spid="23"/>
-                                        </p:tgtEl>
-                                        <p:attrNameLst>
-                                          <p:attrName>ppt_y</p:attrName>
-                                        </p:attrNameLst>
-                                      </p:cBhvr>
-                                      <p:tavLst>
-                                        <p:tav tm="0">
-                                          <p:val>
-                                            <p:strVal val="1+#ppt_h/2"/>
-                                          </p:val>
-                                        </p:tav>
-                                        <p:tav tm="100000">
-                                          <p:val>
-                                            <p:strVal val="#ppt_y"/>
-                                          </p:val>
-                                        </p:tav>
-                                      </p:tavLst>
-                                    </p:anim>
-                                  </p:childTnLst>
-                                </p:cTn>
-                              </p:par>
-                            </p:childTnLst>
-                          </p:cTn>
-                        </p:par>
-                      </p:childTnLst>
-                    </p:cTn>
-                  </p:par>
-                </p:childTnLst>
-              </p:cTn>
-              <p:prevCondLst>
-                <p:cond evt="onPrev" delay="0">
-                  <p:tgtEl>
-                    <p:sldTgt/>
-                  </p:tgtEl>
-                </p:cond>
-              </p:prevCondLst>
-              <p:nextCondLst>
-                <p:cond evt="onNext" delay="0">
-                  <p:tgtEl>
-                    <p:sldTgt/>
-                  </p:tgtEl>
-                </p:cond>
-              </p:nextCondLst>
-            </p:seq>
-          </p:childTnLst>
-        </p:cTn>
-      </p:par>
-    </p:tnLst>
-    <p:bldLst>
-      <p:bldP spid="4" grpId="0" animBg="1"/>
-      <p:bldP spid="5" grpId="0" animBg="1"/>
-      <p:bldP spid="6" grpId="0" animBg="1"/>
-      <p:bldP spid="7" grpId="0" animBg="1"/>
-      <p:bldP spid="8" grpId="0" animBg="1"/>
-      <p:bldP spid="10" grpId="0"/>
-      <p:bldP spid="11" grpId="0"/>
-      <p:bldP spid="12" grpId="0"/>
-      <p:bldP spid="13" grpId="0"/>
-      <p:bldP spid="14" grpId="0"/>
-      <p:bldP spid="15" grpId="0"/>
-      <p:bldP spid="16" grpId="0"/>
-      <p:bldP spid="17" grpId="0"/>
-      <p:bldP spid="19" grpId="0"/>
-      <p:bldP spid="20" grpId="0"/>
-      <p:bldP spid="21" grpId="0"/>
-      <p:bldP spid="22" grpId="0"/>
-      <p:bldP spid="23" grpId="0"/>
     </p:bldLst>
   </p:timing>
 </p:sld>
@@ -35482,6 +33659,2510 @@
           <p:cNvPr id="2" name="Title 1">
             <a:extLst>
               <a:ext uri="{FF2B5EF4-FFF2-40B4-BE49-F238E27FC236}">
+                <a16:creationId xmlns:a16="http://schemas.microsoft.com/office/drawing/2014/main" id="{766F9608-B213-4542-B581-4F712F142756}"/>
+              </a:ext>
+            </a:extLst>
+          </p:cNvPr>
+          <p:cNvSpPr>
+            <a:spLocks noGrp="1"/>
+          </p:cNvSpPr>
+          <p:nvPr>
+            <p:ph type="title"/>
+          </p:nvPr>
+        </p:nvSpPr>
+        <p:spPr>
+          <a:xfrm>
+            <a:off x="1141413" y="618518"/>
+            <a:ext cx="9905998" cy="1328201"/>
+          </a:xfrm>
+        </p:spPr>
+        <p:txBody>
+          <a:bodyPr/>
+          <a:lstStyle/>
+          <a:p>
+            <a:pPr algn="ctr"/>
+            <a:r>
+              <a:rPr lang="en-US" dirty="0"/>
+              <a:t>Memory layout of the array</a:t>
+            </a:r>
+          </a:p>
+        </p:txBody>
+      </p:sp>
+      <p:sp>
+        <p:nvSpPr>
+          <p:cNvPr id="4" name="Rectangle 3">
+            <a:extLst>
+              <a:ext uri="{FF2B5EF4-FFF2-40B4-BE49-F238E27FC236}">
+                <a16:creationId xmlns:a16="http://schemas.microsoft.com/office/drawing/2014/main" id="{9116956D-5830-4341-91F0-FF70D74598D4}"/>
+              </a:ext>
+            </a:extLst>
+          </p:cNvPr>
+          <p:cNvSpPr/>
+          <p:nvPr/>
+        </p:nvSpPr>
+        <p:spPr>
+          <a:xfrm>
+            <a:off x="3553428" y="2474085"/>
+            <a:ext cx="662652" cy="662652"/>
+          </a:xfrm>
+          <a:prstGeom prst="rect">
+            <a:avLst/>
+          </a:prstGeom>
+          <a:ln>
+            <a:solidFill>
+              <a:schemeClr val="bg1"/>
+            </a:solidFill>
+          </a:ln>
+        </p:spPr>
+        <p:style>
+          <a:lnRef idx="2">
+            <a:schemeClr val="accent5">
+              <a:shade val="50000"/>
+            </a:schemeClr>
+          </a:lnRef>
+          <a:fillRef idx="1">
+            <a:schemeClr val="accent5"/>
+          </a:fillRef>
+          <a:effectRef idx="0">
+            <a:schemeClr val="accent5"/>
+          </a:effectRef>
+          <a:fontRef idx="minor">
+            <a:schemeClr val="lt1"/>
+          </a:fontRef>
+        </p:style>
+        <p:txBody>
+          <a:bodyPr rtlCol="0" anchor="ctr"/>
+          <a:lstStyle/>
+          <a:p>
+            <a:pPr algn="ctr"/>
+            <a:r>
+              <a:rPr lang="en-US" dirty="0">
+                <a:solidFill>
+                  <a:schemeClr val="accent2"/>
+                </a:solidFill>
+                <a:latin typeface="Consolas" panose="020B0609020204030204" pitchFamily="49" charset="0"/>
+                <a:cs typeface="Consolas" panose="020B0609020204030204" pitchFamily="49" charset="0"/>
+              </a:rPr>
+              <a:t>‘H’</a:t>
+            </a:r>
+          </a:p>
+        </p:txBody>
+      </p:sp>
+      <p:sp>
+        <p:nvSpPr>
+          <p:cNvPr id="5" name="Rectangle 4">
+            <a:extLst>
+              <a:ext uri="{FF2B5EF4-FFF2-40B4-BE49-F238E27FC236}">
+                <a16:creationId xmlns:a16="http://schemas.microsoft.com/office/drawing/2014/main" id="{1B92CDC6-FF2A-F745-9297-1F75092D3897}"/>
+              </a:ext>
+            </a:extLst>
+          </p:cNvPr>
+          <p:cNvSpPr/>
+          <p:nvPr/>
+        </p:nvSpPr>
+        <p:spPr>
+          <a:xfrm>
+            <a:off x="3553428" y="3136737"/>
+            <a:ext cx="662652" cy="662652"/>
+          </a:xfrm>
+          <a:prstGeom prst="rect">
+            <a:avLst/>
+          </a:prstGeom>
+          <a:ln>
+            <a:solidFill>
+              <a:schemeClr val="bg1"/>
+            </a:solidFill>
+          </a:ln>
+        </p:spPr>
+        <p:style>
+          <a:lnRef idx="2">
+            <a:schemeClr val="accent5">
+              <a:shade val="50000"/>
+            </a:schemeClr>
+          </a:lnRef>
+          <a:fillRef idx="1">
+            <a:schemeClr val="accent5"/>
+          </a:fillRef>
+          <a:effectRef idx="0">
+            <a:schemeClr val="accent5"/>
+          </a:effectRef>
+          <a:fontRef idx="minor">
+            <a:schemeClr val="lt1"/>
+          </a:fontRef>
+        </p:style>
+        <p:txBody>
+          <a:bodyPr rtlCol="0" anchor="ctr"/>
+          <a:lstStyle/>
+          <a:p>
+            <a:pPr algn="ctr"/>
+            <a:r>
+              <a:rPr lang="en-US" dirty="0">
+                <a:solidFill>
+                  <a:schemeClr val="accent2"/>
+                </a:solidFill>
+                <a:latin typeface="Consolas" panose="020B0609020204030204" pitchFamily="49" charset="0"/>
+                <a:cs typeface="Consolas" panose="020B0609020204030204" pitchFamily="49" charset="0"/>
+              </a:rPr>
+              <a:t>‘E’</a:t>
+            </a:r>
+          </a:p>
+        </p:txBody>
+      </p:sp>
+      <p:sp>
+        <p:nvSpPr>
+          <p:cNvPr id="6" name="Rectangle 5">
+            <a:extLst>
+              <a:ext uri="{FF2B5EF4-FFF2-40B4-BE49-F238E27FC236}">
+                <a16:creationId xmlns:a16="http://schemas.microsoft.com/office/drawing/2014/main" id="{AF7EA948-D76C-DA41-9CCB-1A6ED0B3680B}"/>
+              </a:ext>
+            </a:extLst>
+          </p:cNvPr>
+          <p:cNvSpPr/>
+          <p:nvPr/>
+        </p:nvSpPr>
+        <p:spPr>
+          <a:xfrm>
+            <a:off x="3553428" y="3799389"/>
+            <a:ext cx="662652" cy="662652"/>
+          </a:xfrm>
+          <a:prstGeom prst="rect">
+            <a:avLst/>
+          </a:prstGeom>
+          <a:ln>
+            <a:solidFill>
+              <a:schemeClr val="bg1"/>
+            </a:solidFill>
+          </a:ln>
+        </p:spPr>
+        <p:style>
+          <a:lnRef idx="2">
+            <a:schemeClr val="accent5">
+              <a:shade val="50000"/>
+            </a:schemeClr>
+          </a:lnRef>
+          <a:fillRef idx="1">
+            <a:schemeClr val="accent5"/>
+          </a:fillRef>
+          <a:effectRef idx="0">
+            <a:schemeClr val="accent5"/>
+          </a:effectRef>
+          <a:fontRef idx="minor">
+            <a:schemeClr val="lt1"/>
+          </a:fontRef>
+        </p:style>
+        <p:txBody>
+          <a:bodyPr rtlCol="0" anchor="ctr"/>
+          <a:lstStyle/>
+          <a:p>
+            <a:pPr algn="ctr"/>
+            <a:r>
+              <a:rPr lang="en-US" dirty="0">
+                <a:solidFill>
+                  <a:schemeClr val="accent2"/>
+                </a:solidFill>
+                <a:latin typeface="Consolas" panose="020B0609020204030204" pitchFamily="49" charset="0"/>
+                <a:cs typeface="Consolas" panose="020B0609020204030204" pitchFamily="49" charset="0"/>
+              </a:rPr>
+              <a:t>‘L’</a:t>
+            </a:r>
+          </a:p>
+        </p:txBody>
+      </p:sp>
+      <p:sp>
+        <p:nvSpPr>
+          <p:cNvPr id="7" name="Rectangle 6">
+            <a:extLst>
+              <a:ext uri="{FF2B5EF4-FFF2-40B4-BE49-F238E27FC236}">
+                <a16:creationId xmlns:a16="http://schemas.microsoft.com/office/drawing/2014/main" id="{95F3A75B-81D6-4D44-B1BF-19DA04EDC88E}"/>
+              </a:ext>
+            </a:extLst>
+          </p:cNvPr>
+          <p:cNvSpPr/>
+          <p:nvPr/>
+        </p:nvSpPr>
+        <p:spPr>
+          <a:xfrm>
+            <a:off x="3553428" y="4462041"/>
+            <a:ext cx="662652" cy="662652"/>
+          </a:xfrm>
+          <a:prstGeom prst="rect">
+            <a:avLst/>
+          </a:prstGeom>
+          <a:ln>
+            <a:solidFill>
+              <a:schemeClr val="bg1"/>
+            </a:solidFill>
+          </a:ln>
+        </p:spPr>
+        <p:style>
+          <a:lnRef idx="2">
+            <a:schemeClr val="accent5">
+              <a:shade val="50000"/>
+            </a:schemeClr>
+          </a:lnRef>
+          <a:fillRef idx="1">
+            <a:schemeClr val="accent5"/>
+          </a:fillRef>
+          <a:effectRef idx="0">
+            <a:schemeClr val="accent5"/>
+          </a:effectRef>
+          <a:fontRef idx="minor">
+            <a:schemeClr val="lt1"/>
+          </a:fontRef>
+        </p:style>
+        <p:txBody>
+          <a:bodyPr rtlCol="0" anchor="ctr"/>
+          <a:lstStyle/>
+          <a:p>
+            <a:pPr algn="ctr"/>
+            <a:r>
+              <a:rPr lang="en-US" dirty="0">
+                <a:solidFill>
+                  <a:schemeClr val="accent2"/>
+                </a:solidFill>
+                <a:latin typeface="Consolas" panose="020B0609020204030204" pitchFamily="49" charset="0"/>
+                <a:cs typeface="Consolas" panose="020B0609020204030204" pitchFamily="49" charset="0"/>
+              </a:rPr>
+              <a:t>‘L’</a:t>
+            </a:r>
+          </a:p>
+        </p:txBody>
+      </p:sp>
+      <p:sp>
+        <p:nvSpPr>
+          <p:cNvPr id="8" name="Rectangle 7">
+            <a:extLst>
+              <a:ext uri="{FF2B5EF4-FFF2-40B4-BE49-F238E27FC236}">
+                <a16:creationId xmlns:a16="http://schemas.microsoft.com/office/drawing/2014/main" id="{94B05099-DACC-C141-BDDE-143B3BA09CB9}"/>
+              </a:ext>
+            </a:extLst>
+          </p:cNvPr>
+          <p:cNvSpPr/>
+          <p:nvPr/>
+        </p:nvSpPr>
+        <p:spPr>
+          <a:xfrm>
+            <a:off x="3553428" y="5124693"/>
+            <a:ext cx="662652" cy="662652"/>
+          </a:xfrm>
+          <a:prstGeom prst="rect">
+            <a:avLst/>
+          </a:prstGeom>
+          <a:ln>
+            <a:solidFill>
+              <a:schemeClr val="bg1"/>
+            </a:solidFill>
+          </a:ln>
+        </p:spPr>
+        <p:style>
+          <a:lnRef idx="2">
+            <a:schemeClr val="accent5">
+              <a:shade val="50000"/>
+            </a:schemeClr>
+          </a:lnRef>
+          <a:fillRef idx="1">
+            <a:schemeClr val="accent5"/>
+          </a:fillRef>
+          <a:effectRef idx="0">
+            <a:schemeClr val="accent5"/>
+          </a:effectRef>
+          <a:fontRef idx="minor">
+            <a:schemeClr val="lt1"/>
+          </a:fontRef>
+        </p:style>
+        <p:txBody>
+          <a:bodyPr rtlCol="0" anchor="ctr"/>
+          <a:lstStyle/>
+          <a:p>
+            <a:pPr algn="ctr"/>
+            <a:r>
+              <a:rPr lang="en-US" dirty="0">
+                <a:solidFill>
+                  <a:schemeClr val="accent2"/>
+                </a:solidFill>
+                <a:latin typeface="Consolas" panose="020B0609020204030204" pitchFamily="49" charset="0"/>
+                <a:cs typeface="Consolas" panose="020B0609020204030204" pitchFamily="49" charset="0"/>
+              </a:rPr>
+              <a:t>‘O’</a:t>
+            </a:r>
+          </a:p>
+        </p:txBody>
+      </p:sp>
+      <p:sp>
+        <p:nvSpPr>
+          <p:cNvPr id="10" name="TextBox 9">
+            <a:extLst>
+              <a:ext uri="{FF2B5EF4-FFF2-40B4-BE49-F238E27FC236}">
+                <a16:creationId xmlns:a16="http://schemas.microsoft.com/office/drawing/2014/main" id="{FE4678DA-B6B9-5B4A-85C4-6EEA31ED2A32}"/>
+              </a:ext>
+            </a:extLst>
+          </p:cNvPr>
+          <p:cNvSpPr txBox="1"/>
+          <p:nvPr/>
+        </p:nvSpPr>
+        <p:spPr>
+          <a:xfrm>
+            <a:off x="2545217" y="1987730"/>
+            <a:ext cx="902826" cy="369332"/>
+          </a:xfrm>
+          <a:prstGeom prst="rect">
+            <a:avLst/>
+          </a:prstGeom>
+          <a:noFill/>
+        </p:spPr>
+        <p:txBody>
+          <a:bodyPr wrap="square" rtlCol="0">
+            <a:spAutoFit/>
+          </a:bodyPr>
+          <a:lstStyle/>
+          <a:p>
+            <a:r>
+              <a:rPr lang="en-US" u="sng" dirty="0"/>
+              <a:t>Index</a:t>
+            </a:r>
+            <a:r>
+              <a:rPr lang="en-US" dirty="0"/>
+              <a:t>:</a:t>
+            </a:r>
+          </a:p>
+        </p:txBody>
+      </p:sp>
+      <p:sp>
+        <p:nvSpPr>
+          <p:cNvPr id="11" name="TextBox 10">
+            <a:extLst>
+              <a:ext uri="{FF2B5EF4-FFF2-40B4-BE49-F238E27FC236}">
+                <a16:creationId xmlns:a16="http://schemas.microsoft.com/office/drawing/2014/main" id="{A134D04B-DC48-E047-9970-B476BC3A7B27}"/>
+              </a:ext>
+            </a:extLst>
+          </p:cNvPr>
+          <p:cNvSpPr txBox="1"/>
+          <p:nvPr/>
+        </p:nvSpPr>
+        <p:spPr>
+          <a:xfrm>
+            <a:off x="3113589" y="2632119"/>
+            <a:ext cx="311304" cy="369332"/>
+          </a:xfrm>
+          <a:prstGeom prst="rect">
+            <a:avLst/>
+          </a:prstGeom>
+          <a:noFill/>
+        </p:spPr>
+        <p:txBody>
+          <a:bodyPr wrap="none" rtlCol="0">
+            <a:spAutoFit/>
+          </a:bodyPr>
+          <a:lstStyle/>
+          <a:p>
+            <a:r>
+              <a:rPr lang="en-US" dirty="0"/>
+              <a:t>0</a:t>
+            </a:r>
+          </a:p>
+        </p:txBody>
+      </p:sp>
+      <p:sp>
+        <p:nvSpPr>
+          <p:cNvPr id="12" name="TextBox 11">
+            <a:extLst>
+              <a:ext uri="{FF2B5EF4-FFF2-40B4-BE49-F238E27FC236}">
+                <a16:creationId xmlns:a16="http://schemas.microsoft.com/office/drawing/2014/main" id="{1CBAFEE8-029E-F245-A81D-F131F4DF68A4}"/>
+              </a:ext>
+            </a:extLst>
+          </p:cNvPr>
+          <p:cNvSpPr txBox="1"/>
+          <p:nvPr/>
+        </p:nvSpPr>
+        <p:spPr>
+          <a:xfrm>
+            <a:off x="3102015" y="3283397"/>
+            <a:ext cx="311304" cy="369332"/>
+          </a:xfrm>
+          <a:prstGeom prst="rect">
+            <a:avLst/>
+          </a:prstGeom>
+          <a:noFill/>
+        </p:spPr>
+        <p:txBody>
+          <a:bodyPr wrap="none" rtlCol="0">
+            <a:spAutoFit/>
+          </a:bodyPr>
+          <a:lstStyle/>
+          <a:p>
+            <a:r>
+              <a:rPr lang="en-US" dirty="0"/>
+              <a:t>1</a:t>
+            </a:r>
+          </a:p>
+        </p:txBody>
+      </p:sp>
+      <p:sp>
+        <p:nvSpPr>
+          <p:cNvPr id="13" name="TextBox 12">
+            <a:extLst>
+              <a:ext uri="{FF2B5EF4-FFF2-40B4-BE49-F238E27FC236}">
+                <a16:creationId xmlns:a16="http://schemas.microsoft.com/office/drawing/2014/main" id="{D82E5C4C-C57C-2E42-B2B0-6DB516614B99}"/>
+              </a:ext>
+            </a:extLst>
+          </p:cNvPr>
+          <p:cNvSpPr txBox="1"/>
+          <p:nvPr/>
+        </p:nvSpPr>
+        <p:spPr>
+          <a:xfrm>
+            <a:off x="3102015" y="3943806"/>
+            <a:ext cx="311304" cy="369332"/>
+          </a:xfrm>
+          <a:prstGeom prst="rect">
+            <a:avLst/>
+          </a:prstGeom>
+          <a:noFill/>
+        </p:spPr>
+        <p:txBody>
+          <a:bodyPr wrap="none" rtlCol="0">
+            <a:spAutoFit/>
+          </a:bodyPr>
+          <a:lstStyle/>
+          <a:p>
+            <a:r>
+              <a:rPr lang="en-US" dirty="0"/>
+              <a:t>2</a:t>
+            </a:r>
+          </a:p>
+        </p:txBody>
+      </p:sp>
+      <p:sp>
+        <p:nvSpPr>
+          <p:cNvPr id="14" name="TextBox 13">
+            <a:extLst>
+              <a:ext uri="{FF2B5EF4-FFF2-40B4-BE49-F238E27FC236}">
+                <a16:creationId xmlns:a16="http://schemas.microsoft.com/office/drawing/2014/main" id="{BBA1277C-812C-884F-8BA6-41B15DB5FE53}"/>
+              </a:ext>
+            </a:extLst>
+          </p:cNvPr>
+          <p:cNvSpPr txBox="1"/>
+          <p:nvPr/>
+        </p:nvSpPr>
+        <p:spPr>
+          <a:xfrm>
+            <a:off x="3136739" y="4604216"/>
+            <a:ext cx="311304" cy="369332"/>
+          </a:xfrm>
+          <a:prstGeom prst="rect">
+            <a:avLst/>
+          </a:prstGeom>
+          <a:noFill/>
+        </p:spPr>
+        <p:txBody>
+          <a:bodyPr wrap="none" rtlCol="0">
+            <a:spAutoFit/>
+          </a:bodyPr>
+          <a:lstStyle/>
+          <a:p>
+            <a:r>
+              <a:rPr lang="en-US" dirty="0"/>
+              <a:t>3</a:t>
+            </a:r>
+          </a:p>
+        </p:txBody>
+      </p:sp>
+      <p:sp>
+        <p:nvSpPr>
+          <p:cNvPr id="15" name="TextBox 14">
+            <a:extLst>
+              <a:ext uri="{FF2B5EF4-FFF2-40B4-BE49-F238E27FC236}">
+                <a16:creationId xmlns:a16="http://schemas.microsoft.com/office/drawing/2014/main" id="{545CE61A-7D76-2343-BAEB-4B683693C991}"/>
+              </a:ext>
+            </a:extLst>
+          </p:cNvPr>
+          <p:cNvSpPr txBox="1"/>
+          <p:nvPr/>
+        </p:nvSpPr>
+        <p:spPr>
+          <a:xfrm>
+            <a:off x="3136739" y="5223915"/>
+            <a:ext cx="311304" cy="369332"/>
+          </a:xfrm>
+          <a:prstGeom prst="rect">
+            <a:avLst/>
+          </a:prstGeom>
+          <a:noFill/>
+        </p:spPr>
+        <p:txBody>
+          <a:bodyPr wrap="none" rtlCol="0">
+            <a:spAutoFit/>
+          </a:bodyPr>
+          <a:lstStyle/>
+          <a:p>
+            <a:r>
+              <a:rPr lang="en-US" dirty="0"/>
+              <a:t>4</a:t>
+            </a:r>
+          </a:p>
+        </p:txBody>
+      </p:sp>
+      <p:sp>
+        <p:nvSpPr>
+          <p:cNvPr id="16" name="TextBox 15">
+            <a:extLst>
+              <a:ext uri="{FF2B5EF4-FFF2-40B4-BE49-F238E27FC236}">
+                <a16:creationId xmlns:a16="http://schemas.microsoft.com/office/drawing/2014/main" id="{04A4323B-D078-1E40-BFAA-0C43884D4167}"/>
+              </a:ext>
+            </a:extLst>
+          </p:cNvPr>
+          <p:cNvSpPr txBox="1"/>
+          <p:nvPr/>
+        </p:nvSpPr>
+        <p:spPr>
+          <a:xfrm>
+            <a:off x="4864845" y="1987730"/>
+            <a:ext cx="6223319" cy="369332"/>
+          </a:xfrm>
+          <a:prstGeom prst="rect">
+            <a:avLst/>
+          </a:prstGeom>
+          <a:noFill/>
+        </p:spPr>
+        <p:txBody>
+          <a:bodyPr wrap="square" rtlCol="0">
+            <a:spAutoFit/>
+          </a:bodyPr>
+          <a:lstStyle/>
+          <a:p>
+            <a:r>
+              <a:rPr lang="en-US" dirty="0"/>
+              <a:t>Every block has a size of 1 Byte, since the size of a </a:t>
+            </a:r>
+            <a:r>
+              <a:rPr lang="en-US" sz="1600" dirty="0">
+                <a:solidFill>
+                  <a:schemeClr val="accent4"/>
+                </a:solidFill>
+                <a:latin typeface="Consolas" panose="020B0609020204030204" pitchFamily="49" charset="0"/>
+                <a:cs typeface="Consolas" panose="020B0609020204030204" pitchFamily="49" charset="0"/>
+              </a:rPr>
+              <a:t>char</a:t>
+            </a:r>
+            <a:r>
+              <a:rPr lang="en-US" dirty="0"/>
+              <a:t> is 1 Byte</a:t>
+            </a:r>
+          </a:p>
+        </p:txBody>
+      </p:sp>
+      <p:sp>
+        <p:nvSpPr>
+          <p:cNvPr id="17" name="TextBox 16">
+            <a:extLst>
+              <a:ext uri="{FF2B5EF4-FFF2-40B4-BE49-F238E27FC236}">
+                <a16:creationId xmlns:a16="http://schemas.microsoft.com/office/drawing/2014/main" id="{C407DF0C-EF35-9949-A014-D811E2CF5A1E}"/>
+              </a:ext>
+            </a:extLst>
+          </p:cNvPr>
+          <p:cNvSpPr txBox="1"/>
+          <p:nvPr/>
+        </p:nvSpPr>
+        <p:spPr>
+          <a:xfrm>
+            <a:off x="4864845" y="2620745"/>
+            <a:ext cx="1451038" cy="369332"/>
+          </a:xfrm>
+          <a:prstGeom prst="rect">
+            <a:avLst/>
+          </a:prstGeom>
+          <a:noFill/>
+        </p:spPr>
+        <p:txBody>
+          <a:bodyPr wrap="none" rtlCol="0">
+            <a:spAutoFit/>
+          </a:bodyPr>
+          <a:lstStyle/>
+          <a:p>
+            <a:r>
+              <a:rPr lang="en-US" dirty="0" err="1">
+                <a:latin typeface="Consolas" panose="020B0609020204030204" pitchFamily="49" charset="0"/>
+                <a:cs typeface="Consolas" panose="020B0609020204030204" pitchFamily="49" charset="0"/>
+              </a:rPr>
+              <a:t>myArray</a:t>
+            </a:r>
+            <a:r>
+              <a:rPr lang="en-US" dirty="0">
+                <a:latin typeface="Consolas" panose="020B0609020204030204" pitchFamily="49" charset="0"/>
+                <a:cs typeface="Consolas" panose="020B0609020204030204" pitchFamily="49" charset="0"/>
+              </a:rPr>
+              <a:t>[</a:t>
+            </a:r>
+            <a:r>
+              <a:rPr lang="en-US" dirty="0">
+                <a:solidFill>
+                  <a:schemeClr val="accent4"/>
+                </a:solidFill>
+                <a:latin typeface="Consolas" panose="020B0609020204030204" pitchFamily="49" charset="0"/>
+                <a:cs typeface="Consolas" panose="020B0609020204030204" pitchFamily="49" charset="0"/>
+              </a:rPr>
+              <a:t>0</a:t>
+            </a:r>
+            <a:r>
+              <a:rPr lang="en-US" dirty="0">
+                <a:latin typeface="Consolas" panose="020B0609020204030204" pitchFamily="49" charset="0"/>
+                <a:cs typeface="Consolas" panose="020B0609020204030204" pitchFamily="49" charset="0"/>
+              </a:rPr>
+              <a:t>]</a:t>
+            </a:r>
+          </a:p>
+        </p:txBody>
+      </p:sp>
+      <p:sp>
+        <p:nvSpPr>
+          <p:cNvPr id="19" name="TextBox 18">
+            <a:extLst>
+              <a:ext uri="{FF2B5EF4-FFF2-40B4-BE49-F238E27FC236}">
+                <a16:creationId xmlns:a16="http://schemas.microsoft.com/office/drawing/2014/main" id="{D9C6CF2C-EE2A-104A-9921-5160F90009E6}"/>
+              </a:ext>
+            </a:extLst>
+          </p:cNvPr>
+          <p:cNvSpPr txBox="1"/>
+          <p:nvPr/>
+        </p:nvSpPr>
+        <p:spPr>
+          <a:xfrm>
+            <a:off x="4864845" y="3294771"/>
+            <a:ext cx="1451038" cy="369332"/>
+          </a:xfrm>
+          <a:prstGeom prst="rect">
+            <a:avLst/>
+          </a:prstGeom>
+          <a:noFill/>
+        </p:spPr>
+        <p:txBody>
+          <a:bodyPr wrap="none" rtlCol="0">
+            <a:spAutoFit/>
+          </a:bodyPr>
+          <a:lstStyle/>
+          <a:p>
+            <a:r>
+              <a:rPr lang="en-US" dirty="0" err="1">
+                <a:latin typeface="Consolas" panose="020B0609020204030204" pitchFamily="49" charset="0"/>
+                <a:cs typeface="Consolas" panose="020B0609020204030204" pitchFamily="49" charset="0"/>
+              </a:rPr>
+              <a:t>myArray</a:t>
+            </a:r>
+            <a:r>
+              <a:rPr lang="en-US" dirty="0">
+                <a:latin typeface="Consolas" panose="020B0609020204030204" pitchFamily="49" charset="0"/>
+                <a:cs typeface="Consolas" panose="020B0609020204030204" pitchFamily="49" charset="0"/>
+              </a:rPr>
+              <a:t>[</a:t>
+            </a:r>
+            <a:r>
+              <a:rPr lang="en-US" dirty="0">
+                <a:solidFill>
+                  <a:schemeClr val="accent4"/>
+                </a:solidFill>
+                <a:latin typeface="Consolas" panose="020B0609020204030204" pitchFamily="49" charset="0"/>
+                <a:cs typeface="Consolas" panose="020B0609020204030204" pitchFamily="49" charset="0"/>
+              </a:rPr>
+              <a:t>1</a:t>
+            </a:r>
+            <a:r>
+              <a:rPr lang="en-US" dirty="0">
+                <a:latin typeface="Consolas" panose="020B0609020204030204" pitchFamily="49" charset="0"/>
+                <a:cs typeface="Consolas" panose="020B0609020204030204" pitchFamily="49" charset="0"/>
+              </a:rPr>
+              <a:t>]</a:t>
+            </a:r>
+          </a:p>
+        </p:txBody>
+      </p:sp>
+      <p:sp>
+        <p:nvSpPr>
+          <p:cNvPr id="20" name="TextBox 19">
+            <a:extLst>
+              <a:ext uri="{FF2B5EF4-FFF2-40B4-BE49-F238E27FC236}">
+                <a16:creationId xmlns:a16="http://schemas.microsoft.com/office/drawing/2014/main" id="{3F0791DB-C566-A84C-BD5F-8EFCBF2201B3}"/>
+              </a:ext>
+            </a:extLst>
+          </p:cNvPr>
+          <p:cNvSpPr txBox="1"/>
+          <p:nvPr/>
+        </p:nvSpPr>
+        <p:spPr>
+          <a:xfrm>
+            <a:off x="4864845" y="3945786"/>
+            <a:ext cx="1451038" cy="369332"/>
+          </a:xfrm>
+          <a:prstGeom prst="rect">
+            <a:avLst/>
+          </a:prstGeom>
+          <a:noFill/>
+        </p:spPr>
+        <p:txBody>
+          <a:bodyPr wrap="none" rtlCol="0">
+            <a:spAutoFit/>
+          </a:bodyPr>
+          <a:lstStyle/>
+          <a:p>
+            <a:r>
+              <a:rPr lang="en-US" dirty="0" err="1">
+                <a:latin typeface="Consolas" panose="020B0609020204030204" pitchFamily="49" charset="0"/>
+                <a:cs typeface="Consolas" panose="020B0609020204030204" pitchFamily="49" charset="0"/>
+              </a:rPr>
+              <a:t>myArray</a:t>
+            </a:r>
+            <a:r>
+              <a:rPr lang="en-US" dirty="0">
+                <a:latin typeface="Consolas" panose="020B0609020204030204" pitchFamily="49" charset="0"/>
+                <a:cs typeface="Consolas" panose="020B0609020204030204" pitchFamily="49" charset="0"/>
+              </a:rPr>
+              <a:t>[</a:t>
+            </a:r>
+            <a:r>
+              <a:rPr lang="en-US" dirty="0">
+                <a:solidFill>
+                  <a:schemeClr val="accent4"/>
+                </a:solidFill>
+                <a:latin typeface="Consolas" panose="020B0609020204030204" pitchFamily="49" charset="0"/>
+                <a:cs typeface="Consolas" panose="020B0609020204030204" pitchFamily="49" charset="0"/>
+              </a:rPr>
+              <a:t>2</a:t>
+            </a:r>
+            <a:r>
+              <a:rPr lang="en-US" dirty="0">
+                <a:latin typeface="Consolas" panose="020B0609020204030204" pitchFamily="49" charset="0"/>
+                <a:cs typeface="Consolas" panose="020B0609020204030204" pitchFamily="49" charset="0"/>
+              </a:rPr>
+              <a:t>]</a:t>
+            </a:r>
+          </a:p>
+        </p:txBody>
+      </p:sp>
+      <p:sp>
+        <p:nvSpPr>
+          <p:cNvPr id="21" name="TextBox 20">
+            <a:extLst>
+              <a:ext uri="{FF2B5EF4-FFF2-40B4-BE49-F238E27FC236}">
+                <a16:creationId xmlns:a16="http://schemas.microsoft.com/office/drawing/2014/main" id="{8AF54F2B-151F-DA46-B1F5-2975781F5FCF}"/>
+              </a:ext>
+            </a:extLst>
+          </p:cNvPr>
+          <p:cNvSpPr txBox="1"/>
+          <p:nvPr/>
+        </p:nvSpPr>
+        <p:spPr>
+          <a:xfrm>
+            <a:off x="4864845" y="4604216"/>
+            <a:ext cx="1451038" cy="369332"/>
+          </a:xfrm>
+          <a:prstGeom prst="rect">
+            <a:avLst/>
+          </a:prstGeom>
+          <a:noFill/>
+        </p:spPr>
+        <p:txBody>
+          <a:bodyPr wrap="none" rtlCol="0">
+            <a:spAutoFit/>
+          </a:bodyPr>
+          <a:lstStyle/>
+          <a:p>
+            <a:r>
+              <a:rPr lang="en-US" dirty="0" err="1">
+                <a:latin typeface="Consolas" panose="020B0609020204030204" pitchFamily="49" charset="0"/>
+                <a:cs typeface="Consolas" panose="020B0609020204030204" pitchFamily="49" charset="0"/>
+              </a:rPr>
+              <a:t>myArray</a:t>
+            </a:r>
+            <a:r>
+              <a:rPr lang="en-US" dirty="0">
+                <a:latin typeface="Consolas" panose="020B0609020204030204" pitchFamily="49" charset="0"/>
+                <a:cs typeface="Consolas" panose="020B0609020204030204" pitchFamily="49" charset="0"/>
+              </a:rPr>
+              <a:t>[</a:t>
+            </a:r>
+            <a:r>
+              <a:rPr lang="en-US" dirty="0">
+                <a:solidFill>
+                  <a:schemeClr val="accent4"/>
+                </a:solidFill>
+                <a:latin typeface="Consolas" panose="020B0609020204030204" pitchFamily="49" charset="0"/>
+                <a:cs typeface="Consolas" panose="020B0609020204030204" pitchFamily="49" charset="0"/>
+              </a:rPr>
+              <a:t>3</a:t>
+            </a:r>
+            <a:r>
+              <a:rPr lang="en-US" dirty="0">
+                <a:latin typeface="Consolas" panose="020B0609020204030204" pitchFamily="49" charset="0"/>
+                <a:cs typeface="Consolas" panose="020B0609020204030204" pitchFamily="49" charset="0"/>
+              </a:rPr>
+              <a:t>]</a:t>
+            </a:r>
+          </a:p>
+        </p:txBody>
+      </p:sp>
+      <p:sp>
+        <p:nvSpPr>
+          <p:cNvPr id="22" name="TextBox 21">
+            <a:extLst>
+              <a:ext uri="{FF2B5EF4-FFF2-40B4-BE49-F238E27FC236}">
+                <a16:creationId xmlns:a16="http://schemas.microsoft.com/office/drawing/2014/main" id="{A869E9B1-F45B-B842-8DAC-1AAEF477D472}"/>
+              </a:ext>
+            </a:extLst>
+          </p:cNvPr>
+          <p:cNvSpPr txBox="1"/>
+          <p:nvPr/>
+        </p:nvSpPr>
+        <p:spPr>
+          <a:xfrm>
+            <a:off x="4864845" y="5262646"/>
+            <a:ext cx="1451038" cy="369332"/>
+          </a:xfrm>
+          <a:prstGeom prst="rect">
+            <a:avLst/>
+          </a:prstGeom>
+          <a:noFill/>
+        </p:spPr>
+        <p:txBody>
+          <a:bodyPr wrap="none" rtlCol="0">
+            <a:spAutoFit/>
+          </a:bodyPr>
+          <a:lstStyle/>
+          <a:p>
+            <a:r>
+              <a:rPr lang="en-US" dirty="0" err="1">
+                <a:latin typeface="Consolas" panose="020B0609020204030204" pitchFamily="49" charset="0"/>
+                <a:cs typeface="Consolas" panose="020B0609020204030204" pitchFamily="49" charset="0"/>
+              </a:rPr>
+              <a:t>myArray</a:t>
+            </a:r>
+            <a:r>
+              <a:rPr lang="en-US" dirty="0">
+                <a:latin typeface="Consolas" panose="020B0609020204030204" pitchFamily="49" charset="0"/>
+                <a:cs typeface="Consolas" panose="020B0609020204030204" pitchFamily="49" charset="0"/>
+              </a:rPr>
+              <a:t>[</a:t>
+            </a:r>
+            <a:r>
+              <a:rPr lang="en-US" dirty="0">
+                <a:solidFill>
+                  <a:schemeClr val="accent4"/>
+                </a:solidFill>
+                <a:latin typeface="Consolas" panose="020B0609020204030204" pitchFamily="49" charset="0"/>
+                <a:cs typeface="Consolas" panose="020B0609020204030204" pitchFamily="49" charset="0"/>
+              </a:rPr>
+              <a:t>4</a:t>
+            </a:r>
+            <a:r>
+              <a:rPr lang="en-US" dirty="0">
+                <a:latin typeface="Consolas" panose="020B0609020204030204" pitchFamily="49" charset="0"/>
+                <a:cs typeface="Consolas" panose="020B0609020204030204" pitchFamily="49" charset="0"/>
+              </a:rPr>
+              <a:t>]</a:t>
+            </a:r>
+          </a:p>
+        </p:txBody>
+      </p:sp>
+      <p:sp>
+        <p:nvSpPr>
+          <p:cNvPr id="23" name="TextBox 22">
+            <a:extLst>
+              <a:ext uri="{FF2B5EF4-FFF2-40B4-BE49-F238E27FC236}">
+                <a16:creationId xmlns:a16="http://schemas.microsoft.com/office/drawing/2014/main" id="{FAB48AA9-F26B-1C44-846C-D80DEFB11143}"/>
+              </a:ext>
+            </a:extLst>
+          </p:cNvPr>
+          <p:cNvSpPr txBox="1"/>
+          <p:nvPr/>
+        </p:nvSpPr>
+        <p:spPr>
+          <a:xfrm>
+            <a:off x="4216080" y="6126831"/>
+            <a:ext cx="6695166" cy="646331"/>
+          </a:xfrm>
+          <a:prstGeom prst="rect">
+            <a:avLst/>
+          </a:prstGeom>
+          <a:noFill/>
+        </p:spPr>
+        <p:txBody>
+          <a:bodyPr wrap="none" rtlCol="0">
+            <a:spAutoFit/>
+          </a:bodyPr>
+          <a:lstStyle/>
+          <a:p>
+            <a:r>
+              <a:rPr lang="en-US" dirty="0"/>
+              <a:t>This is a contiguous layout since the elements are immediate neighbors. </a:t>
+            </a:r>
+          </a:p>
+          <a:p>
+            <a:r>
+              <a:rPr lang="en-US" u="sng" dirty="0"/>
+              <a:t>Note</a:t>
+            </a:r>
+            <a:r>
+              <a:rPr lang="en-US" dirty="0"/>
+              <a:t>: We can omit the </a:t>
+            </a:r>
+            <a:r>
+              <a:rPr lang="en-US" sz="1600" dirty="0">
+                <a:solidFill>
+                  <a:schemeClr val="accent4"/>
+                </a:solidFill>
+                <a:latin typeface="Consolas" panose="020B0609020204030204" pitchFamily="49" charset="0"/>
+                <a:cs typeface="Consolas" panose="020B0609020204030204" pitchFamily="49" charset="0"/>
+              </a:rPr>
+              <a:t>0</a:t>
+            </a:r>
+            <a:r>
+              <a:rPr lang="en-US" dirty="0"/>
+              <a:t> at the end of the array </a:t>
+            </a:r>
+          </a:p>
+        </p:txBody>
+      </p:sp>
+    </p:spTree>
+    <p:extLst>
+      <p:ext uri="{BB962C8B-B14F-4D97-AF65-F5344CB8AC3E}">
+        <p14:creationId xmlns:p14="http://schemas.microsoft.com/office/powerpoint/2010/main" val="2413863398"/>
+      </p:ext>
+    </p:extLst>
+  </p:cSld>
+  <p:clrMapOvr>
+    <a:masterClrMapping/>
+  </p:clrMapOvr>
+  <p:timing>
+    <p:tnLst>
+      <p:par>
+        <p:cTn id="1" dur="indefinite" restart="never" nodeType="tmRoot">
+          <p:childTnLst>
+            <p:seq concurrent="1" nextAc="seek">
+              <p:cTn id="2" dur="indefinite" nodeType="mainSeq">
+                <p:childTnLst>
+                  <p:par>
+                    <p:cTn id="3" fill="hold">
+                      <p:stCondLst>
+                        <p:cond delay="indefinite"/>
+                      </p:stCondLst>
+                      <p:childTnLst>
+                        <p:par>
+                          <p:cTn id="4" fill="hold">
+                            <p:stCondLst>
+                              <p:cond delay="0"/>
+                            </p:stCondLst>
+                            <p:childTnLst>
+                              <p:par>
+                                <p:cTn id="5" presetID="2" presetClass="entr" presetSubtype="4" fill="hold" grpId="0" nodeType="clickEffect">
+                                  <p:stCondLst>
+                                    <p:cond delay="0"/>
+                                  </p:stCondLst>
+                                  <p:childTnLst>
+                                    <p:set>
+                                      <p:cBhvr>
+                                        <p:cTn id="6" dur="1" fill="hold">
+                                          <p:stCondLst>
+                                            <p:cond delay="0"/>
+                                          </p:stCondLst>
+                                        </p:cTn>
+                                        <p:tgtEl>
+                                          <p:spTgt spid="10"/>
+                                        </p:tgtEl>
+                                        <p:attrNameLst>
+                                          <p:attrName>style.visibility</p:attrName>
+                                        </p:attrNameLst>
+                                      </p:cBhvr>
+                                      <p:to>
+                                        <p:strVal val="visible"/>
+                                      </p:to>
+                                    </p:set>
+                                    <p:anim calcmode="lin" valueType="num">
+                                      <p:cBhvr additive="base">
+                                        <p:cTn id="7" dur="500" fill="hold"/>
+                                        <p:tgtEl>
+                                          <p:spTgt spid="10"/>
+                                        </p:tgtEl>
+                                        <p:attrNameLst>
+                                          <p:attrName>ppt_x</p:attrName>
+                                        </p:attrNameLst>
+                                      </p:cBhvr>
+                                      <p:tavLst>
+                                        <p:tav tm="0">
+                                          <p:val>
+                                            <p:strVal val="#ppt_x"/>
+                                          </p:val>
+                                        </p:tav>
+                                        <p:tav tm="100000">
+                                          <p:val>
+                                            <p:strVal val="#ppt_x"/>
+                                          </p:val>
+                                        </p:tav>
+                                      </p:tavLst>
+                                    </p:anim>
+                                    <p:anim calcmode="lin" valueType="num">
+                                      <p:cBhvr additive="base">
+                                        <p:cTn id="8" dur="500" fill="hold"/>
+                                        <p:tgtEl>
+                                          <p:spTgt spid="10"/>
+                                        </p:tgtEl>
+                                        <p:attrNameLst>
+                                          <p:attrName>ppt_y</p:attrName>
+                                        </p:attrNameLst>
+                                      </p:cBhvr>
+                                      <p:tavLst>
+                                        <p:tav tm="0">
+                                          <p:val>
+                                            <p:strVal val="1+#ppt_h/2"/>
+                                          </p:val>
+                                        </p:tav>
+                                        <p:tav tm="100000">
+                                          <p:val>
+                                            <p:strVal val="#ppt_y"/>
+                                          </p:val>
+                                        </p:tav>
+                                      </p:tavLst>
+                                    </p:anim>
+                                  </p:childTnLst>
+                                </p:cTn>
+                              </p:par>
+                            </p:childTnLst>
+                          </p:cTn>
+                        </p:par>
+                      </p:childTnLst>
+                    </p:cTn>
+                  </p:par>
+                  <p:par>
+                    <p:cTn id="9" fill="hold">
+                      <p:stCondLst>
+                        <p:cond delay="indefinite"/>
+                      </p:stCondLst>
+                      <p:childTnLst>
+                        <p:par>
+                          <p:cTn id="10" fill="hold">
+                            <p:stCondLst>
+                              <p:cond delay="0"/>
+                            </p:stCondLst>
+                            <p:childTnLst>
+                              <p:par>
+                                <p:cTn id="11" presetID="2" presetClass="entr" presetSubtype="4" fill="hold" grpId="0" nodeType="clickEffect">
+                                  <p:stCondLst>
+                                    <p:cond delay="0"/>
+                                  </p:stCondLst>
+                                  <p:childTnLst>
+                                    <p:set>
+                                      <p:cBhvr>
+                                        <p:cTn id="12" dur="1" fill="hold">
+                                          <p:stCondLst>
+                                            <p:cond delay="0"/>
+                                          </p:stCondLst>
+                                        </p:cTn>
+                                        <p:tgtEl>
+                                          <p:spTgt spid="11"/>
+                                        </p:tgtEl>
+                                        <p:attrNameLst>
+                                          <p:attrName>style.visibility</p:attrName>
+                                        </p:attrNameLst>
+                                      </p:cBhvr>
+                                      <p:to>
+                                        <p:strVal val="visible"/>
+                                      </p:to>
+                                    </p:set>
+                                    <p:anim calcmode="lin" valueType="num">
+                                      <p:cBhvr additive="base">
+                                        <p:cTn id="13" dur="500" fill="hold"/>
+                                        <p:tgtEl>
+                                          <p:spTgt spid="11"/>
+                                        </p:tgtEl>
+                                        <p:attrNameLst>
+                                          <p:attrName>ppt_x</p:attrName>
+                                        </p:attrNameLst>
+                                      </p:cBhvr>
+                                      <p:tavLst>
+                                        <p:tav tm="0">
+                                          <p:val>
+                                            <p:strVal val="#ppt_x"/>
+                                          </p:val>
+                                        </p:tav>
+                                        <p:tav tm="100000">
+                                          <p:val>
+                                            <p:strVal val="#ppt_x"/>
+                                          </p:val>
+                                        </p:tav>
+                                      </p:tavLst>
+                                    </p:anim>
+                                    <p:anim calcmode="lin" valueType="num">
+                                      <p:cBhvr additive="base">
+                                        <p:cTn id="14" dur="500" fill="hold"/>
+                                        <p:tgtEl>
+                                          <p:spTgt spid="11"/>
+                                        </p:tgtEl>
+                                        <p:attrNameLst>
+                                          <p:attrName>ppt_y</p:attrName>
+                                        </p:attrNameLst>
+                                      </p:cBhvr>
+                                      <p:tavLst>
+                                        <p:tav tm="0">
+                                          <p:val>
+                                            <p:strVal val="1+#ppt_h/2"/>
+                                          </p:val>
+                                        </p:tav>
+                                        <p:tav tm="100000">
+                                          <p:val>
+                                            <p:strVal val="#ppt_y"/>
+                                          </p:val>
+                                        </p:tav>
+                                      </p:tavLst>
+                                    </p:anim>
+                                  </p:childTnLst>
+                                </p:cTn>
+                              </p:par>
+                              <p:par>
+                                <p:cTn id="15" presetID="2" presetClass="entr" presetSubtype="4" fill="hold" grpId="0" nodeType="withEffect">
+                                  <p:stCondLst>
+                                    <p:cond delay="0"/>
+                                  </p:stCondLst>
+                                  <p:childTnLst>
+                                    <p:set>
+                                      <p:cBhvr>
+                                        <p:cTn id="16" dur="1" fill="hold">
+                                          <p:stCondLst>
+                                            <p:cond delay="0"/>
+                                          </p:stCondLst>
+                                        </p:cTn>
+                                        <p:tgtEl>
+                                          <p:spTgt spid="4"/>
+                                        </p:tgtEl>
+                                        <p:attrNameLst>
+                                          <p:attrName>style.visibility</p:attrName>
+                                        </p:attrNameLst>
+                                      </p:cBhvr>
+                                      <p:to>
+                                        <p:strVal val="visible"/>
+                                      </p:to>
+                                    </p:set>
+                                    <p:anim calcmode="lin" valueType="num">
+                                      <p:cBhvr additive="base">
+                                        <p:cTn id="17" dur="500" fill="hold"/>
+                                        <p:tgtEl>
+                                          <p:spTgt spid="4"/>
+                                        </p:tgtEl>
+                                        <p:attrNameLst>
+                                          <p:attrName>ppt_x</p:attrName>
+                                        </p:attrNameLst>
+                                      </p:cBhvr>
+                                      <p:tavLst>
+                                        <p:tav tm="0">
+                                          <p:val>
+                                            <p:strVal val="#ppt_x"/>
+                                          </p:val>
+                                        </p:tav>
+                                        <p:tav tm="100000">
+                                          <p:val>
+                                            <p:strVal val="#ppt_x"/>
+                                          </p:val>
+                                        </p:tav>
+                                      </p:tavLst>
+                                    </p:anim>
+                                    <p:anim calcmode="lin" valueType="num">
+                                      <p:cBhvr additive="base">
+                                        <p:cTn id="18" dur="500" fill="hold"/>
+                                        <p:tgtEl>
+                                          <p:spTgt spid="4"/>
+                                        </p:tgtEl>
+                                        <p:attrNameLst>
+                                          <p:attrName>ppt_y</p:attrName>
+                                        </p:attrNameLst>
+                                      </p:cBhvr>
+                                      <p:tavLst>
+                                        <p:tav tm="0">
+                                          <p:val>
+                                            <p:strVal val="1+#ppt_h/2"/>
+                                          </p:val>
+                                        </p:tav>
+                                        <p:tav tm="100000">
+                                          <p:val>
+                                            <p:strVal val="#ppt_y"/>
+                                          </p:val>
+                                        </p:tav>
+                                      </p:tavLst>
+                                    </p:anim>
+                                  </p:childTnLst>
+                                </p:cTn>
+                              </p:par>
+                              <p:par>
+                                <p:cTn id="19" presetID="2" presetClass="entr" presetSubtype="4" fill="hold" grpId="0" nodeType="withEffect">
+                                  <p:stCondLst>
+                                    <p:cond delay="0"/>
+                                  </p:stCondLst>
+                                  <p:childTnLst>
+                                    <p:set>
+                                      <p:cBhvr>
+                                        <p:cTn id="20" dur="1" fill="hold">
+                                          <p:stCondLst>
+                                            <p:cond delay="0"/>
+                                          </p:stCondLst>
+                                        </p:cTn>
+                                        <p:tgtEl>
+                                          <p:spTgt spid="17"/>
+                                        </p:tgtEl>
+                                        <p:attrNameLst>
+                                          <p:attrName>style.visibility</p:attrName>
+                                        </p:attrNameLst>
+                                      </p:cBhvr>
+                                      <p:to>
+                                        <p:strVal val="visible"/>
+                                      </p:to>
+                                    </p:set>
+                                    <p:anim calcmode="lin" valueType="num">
+                                      <p:cBhvr additive="base">
+                                        <p:cTn id="21" dur="500" fill="hold"/>
+                                        <p:tgtEl>
+                                          <p:spTgt spid="17"/>
+                                        </p:tgtEl>
+                                        <p:attrNameLst>
+                                          <p:attrName>ppt_x</p:attrName>
+                                        </p:attrNameLst>
+                                      </p:cBhvr>
+                                      <p:tavLst>
+                                        <p:tav tm="0">
+                                          <p:val>
+                                            <p:strVal val="#ppt_x"/>
+                                          </p:val>
+                                        </p:tav>
+                                        <p:tav tm="100000">
+                                          <p:val>
+                                            <p:strVal val="#ppt_x"/>
+                                          </p:val>
+                                        </p:tav>
+                                      </p:tavLst>
+                                    </p:anim>
+                                    <p:anim calcmode="lin" valueType="num">
+                                      <p:cBhvr additive="base">
+                                        <p:cTn id="22" dur="500" fill="hold"/>
+                                        <p:tgtEl>
+                                          <p:spTgt spid="17"/>
+                                        </p:tgtEl>
+                                        <p:attrNameLst>
+                                          <p:attrName>ppt_y</p:attrName>
+                                        </p:attrNameLst>
+                                      </p:cBhvr>
+                                      <p:tavLst>
+                                        <p:tav tm="0">
+                                          <p:val>
+                                            <p:strVal val="1+#ppt_h/2"/>
+                                          </p:val>
+                                        </p:tav>
+                                        <p:tav tm="100000">
+                                          <p:val>
+                                            <p:strVal val="#ppt_y"/>
+                                          </p:val>
+                                        </p:tav>
+                                      </p:tavLst>
+                                    </p:anim>
+                                  </p:childTnLst>
+                                </p:cTn>
+                              </p:par>
+                            </p:childTnLst>
+                          </p:cTn>
+                        </p:par>
+                      </p:childTnLst>
+                    </p:cTn>
+                  </p:par>
+                  <p:par>
+                    <p:cTn id="23" fill="hold">
+                      <p:stCondLst>
+                        <p:cond delay="indefinite"/>
+                      </p:stCondLst>
+                      <p:childTnLst>
+                        <p:par>
+                          <p:cTn id="24" fill="hold">
+                            <p:stCondLst>
+                              <p:cond delay="0"/>
+                            </p:stCondLst>
+                            <p:childTnLst>
+                              <p:par>
+                                <p:cTn id="25" presetID="2" presetClass="entr" presetSubtype="4" fill="hold" grpId="0" nodeType="clickEffect">
+                                  <p:stCondLst>
+                                    <p:cond delay="0"/>
+                                  </p:stCondLst>
+                                  <p:childTnLst>
+                                    <p:set>
+                                      <p:cBhvr>
+                                        <p:cTn id="26" dur="1" fill="hold">
+                                          <p:stCondLst>
+                                            <p:cond delay="0"/>
+                                          </p:stCondLst>
+                                        </p:cTn>
+                                        <p:tgtEl>
+                                          <p:spTgt spid="12"/>
+                                        </p:tgtEl>
+                                        <p:attrNameLst>
+                                          <p:attrName>style.visibility</p:attrName>
+                                        </p:attrNameLst>
+                                      </p:cBhvr>
+                                      <p:to>
+                                        <p:strVal val="visible"/>
+                                      </p:to>
+                                    </p:set>
+                                    <p:anim calcmode="lin" valueType="num">
+                                      <p:cBhvr additive="base">
+                                        <p:cTn id="27" dur="500" fill="hold"/>
+                                        <p:tgtEl>
+                                          <p:spTgt spid="12"/>
+                                        </p:tgtEl>
+                                        <p:attrNameLst>
+                                          <p:attrName>ppt_x</p:attrName>
+                                        </p:attrNameLst>
+                                      </p:cBhvr>
+                                      <p:tavLst>
+                                        <p:tav tm="0">
+                                          <p:val>
+                                            <p:strVal val="#ppt_x"/>
+                                          </p:val>
+                                        </p:tav>
+                                        <p:tav tm="100000">
+                                          <p:val>
+                                            <p:strVal val="#ppt_x"/>
+                                          </p:val>
+                                        </p:tav>
+                                      </p:tavLst>
+                                    </p:anim>
+                                    <p:anim calcmode="lin" valueType="num">
+                                      <p:cBhvr additive="base">
+                                        <p:cTn id="28" dur="500" fill="hold"/>
+                                        <p:tgtEl>
+                                          <p:spTgt spid="12"/>
+                                        </p:tgtEl>
+                                        <p:attrNameLst>
+                                          <p:attrName>ppt_y</p:attrName>
+                                        </p:attrNameLst>
+                                      </p:cBhvr>
+                                      <p:tavLst>
+                                        <p:tav tm="0">
+                                          <p:val>
+                                            <p:strVal val="1+#ppt_h/2"/>
+                                          </p:val>
+                                        </p:tav>
+                                        <p:tav tm="100000">
+                                          <p:val>
+                                            <p:strVal val="#ppt_y"/>
+                                          </p:val>
+                                        </p:tav>
+                                      </p:tavLst>
+                                    </p:anim>
+                                  </p:childTnLst>
+                                </p:cTn>
+                              </p:par>
+                              <p:par>
+                                <p:cTn id="29" presetID="2" presetClass="entr" presetSubtype="4" fill="hold" grpId="0" nodeType="withEffect">
+                                  <p:stCondLst>
+                                    <p:cond delay="0"/>
+                                  </p:stCondLst>
+                                  <p:childTnLst>
+                                    <p:set>
+                                      <p:cBhvr>
+                                        <p:cTn id="30" dur="1" fill="hold">
+                                          <p:stCondLst>
+                                            <p:cond delay="0"/>
+                                          </p:stCondLst>
+                                        </p:cTn>
+                                        <p:tgtEl>
+                                          <p:spTgt spid="5"/>
+                                        </p:tgtEl>
+                                        <p:attrNameLst>
+                                          <p:attrName>style.visibility</p:attrName>
+                                        </p:attrNameLst>
+                                      </p:cBhvr>
+                                      <p:to>
+                                        <p:strVal val="visible"/>
+                                      </p:to>
+                                    </p:set>
+                                    <p:anim calcmode="lin" valueType="num">
+                                      <p:cBhvr additive="base">
+                                        <p:cTn id="31" dur="500" fill="hold"/>
+                                        <p:tgtEl>
+                                          <p:spTgt spid="5"/>
+                                        </p:tgtEl>
+                                        <p:attrNameLst>
+                                          <p:attrName>ppt_x</p:attrName>
+                                        </p:attrNameLst>
+                                      </p:cBhvr>
+                                      <p:tavLst>
+                                        <p:tav tm="0">
+                                          <p:val>
+                                            <p:strVal val="#ppt_x"/>
+                                          </p:val>
+                                        </p:tav>
+                                        <p:tav tm="100000">
+                                          <p:val>
+                                            <p:strVal val="#ppt_x"/>
+                                          </p:val>
+                                        </p:tav>
+                                      </p:tavLst>
+                                    </p:anim>
+                                    <p:anim calcmode="lin" valueType="num">
+                                      <p:cBhvr additive="base">
+                                        <p:cTn id="32" dur="500" fill="hold"/>
+                                        <p:tgtEl>
+                                          <p:spTgt spid="5"/>
+                                        </p:tgtEl>
+                                        <p:attrNameLst>
+                                          <p:attrName>ppt_y</p:attrName>
+                                        </p:attrNameLst>
+                                      </p:cBhvr>
+                                      <p:tavLst>
+                                        <p:tav tm="0">
+                                          <p:val>
+                                            <p:strVal val="1+#ppt_h/2"/>
+                                          </p:val>
+                                        </p:tav>
+                                        <p:tav tm="100000">
+                                          <p:val>
+                                            <p:strVal val="#ppt_y"/>
+                                          </p:val>
+                                        </p:tav>
+                                      </p:tavLst>
+                                    </p:anim>
+                                  </p:childTnLst>
+                                </p:cTn>
+                              </p:par>
+                              <p:par>
+                                <p:cTn id="33" presetID="2" presetClass="entr" presetSubtype="4" fill="hold" grpId="0" nodeType="withEffect">
+                                  <p:stCondLst>
+                                    <p:cond delay="0"/>
+                                  </p:stCondLst>
+                                  <p:childTnLst>
+                                    <p:set>
+                                      <p:cBhvr>
+                                        <p:cTn id="34" dur="1" fill="hold">
+                                          <p:stCondLst>
+                                            <p:cond delay="0"/>
+                                          </p:stCondLst>
+                                        </p:cTn>
+                                        <p:tgtEl>
+                                          <p:spTgt spid="19"/>
+                                        </p:tgtEl>
+                                        <p:attrNameLst>
+                                          <p:attrName>style.visibility</p:attrName>
+                                        </p:attrNameLst>
+                                      </p:cBhvr>
+                                      <p:to>
+                                        <p:strVal val="visible"/>
+                                      </p:to>
+                                    </p:set>
+                                    <p:anim calcmode="lin" valueType="num">
+                                      <p:cBhvr additive="base">
+                                        <p:cTn id="35" dur="500" fill="hold"/>
+                                        <p:tgtEl>
+                                          <p:spTgt spid="19"/>
+                                        </p:tgtEl>
+                                        <p:attrNameLst>
+                                          <p:attrName>ppt_x</p:attrName>
+                                        </p:attrNameLst>
+                                      </p:cBhvr>
+                                      <p:tavLst>
+                                        <p:tav tm="0">
+                                          <p:val>
+                                            <p:strVal val="#ppt_x"/>
+                                          </p:val>
+                                        </p:tav>
+                                        <p:tav tm="100000">
+                                          <p:val>
+                                            <p:strVal val="#ppt_x"/>
+                                          </p:val>
+                                        </p:tav>
+                                      </p:tavLst>
+                                    </p:anim>
+                                    <p:anim calcmode="lin" valueType="num">
+                                      <p:cBhvr additive="base">
+                                        <p:cTn id="36" dur="500" fill="hold"/>
+                                        <p:tgtEl>
+                                          <p:spTgt spid="19"/>
+                                        </p:tgtEl>
+                                        <p:attrNameLst>
+                                          <p:attrName>ppt_y</p:attrName>
+                                        </p:attrNameLst>
+                                      </p:cBhvr>
+                                      <p:tavLst>
+                                        <p:tav tm="0">
+                                          <p:val>
+                                            <p:strVal val="1+#ppt_h/2"/>
+                                          </p:val>
+                                        </p:tav>
+                                        <p:tav tm="100000">
+                                          <p:val>
+                                            <p:strVal val="#ppt_y"/>
+                                          </p:val>
+                                        </p:tav>
+                                      </p:tavLst>
+                                    </p:anim>
+                                  </p:childTnLst>
+                                </p:cTn>
+                              </p:par>
+                            </p:childTnLst>
+                          </p:cTn>
+                        </p:par>
+                      </p:childTnLst>
+                    </p:cTn>
+                  </p:par>
+                  <p:par>
+                    <p:cTn id="37" fill="hold">
+                      <p:stCondLst>
+                        <p:cond delay="indefinite"/>
+                      </p:stCondLst>
+                      <p:childTnLst>
+                        <p:par>
+                          <p:cTn id="38" fill="hold">
+                            <p:stCondLst>
+                              <p:cond delay="0"/>
+                            </p:stCondLst>
+                            <p:childTnLst>
+                              <p:par>
+                                <p:cTn id="39" presetID="2" presetClass="entr" presetSubtype="4" fill="hold" grpId="0" nodeType="clickEffect">
+                                  <p:stCondLst>
+                                    <p:cond delay="0"/>
+                                  </p:stCondLst>
+                                  <p:childTnLst>
+                                    <p:set>
+                                      <p:cBhvr>
+                                        <p:cTn id="40" dur="1" fill="hold">
+                                          <p:stCondLst>
+                                            <p:cond delay="0"/>
+                                          </p:stCondLst>
+                                        </p:cTn>
+                                        <p:tgtEl>
+                                          <p:spTgt spid="13"/>
+                                        </p:tgtEl>
+                                        <p:attrNameLst>
+                                          <p:attrName>style.visibility</p:attrName>
+                                        </p:attrNameLst>
+                                      </p:cBhvr>
+                                      <p:to>
+                                        <p:strVal val="visible"/>
+                                      </p:to>
+                                    </p:set>
+                                    <p:anim calcmode="lin" valueType="num">
+                                      <p:cBhvr additive="base">
+                                        <p:cTn id="41" dur="500" fill="hold"/>
+                                        <p:tgtEl>
+                                          <p:spTgt spid="13"/>
+                                        </p:tgtEl>
+                                        <p:attrNameLst>
+                                          <p:attrName>ppt_x</p:attrName>
+                                        </p:attrNameLst>
+                                      </p:cBhvr>
+                                      <p:tavLst>
+                                        <p:tav tm="0">
+                                          <p:val>
+                                            <p:strVal val="#ppt_x"/>
+                                          </p:val>
+                                        </p:tav>
+                                        <p:tav tm="100000">
+                                          <p:val>
+                                            <p:strVal val="#ppt_x"/>
+                                          </p:val>
+                                        </p:tav>
+                                      </p:tavLst>
+                                    </p:anim>
+                                    <p:anim calcmode="lin" valueType="num">
+                                      <p:cBhvr additive="base">
+                                        <p:cTn id="42" dur="500" fill="hold"/>
+                                        <p:tgtEl>
+                                          <p:spTgt spid="13"/>
+                                        </p:tgtEl>
+                                        <p:attrNameLst>
+                                          <p:attrName>ppt_y</p:attrName>
+                                        </p:attrNameLst>
+                                      </p:cBhvr>
+                                      <p:tavLst>
+                                        <p:tav tm="0">
+                                          <p:val>
+                                            <p:strVal val="1+#ppt_h/2"/>
+                                          </p:val>
+                                        </p:tav>
+                                        <p:tav tm="100000">
+                                          <p:val>
+                                            <p:strVal val="#ppt_y"/>
+                                          </p:val>
+                                        </p:tav>
+                                      </p:tavLst>
+                                    </p:anim>
+                                  </p:childTnLst>
+                                </p:cTn>
+                              </p:par>
+                              <p:par>
+                                <p:cTn id="43" presetID="2" presetClass="entr" presetSubtype="4" fill="hold" grpId="0" nodeType="withEffect">
+                                  <p:stCondLst>
+                                    <p:cond delay="0"/>
+                                  </p:stCondLst>
+                                  <p:childTnLst>
+                                    <p:set>
+                                      <p:cBhvr>
+                                        <p:cTn id="44" dur="1" fill="hold">
+                                          <p:stCondLst>
+                                            <p:cond delay="0"/>
+                                          </p:stCondLst>
+                                        </p:cTn>
+                                        <p:tgtEl>
+                                          <p:spTgt spid="6"/>
+                                        </p:tgtEl>
+                                        <p:attrNameLst>
+                                          <p:attrName>style.visibility</p:attrName>
+                                        </p:attrNameLst>
+                                      </p:cBhvr>
+                                      <p:to>
+                                        <p:strVal val="visible"/>
+                                      </p:to>
+                                    </p:set>
+                                    <p:anim calcmode="lin" valueType="num">
+                                      <p:cBhvr additive="base">
+                                        <p:cTn id="45" dur="500" fill="hold"/>
+                                        <p:tgtEl>
+                                          <p:spTgt spid="6"/>
+                                        </p:tgtEl>
+                                        <p:attrNameLst>
+                                          <p:attrName>ppt_x</p:attrName>
+                                        </p:attrNameLst>
+                                      </p:cBhvr>
+                                      <p:tavLst>
+                                        <p:tav tm="0">
+                                          <p:val>
+                                            <p:strVal val="#ppt_x"/>
+                                          </p:val>
+                                        </p:tav>
+                                        <p:tav tm="100000">
+                                          <p:val>
+                                            <p:strVal val="#ppt_x"/>
+                                          </p:val>
+                                        </p:tav>
+                                      </p:tavLst>
+                                    </p:anim>
+                                    <p:anim calcmode="lin" valueType="num">
+                                      <p:cBhvr additive="base">
+                                        <p:cTn id="46" dur="500" fill="hold"/>
+                                        <p:tgtEl>
+                                          <p:spTgt spid="6"/>
+                                        </p:tgtEl>
+                                        <p:attrNameLst>
+                                          <p:attrName>ppt_y</p:attrName>
+                                        </p:attrNameLst>
+                                      </p:cBhvr>
+                                      <p:tavLst>
+                                        <p:tav tm="0">
+                                          <p:val>
+                                            <p:strVal val="1+#ppt_h/2"/>
+                                          </p:val>
+                                        </p:tav>
+                                        <p:tav tm="100000">
+                                          <p:val>
+                                            <p:strVal val="#ppt_y"/>
+                                          </p:val>
+                                        </p:tav>
+                                      </p:tavLst>
+                                    </p:anim>
+                                  </p:childTnLst>
+                                </p:cTn>
+                              </p:par>
+                              <p:par>
+                                <p:cTn id="47" presetID="2" presetClass="entr" presetSubtype="4" fill="hold" grpId="0" nodeType="withEffect">
+                                  <p:stCondLst>
+                                    <p:cond delay="0"/>
+                                  </p:stCondLst>
+                                  <p:childTnLst>
+                                    <p:set>
+                                      <p:cBhvr>
+                                        <p:cTn id="48" dur="1" fill="hold">
+                                          <p:stCondLst>
+                                            <p:cond delay="0"/>
+                                          </p:stCondLst>
+                                        </p:cTn>
+                                        <p:tgtEl>
+                                          <p:spTgt spid="20"/>
+                                        </p:tgtEl>
+                                        <p:attrNameLst>
+                                          <p:attrName>style.visibility</p:attrName>
+                                        </p:attrNameLst>
+                                      </p:cBhvr>
+                                      <p:to>
+                                        <p:strVal val="visible"/>
+                                      </p:to>
+                                    </p:set>
+                                    <p:anim calcmode="lin" valueType="num">
+                                      <p:cBhvr additive="base">
+                                        <p:cTn id="49" dur="500" fill="hold"/>
+                                        <p:tgtEl>
+                                          <p:spTgt spid="20"/>
+                                        </p:tgtEl>
+                                        <p:attrNameLst>
+                                          <p:attrName>ppt_x</p:attrName>
+                                        </p:attrNameLst>
+                                      </p:cBhvr>
+                                      <p:tavLst>
+                                        <p:tav tm="0">
+                                          <p:val>
+                                            <p:strVal val="#ppt_x"/>
+                                          </p:val>
+                                        </p:tav>
+                                        <p:tav tm="100000">
+                                          <p:val>
+                                            <p:strVal val="#ppt_x"/>
+                                          </p:val>
+                                        </p:tav>
+                                      </p:tavLst>
+                                    </p:anim>
+                                    <p:anim calcmode="lin" valueType="num">
+                                      <p:cBhvr additive="base">
+                                        <p:cTn id="50" dur="500" fill="hold"/>
+                                        <p:tgtEl>
+                                          <p:spTgt spid="20"/>
+                                        </p:tgtEl>
+                                        <p:attrNameLst>
+                                          <p:attrName>ppt_y</p:attrName>
+                                        </p:attrNameLst>
+                                      </p:cBhvr>
+                                      <p:tavLst>
+                                        <p:tav tm="0">
+                                          <p:val>
+                                            <p:strVal val="1+#ppt_h/2"/>
+                                          </p:val>
+                                        </p:tav>
+                                        <p:tav tm="100000">
+                                          <p:val>
+                                            <p:strVal val="#ppt_y"/>
+                                          </p:val>
+                                        </p:tav>
+                                      </p:tavLst>
+                                    </p:anim>
+                                  </p:childTnLst>
+                                </p:cTn>
+                              </p:par>
+                            </p:childTnLst>
+                          </p:cTn>
+                        </p:par>
+                      </p:childTnLst>
+                    </p:cTn>
+                  </p:par>
+                  <p:par>
+                    <p:cTn id="51" fill="hold">
+                      <p:stCondLst>
+                        <p:cond delay="indefinite"/>
+                      </p:stCondLst>
+                      <p:childTnLst>
+                        <p:par>
+                          <p:cTn id="52" fill="hold">
+                            <p:stCondLst>
+                              <p:cond delay="0"/>
+                            </p:stCondLst>
+                            <p:childTnLst>
+                              <p:par>
+                                <p:cTn id="53" presetID="2" presetClass="entr" presetSubtype="4" fill="hold" grpId="0" nodeType="clickEffect">
+                                  <p:stCondLst>
+                                    <p:cond delay="0"/>
+                                  </p:stCondLst>
+                                  <p:childTnLst>
+                                    <p:set>
+                                      <p:cBhvr>
+                                        <p:cTn id="54" dur="1" fill="hold">
+                                          <p:stCondLst>
+                                            <p:cond delay="0"/>
+                                          </p:stCondLst>
+                                        </p:cTn>
+                                        <p:tgtEl>
+                                          <p:spTgt spid="14"/>
+                                        </p:tgtEl>
+                                        <p:attrNameLst>
+                                          <p:attrName>style.visibility</p:attrName>
+                                        </p:attrNameLst>
+                                      </p:cBhvr>
+                                      <p:to>
+                                        <p:strVal val="visible"/>
+                                      </p:to>
+                                    </p:set>
+                                    <p:anim calcmode="lin" valueType="num">
+                                      <p:cBhvr additive="base">
+                                        <p:cTn id="55" dur="500" fill="hold"/>
+                                        <p:tgtEl>
+                                          <p:spTgt spid="14"/>
+                                        </p:tgtEl>
+                                        <p:attrNameLst>
+                                          <p:attrName>ppt_x</p:attrName>
+                                        </p:attrNameLst>
+                                      </p:cBhvr>
+                                      <p:tavLst>
+                                        <p:tav tm="0">
+                                          <p:val>
+                                            <p:strVal val="#ppt_x"/>
+                                          </p:val>
+                                        </p:tav>
+                                        <p:tav tm="100000">
+                                          <p:val>
+                                            <p:strVal val="#ppt_x"/>
+                                          </p:val>
+                                        </p:tav>
+                                      </p:tavLst>
+                                    </p:anim>
+                                    <p:anim calcmode="lin" valueType="num">
+                                      <p:cBhvr additive="base">
+                                        <p:cTn id="56" dur="500" fill="hold"/>
+                                        <p:tgtEl>
+                                          <p:spTgt spid="14"/>
+                                        </p:tgtEl>
+                                        <p:attrNameLst>
+                                          <p:attrName>ppt_y</p:attrName>
+                                        </p:attrNameLst>
+                                      </p:cBhvr>
+                                      <p:tavLst>
+                                        <p:tav tm="0">
+                                          <p:val>
+                                            <p:strVal val="1+#ppt_h/2"/>
+                                          </p:val>
+                                        </p:tav>
+                                        <p:tav tm="100000">
+                                          <p:val>
+                                            <p:strVal val="#ppt_y"/>
+                                          </p:val>
+                                        </p:tav>
+                                      </p:tavLst>
+                                    </p:anim>
+                                  </p:childTnLst>
+                                </p:cTn>
+                              </p:par>
+                              <p:par>
+                                <p:cTn id="57" presetID="2" presetClass="entr" presetSubtype="4" fill="hold" grpId="0" nodeType="withEffect">
+                                  <p:stCondLst>
+                                    <p:cond delay="0"/>
+                                  </p:stCondLst>
+                                  <p:childTnLst>
+                                    <p:set>
+                                      <p:cBhvr>
+                                        <p:cTn id="58" dur="1" fill="hold">
+                                          <p:stCondLst>
+                                            <p:cond delay="0"/>
+                                          </p:stCondLst>
+                                        </p:cTn>
+                                        <p:tgtEl>
+                                          <p:spTgt spid="7"/>
+                                        </p:tgtEl>
+                                        <p:attrNameLst>
+                                          <p:attrName>style.visibility</p:attrName>
+                                        </p:attrNameLst>
+                                      </p:cBhvr>
+                                      <p:to>
+                                        <p:strVal val="visible"/>
+                                      </p:to>
+                                    </p:set>
+                                    <p:anim calcmode="lin" valueType="num">
+                                      <p:cBhvr additive="base">
+                                        <p:cTn id="59" dur="500" fill="hold"/>
+                                        <p:tgtEl>
+                                          <p:spTgt spid="7"/>
+                                        </p:tgtEl>
+                                        <p:attrNameLst>
+                                          <p:attrName>ppt_x</p:attrName>
+                                        </p:attrNameLst>
+                                      </p:cBhvr>
+                                      <p:tavLst>
+                                        <p:tav tm="0">
+                                          <p:val>
+                                            <p:strVal val="#ppt_x"/>
+                                          </p:val>
+                                        </p:tav>
+                                        <p:tav tm="100000">
+                                          <p:val>
+                                            <p:strVal val="#ppt_x"/>
+                                          </p:val>
+                                        </p:tav>
+                                      </p:tavLst>
+                                    </p:anim>
+                                    <p:anim calcmode="lin" valueType="num">
+                                      <p:cBhvr additive="base">
+                                        <p:cTn id="60" dur="500" fill="hold"/>
+                                        <p:tgtEl>
+                                          <p:spTgt spid="7"/>
+                                        </p:tgtEl>
+                                        <p:attrNameLst>
+                                          <p:attrName>ppt_y</p:attrName>
+                                        </p:attrNameLst>
+                                      </p:cBhvr>
+                                      <p:tavLst>
+                                        <p:tav tm="0">
+                                          <p:val>
+                                            <p:strVal val="1+#ppt_h/2"/>
+                                          </p:val>
+                                        </p:tav>
+                                        <p:tav tm="100000">
+                                          <p:val>
+                                            <p:strVal val="#ppt_y"/>
+                                          </p:val>
+                                        </p:tav>
+                                      </p:tavLst>
+                                    </p:anim>
+                                  </p:childTnLst>
+                                </p:cTn>
+                              </p:par>
+                              <p:par>
+                                <p:cTn id="61" presetID="2" presetClass="entr" presetSubtype="4" fill="hold" grpId="0" nodeType="withEffect">
+                                  <p:stCondLst>
+                                    <p:cond delay="0"/>
+                                  </p:stCondLst>
+                                  <p:childTnLst>
+                                    <p:set>
+                                      <p:cBhvr>
+                                        <p:cTn id="62" dur="1" fill="hold">
+                                          <p:stCondLst>
+                                            <p:cond delay="0"/>
+                                          </p:stCondLst>
+                                        </p:cTn>
+                                        <p:tgtEl>
+                                          <p:spTgt spid="21"/>
+                                        </p:tgtEl>
+                                        <p:attrNameLst>
+                                          <p:attrName>style.visibility</p:attrName>
+                                        </p:attrNameLst>
+                                      </p:cBhvr>
+                                      <p:to>
+                                        <p:strVal val="visible"/>
+                                      </p:to>
+                                    </p:set>
+                                    <p:anim calcmode="lin" valueType="num">
+                                      <p:cBhvr additive="base">
+                                        <p:cTn id="63" dur="500" fill="hold"/>
+                                        <p:tgtEl>
+                                          <p:spTgt spid="21"/>
+                                        </p:tgtEl>
+                                        <p:attrNameLst>
+                                          <p:attrName>ppt_x</p:attrName>
+                                        </p:attrNameLst>
+                                      </p:cBhvr>
+                                      <p:tavLst>
+                                        <p:tav tm="0">
+                                          <p:val>
+                                            <p:strVal val="#ppt_x"/>
+                                          </p:val>
+                                        </p:tav>
+                                        <p:tav tm="100000">
+                                          <p:val>
+                                            <p:strVal val="#ppt_x"/>
+                                          </p:val>
+                                        </p:tav>
+                                      </p:tavLst>
+                                    </p:anim>
+                                    <p:anim calcmode="lin" valueType="num">
+                                      <p:cBhvr additive="base">
+                                        <p:cTn id="64" dur="500" fill="hold"/>
+                                        <p:tgtEl>
+                                          <p:spTgt spid="21"/>
+                                        </p:tgtEl>
+                                        <p:attrNameLst>
+                                          <p:attrName>ppt_y</p:attrName>
+                                        </p:attrNameLst>
+                                      </p:cBhvr>
+                                      <p:tavLst>
+                                        <p:tav tm="0">
+                                          <p:val>
+                                            <p:strVal val="1+#ppt_h/2"/>
+                                          </p:val>
+                                        </p:tav>
+                                        <p:tav tm="100000">
+                                          <p:val>
+                                            <p:strVal val="#ppt_y"/>
+                                          </p:val>
+                                        </p:tav>
+                                      </p:tavLst>
+                                    </p:anim>
+                                  </p:childTnLst>
+                                </p:cTn>
+                              </p:par>
+                            </p:childTnLst>
+                          </p:cTn>
+                        </p:par>
+                      </p:childTnLst>
+                    </p:cTn>
+                  </p:par>
+                  <p:par>
+                    <p:cTn id="65" fill="hold">
+                      <p:stCondLst>
+                        <p:cond delay="indefinite"/>
+                      </p:stCondLst>
+                      <p:childTnLst>
+                        <p:par>
+                          <p:cTn id="66" fill="hold">
+                            <p:stCondLst>
+                              <p:cond delay="0"/>
+                            </p:stCondLst>
+                            <p:childTnLst>
+                              <p:par>
+                                <p:cTn id="67" presetID="2" presetClass="entr" presetSubtype="4" fill="hold" grpId="0" nodeType="clickEffect">
+                                  <p:stCondLst>
+                                    <p:cond delay="0"/>
+                                  </p:stCondLst>
+                                  <p:childTnLst>
+                                    <p:set>
+                                      <p:cBhvr>
+                                        <p:cTn id="68" dur="1" fill="hold">
+                                          <p:stCondLst>
+                                            <p:cond delay="0"/>
+                                          </p:stCondLst>
+                                        </p:cTn>
+                                        <p:tgtEl>
+                                          <p:spTgt spid="15"/>
+                                        </p:tgtEl>
+                                        <p:attrNameLst>
+                                          <p:attrName>style.visibility</p:attrName>
+                                        </p:attrNameLst>
+                                      </p:cBhvr>
+                                      <p:to>
+                                        <p:strVal val="visible"/>
+                                      </p:to>
+                                    </p:set>
+                                    <p:anim calcmode="lin" valueType="num">
+                                      <p:cBhvr additive="base">
+                                        <p:cTn id="69" dur="500" fill="hold"/>
+                                        <p:tgtEl>
+                                          <p:spTgt spid="15"/>
+                                        </p:tgtEl>
+                                        <p:attrNameLst>
+                                          <p:attrName>ppt_x</p:attrName>
+                                        </p:attrNameLst>
+                                      </p:cBhvr>
+                                      <p:tavLst>
+                                        <p:tav tm="0">
+                                          <p:val>
+                                            <p:strVal val="#ppt_x"/>
+                                          </p:val>
+                                        </p:tav>
+                                        <p:tav tm="100000">
+                                          <p:val>
+                                            <p:strVal val="#ppt_x"/>
+                                          </p:val>
+                                        </p:tav>
+                                      </p:tavLst>
+                                    </p:anim>
+                                    <p:anim calcmode="lin" valueType="num">
+                                      <p:cBhvr additive="base">
+                                        <p:cTn id="70" dur="500" fill="hold"/>
+                                        <p:tgtEl>
+                                          <p:spTgt spid="15"/>
+                                        </p:tgtEl>
+                                        <p:attrNameLst>
+                                          <p:attrName>ppt_y</p:attrName>
+                                        </p:attrNameLst>
+                                      </p:cBhvr>
+                                      <p:tavLst>
+                                        <p:tav tm="0">
+                                          <p:val>
+                                            <p:strVal val="1+#ppt_h/2"/>
+                                          </p:val>
+                                        </p:tav>
+                                        <p:tav tm="100000">
+                                          <p:val>
+                                            <p:strVal val="#ppt_y"/>
+                                          </p:val>
+                                        </p:tav>
+                                      </p:tavLst>
+                                    </p:anim>
+                                  </p:childTnLst>
+                                </p:cTn>
+                              </p:par>
+                              <p:par>
+                                <p:cTn id="71" presetID="2" presetClass="entr" presetSubtype="4" fill="hold" grpId="0" nodeType="withEffect">
+                                  <p:stCondLst>
+                                    <p:cond delay="0"/>
+                                  </p:stCondLst>
+                                  <p:childTnLst>
+                                    <p:set>
+                                      <p:cBhvr>
+                                        <p:cTn id="72" dur="1" fill="hold">
+                                          <p:stCondLst>
+                                            <p:cond delay="0"/>
+                                          </p:stCondLst>
+                                        </p:cTn>
+                                        <p:tgtEl>
+                                          <p:spTgt spid="8"/>
+                                        </p:tgtEl>
+                                        <p:attrNameLst>
+                                          <p:attrName>style.visibility</p:attrName>
+                                        </p:attrNameLst>
+                                      </p:cBhvr>
+                                      <p:to>
+                                        <p:strVal val="visible"/>
+                                      </p:to>
+                                    </p:set>
+                                    <p:anim calcmode="lin" valueType="num">
+                                      <p:cBhvr additive="base">
+                                        <p:cTn id="73" dur="500" fill="hold"/>
+                                        <p:tgtEl>
+                                          <p:spTgt spid="8"/>
+                                        </p:tgtEl>
+                                        <p:attrNameLst>
+                                          <p:attrName>ppt_x</p:attrName>
+                                        </p:attrNameLst>
+                                      </p:cBhvr>
+                                      <p:tavLst>
+                                        <p:tav tm="0">
+                                          <p:val>
+                                            <p:strVal val="#ppt_x"/>
+                                          </p:val>
+                                        </p:tav>
+                                        <p:tav tm="100000">
+                                          <p:val>
+                                            <p:strVal val="#ppt_x"/>
+                                          </p:val>
+                                        </p:tav>
+                                      </p:tavLst>
+                                    </p:anim>
+                                    <p:anim calcmode="lin" valueType="num">
+                                      <p:cBhvr additive="base">
+                                        <p:cTn id="74" dur="500" fill="hold"/>
+                                        <p:tgtEl>
+                                          <p:spTgt spid="8"/>
+                                        </p:tgtEl>
+                                        <p:attrNameLst>
+                                          <p:attrName>ppt_y</p:attrName>
+                                        </p:attrNameLst>
+                                      </p:cBhvr>
+                                      <p:tavLst>
+                                        <p:tav tm="0">
+                                          <p:val>
+                                            <p:strVal val="1+#ppt_h/2"/>
+                                          </p:val>
+                                        </p:tav>
+                                        <p:tav tm="100000">
+                                          <p:val>
+                                            <p:strVal val="#ppt_y"/>
+                                          </p:val>
+                                        </p:tav>
+                                      </p:tavLst>
+                                    </p:anim>
+                                  </p:childTnLst>
+                                </p:cTn>
+                              </p:par>
+                              <p:par>
+                                <p:cTn id="75" presetID="2" presetClass="entr" presetSubtype="4" fill="hold" grpId="0" nodeType="withEffect">
+                                  <p:stCondLst>
+                                    <p:cond delay="0"/>
+                                  </p:stCondLst>
+                                  <p:childTnLst>
+                                    <p:set>
+                                      <p:cBhvr>
+                                        <p:cTn id="76" dur="1" fill="hold">
+                                          <p:stCondLst>
+                                            <p:cond delay="0"/>
+                                          </p:stCondLst>
+                                        </p:cTn>
+                                        <p:tgtEl>
+                                          <p:spTgt spid="22"/>
+                                        </p:tgtEl>
+                                        <p:attrNameLst>
+                                          <p:attrName>style.visibility</p:attrName>
+                                        </p:attrNameLst>
+                                      </p:cBhvr>
+                                      <p:to>
+                                        <p:strVal val="visible"/>
+                                      </p:to>
+                                    </p:set>
+                                    <p:anim calcmode="lin" valueType="num">
+                                      <p:cBhvr additive="base">
+                                        <p:cTn id="77" dur="500" fill="hold"/>
+                                        <p:tgtEl>
+                                          <p:spTgt spid="22"/>
+                                        </p:tgtEl>
+                                        <p:attrNameLst>
+                                          <p:attrName>ppt_x</p:attrName>
+                                        </p:attrNameLst>
+                                      </p:cBhvr>
+                                      <p:tavLst>
+                                        <p:tav tm="0">
+                                          <p:val>
+                                            <p:strVal val="#ppt_x"/>
+                                          </p:val>
+                                        </p:tav>
+                                        <p:tav tm="100000">
+                                          <p:val>
+                                            <p:strVal val="#ppt_x"/>
+                                          </p:val>
+                                        </p:tav>
+                                      </p:tavLst>
+                                    </p:anim>
+                                    <p:anim calcmode="lin" valueType="num">
+                                      <p:cBhvr additive="base">
+                                        <p:cTn id="78" dur="500" fill="hold"/>
+                                        <p:tgtEl>
+                                          <p:spTgt spid="22"/>
+                                        </p:tgtEl>
+                                        <p:attrNameLst>
+                                          <p:attrName>ppt_y</p:attrName>
+                                        </p:attrNameLst>
+                                      </p:cBhvr>
+                                      <p:tavLst>
+                                        <p:tav tm="0">
+                                          <p:val>
+                                            <p:strVal val="1+#ppt_h/2"/>
+                                          </p:val>
+                                        </p:tav>
+                                        <p:tav tm="100000">
+                                          <p:val>
+                                            <p:strVal val="#ppt_y"/>
+                                          </p:val>
+                                        </p:tav>
+                                      </p:tavLst>
+                                    </p:anim>
+                                  </p:childTnLst>
+                                </p:cTn>
+                              </p:par>
+                            </p:childTnLst>
+                          </p:cTn>
+                        </p:par>
+                      </p:childTnLst>
+                    </p:cTn>
+                  </p:par>
+                  <p:par>
+                    <p:cTn id="79" fill="hold">
+                      <p:stCondLst>
+                        <p:cond delay="indefinite"/>
+                      </p:stCondLst>
+                      <p:childTnLst>
+                        <p:par>
+                          <p:cTn id="80" fill="hold">
+                            <p:stCondLst>
+                              <p:cond delay="0"/>
+                            </p:stCondLst>
+                            <p:childTnLst>
+                              <p:par>
+                                <p:cTn id="81" presetID="2" presetClass="entr" presetSubtype="4" fill="hold" grpId="0" nodeType="clickEffect">
+                                  <p:stCondLst>
+                                    <p:cond delay="0"/>
+                                  </p:stCondLst>
+                                  <p:childTnLst>
+                                    <p:set>
+                                      <p:cBhvr>
+                                        <p:cTn id="82" dur="1" fill="hold">
+                                          <p:stCondLst>
+                                            <p:cond delay="0"/>
+                                          </p:stCondLst>
+                                        </p:cTn>
+                                        <p:tgtEl>
+                                          <p:spTgt spid="16"/>
+                                        </p:tgtEl>
+                                        <p:attrNameLst>
+                                          <p:attrName>style.visibility</p:attrName>
+                                        </p:attrNameLst>
+                                      </p:cBhvr>
+                                      <p:to>
+                                        <p:strVal val="visible"/>
+                                      </p:to>
+                                    </p:set>
+                                    <p:anim calcmode="lin" valueType="num">
+                                      <p:cBhvr additive="base">
+                                        <p:cTn id="83" dur="500" fill="hold"/>
+                                        <p:tgtEl>
+                                          <p:spTgt spid="16"/>
+                                        </p:tgtEl>
+                                        <p:attrNameLst>
+                                          <p:attrName>ppt_x</p:attrName>
+                                        </p:attrNameLst>
+                                      </p:cBhvr>
+                                      <p:tavLst>
+                                        <p:tav tm="0">
+                                          <p:val>
+                                            <p:strVal val="#ppt_x"/>
+                                          </p:val>
+                                        </p:tav>
+                                        <p:tav tm="100000">
+                                          <p:val>
+                                            <p:strVal val="#ppt_x"/>
+                                          </p:val>
+                                        </p:tav>
+                                      </p:tavLst>
+                                    </p:anim>
+                                    <p:anim calcmode="lin" valueType="num">
+                                      <p:cBhvr additive="base">
+                                        <p:cTn id="84" dur="500" fill="hold"/>
+                                        <p:tgtEl>
+                                          <p:spTgt spid="16"/>
+                                        </p:tgtEl>
+                                        <p:attrNameLst>
+                                          <p:attrName>ppt_y</p:attrName>
+                                        </p:attrNameLst>
+                                      </p:cBhvr>
+                                      <p:tavLst>
+                                        <p:tav tm="0">
+                                          <p:val>
+                                            <p:strVal val="1+#ppt_h/2"/>
+                                          </p:val>
+                                        </p:tav>
+                                        <p:tav tm="100000">
+                                          <p:val>
+                                            <p:strVal val="#ppt_y"/>
+                                          </p:val>
+                                        </p:tav>
+                                      </p:tavLst>
+                                    </p:anim>
+                                  </p:childTnLst>
+                                </p:cTn>
+                              </p:par>
+                            </p:childTnLst>
+                          </p:cTn>
+                        </p:par>
+                      </p:childTnLst>
+                    </p:cTn>
+                  </p:par>
+                  <p:par>
+                    <p:cTn id="85" fill="hold">
+                      <p:stCondLst>
+                        <p:cond delay="indefinite"/>
+                      </p:stCondLst>
+                      <p:childTnLst>
+                        <p:par>
+                          <p:cTn id="86" fill="hold">
+                            <p:stCondLst>
+                              <p:cond delay="0"/>
+                            </p:stCondLst>
+                            <p:childTnLst>
+                              <p:par>
+                                <p:cTn id="87" presetID="2" presetClass="entr" presetSubtype="4" fill="hold" grpId="0" nodeType="clickEffect">
+                                  <p:stCondLst>
+                                    <p:cond delay="0"/>
+                                  </p:stCondLst>
+                                  <p:childTnLst>
+                                    <p:set>
+                                      <p:cBhvr>
+                                        <p:cTn id="88" dur="1" fill="hold">
+                                          <p:stCondLst>
+                                            <p:cond delay="0"/>
+                                          </p:stCondLst>
+                                        </p:cTn>
+                                        <p:tgtEl>
+                                          <p:spTgt spid="23"/>
+                                        </p:tgtEl>
+                                        <p:attrNameLst>
+                                          <p:attrName>style.visibility</p:attrName>
+                                        </p:attrNameLst>
+                                      </p:cBhvr>
+                                      <p:to>
+                                        <p:strVal val="visible"/>
+                                      </p:to>
+                                    </p:set>
+                                    <p:anim calcmode="lin" valueType="num">
+                                      <p:cBhvr additive="base">
+                                        <p:cTn id="89" dur="500" fill="hold"/>
+                                        <p:tgtEl>
+                                          <p:spTgt spid="23"/>
+                                        </p:tgtEl>
+                                        <p:attrNameLst>
+                                          <p:attrName>ppt_x</p:attrName>
+                                        </p:attrNameLst>
+                                      </p:cBhvr>
+                                      <p:tavLst>
+                                        <p:tav tm="0">
+                                          <p:val>
+                                            <p:strVal val="#ppt_x"/>
+                                          </p:val>
+                                        </p:tav>
+                                        <p:tav tm="100000">
+                                          <p:val>
+                                            <p:strVal val="#ppt_x"/>
+                                          </p:val>
+                                        </p:tav>
+                                      </p:tavLst>
+                                    </p:anim>
+                                    <p:anim calcmode="lin" valueType="num">
+                                      <p:cBhvr additive="base">
+                                        <p:cTn id="90" dur="500" fill="hold"/>
+                                        <p:tgtEl>
+                                          <p:spTgt spid="23"/>
+                                        </p:tgtEl>
+                                        <p:attrNameLst>
+                                          <p:attrName>ppt_y</p:attrName>
+                                        </p:attrNameLst>
+                                      </p:cBhvr>
+                                      <p:tavLst>
+                                        <p:tav tm="0">
+                                          <p:val>
+                                            <p:strVal val="1+#ppt_h/2"/>
+                                          </p:val>
+                                        </p:tav>
+                                        <p:tav tm="100000">
+                                          <p:val>
+                                            <p:strVal val="#ppt_y"/>
+                                          </p:val>
+                                        </p:tav>
+                                      </p:tavLst>
+                                    </p:anim>
+                                  </p:childTnLst>
+                                </p:cTn>
+                              </p:par>
+                            </p:childTnLst>
+                          </p:cTn>
+                        </p:par>
+                      </p:childTnLst>
+                    </p:cTn>
+                  </p:par>
+                </p:childTnLst>
+              </p:cTn>
+              <p:prevCondLst>
+                <p:cond evt="onPrev" delay="0">
+                  <p:tgtEl>
+                    <p:sldTgt/>
+                  </p:tgtEl>
+                </p:cond>
+              </p:prevCondLst>
+              <p:nextCondLst>
+                <p:cond evt="onNext" delay="0">
+                  <p:tgtEl>
+                    <p:sldTgt/>
+                  </p:tgtEl>
+                </p:cond>
+              </p:nextCondLst>
+            </p:seq>
+          </p:childTnLst>
+        </p:cTn>
+      </p:par>
+    </p:tnLst>
+    <p:bldLst>
+      <p:bldP spid="4" grpId="0" animBg="1"/>
+      <p:bldP spid="5" grpId="0" animBg="1"/>
+      <p:bldP spid="6" grpId="0" animBg="1"/>
+      <p:bldP spid="7" grpId="0" animBg="1"/>
+      <p:bldP spid="8" grpId="0" animBg="1"/>
+      <p:bldP spid="10" grpId="0"/>
+      <p:bldP spid="11" grpId="0"/>
+      <p:bldP spid="12" grpId="0"/>
+      <p:bldP spid="13" grpId="0"/>
+      <p:bldP spid="14" grpId="0"/>
+      <p:bldP spid="15" grpId="0"/>
+      <p:bldP spid="16" grpId="0"/>
+      <p:bldP spid="17" grpId="0"/>
+      <p:bldP spid="19" grpId="0"/>
+      <p:bldP spid="20" grpId="0"/>
+      <p:bldP spid="21" grpId="0"/>
+      <p:bldP spid="22" grpId="0"/>
+      <p:bldP spid="23" grpId="0"/>
+    </p:bldLst>
+  </p:timing>
+</p:sld>
+</file>
+
+<file path=ppt/slides/slide41.xml><?xml version="1.0" encoding="utf-8"?>
+<p:sld xmlns:a="http://schemas.openxmlformats.org/drawingml/2006/main" xmlns:r="http://schemas.openxmlformats.org/officeDocument/2006/relationships" xmlns:p="http://schemas.openxmlformats.org/presentationml/2006/main">
+  <p:cSld>
+    <p:spTree>
+      <p:nvGrpSpPr>
+        <p:cNvPr id="1" name=""/>
+        <p:cNvGrpSpPr/>
+        <p:nvPr/>
+      </p:nvGrpSpPr>
+      <p:grpSpPr>
+        <a:xfrm>
+          <a:off x="0" y="0"/>
+          <a:ext cx="0" cy="0"/>
+          <a:chOff x="0" y="0"/>
+          <a:chExt cx="0" cy="0"/>
+        </a:xfrm>
+      </p:grpSpPr>
+      <p:sp>
+        <p:nvSpPr>
+          <p:cNvPr id="2" name="Title 1">
+            <a:extLst>
+              <a:ext uri="{FF2B5EF4-FFF2-40B4-BE49-F238E27FC236}">
                 <a16:creationId xmlns:a16="http://schemas.microsoft.com/office/drawing/2014/main" id="{8862035E-9568-E847-AF1A-4916EB9AF051}"/>
               </a:ext>
             </a:extLst>
@@ -35560,8 +36241,12 @@
           </a:p>
           <a:p>
             <a:r>
+              <a:rPr lang="en-US" u="sng" dirty="0"/>
+              <a:t>Advanced point</a:t>
+            </a:r>
+            <a:r>
               <a:rPr lang="en-US" dirty="0"/>
-              <a:t>(Advanced point): </a:t>
+              <a:t>: </a:t>
             </a:r>
             <a:r>
               <a:rPr lang="en-US" sz="2200" dirty="0" err="1">
@@ -35572,7 +36257,23 @@
             </a:r>
             <a:r>
               <a:rPr lang="en-US" dirty="0"/>
-              <a:t> is a “pointer” to the first element in the array, this is a topic that we won’t cover in detail since it goes beyond the scope of this course.</a:t>
+              <a:t> is a “pointer” to the first element in the array, this is a topic that we </a:t>
+            </a:r>
+            <a:r>
+              <a:rPr lang="en-US" b="1" dirty="0"/>
+              <a:t>won’t cover in detail</a:t>
+            </a:r>
+            <a:r>
+              <a:rPr lang="en-US" dirty="0"/>
+              <a:t> since it </a:t>
+            </a:r>
+            <a:r>
+              <a:rPr lang="en-US" b="1" dirty="0"/>
+              <a:t>goes beyond the scope </a:t>
+            </a:r>
+            <a:r>
+              <a:rPr lang="en-US" dirty="0"/>
+              <a:t>of this course.</a:t>
             </a:r>
           </a:p>
         </p:txBody>
@@ -35829,7 +36530,7 @@
 </p:sld>
 </file>
 
-<file path=ppt/slides/slide41.xml><?xml version="1.0" encoding="utf-8"?>
+<file path=ppt/slides/slide42.xml><?xml version="1.0" encoding="utf-8"?>
 <p:sld xmlns:a="http://schemas.openxmlformats.org/drawingml/2006/main" xmlns:r="http://schemas.openxmlformats.org/officeDocument/2006/relationships" xmlns:p="http://schemas.openxmlformats.org/presentationml/2006/main">
   <p:cSld>
     <p:spTree>
@@ -36320,7 +37021,7 @@
 </p:sld>
 </file>
 
-<file path=ppt/slides/slide42.xml><?xml version="1.0" encoding="utf-8"?>
+<file path=ppt/slides/slide43.xml><?xml version="1.0" encoding="utf-8"?>
 <p:sld xmlns:a="http://schemas.openxmlformats.org/drawingml/2006/main" xmlns:r="http://schemas.openxmlformats.org/officeDocument/2006/relationships" xmlns:p="http://schemas.openxmlformats.org/presentationml/2006/main">
   <p:cSld>
     <p:spTree>
@@ -36384,17 +37085,19 @@
         </p:nvSpPr>
         <p:spPr>
           <a:xfrm>
-            <a:off x="1141411" y="3177741"/>
-            <a:ext cx="9905999" cy="2613458"/>
+            <a:off x="1141411" y="3177740"/>
+            <a:ext cx="9905999" cy="3296801"/>
           </a:xfrm>
         </p:spPr>
         <p:txBody>
-          <a:bodyPr/>
+          <a:bodyPr>
+            <a:normAutofit lnSpcReduction="10000"/>
+          </a:bodyPr>
           <a:lstStyle/>
           <a:p>
             <a:r>
               <a:rPr lang="en-US" dirty="0"/>
-              <a:t>If you are interested in the advanced part (the pointers) then we can look at this together during the break</a:t>
+              <a:t>If you are interested in the advanced part (pointers) then we can look at this together during the break</a:t>
             </a:r>
           </a:p>
           <a:p>
@@ -36409,6 +37112,183 @@
               </a:rPr>
               <a:t></a:t>
             </a:r>
+          </a:p>
+          <a:p>
+            <a:endParaRPr lang="en-US" dirty="0">
+              <a:sym typeface="Wingdings" pitchFamily="2" charset="2"/>
+            </a:endParaRPr>
+          </a:p>
+          <a:p>
+            <a:r>
+              <a:rPr lang="en-US" u="sng" dirty="0">
+                <a:sym typeface="Wingdings" pitchFamily="2" charset="2"/>
+              </a:rPr>
+              <a:t>Something to think about</a:t>
+            </a:r>
+            <a:r>
+              <a:rPr lang="en-US" dirty="0">
+                <a:sym typeface="Wingdings" pitchFamily="2" charset="2"/>
+              </a:rPr>
+              <a:t>: Assume there is an array </a:t>
+            </a:r>
+            <a:r>
+              <a:rPr lang="en-US" sz="1800" dirty="0" err="1">
+                <a:solidFill>
+                  <a:schemeClr val="accent4"/>
+                </a:solidFill>
+                <a:latin typeface="Consolas" panose="020B0609020204030204" pitchFamily="49" charset="0"/>
+                <a:cs typeface="Consolas" panose="020B0609020204030204" pitchFamily="49" charset="0"/>
+                <a:sym typeface="Wingdings" pitchFamily="2" charset="2"/>
+              </a:rPr>
+              <a:t>int</a:t>
+            </a:r>
+            <a:r>
+              <a:rPr lang="en-US" sz="1800" dirty="0">
+                <a:latin typeface="Consolas" panose="020B0609020204030204" pitchFamily="49" charset="0"/>
+                <a:cs typeface="Consolas" panose="020B0609020204030204" pitchFamily="49" charset="0"/>
+                <a:sym typeface="Wingdings" pitchFamily="2" charset="2"/>
+              </a:rPr>
+              <a:t> </a:t>
+            </a:r>
+            <a:r>
+              <a:rPr lang="en-US" sz="1800" dirty="0" err="1">
+                <a:latin typeface="Consolas" panose="020B0609020204030204" pitchFamily="49" charset="0"/>
+                <a:cs typeface="Consolas" panose="020B0609020204030204" pitchFamily="49" charset="0"/>
+                <a:sym typeface="Wingdings" pitchFamily="2" charset="2"/>
+              </a:rPr>
+              <a:t>myArray</a:t>
+            </a:r>
+            <a:r>
+              <a:rPr lang="en-US" sz="1800" dirty="0">
+                <a:latin typeface="Consolas" panose="020B0609020204030204" pitchFamily="49" charset="0"/>
+                <a:cs typeface="Consolas" panose="020B0609020204030204" pitchFamily="49" charset="0"/>
+                <a:sym typeface="Wingdings" pitchFamily="2" charset="2"/>
+              </a:rPr>
+              <a:t>[] = {</a:t>
+            </a:r>
+            <a:r>
+              <a:rPr lang="en-US" sz="1800" dirty="0">
+                <a:solidFill>
+                  <a:schemeClr val="accent4"/>
+                </a:solidFill>
+                <a:latin typeface="Consolas" panose="020B0609020204030204" pitchFamily="49" charset="0"/>
+                <a:cs typeface="Consolas" panose="020B0609020204030204" pitchFamily="49" charset="0"/>
+                <a:sym typeface="Wingdings" pitchFamily="2" charset="2"/>
+              </a:rPr>
+              <a:t>1</a:t>
+            </a:r>
+            <a:r>
+              <a:rPr lang="en-US" sz="1800" dirty="0">
+                <a:latin typeface="Consolas" panose="020B0609020204030204" pitchFamily="49" charset="0"/>
+                <a:cs typeface="Consolas" panose="020B0609020204030204" pitchFamily="49" charset="0"/>
+                <a:sym typeface="Wingdings" pitchFamily="2" charset="2"/>
+              </a:rPr>
+              <a:t>, </a:t>
+            </a:r>
+            <a:r>
+              <a:rPr lang="en-US" sz="1800" dirty="0">
+                <a:solidFill>
+                  <a:schemeClr val="accent4"/>
+                </a:solidFill>
+                <a:latin typeface="Consolas" panose="020B0609020204030204" pitchFamily="49" charset="0"/>
+                <a:cs typeface="Consolas" panose="020B0609020204030204" pitchFamily="49" charset="0"/>
+                <a:sym typeface="Wingdings" pitchFamily="2" charset="2"/>
+              </a:rPr>
+              <a:t>2</a:t>
+            </a:r>
+            <a:r>
+              <a:rPr lang="en-US" sz="1800" dirty="0">
+                <a:latin typeface="Consolas" panose="020B0609020204030204" pitchFamily="49" charset="0"/>
+                <a:cs typeface="Consolas" panose="020B0609020204030204" pitchFamily="49" charset="0"/>
+                <a:sym typeface="Wingdings" pitchFamily="2" charset="2"/>
+              </a:rPr>
+              <a:t>, </a:t>
+            </a:r>
+            <a:r>
+              <a:rPr lang="en-US" sz="1800" dirty="0">
+                <a:solidFill>
+                  <a:schemeClr val="accent4"/>
+                </a:solidFill>
+                <a:latin typeface="Consolas" panose="020B0609020204030204" pitchFamily="49" charset="0"/>
+                <a:cs typeface="Consolas" panose="020B0609020204030204" pitchFamily="49" charset="0"/>
+                <a:sym typeface="Wingdings" pitchFamily="2" charset="2"/>
+              </a:rPr>
+              <a:t>5</a:t>
+            </a:r>
+            <a:r>
+              <a:rPr lang="en-US" sz="1800" dirty="0">
+                <a:latin typeface="Consolas" panose="020B0609020204030204" pitchFamily="49" charset="0"/>
+                <a:cs typeface="Consolas" panose="020B0609020204030204" pitchFamily="49" charset="0"/>
+                <a:sym typeface="Wingdings" pitchFamily="2" charset="2"/>
+              </a:rPr>
+              <a:t>};</a:t>
+            </a:r>
+            <a:endParaRPr lang="en-US" dirty="0">
+              <a:latin typeface="Consolas" panose="020B0609020204030204" pitchFamily="49" charset="0"/>
+              <a:cs typeface="Consolas" panose="020B0609020204030204" pitchFamily="49" charset="0"/>
+              <a:sym typeface="Wingdings" pitchFamily="2" charset="2"/>
+            </a:endParaRPr>
+          </a:p>
+          <a:p>
+            <a:pPr lvl="1"/>
+            <a:r>
+              <a:rPr lang="en-US" dirty="0">
+                <a:sym typeface="Wingdings" pitchFamily="2" charset="2"/>
+              </a:rPr>
+              <a:t>What happens if we print </a:t>
+            </a:r>
+            <a:r>
+              <a:rPr lang="en-US" dirty="0" err="1">
+                <a:latin typeface="Consolas" panose="020B0609020204030204" pitchFamily="49" charset="0"/>
+                <a:cs typeface="Consolas" panose="020B0609020204030204" pitchFamily="49" charset="0"/>
+                <a:sym typeface="Wingdings" pitchFamily="2" charset="2"/>
+              </a:rPr>
+              <a:t>myArray</a:t>
+            </a:r>
+            <a:r>
+              <a:rPr lang="en-US" dirty="0">
+                <a:latin typeface="Consolas" panose="020B0609020204030204" pitchFamily="49" charset="0"/>
+                <a:cs typeface="Consolas" panose="020B0609020204030204" pitchFamily="49" charset="0"/>
+                <a:sym typeface="Wingdings" pitchFamily="2" charset="2"/>
+              </a:rPr>
+              <a:t>[</a:t>
+            </a:r>
+            <a:r>
+              <a:rPr lang="en-US" dirty="0">
+                <a:solidFill>
+                  <a:schemeClr val="accent4"/>
+                </a:solidFill>
+                <a:latin typeface="Consolas" panose="020B0609020204030204" pitchFamily="49" charset="0"/>
+                <a:cs typeface="Consolas" panose="020B0609020204030204" pitchFamily="49" charset="0"/>
+                <a:sym typeface="Wingdings" pitchFamily="2" charset="2"/>
+              </a:rPr>
+              <a:t>4</a:t>
+            </a:r>
+            <a:r>
+              <a:rPr lang="en-US" dirty="0">
+                <a:latin typeface="Consolas" panose="020B0609020204030204" pitchFamily="49" charset="0"/>
+                <a:cs typeface="Consolas" panose="020B0609020204030204" pitchFamily="49" charset="0"/>
+                <a:sym typeface="Wingdings" pitchFamily="2" charset="2"/>
+              </a:rPr>
+              <a:t>]</a:t>
+            </a:r>
+            <a:r>
+              <a:rPr lang="en-US" dirty="0">
+                <a:sym typeface="Wingdings" pitchFamily="2" charset="2"/>
+              </a:rPr>
+              <a:t>?</a:t>
+            </a:r>
+          </a:p>
+          <a:p>
+            <a:pPr lvl="1"/>
+            <a:r>
+              <a:rPr lang="en-US" dirty="0">
+                <a:sym typeface="Wingdings" pitchFamily="2" charset="2"/>
+              </a:rPr>
+              <a:t>Why are we getting that result? </a:t>
+            </a:r>
+          </a:p>
+          <a:p>
             <a:endParaRPr lang="en-US" dirty="0"/>
           </a:p>
         </p:txBody>
@@ -36619,6 +37499,279 @@
                       </p:childTnLst>
                     </p:cTn>
                   </p:par>
+                  <p:par>
+                    <p:cTn id="13" fill="hold">
+                      <p:stCondLst>
+                        <p:cond delay="indefinite"/>
+                      </p:stCondLst>
+                      <p:childTnLst>
+                        <p:par>
+                          <p:cTn id="14" fill="hold">
+                            <p:stCondLst>
+                              <p:cond delay="0"/>
+                            </p:stCondLst>
+                            <p:childTnLst>
+                              <p:par>
+                                <p:cTn id="15" presetID="2" presetClass="entr" presetSubtype="4" fill="hold" grpId="0" nodeType="clickEffect">
+                                  <p:stCondLst>
+                                    <p:cond delay="0"/>
+                                  </p:stCondLst>
+                                  <p:childTnLst>
+                                    <p:set>
+                                      <p:cBhvr>
+                                        <p:cTn id="16" dur="1" fill="hold">
+                                          <p:stCondLst>
+                                            <p:cond delay="0"/>
+                                          </p:stCondLst>
+                                        </p:cTn>
+                                        <p:tgtEl>
+                                          <p:spTgt spid="3">
+                                            <p:txEl>
+                                              <p:pRg st="3" end="3"/>
+                                            </p:txEl>
+                                          </p:spTgt>
+                                        </p:tgtEl>
+                                        <p:attrNameLst>
+                                          <p:attrName>style.visibility</p:attrName>
+                                        </p:attrNameLst>
+                                      </p:cBhvr>
+                                      <p:to>
+                                        <p:strVal val="visible"/>
+                                      </p:to>
+                                    </p:set>
+                                    <p:anim calcmode="lin" valueType="num">
+                                      <p:cBhvr additive="base">
+                                        <p:cTn id="17" dur="500" fill="hold"/>
+                                        <p:tgtEl>
+                                          <p:spTgt spid="3">
+                                            <p:txEl>
+                                              <p:pRg st="3" end="3"/>
+                                            </p:txEl>
+                                          </p:spTgt>
+                                        </p:tgtEl>
+                                        <p:attrNameLst>
+                                          <p:attrName>ppt_x</p:attrName>
+                                        </p:attrNameLst>
+                                      </p:cBhvr>
+                                      <p:tavLst>
+                                        <p:tav tm="0">
+                                          <p:val>
+                                            <p:strVal val="#ppt_x"/>
+                                          </p:val>
+                                        </p:tav>
+                                        <p:tav tm="100000">
+                                          <p:val>
+                                            <p:strVal val="#ppt_x"/>
+                                          </p:val>
+                                        </p:tav>
+                                      </p:tavLst>
+                                    </p:anim>
+                                    <p:anim calcmode="lin" valueType="num">
+                                      <p:cBhvr additive="base">
+                                        <p:cTn id="18" dur="500" fill="hold"/>
+                                        <p:tgtEl>
+                                          <p:spTgt spid="3">
+                                            <p:txEl>
+                                              <p:pRg st="3" end="3"/>
+                                            </p:txEl>
+                                          </p:spTgt>
+                                        </p:tgtEl>
+                                        <p:attrNameLst>
+                                          <p:attrName>ppt_y</p:attrName>
+                                        </p:attrNameLst>
+                                      </p:cBhvr>
+                                      <p:tavLst>
+                                        <p:tav tm="0">
+                                          <p:val>
+                                            <p:strVal val="1+#ppt_h/2"/>
+                                          </p:val>
+                                        </p:tav>
+                                        <p:tav tm="100000">
+                                          <p:val>
+                                            <p:strVal val="#ppt_y"/>
+                                          </p:val>
+                                        </p:tav>
+                                      </p:tavLst>
+                                    </p:anim>
+                                  </p:childTnLst>
+                                </p:cTn>
+                              </p:par>
+                              <p:par>
+                                <p:cTn id="19" presetID="2" presetClass="entr" presetSubtype="4" fill="hold" grpId="0" nodeType="withEffect">
+                                  <p:stCondLst>
+                                    <p:cond delay="0"/>
+                                  </p:stCondLst>
+                                  <p:childTnLst>
+                                    <p:set>
+                                      <p:cBhvr>
+                                        <p:cTn id="20" dur="1" fill="hold">
+                                          <p:stCondLst>
+                                            <p:cond delay="0"/>
+                                          </p:stCondLst>
+                                        </p:cTn>
+                                        <p:tgtEl>
+                                          <p:spTgt spid="3">
+                                            <p:txEl>
+                                              <p:pRg st="4" end="4"/>
+                                            </p:txEl>
+                                          </p:spTgt>
+                                        </p:tgtEl>
+                                        <p:attrNameLst>
+                                          <p:attrName>style.visibility</p:attrName>
+                                        </p:attrNameLst>
+                                      </p:cBhvr>
+                                      <p:to>
+                                        <p:strVal val="visible"/>
+                                      </p:to>
+                                    </p:set>
+                                    <p:anim calcmode="lin" valueType="num">
+                                      <p:cBhvr additive="base">
+                                        <p:cTn id="21" dur="500" fill="hold"/>
+                                        <p:tgtEl>
+                                          <p:spTgt spid="3">
+                                            <p:txEl>
+                                              <p:pRg st="4" end="4"/>
+                                            </p:txEl>
+                                          </p:spTgt>
+                                        </p:tgtEl>
+                                        <p:attrNameLst>
+                                          <p:attrName>ppt_x</p:attrName>
+                                        </p:attrNameLst>
+                                      </p:cBhvr>
+                                      <p:tavLst>
+                                        <p:tav tm="0">
+                                          <p:val>
+                                            <p:strVal val="#ppt_x"/>
+                                          </p:val>
+                                        </p:tav>
+                                        <p:tav tm="100000">
+                                          <p:val>
+                                            <p:strVal val="#ppt_x"/>
+                                          </p:val>
+                                        </p:tav>
+                                      </p:tavLst>
+                                    </p:anim>
+                                    <p:anim calcmode="lin" valueType="num">
+                                      <p:cBhvr additive="base">
+                                        <p:cTn id="22" dur="500" fill="hold"/>
+                                        <p:tgtEl>
+                                          <p:spTgt spid="3">
+                                            <p:txEl>
+                                              <p:pRg st="4" end="4"/>
+                                            </p:txEl>
+                                          </p:spTgt>
+                                        </p:tgtEl>
+                                        <p:attrNameLst>
+                                          <p:attrName>ppt_y</p:attrName>
+                                        </p:attrNameLst>
+                                      </p:cBhvr>
+                                      <p:tavLst>
+                                        <p:tav tm="0">
+                                          <p:val>
+                                            <p:strVal val="1+#ppt_h/2"/>
+                                          </p:val>
+                                        </p:tav>
+                                        <p:tav tm="100000">
+                                          <p:val>
+                                            <p:strVal val="#ppt_y"/>
+                                          </p:val>
+                                        </p:tav>
+                                      </p:tavLst>
+                                    </p:anim>
+                                  </p:childTnLst>
+                                </p:cTn>
+                              </p:par>
+                              <p:par>
+                                <p:cTn id="23" presetID="2" presetClass="entr" presetSubtype="4" fill="hold" grpId="0" nodeType="withEffect">
+                                  <p:stCondLst>
+                                    <p:cond delay="0"/>
+                                  </p:stCondLst>
+                                  <p:childTnLst>
+                                    <p:set>
+                                      <p:cBhvr>
+                                        <p:cTn id="24" dur="1" fill="hold">
+                                          <p:stCondLst>
+                                            <p:cond delay="0"/>
+                                          </p:stCondLst>
+                                        </p:cTn>
+                                        <p:tgtEl>
+                                          <p:spTgt spid="3">
+                                            <p:txEl>
+                                              <p:pRg st="5" end="5"/>
+                                            </p:txEl>
+                                          </p:spTgt>
+                                        </p:tgtEl>
+                                        <p:attrNameLst>
+                                          <p:attrName>style.visibility</p:attrName>
+                                        </p:attrNameLst>
+                                      </p:cBhvr>
+                                      <p:to>
+                                        <p:strVal val="visible"/>
+                                      </p:to>
+                                    </p:set>
+                                    <p:anim calcmode="lin" valueType="num">
+                                      <p:cBhvr additive="base">
+                                        <p:cTn id="25" dur="500" fill="hold"/>
+                                        <p:tgtEl>
+                                          <p:spTgt spid="3">
+                                            <p:txEl>
+                                              <p:pRg st="5" end="5"/>
+                                            </p:txEl>
+                                          </p:spTgt>
+                                        </p:tgtEl>
+                                        <p:attrNameLst>
+                                          <p:attrName>ppt_x</p:attrName>
+                                        </p:attrNameLst>
+                                      </p:cBhvr>
+                                      <p:tavLst>
+                                        <p:tav tm="0">
+                                          <p:val>
+                                            <p:strVal val="#ppt_x"/>
+                                          </p:val>
+                                        </p:tav>
+                                        <p:tav tm="100000">
+                                          <p:val>
+                                            <p:strVal val="#ppt_x"/>
+                                          </p:val>
+                                        </p:tav>
+                                      </p:tavLst>
+                                    </p:anim>
+                                    <p:anim calcmode="lin" valueType="num">
+                                      <p:cBhvr additive="base">
+                                        <p:cTn id="26" dur="500" fill="hold"/>
+                                        <p:tgtEl>
+                                          <p:spTgt spid="3">
+                                            <p:txEl>
+                                              <p:pRg st="5" end="5"/>
+                                            </p:txEl>
+                                          </p:spTgt>
+                                        </p:tgtEl>
+                                        <p:attrNameLst>
+                                          <p:attrName>ppt_y</p:attrName>
+                                        </p:attrNameLst>
+                                      </p:cBhvr>
+                                      <p:tavLst>
+                                        <p:tav tm="0">
+                                          <p:val>
+                                            <p:strVal val="1+#ppt_h/2"/>
+                                          </p:val>
+                                        </p:tav>
+                                        <p:tav tm="100000">
+                                          <p:val>
+                                            <p:strVal val="#ppt_y"/>
+                                          </p:val>
+                                        </p:tav>
+                                      </p:tavLst>
+                                    </p:anim>
+                                  </p:childTnLst>
+                                </p:cTn>
+                              </p:par>
+                            </p:childTnLst>
+                          </p:cTn>
+                        </p:par>
+                      </p:childTnLst>
+                    </p:cTn>
+                  </p:par>
                 </p:childTnLst>
               </p:cTn>
               <p:prevCondLst>
@@ -36647,7 +37800,7 @@
 </p:sld>
 </file>
 
-<file path=ppt/slides/slide43.xml><?xml version="1.0" encoding="utf-8"?>
+<file path=ppt/slides/slide44.xml><?xml version="1.0" encoding="utf-8"?>
 <p:sld xmlns:a="http://schemas.openxmlformats.org/drawingml/2006/main" xmlns:r="http://schemas.openxmlformats.org/officeDocument/2006/relationships" xmlns:p="http://schemas.openxmlformats.org/presentationml/2006/main">
   <p:cSld>
     <p:spTree>
@@ -36709,9 +37862,16 @@
             <p:ph idx="1"/>
           </p:nvPr>
         </p:nvSpPr>
-        <p:spPr/>
+        <p:spPr>
+          <a:xfrm>
+            <a:off x="1141412" y="2249486"/>
+            <a:ext cx="9905999" cy="3989995"/>
+          </a:xfrm>
+        </p:spPr>
         <p:txBody>
-          <a:bodyPr/>
+          <a:bodyPr>
+            <a:normAutofit fontScale="92500"/>
+          </a:bodyPr>
           <a:lstStyle/>
           <a:p>
             <a:r>
@@ -36722,7 +37882,7 @@
           <a:p>
             <a:r>
               <a:rPr lang="en-US" dirty="0"/>
-              <a:t>We will be here to help guide you and explain any unclarities.</a:t>
+              <a:t>We will be here to help guide you and explain anything that’s not clear.</a:t>
             </a:r>
           </a:p>
           <a:p>
@@ -36746,6 +37906,27 @@
               <a:rPr lang="en-US" dirty="0"/>
               <a:t>We will be providing a solution for this at the end of the day.</a:t>
             </a:r>
+          </a:p>
+          <a:p>
+            <a:r>
+              <a:rPr lang="en-US" dirty="0"/>
+              <a:t>If you finish early then we can take a deeper look into how the CPU and Memory actually works (or anything that you would like to know </a:t>
+            </a:r>
+            <a:r>
+              <a:rPr lang="en-US"/>
+              <a:t>more about </a:t>
+            </a:r>
+            <a:r>
+              <a:rPr lang="en-US">
+                <a:sym typeface="Wingdings" pitchFamily="2" charset="2"/>
+              </a:rPr>
+              <a:t></a:t>
+            </a:r>
+            <a:r>
+              <a:rPr lang="en-US"/>
+              <a:t>). </a:t>
+            </a:r>
+            <a:endParaRPr lang="en-US" dirty="0"/>
           </a:p>
         </p:txBody>
       </p:sp>
@@ -37150,6 +38331,109 @@
                                           <p:spTgt spid="3">
                                             <p:txEl>
                                               <p:pRg st="3" end="3"/>
+                                            </p:txEl>
+                                          </p:spTgt>
+                                        </p:tgtEl>
+                                        <p:attrNameLst>
+                                          <p:attrName>ppt_y</p:attrName>
+                                        </p:attrNameLst>
+                                      </p:cBhvr>
+                                      <p:tavLst>
+                                        <p:tav tm="0">
+                                          <p:val>
+                                            <p:strVal val="1+#ppt_h/2"/>
+                                          </p:val>
+                                        </p:tav>
+                                        <p:tav tm="100000">
+                                          <p:val>
+                                            <p:strVal val="#ppt_y"/>
+                                          </p:val>
+                                        </p:tav>
+                                      </p:tavLst>
+                                    </p:anim>
+                                  </p:childTnLst>
+                                </p:cTn>
+                              </p:par>
+                            </p:childTnLst>
+                          </p:cTn>
+                        </p:par>
+                      </p:childTnLst>
+                    </p:cTn>
+                  </p:par>
+                  <p:par>
+                    <p:cTn id="27" fill="hold">
+                      <p:stCondLst>
+                        <p:cond delay="indefinite"/>
+                      </p:stCondLst>
+                      <p:childTnLst>
+                        <p:par>
+                          <p:cTn id="28" fill="hold">
+                            <p:stCondLst>
+                              <p:cond delay="0"/>
+                            </p:stCondLst>
+                            <p:childTnLst>
+                              <p:par>
+                                <p:cTn id="29" presetID="2" presetClass="entr" presetSubtype="4" fill="hold" grpId="0" nodeType="clickEffect">
+                                  <p:stCondLst>
+                                    <p:cond delay="0"/>
+                                  </p:stCondLst>
+                                  <p:childTnLst>
+                                    <p:set>
+                                      <p:cBhvr>
+                                        <p:cTn id="30" dur="1" fill="hold">
+                                          <p:stCondLst>
+                                            <p:cond delay="0"/>
+                                          </p:stCondLst>
+                                        </p:cTn>
+                                        <p:tgtEl>
+                                          <p:spTgt spid="3">
+                                            <p:txEl>
+                                              <p:pRg st="4" end="4"/>
+                                            </p:txEl>
+                                          </p:spTgt>
+                                        </p:tgtEl>
+                                        <p:attrNameLst>
+                                          <p:attrName>style.visibility</p:attrName>
+                                        </p:attrNameLst>
+                                      </p:cBhvr>
+                                      <p:to>
+                                        <p:strVal val="visible"/>
+                                      </p:to>
+                                    </p:set>
+                                    <p:anim calcmode="lin" valueType="num">
+                                      <p:cBhvr additive="base">
+                                        <p:cTn id="31" dur="500" fill="hold"/>
+                                        <p:tgtEl>
+                                          <p:spTgt spid="3">
+                                            <p:txEl>
+                                              <p:pRg st="4" end="4"/>
+                                            </p:txEl>
+                                          </p:spTgt>
+                                        </p:tgtEl>
+                                        <p:attrNameLst>
+                                          <p:attrName>ppt_x</p:attrName>
+                                        </p:attrNameLst>
+                                      </p:cBhvr>
+                                      <p:tavLst>
+                                        <p:tav tm="0">
+                                          <p:val>
+                                            <p:strVal val="#ppt_x"/>
+                                          </p:val>
+                                        </p:tav>
+                                        <p:tav tm="100000">
+                                          <p:val>
+                                            <p:strVal val="#ppt_x"/>
+                                          </p:val>
+                                        </p:tav>
+                                      </p:tavLst>
+                                    </p:anim>
+                                    <p:anim calcmode="lin" valueType="num">
+                                      <p:cBhvr additive="base">
+                                        <p:cTn id="32" dur="500" fill="hold"/>
+                                        <p:tgtEl>
+                                          <p:spTgt spid="3">
+                                            <p:txEl>
+                                              <p:pRg st="4" end="4"/>
                                             </p:txEl>
                                           </p:spTgt>
                                         </p:tgtEl>
@@ -38687,7 +39971,7 @@
             <a:pPr algn="ctr"/>
             <a:r>
               <a:rPr lang="en-US" dirty="0"/>
-              <a:t>Examples</a:t>
+              <a:t>Bool operators Examples</a:t>
             </a:r>
           </a:p>
         </p:txBody>

--- a/Day_2/Day_2.pptx
+++ b/Day_2/Day_2.pptx
@@ -12412,14 +12412,19 @@
             <p:ph type="ctrTitle"/>
           </p:nvPr>
         </p:nvSpPr>
-        <p:spPr/>
+        <p:spPr>
+          <a:xfrm>
+            <a:off x="1910836" y="1225602"/>
+            <a:ext cx="8791575" cy="1978121"/>
+          </a:xfrm>
+        </p:spPr>
         <p:txBody>
           <a:bodyPr anchor="ctr"/>
           <a:lstStyle/>
           <a:p>
             <a:pPr algn="ctr"/>
             <a:r>
-              <a:rPr lang="en-US" dirty="0"/>
+              <a:rPr lang="en-US" b="1" dirty="0"/>
               <a:t>Conditionals</a:t>
             </a:r>
           </a:p>
@@ -12427,10 +12432,10 @@
       </p:sp>
       <p:sp>
         <p:nvSpPr>
-          <p:cNvPr id="3" name="Subtitle 2">
+          <p:cNvPr id="13" name="Subtitle 12">
             <a:extLst>
               <a:ext uri="{FF2B5EF4-FFF2-40B4-BE49-F238E27FC236}">
-                <a16:creationId xmlns:a16="http://schemas.microsoft.com/office/drawing/2014/main" id="{F9D1D2CE-B824-DE4C-B0BA-4E0B5113A1A1}"/>
+                <a16:creationId xmlns:a16="http://schemas.microsoft.com/office/drawing/2014/main" id="{EAE96A37-46D4-0F44-B369-0CB1FA877029}"/>
               </a:ext>
             </a:extLst>
           </p:cNvPr>
@@ -12441,7 +12446,12 @@
             <p:ph type="subTitle" idx="1"/>
           </p:nvPr>
         </p:nvSpPr>
-        <p:spPr/>
+        <p:spPr>
+          <a:xfrm>
+            <a:off x="1341334" y="3654278"/>
+            <a:ext cx="9509332" cy="2673402"/>
+          </a:xfrm>
+        </p:spPr>
         <p:txBody>
           <a:bodyPr>
             <a:normAutofit/>
@@ -12450,22 +12460,34 @@
           <a:p>
             <a:pPr algn="ctr"/>
             <a:r>
-              <a:rPr lang="en-US" dirty="0"/>
-              <a:t>By Philipp Tiso</a:t>
+              <a:rPr lang="en-US" sz="2800" dirty="0"/>
+              <a:t>By</a:t>
             </a:r>
           </a:p>
           <a:p>
             <a:pPr algn="ctr"/>
             <a:r>
-              <a:rPr lang="en-US" dirty="0"/>
+              <a:rPr lang="en-US" sz="2800" dirty="0"/>
+              <a:t>Philipp </a:t>
+            </a:r>
+            <a:r>
+              <a:rPr lang="en-US" sz="2800" dirty="0" err="1"/>
+              <a:t>tiso</a:t>
+            </a:r>
+            <a:endParaRPr lang="en-US" sz="2800" dirty="0"/>
+          </a:p>
+          <a:p>
+            <a:pPr algn="ctr"/>
+            <a:r>
+              <a:rPr lang="en-US" sz="2800" dirty="0"/>
               <a:t>&amp;</a:t>
             </a:r>
           </a:p>
           <a:p>
             <a:pPr algn="ctr"/>
             <a:r>
-              <a:rPr lang="en-US" dirty="0"/>
-              <a:t>Alexander Jaeger</a:t>
+              <a:rPr lang="en-US" sz="2800" dirty="0"/>
+              <a:t>Alexander jaeger</a:t>
             </a:r>
           </a:p>
         </p:txBody>
@@ -27012,7 +27034,9 @@
         </p:nvSpPr>
         <p:spPr/>
         <p:txBody>
-          <a:bodyPr/>
+          <a:bodyPr>
+            <a:normAutofit lnSpcReduction="10000"/>
+          </a:bodyPr>
           <a:lstStyle/>
           <a:p>
             <a:r>
@@ -27021,6 +27045,13 @@
             </a:r>
           </a:p>
           <a:p>
+            <a:pPr lvl="1"/>
+            <a:r>
+              <a:rPr lang="en-US" dirty="0"/>
+              <a:t>Almost everything we do in our daily lives is conditional!</a:t>
+            </a:r>
+          </a:p>
+          <a:p>
             <a:endParaRPr lang="en-US" dirty="0"/>
           </a:p>
           <a:p>
@@ -27038,7 +27069,7 @@
           <a:p>
             <a:r>
               <a:rPr lang="en-US" dirty="0"/>
-              <a:t>Lets look at some examples</a:t>
+              <a:t>Lets look at some examples!</a:t>
             </a:r>
           </a:p>
         </p:txBody>
@@ -27158,33 +27189,15 @@
                                   </p:childTnLst>
                                 </p:cTn>
                               </p:par>
-                            </p:childTnLst>
-                          </p:cTn>
-                        </p:par>
-                      </p:childTnLst>
-                    </p:cTn>
-                  </p:par>
-                  <p:par>
-                    <p:cTn id="9" fill="hold">
-                      <p:stCondLst>
-                        <p:cond delay="indefinite"/>
-                      </p:stCondLst>
-                      <p:childTnLst>
-                        <p:par>
-                          <p:cTn id="10" fill="hold">
-                            <p:stCondLst>
-                              <p:cond delay="0"/>
-                            </p:stCondLst>
-                            <p:childTnLst>
                               <p:par>
-                                <p:cTn id="11" presetID="2" presetClass="entr" presetSubtype="4" fill="hold" grpId="0" nodeType="clickEffect">
+                                <p:cTn id="9" presetID="2" presetClass="entr" presetSubtype="4" fill="hold" grpId="0" nodeType="withEffect">
                                   <p:stCondLst>
                                     <p:cond delay="0"/>
                                   </p:stCondLst>
                                   <p:childTnLst>
                                     <p:set>
                                       <p:cBhvr>
-                                        <p:cTn id="12" dur="1" fill="hold">
+                                        <p:cTn id="10" dur="1" fill="hold">
                                           <p:stCondLst>
                                             <p:cond delay="0"/>
                                           </p:stCondLst>
@@ -27192,7 +27205,7 @@
                                         <p:tgtEl>
                                           <p:spTgt spid="3">
                                             <p:txEl>
-                                              <p:pRg st="2" end="2"/>
+                                              <p:pRg st="1" end="1"/>
                                             </p:txEl>
                                           </p:spTgt>
                                         </p:tgtEl>
@@ -27206,11 +27219,11 @@
                                     </p:set>
                                     <p:anim calcmode="lin" valueType="num">
                                       <p:cBhvr additive="base">
-                                        <p:cTn id="13" dur="500" fill="hold"/>
+                                        <p:cTn id="11" dur="500" fill="hold"/>
                                         <p:tgtEl>
                                           <p:spTgt spid="3">
                                             <p:txEl>
-                                              <p:pRg st="2" end="2"/>
+                                              <p:pRg st="1" end="1"/>
                                             </p:txEl>
                                           </p:spTgt>
                                         </p:tgtEl>
@@ -27233,11 +27246,11 @@
                                     </p:anim>
                                     <p:anim calcmode="lin" valueType="num">
                                       <p:cBhvr additive="base">
-                                        <p:cTn id="14" dur="500" fill="hold"/>
+                                        <p:cTn id="12" dur="500" fill="hold"/>
                                         <p:tgtEl>
                                           <p:spTgt spid="3">
                                             <p:txEl>
-                                              <p:pRg st="2" end="2"/>
+                                              <p:pRg st="1" end="1"/>
                                             </p:txEl>
                                           </p:spTgt>
                                         </p:tgtEl>
@@ -27268,26 +27281,26 @@
                     </p:cTn>
                   </p:par>
                   <p:par>
-                    <p:cTn id="15" fill="hold">
+                    <p:cTn id="13" fill="hold">
                       <p:stCondLst>
                         <p:cond delay="indefinite"/>
                       </p:stCondLst>
                       <p:childTnLst>
                         <p:par>
-                          <p:cTn id="16" fill="hold">
+                          <p:cTn id="14" fill="hold">
                             <p:stCondLst>
                               <p:cond delay="0"/>
                             </p:stCondLst>
                             <p:childTnLst>
                               <p:par>
-                                <p:cTn id="17" presetID="2" presetClass="entr" presetSubtype="4" fill="hold" grpId="0" nodeType="clickEffect">
+                                <p:cTn id="15" presetID="2" presetClass="entr" presetSubtype="4" fill="hold" grpId="0" nodeType="clickEffect">
                                   <p:stCondLst>
                                     <p:cond delay="0"/>
                                   </p:stCondLst>
                                   <p:childTnLst>
                                     <p:set>
                                       <p:cBhvr>
-                                        <p:cTn id="18" dur="1" fill="hold">
+                                        <p:cTn id="16" dur="1" fill="hold">
                                           <p:stCondLst>
                                             <p:cond delay="0"/>
                                           </p:stCondLst>
@@ -27295,7 +27308,7 @@
                                         <p:tgtEl>
                                           <p:spTgt spid="3">
                                             <p:txEl>
-                                              <p:pRg st="5" end="5"/>
+                                              <p:pRg st="3" end="3"/>
                                             </p:txEl>
                                           </p:spTgt>
                                         </p:tgtEl>
@@ -27309,11 +27322,11 @@
                                     </p:set>
                                     <p:anim calcmode="lin" valueType="num">
                                       <p:cBhvr additive="base">
-                                        <p:cTn id="19" dur="500" fill="hold"/>
+                                        <p:cTn id="17" dur="500" fill="hold"/>
                                         <p:tgtEl>
                                           <p:spTgt spid="3">
                                             <p:txEl>
-                                              <p:pRg st="5" end="5"/>
+                                              <p:pRg st="3" end="3"/>
                                             </p:txEl>
                                           </p:spTgt>
                                         </p:tgtEl>
@@ -27336,11 +27349,114 @@
                                     </p:anim>
                                     <p:anim calcmode="lin" valueType="num">
                                       <p:cBhvr additive="base">
-                                        <p:cTn id="20" dur="500" fill="hold"/>
+                                        <p:cTn id="18" dur="500" fill="hold"/>
                                         <p:tgtEl>
                                           <p:spTgt spid="3">
                                             <p:txEl>
-                                              <p:pRg st="5" end="5"/>
+                                              <p:pRg st="3" end="3"/>
+                                            </p:txEl>
+                                          </p:spTgt>
+                                        </p:tgtEl>
+                                        <p:attrNameLst>
+                                          <p:attrName>ppt_y</p:attrName>
+                                        </p:attrNameLst>
+                                      </p:cBhvr>
+                                      <p:tavLst>
+                                        <p:tav tm="0">
+                                          <p:val>
+                                            <p:strVal val="1+#ppt_h/2"/>
+                                          </p:val>
+                                        </p:tav>
+                                        <p:tav tm="100000">
+                                          <p:val>
+                                            <p:strVal val="#ppt_y"/>
+                                          </p:val>
+                                        </p:tav>
+                                      </p:tavLst>
+                                    </p:anim>
+                                  </p:childTnLst>
+                                </p:cTn>
+                              </p:par>
+                            </p:childTnLst>
+                          </p:cTn>
+                        </p:par>
+                      </p:childTnLst>
+                    </p:cTn>
+                  </p:par>
+                  <p:par>
+                    <p:cTn id="19" fill="hold">
+                      <p:stCondLst>
+                        <p:cond delay="indefinite"/>
+                      </p:stCondLst>
+                      <p:childTnLst>
+                        <p:par>
+                          <p:cTn id="20" fill="hold">
+                            <p:stCondLst>
+                              <p:cond delay="0"/>
+                            </p:stCondLst>
+                            <p:childTnLst>
+                              <p:par>
+                                <p:cTn id="21" presetID="2" presetClass="entr" presetSubtype="4" fill="hold" grpId="0" nodeType="clickEffect">
+                                  <p:stCondLst>
+                                    <p:cond delay="0"/>
+                                  </p:stCondLst>
+                                  <p:childTnLst>
+                                    <p:set>
+                                      <p:cBhvr>
+                                        <p:cTn id="22" dur="1" fill="hold">
+                                          <p:stCondLst>
+                                            <p:cond delay="0"/>
+                                          </p:stCondLst>
+                                        </p:cTn>
+                                        <p:tgtEl>
+                                          <p:spTgt spid="3">
+                                            <p:txEl>
+                                              <p:pRg st="6" end="6"/>
+                                            </p:txEl>
+                                          </p:spTgt>
+                                        </p:tgtEl>
+                                        <p:attrNameLst>
+                                          <p:attrName>style.visibility</p:attrName>
+                                        </p:attrNameLst>
+                                      </p:cBhvr>
+                                      <p:to>
+                                        <p:strVal val="visible"/>
+                                      </p:to>
+                                    </p:set>
+                                    <p:anim calcmode="lin" valueType="num">
+                                      <p:cBhvr additive="base">
+                                        <p:cTn id="23" dur="500" fill="hold"/>
+                                        <p:tgtEl>
+                                          <p:spTgt spid="3">
+                                            <p:txEl>
+                                              <p:pRg st="6" end="6"/>
+                                            </p:txEl>
+                                          </p:spTgt>
+                                        </p:tgtEl>
+                                        <p:attrNameLst>
+                                          <p:attrName>ppt_x</p:attrName>
+                                        </p:attrNameLst>
+                                      </p:cBhvr>
+                                      <p:tavLst>
+                                        <p:tav tm="0">
+                                          <p:val>
+                                            <p:strVal val="#ppt_x"/>
+                                          </p:val>
+                                        </p:tav>
+                                        <p:tav tm="100000">
+                                          <p:val>
+                                            <p:strVal val="#ppt_x"/>
+                                          </p:val>
+                                        </p:tav>
+                                      </p:tavLst>
+                                    </p:anim>
+                                    <p:anim calcmode="lin" valueType="num">
+                                      <p:cBhvr additive="base">
+                                        <p:cTn id="24" dur="500" fill="hold"/>
+                                        <p:tgtEl>
+                                          <p:spTgt spid="3">
+                                            <p:txEl>
+                                              <p:pRg st="6" end="6"/>
                                             </p:txEl>
                                           </p:spTgt>
                                         </p:tgtEl>
@@ -37910,23 +38026,18 @@
           <a:p>
             <a:r>
               <a:rPr lang="en-US" dirty="0"/>
-              <a:t>If you finish early then we can take a deeper look into how the CPU and Memory actually works (or anything that you would like to know </a:t>
-            </a:r>
-            <a:r>
-              <a:rPr lang="en-US"/>
-              <a:t>more about </a:t>
-            </a:r>
-            <a:r>
-              <a:rPr lang="en-US">
+              <a:t>If you finish early then we can take a deeper look into how the CPU and Memory actually works (or anything that you would like to know more about </a:t>
+            </a:r>
+            <a:r>
+              <a:rPr lang="en-US" dirty="0">
                 <a:sym typeface="Wingdings" pitchFamily="2" charset="2"/>
               </a:rPr>
               <a:t></a:t>
             </a:r>
             <a:r>
-              <a:rPr lang="en-US"/>
+              <a:rPr lang="en-US" dirty="0"/>
               <a:t>). </a:t>
             </a:r>
-            <a:endParaRPr lang="en-US" dirty="0"/>
           </a:p>
         </p:txBody>
       </p:sp>

--- a/Day_2/Day_2.pptx
+++ b/Day_2/Day_2.pptx
@@ -22,33 +22,39 @@
     <p:sldId id="270" r:id="rId16"/>
     <p:sldId id="271" r:id="rId17"/>
     <p:sldId id="272" r:id="rId18"/>
-    <p:sldId id="273" r:id="rId19"/>
-    <p:sldId id="274" r:id="rId20"/>
-    <p:sldId id="275" r:id="rId21"/>
-    <p:sldId id="276" r:id="rId22"/>
-    <p:sldId id="277" r:id="rId23"/>
-    <p:sldId id="278" r:id="rId24"/>
-    <p:sldId id="300" r:id="rId25"/>
-    <p:sldId id="280" r:id="rId26"/>
-    <p:sldId id="281" r:id="rId27"/>
-    <p:sldId id="282" r:id="rId28"/>
-    <p:sldId id="283" r:id="rId29"/>
-    <p:sldId id="284" r:id="rId30"/>
-    <p:sldId id="285" r:id="rId31"/>
-    <p:sldId id="286" r:id="rId32"/>
-    <p:sldId id="287" r:id="rId33"/>
-    <p:sldId id="288" r:id="rId34"/>
-    <p:sldId id="289" r:id="rId35"/>
-    <p:sldId id="290" r:id="rId36"/>
-    <p:sldId id="291" r:id="rId37"/>
-    <p:sldId id="292" r:id="rId38"/>
-    <p:sldId id="293" r:id="rId39"/>
-    <p:sldId id="294" r:id="rId40"/>
-    <p:sldId id="295" r:id="rId41"/>
-    <p:sldId id="296" r:id="rId42"/>
-    <p:sldId id="297" r:id="rId43"/>
-    <p:sldId id="298" r:id="rId44"/>
-    <p:sldId id="299" r:id="rId45"/>
+    <p:sldId id="301" r:id="rId19"/>
+    <p:sldId id="273" r:id="rId20"/>
+    <p:sldId id="274" r:id="rId21"/>
+    <p:sldId id="275" r:id="rId22"/>
+    <p:sldId id="276" r:id="rId23"/>
+    <p:sldId id="277" r:id="rId24"/>
+    <p:sldId id="278" r:id="rId25"/>
+    <p:sldId id="300" r:id="rId26"/>
+    <p:sldId id="280" r:id="rId27"/>
+    <p:sldId id="281" r:id="rId28"/>
+    <p:sldId id="282" r:id="rId29"/>
+    <p:sldId id="283" r:id="rId30"/>
+    <p:sldId id="284" r:id="rId31"/>
+    <p:sldId id="285" r:id="rId32"/>
+    <p:sldId id="286" r:id="rId33"/>
+    <p:sldId id="287" r:id="rId34"/>
+    <p:sldId id="288" r:id="rId35"/>
+    <p:sldId id="289" r:id="rId36"/>
+    <p:sldId id="290" r:id="rId37"/>
+    <p:sldId id="291" r:id="rId38"/>
+    <p:sldId id="292" r:id="rId39"/>
+    <p:sldId id="293" r:id="rId40"/>
+    <p:sldId id="294" r:id="rId41"/>
+    <p:sldId id="295" r:id="rId42"/>
+    <p:sldId id="296" r:id="rId43"/>
+    <p:sldId id="297" r:id="rId44"/>
+    <p:sldId id="298" r:id="rId45"/>
+    <p:sldId id="299" r:id="rId46"/>
+    <p:sldId id="302" r:id="rId47"/>
+    <p:sldId id="303" r:id="rId48"/>
+    <p:sldId id="304" r:id="rId49"/>
+    <p:sldId id="305" r:id="rId50"/>
+    <p:sldId id="306" r:id="rId51"/>
   </p:sldIdLst>
   <p:sldSz cx="12192000" cy="6858000"/>
   <p:notesSz cx="6858000" cy="9144000"/>
@@ -16199,6 +16205,42 @@
           </a:p>
         </p:txBody>
       </p:sp>
+      <p:pic>
+        <p:nvPicPr>
+          <p:cNvPr id="4" name="Graphic 3" descr="Pause">
+            <a:extLst>
+              <a:ext uri="{FF2B5EF4-FFF2-40B4-BE49-F238E27FC236}">
+                <a16:creationId xmlns:a16="http://schemas.microsoft.com/office/drawing/2014/main" id="{6609C325-7C05-6247-B54A-7541E8138AA6}"/>
+              </a:ext>
+            </a:extLst>
+          </p:cNvPr>
+          <p:cNvPicPr>
+            <a:picLocks noChangeAspect="1"/>
+          </p:cNvPicPr>
+          <p:nvPr/>
+        </p:nvPicPr>
+        <p:blipFill>
+          <a:blip r:embed="rId2">
+            <a:extLst>
+              <a:ext uri="{96DAC541-7B7A-43D3-8B79-37D633B846F1}">
+                <asvg:svgBlip xmlns:asvg="http://schemas.microsoft.com/office/drawing/2016/SVG/main" r:embed="rId3"/>
+              </a:ext>
+            </a:extLst>
+          </a:blip>
+          <a:stretch>
+            <a:fillRect/>
+          </a:stretch>
+        </p:blipFill>
+        <p:spPr>
+          <a:xfrm>
+            <a:off x="5638800" y="4490884"/>
+            <a:ext cx="914400" cy="914400"/>
+          </a:xfrm>
+          <a:prstGeom prst="rect">
+            <a:avLst/>
+          </a:prstGeom>
+        </p:spPr>
+      </p:pic>
     </p:spTree>
     <p:extLst>
       <p:ext uri="{BB962C8B-B14F-4D97-AF65-F5344CB8AC3E}">
@@ -16336,6 +16378,46 @@
               <a:t>These go hand in hand (”if this …, else …”)</a:t>
             </a:r>
           </a:p>
+          <a:p>
+            <a:r>
+              <a:rPr lang="en-US" dirty="0">
+                <a:cs typeface="Consolas" panose="020B0609020204030204" pitchFamily="49" charset="0"/>
+              </a:rPr>
+              <a:t>The </a:t>
+            </a:r>
+            <a:r>
+              <a:rPr lang="en-US" sz="2000" dirty="0">
+                <a:solidFill>
+                  <a:schemeClr val="accent4"/>
+                </a:solidFill>
+                <a:latin typeface="Consolas" panose="020B0609020204030204" pitchFamily="49" charset="0"/>
+                <a:cs typeface="Consolas" panose="020B0609020204030204" pitchFamily="49" charset="0"/>
+              </a:rPr>
+              <a:t>if</a:t>
+            </a:r>
+            <a:r>
+              <a:rPr lang="en-US" dirty="0">
+                <a:cs typeface="Consolas" panose="020B0609020204030204" pitchFamily="49" charset="0"/>
+              </a:rPr>
+              <a:t> can exist by itself, but the </a:t>
+            </a:r>
+            <a:r>
+              <a:rPr lang="en-US" sz="2000" dirty="0">
+                <a:solidFill>
+                  <a:schemeClr val="accent4"/>
+                </a:solidFill>
+                <a:latin typeface="Consolas" panose="020B0609020204030204" pitchFamily="49" charset="0"/>
+                <a:cs typeface="Consolas" panose="020B0609020204030204" pitchFamily="49" charset="0"/>
+              </a:rPr>
+              <a:t>else</a:t>
+            </a:r>
+            <a:r>
+              <a:rPr lang="en-US" dirty="0">
+                <a:cs typeface="Consolas" panose="020B0609020204030204" pitchFamily="49" charset="0"/>
+              </a:rPr>
+              <a:t> CAN’T</a:t>
+            </a:r>
+          </a:p>
         </p:txBody>
       </p:sp>
     </p:spTree>
@@ -16739,6 +16821,109 @@
                                           <p:spTgt spid="3">
                                             <p:txEl>
                                               <p:pRg st="4" end="4"/>
+                                            </p:txEl>
+                                          </p:spTgt>
+                                        </p:tgtEl>
+                                        <p:attrNameLst>
+                                          <p:attrName>ppt_y</p:attrName>
+                                        </p:attrNameLst>
+                                      </p:cBhvr>
+                                      <p:tavLst>
+                                        <p:tav tm="0">
+                                          <p:val>
+                                            <p:strVal val="1+#ppt_h/2"/>
+                                          </p:val>
+                                        </p:tav>
+                                        <p:tav tm="100000">
+                                          <p:val>
+                                            <p:strVal val="#ppt_y"/>
+                                          </p:val>
+                                        </p:tav>
+                                      </p:tavLst>
+                                    </p:anim>
+                                  </p:childTnLst>
+                                </p:cTn>
+                              </p:par>
+                            </p:childTnLst>
+                          </p:cTn>
+                        </p:par>
+                      </p:childTnLst>
+                    </p:cTn>
+                  </p:par>
+                  <p:par>
+                    <p:cTn id="27" fill="hold">
+                      <p:stCondLst>
+                        <p:cond delay="indefinite"/>
+                      </p:stCondLst>
+                      <p:childTnLst>
+                        <p:par>
+                          <p:cTn id="28" fill="hold">
+                            <p:stCondLst>
+                              <p:cond delay="0"/>
+                            </p:stCondLst>
+                            <p:childTnLst>
+                              <p:par>
+                                <p:cTn id="29" presetID="2" presetClass="entr" presetSubtype="4" fill="hold" grpId="0" nodeType="clickEffect">
+                                  <p:stCondLst>
+                                    <p:cond delay="0"/>
+                                  </p:stCondLst>
+                                  <p:childTnLst>
+                                    <p:set>
+                                      <p:cBhvr>
+                                        <p:cTn id="30" dur="1" fill="hold">
+                                          <p:stCondLst>
+                                            <p:cond delay="0"/>
+                                          </p:stCondLst>
+                                        </p:cTn>
+                                        <p:tgtEl>
+                                          <p:spTgt spid="3">
+                                            <p:txEl>
+                                              <p:pRg st="5" end="5"/>
+                                            </p:txEl>
+                                          </p:spTgt>
+                                        </p:tgtEl>
+                                        <p:attrNameLst>
+                                          <p:attrName>style.visibility</p:attrName>
+                                        </p:attrNameLst>
+                                      </p:cBhvr>
+                                      <p:to>
+                                        <p:strVal val="visible"/>
+                                      </p:to>
+                                    </p:set>
+                                    <p:anim calcmode="lin" valueType="num">
+                                      <p:cBhvr additive="base">
+                                        <p:cTn id="31" dur="500" fill="hold"/>
+                                        <p:tgtEl>
+                                          <p:spTgt spid="3">
+                                            <p:txEl>
+                                              <p:pRg st="5" end="5"/>
+                                            </p:txEl>
+                                          </p:spTgt>
+                                        </p:tgtEl>
+                                        <p:attrNameLst>
+                                          <p:attrName>ppt_x</p:attrName>
+                                        </p:attrNameLst>
+                                      </p:cBhvr>
+                                      <p:tavLst>
+                                        <p:tav tm="0">
+                                          <p:val>
+                                            <p:strVal val="#ppt_x"/>
+                                          </p:val>
+                                        </p:tav>
+                                        <p:tav tm="100000">
+                                          <p:val>
+                                            <p:strVal val="#ppt_x"/>
+                                          </p:val>
+                                        </p:tav>
+                                      </p:tavLst>
+                                    </p:anim>
+                                    <p:anim calcmode="lin" valueType="num">
+                                      <p:cBhvr additive="base">
+                                        <p:cTn id="32" dur="500" fill="hold"/>
+                                        <p:tgtEl>
+                                          <p:spTgt spid="3">
+                                            <p:txEl>
+                                              <p:pRg st="5" end="5"/>
                                             </p:txEl>
                                           </p:spTgt>
                                         </p:tgtEl>
@@ -18349,6 +18534,476 @@
           <p:cNvPr id="2" name="Title 1">
             <a:extLst>
               <a:ext uri="{FF2B5EF4-FFF2-40B4-BE49-F238E27FC236}">
+                <a16:creationId xmlns:a16="http://schemas.microsoft.com/office/drawing/2014/main" id="{FC2FDB2E-3116-CF48-9783-C20B1A472A2A}"/>
+              </a:ext>
+            </a:extLst>
+          </p:cNvPr>
+          <p:cNvSpPr>
+            <a:spLocks noGrp="1"/>
+          </p:cNvSpPr>
+          <p:nvPr>
+            <p:ph type="title"/>
+          </p:nvPr>
+        </p:nvSpPr>
+        <p:spPr/>
+        <p:txBody>
+          <a:bodyPr/>
+          <a:lstStyle/>
+          <a:p>
+            <a:pPr algn="ctr"/>
+            <a:r>
+              <a:rPr lang="en-US" dirty="0"/>
+              <a:t>What will the following code print?</a:t>
+            </a:r>
+          </a:p>
+        </p:txBody>
+      </p:sp>
+      <p:sp>
+        <p:nvSpPr>
+          <p:cNvPr id="8" name="TextBox 7">
+            <a:extLst>
+              <a:ext uri="{FF2B5EF4-FFF2-40B4-BE49-F238E27FC236}">
+                <a16:creationId xmlns:a16="http://schemas.microsoft.com/office/drawing/2014/main" id="{7BEFFD4A-5A3D-A746-8176-DEC71B686451}"/>
+              </a:ext>
+            </a:extLst>
+          </p:cNvPr>
+          <p:cNvSpPr txBox="1"/>
+          <p:nvPr/>
+        </p:nvSpPr>
+        <p:spPr>
+          <a:xfrm>
+            <a:off x="7374194" y="2536723"/>
+            <a:ext cx="1172116" cy="400110"/>
+          </a:xfrm>
+          <a:prstGeom prst="rect">
+            <a:avLst/>
+          </a:prstGeom>
+          <a:noFill/>
+        </p:spPr>
+        <p:txBody>
+          <a:bodyPr wrap="none" rtlCol="0">
+            <a:spAutoFit/>
+          </a:bodyPr>
+          <a:lstStyle/>
+          <a:p>
+            <a:r>
+              <a:rPr lang="en-US" sz="2000" dirty="0">
+                <a:latin typeface="Consolas" panose="020B0609020204030204" pitchFamily="49" charset="0"/>
+                <a:cs typeface="Consolas" panose="020B0609020204030204" pitchFamily="49" charset="0"/>
+              </a:rPr>
+              <a:t>Output:</a:t>
+            </a:r>
+          </a:p>
+        </p:txBody>
+      </p:sp>
+      <p:sp>
+        <p:nvSpPr>
+          <p:cNvPr id="9" name="TextBox 8">
+            <a:extLst>
+              <a:ext uri="{FF2B5EF4-FFF2-40B4-BE49-F238E27FC236}">
+                <a16:creationId xmlns:a16="http://schemas.microsoft.com/office/drawing/2014/main" id="{0F2C77AB-261A-DA42-B62C-B90331105C3F}"/>
+              </a:ext>
+            </a:extLst>
+          </p:cNvPr>
+          <p:cNvSpPr txBox="1"/>
+          <p:nvPr/>
+        </p:nvSpPr>
+        <p:spPr>
+          <a:xfrm>
+            <a:off x="7374194" y="3966822"/>
+            <a:ext cx="4247534" cy="1015663"/>
+          </a:xfrm>
+          <a:prstGeom prst="rect">
+            <a:avLst/>
+          </a:prstGeom>
+          <a:noFill/>
+        </p:spPr>
+        <p:txBody>
+          <a:bodyPr wrap="square" rtlCol="0">
+            <a:spAutoFit/>
+          </a:bodyPr>
+          <a:lstStyle/>
+          <a:p>
+            <a:r>
+              <a:rPr lang="en-US" sz="2000" dirty="0"/>
+              <a:t>The </a:t>
+            </a:r>
+            <a:r>
+              <a:rPr lang="en-US" sz="2000" dirty="0">
+                <a:solidFill>
+                  <a:schemeClr val="accent4"/>
+                </a:solidFill>
+                <a:latin typeface="Consolas" panose="020B0609020204030204" pitchFamily="49" charset="0"/>
+                <a:cs typeface="Consolas" panose="020B0609020204030204" pitchFamily="49" charset="0"/>
+              </a:rPr>
+              <a:t>else</a:t>
+            </a:r>
+            <a:r>
+              <a:rPr lang="en-US" sz="2000" dirty="0"/>
+              <a:t> always refers back to the </a:t>
+            </a:r>
+            <a:r>
+              <a:rPr lang="en-US" sz="2000" b="1" u="sng" dirty="0"/>
+              <a:t>last</a:t>
+            </a:r>
+            <a:r>
+              <a:rPr lang="en-US" sz="2000" dirty="0"/>
+              <a:t> “else-less </a:t>
+            </a:r>
+            <a:r>
+              <a:rPr lang="en-US" sz="2000" dirty="0">
+                <a:solidFill>
+                  <a:schemeClr val="accent4"/>
+                </a:solidFill>
+                <a:latin typeface="Consolas" panose="020B0609020204030204" pitchFamily="49" charset="0"/>
+                <a:cs typeface="Consolas" panose="020B0609020204030204" pitchFamily="49" charset="0"/>
+              </a:rPr>
+              <a:t>if</a:t>
+            </a:r>
+            <a:r>
+              <a:rPr lang="en-US" sz="2000" dirty="0"/>
+              <a:t>” (the last </a:t>
+            </a:r>
+            <a:r>
+              <a:rPr lang="en-US" sz="2000" dirty="0">
+                <a:solidFill>
+                  <a:schemeClr val="accent4"/>
+                </a:solidFill>
+                <a:latin typeface="Consolas" panose="020B0609020204030204" pitchFamily="49" charset="0"/>
+                <a:cs typeface="Consolas" panose="020B0609020204030204" pitchFamily="49" charset="0"/>
+              </a:rPr>
+              <a:t>if</a:t>
+            </a:r>
+            <a:r>
+              <a:rPr lang="en-US" sz="2000" dirty="0"/>
+              <a:t> statement without an </a:t>
+            </a:r>
+            <a:r>
+              <a:rPr lang="en-US" sz="2000" dirty="0">
+                <a:solidFill>
+                  <a:schemeClr val="accent4"/>
+                </a:solidFill>
+                <a:latin typeface="Consolas" panose="020B0609020204030204" pitchFamily="49" charset="0"/>
+                <a:cs typeface="Consolas" panose="020B0609020204030204" pitchFamily="49" charset="0"/>
+              </a:rPr>
+              <a:t>else</a:t>
+            </a:r>
+            <a:r>
+              <a:rPr lang="en-US" sz="2000" dirty="0"/>
+              <a:t>)</a:t>
+            </a:r>
+          </a:p>
+        </p:txBody>
+      </p:sp>
+      <p:pic>
+        <p:nvPicPr>
+          <p:cNvPr id="15" name="Picture 14">
+            <a:extLst>
+              <a:ext uri="{FF2B5EF4-FFF2-40B4-BE49-F238E27FC236}">
+                <a16:creationId xmlns:a16="http://schemas.microsoft.com/office/drawing/2014/main" id="{81F2BD23-9D4E-AF4B-B4E1-312C86A2C45C}"/>
+              </a:ext>
+            </a:extLst>
+          </p:cNvPr>
+          <p:cNvPicPr>
+            <a:picLocks noChangeAspect="1"/>
+          </p:cNvPicPr>
+          <p:nvPr/>
+        </p:nvPicPr>
+        <p:blipFill>
+          <a:blip r:embed="rId2"/>
+          <a:stretch>
+            <a:fillRect/>
+          </a:stretch>
+        </p:blipFill>
+        <p:spPr>
+          <a:xfrm>
+            <a:off x="7374194" y="3002592"/>
+            <a:ext cx="3859875" cy="400109"/>
+          </a:xfrm>
+          <a:prstGeom prst="rect">
+            <a:avLst/>
+          </a:prstGeom>
+        </p:spPr>
+      </p:pic>
+      <p:pic>
+        <p:nvPicPr>
+          <p:cNvPr id="19" name="Content Placeholder 18">
+            <a:extLst>
+              <a:ext uri="{FF2B5EF4-FFF2-40B4-BE49-F238E27FC236}">
+                <a16:creationId xmlns:a16="http://schemas.microsoft.com/office/drawing/2014/main" id="{17946FCE-D38E-574F-A690-679AAABDA7A7}"/>
+              </a:ext>
+            </a:extLst>
+          </p:cNvPr>
+          <p:cNvPicPr>
+            <a:picLocks noGrp="1" noChangeAspect="1"/>
+          </p:cNvPicPr>
+          <p:nvPr>
+            <p:ph idx="1"/>
+          </p:nvPr>
+        </p:nvPicPr>
+        <p:blipFill>
+          <a:blip r:embed="rId3"/>
+          <a:stretch>
+            <a:fillRect/>
+          </a:stretch>
+        </p:blipFill>
+        <p:spPr>
+          <a:xfrm>
+            <a:off x="1141413" y="1739821"/>
+            <a:ext cx="5399357" cy="4885831"/>
+          </a:xfrm>
+        </p:spPr>
+      </p:pic>
+    </p:spTree>
+    <p:extLst>
+      <p:ext uri="{BB962C8B-B14F-4D97-AF65-F5344CB8AC3E}">
+        <p14:creationId xmlns:p14="http://schemas.microsoft.com/office/powerpoint/2010/main" val="4017947492"/>
+      </p:ext>
+    </p:extLst>
+  </p:cSld>
+  <p:clrMapOvr>
+    <a:masterClrMapping/>
+  </p:clrMapOvr>
+  <p:timing>
+    <p:tnLst>
+      <p:par>
+        <p:cTn id="1" dur="indefinite" restart="never" nodeType="tmRoot">
+          <p:childTnLst>
+            <p:seq concurrent="1" nextAc="seek">
+              <p:cTn id="2" dur="indefinite" nodeType="mainSeq">
+                <p:childTnLst>
+                  <p:par>
+                    <p:cTn id="3" fill="hold">
+                      <p:stCondLst>
+                        <p:cond delay="indefinite"/>
+                      </p:stCondLst>
+                      <p:childTnLst>
+                        <p:par>
+                          <p:cTn id="4" fill="hold">
+                            <p:stCondLst>
+                              <p:cond delay="0"/>
+                            </p:stCondLst>
+                            <p:childTnLst>
+                              <p:par>
+                                <p:cTn id="5" presetID="2" presetClass="entr" presetSubtype="4" fill="hold" nodeType="clickEffect">
+                                  <p:stCondLst>
+                                    <p:cond delay="0"/>
+                                  </p:stCondLst>
+                                  <p:childTnLst>
+                                    <p:set>
+                                      <p:cBhvr>
+                                        <p:cTn id="6" dur="1" fill="hold">
+                                          <p:stCondLst>
+                                            <p:cond delay="0"/>
+                                          </p:stCondLst>
+                                        </p:cTn>
+                                        <p:tgtEl>
+                                          <p:spTgt spid="15"/>
+                                        </p:tgtEl>
+                                        <p:attrNameLst>
+                                          <p:attrName>style.visibility</p:attrName>
+                                        </p:attrNameLst>
+                                      </p:cBhvr>
+                                      <p:to>
+                                        <p:strVal val="visible"/>
+                                      </p:to>
+                                    </p:set>
+                                    <p:anim calcmode="lin" valueType="num">
+                                      <p:cBhvr additive="base">
+                                        <p:cTn id="7" dur="500" fill="hold"/>
+                                        <p:tgtEl>
+                                          <p:spTgt spid="15"/>
+                                        </p:tgtEl>
+                                        <p:attrNameLst>
+                                          <p:attrName>ppt_x</p:attrName>
+                                        </p:attrNameLst>
+                                      </p:cBhvr>
+                                      <p:tavLst>
+                                        <p:tav tm="0">
+                                          <p:val>
+                                            <p:strVal val="#ppt_x"/>
+                                          </p:val>
+                                        </p:tav>
+                                        <p:tav tm="100000">
+                                          <p:val>
+                                            <p:strVal val="#ppt_x"/>
+                                          </p:val>
+                                        </p:tav>
+                                      </p:tavLst>
+                                    </p:anim>
+                                    <p:anim calcmode="lin" valueType="num">
+                                      <p:cBhvr additive="base">
+                                        <p:cTn id="8" dur="500" fill="hold"/>
+                                        <p:tgtEl>
+                                          <p:spTgt spid="15"/>
+                                        </p:tgtEl>
+                                        <p:attrNameLst>
+                                          <p:attrName>ppt_y</p:attrName>
+                                        </p:attrNameLst>
+                                      </p:cBhvr>
+                                      <p:tavLst>
+                                        <p:tav tm="0">
+                                          <p:val>
+                                            <p:strVal val="1+#ppt_h/2"/>
+                                          </p:val>
+                                        </p:tav>
+                                        <p:tav tm="100000">
+                                          <p:val>
+                                            <p:strVal val="#ppt_y"/>
+                                          </p:val>
+                                        </p:tav>
+                                      </p:tavLst>
+                                    </p:anim>
+                                  </p:childTnLst>
+                                </p:cTn>
+                              </p:par>
+                            </p:childTnLst>
+                          </p:cTn>
+                        </p:par>
+                      </p:childTnLst>
+                    </p:cTn>
+                  </p:par>
+                  <p:par>
+                    <p:cTn id="9" fill="hold">
+                      <p:stCondLst>
+                        <p:cond delay="indefinite"/>
+                      </p:stCondLst>
+                      <p:childTnLst>
+                        <p:par>
+                          <p:cTn id="10" fill="hold">
+                            <p:stCondLst>
+                              <p:cond delay="0"/>
+                            </p:stCondLst>
+                            <p:childTnLst>
+                              <p:par>
+                                <p:cTn id="11" presetID="2" presetClass="entr" presetSubtype="4" fill="hold" grpId="0" nodeType="clickEffect">
+                                  <p:stCondLst>
+                                    <p:cond delay="0"/>
+                                  </p:stCondLst>
+                                  <p:childTnLst>
+                                    <p:set>
+                                      <p:cBhvr>
+                                        <p:cTn id="12" dur="1" fill="hold">
+                                          <p:stCondLst>
+                                            <p:cond delay="0"/>
+                                          </p:stCondLst>
+                                        </p:cTn>
+                                        <p:tgtEl>
+                                          <p:spTgt spid="9"/>
+                                        </p:tgtEl>
+                                        <p:attrNameLst>
+                                          <p:attrName>style.visibility</p:attrName>
+                                        </p:attrNameLst>
+                                      </p:cBhvr>
+                                      <p:to>
+                                        <p:strVal val="visible"/>
+                                      </p:to>
+                                    </p:set>
+                                    <p:anim calcmode="lin" valueType="num">
+                                      <p:cBhvr additive="base">
+                                        <p:cTn id="13" dur="500" fill="hold"/>
+                                        <p:tgtEl>
+                                          <p:spTgt spid="9"/>
+                                        </p:tgtEl>
+                                        <p:attrNameLst>
+                                          <p:attrName>ppt_x</p:attrName>
+                                        </p:attrNameLst>
+                                      </p:cBhvr>
+                                      <p:tavLst>
+                                        <p:tav tm="0">
+                                          <p:val>
+                                            <p:strVal val="#ppt_x"/>
+                                          </p:val>
+                                        </p:tav>
+                                        <p:tav tm="100000">
+                                          <p:val>
+                                            <p:strVal val="#ppt_x"/>
+                                          </p:val>
+                                        </p:tav>
+                                      </p:tavLst>
+                                    </p:anim>
+                                    <p:anim calcmode="lin" valueType="num">
+                                      <p:cBhvr additive="base">
+                                        <p:cTn id="14" dur="500" fill="hold"/>
+                                        <p:tgtEl>
+                                          <p:spTgt spid="9"/>
+                                        </p:tgtEl>
+                                        <p:attrNameLst>
+                                          <p:attrName>ppt_y</p:attrName>
+                                        </p:attrNameLst>
+                                      </p:cBhvr>
+                                      <p:tavLst>
+                                        <p:tav tm="0">
+                                          <p:val>
+                                            <p:strVal val="1+#ppt_h/2"/>
+                                          </p:val>
+                                        </p:tav>
+                                        <p:tav tm="100000">
+                                          <p:val>
+                                            <p:strVal val="#ppt_y"/>
+                                          </p:val>
+                                        </p:tav>
+                                      </p:tavLst>
+                                    </p:anim>
+                                  </p:childTnLst>
+                                </p:cTn>
+                              </p:par>
+                            </p:childTnLst>
+                          </p:cTn>
+                        </p:par>
+                      </p:childTnLst>
+                    </p:cTn>
+                  </p:par>
+                </p:childTnLst>
+              </p:cTn>
+              <p:prevCondLst>
+                <p:cond evt="onPrev" delay="0">
+                  <p:tgtEl>
+                    <p:sldTgt/>
+                  </p:tgtEl>
+                </p:cond>
+              </p:prevCondLst>
+              <p:nextCondLst>
+                <p:cond evt="onNext" delay="0">
+                  <p:tgtEl>
+                    <p:sldTgt/>
+                  </p:tgtEl>
+                </p:cond>
+              </p:nextCondLst>
+            </p:seq>
+          </p:childTnLst>
+        </p:cTn>
+      </p:par>
+    </p:tnLst>
+    <p:bldLst>
+      <p:bldP spid="9" grpId="0"/>
+    </p:bldLst>
+  </p:timing>
+</p:sld>
+</file>
+
+<file path=ppt/slides/slide19.xml><?xml version="1.0" encoding="utf-8"?>
+<p:sld xmlns:a="http://schemas.openxmlformats.org/drawingml/2006/main" xmlns:r="http://schemas.openxmlformats.org/officeDocument/2006/relationships" xmlns:p="http://schemas.openxmlformats.org/presentationml/2006/main">
+  <p:cSld>
+    <p:spTree>
+      <p:nvGrpSpPr>
+        <p:cNvPr id="1" name=""/>
+        <p:cNvGrpSpPr/>
+        <p:nvPr/>
+      </p:nvGrpSpPr>
+      <p:grpSpPr>
+        <a:xfrm>
+          <a:off x="0" y="0"/>
+          <a:ext cx="0" cy="0"/>
+          <a:chOff x="0" y="0"/>
+          <a:chExt cx="0" cy="0"/>
+        </a:xfrm>
+      </p:grpSpPr>
+      <p:sp>
+        <p:nvSpPr>
+          <p:cNvPr id="2" name="Title 1">
+            <a:extLst>
+              <a:ext uri="{FF2B5EF4-FFF2-40B4-BE49-F238E27FC236}">
                 <a16:creationId xmlns:a16="http://schemas.microsoft.com/office/drawing/2014/main" id="{B02B745F-5694-F04F-AB7B-ED78D6B02F0B}"/>
               </a:ext>
             </a:extLst>
@@ -18418,7 +19073,7 @@
         <p:spPr>
           <a:xfrm>
             <a:off x="5838803" y="2097088"/>
-            <a:ext cx="1366593" cy="369332"/>
+            <a:ext cx="2177840" cy="523220"/>
           </a:xfrm>
           <a:prstGeom prst="rect">
             <a:avLst/>
@@ -18432,8 +19087,8 @@
           <a:lstStyle/>
           <a:p>
             <a:r>
-              <a:rPr lang="en-US" dirty="0"/>
-              <a:t>Yes they are.</a:t>
+              <a:rPr lang="en-US" sz="2800" b="1" dirty="0"/>
+              <a:t>Yes, they are.</a:t>
             </a:r>
           </a:p>
         </p:txBody>
@@ -18494,7 +19149,21 @@
             </a:r>
             <a:r>
               <a:rPr lang="en-US" dirty="0"/>
-              <a:t> evaluates to true. The top </a:t>
+              <a:t> evaluates to </a:t>
+            </a:r>
+            <a:r>
+              <a:rPr lang="en-US" sz="1600" dirty="0">
+                <a:solidFill>
+                  <a:schemeClr val="accent4"/>
+                </a:solidFill>
+                <a:latin typeface="Consolas" panose="020B0609020204030204" pitchFamily="49" charset="0"/>
+                <a:cs typeface="Consolas" panose="020B0609020204030204" pitchFamily="49" charset="0"/>
+              </a:rPr>
+              <a:t>true</a:t>
+            </a:r>
+            <a:r>
+              <a:rPr lang="en-US" dirty="0"/>
+              <a:t>. The top </a:t>
             </a:r>
             <a:r>
               <a:rPr lang="en-US" sz="1600" dirty="0">
@@ -18808,615 +19477,6 @@
     <p:bldLst>
       <p:bldP spid="6" grpId="0"/>
       <p:bldP spid="8" grpId="0"/>
-    </p:bldLst>
-  </p:timing>
-</p:sld>
-</file>
-
-<file path=ppt/slides/slide19.xml><?xml version="1.0" encoding="utf-8"?>
-<p:sld xmlns:a="http://schemas.openxmlformats.org/drawingml/2006/main" xmlns:r="http://schemas.openxmlformats.org/officeDocument/2006/relationships" xmlns:p="http://schemas.openxmlformats.org/presentationml/2006/main">
-  <p:cSld>
-    <p:spTree>
-      <p:nvGrpSpPr>
-        <p:cNvPr id="1" name=""/>
-        <p:cNvGrpSpPr/>
-        <p:nvPr/>
-      </p:nvGrpSpPr>
-      <p:grpSpPr>
-        <a:xfrm>
-          <a:off x="0" y="0"/>
-          <a:ext cx="0" cy="0"/>
-          <a:chOff x="0" y="0"/>
-          <a:chExt cx="0" cy="0"/>
-        </a:xfrm>
-      </p:grpSpPr>
-      <p:sp>
-        <p:nvSpPr>
-          <p:cNvPr id="2" name="Title 1">
-            <a:extLst>
-              <a:ext uri="{FF2B5EF4-FFF2-40B4-BE49-F238E27FC236}">
-                <a16:creationId xmlns:a16="http://schemas.microsoft.com/office/drawing/2014/main" id="{6C3D2955-4BD9-B94D-A098-909D9A3B9CB9}"/>
-              </a:ext>
-            </a:extLst>
-          </p:cNvPr>
-          <p:cNvSpPr>
-            <a:spLocks noGrp="1"/>
-          </p:cNvSpPr>
-          <p:nvPr>
-            <p:ph type="title"/>
-          </p:nvPr>
-        </p:nvSpPr>
-        <p:spPr/>
-        <p:txBody>
-          <a:bodyPr/>
-          <a:lstStyle/>
-          <a:p>
-            <a:pPr algn="ctr"/>
-            <a:r>
-              <a:rPr lang="en-US" dirty="0"/>
-              <a:t>The Switch statement </a:t>
-            </a:r>
-          </a:p>
-        </p:txBody>
-      </p:sp>
-      <p:sp>
-        <p:nvSpPr>
-          <p:cNvPr id="3" name="Content Placeholder 2">
-            <a:extLst>
-              <a:ext uri="{FF2B5EF4-FFF2-40B4-BE49-F238E27FC236}">
-                <a16:creationId xmlns:a16="http://schemas.microsoft.com/office/drawing/2014/main" id="{2AC59D8C-CFA7-4A4A-8C08-3EA2158178B1}"/>
-              </a:ext>
-            </a:extLst>
-          </p:cNvPr>
-          <p:cNvSpPr>
-            <a:spLocks noGrp="1"/>
-          </p:cNvSpPr>
-          <p:nvPr>
-            <p:ph idx="1"/>
-          </p:nvPr>
-        </p:nvSpPr>
-        <p:spPr>
-          <a:xfrm>
-            <a:off x="1141412" y="2249486"/>
-            <a:ext cx="9905999" cy="3989995"/>
-          </a:xfrm>
-        </p:spPr>
-        <p:txBody>
-          <a:bodyPr>
-            <a:normAutofit/>
-          </a:bodyPr>
-          <a:lstStyle/>
-          <a:p>
-            <a:r>
-              <a:rPr lang="en-US" dirty="0"/>
-              <a:t>There is an alternative to the </a:t>
-            </a:r>
-            <a:r>
-              <a:rPr lang="en-US" sz="2000" dirty="0">
-                <a:solidFill>
-                  <a:schemeClr val="accent4"/>
-                </a:solidFill>
-                <a:latin typeface="Consolas" panose="020B0609020204030204" pitchFamily="49" charset="0"/>
-                <a:cs typeface="Consolas" panose="020B0609020204030204" pitchFamily="49" charset="0"/>
-              </a:rPr>
-              <a:t>if</a:t>
-            </a:r>
-            <a:r>
-              <a:rPr lang="en-US" sz="2000" dirty="0">
-                <a:latin typeface="Consolas" panose="020B0609020204030204" pitchFamily="49" charset="0"/>
-                <a:cs typeface="Consolas" panose="020B0609020204030204" pitchFamily="49" charset="0"/>
-              </a:rPr>
-              <a:t>() </a:t>
-            </a:r>
-            <a:r>
-              <a:rPr lang="en-US" dirty="0"/>
-              <a:t>statement, this is called a </a:t>
-            </a:r>
-            <a:r>
-              <a:rPr lang="en-US" sz="2000" dirty="0">
-                <a:solidFill>
-                  <a:schemeClr val="accent4"/>
-                </a:solidFill>
-                <a:latin typeface="Consolas" panose="020B0609020204030204" pitchFamily="49" charset="0"/>
-                <a:cs typeface="Consolas" panose="020B0609020204030204" pitchFamily="49" charset="0"/>
-              </a:rPr>
-              <a:t>switch</a:t>
-            </a:r>
-            <a:r>
-              <a:rPr lang="en-US" sz="2000" dirty="0">
-                <a:latin typeface="Consolas" panose="020B0609020204030204" pitchFamily="49" charset="0"/>
-                <a:cs typeface="Consolas" panose="020B0609020204030204" pitchFamily="49" charset="0"/>
-              </a:rPr>
-              <a:t> </a:t>
-            </a:r>
-            <a:r>
-              <a:rPr lang="en-US" dirty="0"/>
-              <a:t>case</a:t>
-            </a:r>
-          </a:p>
-          <a:p>
-            <a:endParaRPr lang="en-US" dirty="0"/>
-          </a:p>
-          <a:p>
-            <a:r>
-              <a:rPr lang="en-US" dirty="0"/>
-              <a:t>It works identically to the </a:t>
-            </a:r>
-            <a:r>
-              <a:rPr lang="en-US" sz="2000" dirty="0">
-                <a:solidFill>
-                  <a:schemeClr val="accent4"/>
-                </a:solidFill>
-                <a:latin typeface="Consolas" panose="020B0609020204030204" pitchFamily="49" charset="0"/>
-                <a:cs typeface="Consolas" panose="020B0609020204030204" pitchFamily="49" charset="0"/>
-              </a:rPr>
-              <a:t>if</a:t>
-            </a:r>
-            <a:r>
-              <a:rPr lang="en-US" dirty="0"/>
-              <a:t> statement, the only difference being that it adheres to an explicit cases that we specify</a:t>
-            </a:r>
-          </a:p>
-          <a:p>
-            <a:endParaRPr lang="en-US" dirty="0"/>
-          </a:p>
-          <a:p>
-            <a:r>
-              <a:rPr lang="en-US" dirty="0"/>
-              <a:t>The </a:t>
-            </a:r>
-            <a:r>
-              <a:rPr lang="en-US" sz="2000" dirty="0">
-                <a:solidFill>
-                  <a:schemeClr val="accent4"/>
-                </a:solidFill>
-                <a:latin typeface="Consolas" panose="020B0609020204030204" pitchFamily="49" charset="0"/>
-                <a:cs typeface="Consolas" panose="020B0609020204030204" pitchFamily="49" charset="0"/>
-              </a:rPr>
-              <a:t>switch</a:t>
-            </a:r>
-            <a:r>
-              <a:rPr lang="en-US" dirty="0"/>
-              <a:t> expression CAN’T be used with any </a:t>
-            </a:r>
-            <a:r>
-              <a:rPr lang="en-US" u="sng" dirty="0"/>
-              <a:t>floating-point</a:t>
-            </a:r>
-            <a:r>
-              <a:rPr lang="en-US" dirty="0"/>
-              <a:t> data-type</a:t>
-            </a:r>
-          </a:p>
-          <a:p>
-            <a:r>
-              <a:rPr lang="en-US" dirty="0"/>
-              <a:t>The </a:t>
-            </a:r>
-            <a:r>
-              <a:rPr lang="en-US" sz="2000" dirty="0">
-                <a:solidFill>
-                  <a:schemeClr val="accent4"/>
-                </a:solidFill>
-                <a:latin typeface="Consolas" panose="020B0609020204030204" pitchFamily="49" charset="0"/>
-                <a:cs typeface="Consolas" panose="020B0609020204030204" pitchFamily="49" charset="0"/>
-              </a:rPr>
-              <a:t>case</a:t>
-            </a:r>
-            <a:r>
-              <a:rPr lang="en-US" dirty="0"/>
-              <a:t> constant CAN’T be used with the </a:t>
-            </a:r>
-            <a:r>
-              <a:rPr lang="en-US" sz="2000" u="sng" dirty="0">
-                <a:solidFill>
-                  <a:schemeClr val="accent4"/>
-                </a:solidFill>
-                <a:latin typeface="Consolas" panose="020B0609020204030204" pitchFamily="49" charset="0"/>
-                <a:cs typeface="Consolas" panose="020B0609020204030204" pitchFamily="49" charset="0"/>
-              </a:rPr>
-              <a:t>bool</a:t>
-            </a:r>
-            <a:r>
-              <a:rPr lang="en-US" dirty="0"/>
-              <a:t> data-type</a:t>
-            </a:r>
-          </a:p>
-        </p:txBody>
-      </p:sp>
-    </p:spTree>
-    <p:extLst>
-      <p:ext uri="{BB962C8B-B14F-4D97-AF65-F5344CB8AC3E}">
-        <p14:creationId xmlns:p14="http://schemas.microsoft.com/office/powerpoint/2010/main" val="411550234"/>
-      </p:ext>
-    </p:extLst>
-  </p:cSld>
-  <p:clrMapOvr>
-    <a:masterClrMapping/>
-  </p:clrMapOvr>
-  <p:timing>
-    <p:tnLst>
-      <p:par>
-        <p:cTn id="1" dur="indefinite" restart="never" nodeType="tmRoot">
-          <p:childTnLst>
-            <p:seq concurrent="1" nextAc="seek">
-              <p:cTn id="2" dur="indefinite" nodeType="mainSeq">
-                <p:childTnLst>
-                  <p:par>
-                    <p:cTn id="3" fill="hold">
-                      <p:stCondLst>
-                        <p:cond delay="indefinite"/>
-                      </p:stCondLst>
-                      <p:childTnLst>
-                        <p:par>
-                          <p:cTn id="4" fill="hold">
-                            <p:stCondLst>
-                              <p:cond delay="0"/>
-                            </p:stCondLst>
-                            <p:childTnLst>
-                              <p:par>
-                                <p:cTn id="5" presetID="12" presetClass="entr" presetSubtype="4" fill="hold" grpId="0" nodeType="clickEffect">
-                                  <p:stCondLst>
-                                    <p:cond delay="0"/>
-                                  </p:stCondLst>
-                                  <p:childTnLst>
-                                    <p:set>
-                                      <p:cBhvr>
-                                        <p:cTn id="6" dur="1" fill="hold">
-                                          <p:stCondLst>
-                                            <p:cond delay="0"/>
-                                          </p:stCondLst>
-                                        </p:cTn>
-                                        <p:tgtEl>
-                                          <p:spTgt spid="3">
-                                            <p:txEl>
-                                              <p:pRg st="0" end="0"/>
-                                            </p:txEl>
-                                          </p:spTgt>
-                                        </p:tgtEl>
-                                        <p:attrNameLst>
-                                          <p:attrName>style.visibility</p:attrName>
-                                        </p:attrNameLst>
-                                      </p:cBhvr>
-                                      <p:to>
-                                        <p:strVal val="visible"/>
-                                      </p:to>
-                                    </p:set>
-                                    <p:anim calcmode="lin" valueType="num">
-                                      <p:cBhvr additive="base">
-                                        <p:cTn id="7" dur="500"/>
-                                        <p:tgtEl>
-                                          <p:spTgt spid="3">
-                                            <p:txEl>
-                                              <p:pRg st="0" end="0"/>
-                                            </p:txEl>
-                                          </p:spTgt>
-                                        </p:tgtEl>
-                                        <p:attrNameLst>
-                                          <p:attrName>ppt_y</p:attrName>
-                                        </p:attrNameLst>
-                                      </p:cBhvr>
-                                      <p:tavLst>
-                                        <p:tav tm="0">
-                                          <p:val>
-                                            <p:strVal val="#ppt_y+#ppt_h*1.125000"/>
-                                          </p:val>
-                                        </p:tav>
-                                        <p:tav tm="100000">
-                                          <p:val>
-                                            <p:strVal val="#ppt_y"/>
-                                          </p:val>
-                                        </p:tav>
-                                      </p:tavLst>
-                                    </p:anim>
-                                    <p:animEffect transition="in" filter="wipe(up)">
-                                      <p:cBhvr>
-                                        <p:cTn id="8" dur="500"/>
-                                        <p:tgtEl>
-                                          <p:spTgt spid="3">
-                                            <p:txEl>
-                                              <p:pRg st="0" end="0"/>
-                                            </p:txEl>
-                                          </p:spTgt>
-                                        </p:tgtEl>
-                                      </p:cBhvr>
-                                    </p:animEffect>
-                                  </p:childTnLst>
-                                </p:cTn>
-                              </p:par>
-                            </p:childTnLst>
-                          </p:cTn>
-                        </p:par>
-                      </p:childTnLst>
-                    </p:cTn>
-                  </p:par>
-                  <p:par>
-                    <p:cTn id="9" fill="hold">
-                      <p:stCondLst>
-                        <p:cond delay="indefinite"/>
-                      </p:stCondLst>
-                      <p:childTnLst>
-                        <p:par>
-                          <p:cTn id="10" fill="hold">
-                            <p:stCondLst>
-                              <p:cond delay="0"/>
-                            </p:stCondLst>
-                            <p:childTnLst>
-                              <p:par>
-                                <p:cTn id="11" presetID="12" presetClass="entr" presetSubtype="4" fill="hold" grpId="0" nodeType="clickEffect">
-                                  <p:stCondLst>
-                                    <p:cond delay="0"/>
-                                  </p:stCondLst>
-                                  <p:childTnLst>
-                                    <p:set>
-                                      <p:cBhvr>
-                                        <p:cTn id="12" dur="1" fill="hold">
-                                          <p:stCondLst>
-                                            <p:cond delay="0"/>
-                                          </p:stCondLst>
-                                        </p:cTn>
-                                        <p:tgtEl>
-                                          <p:spTgt spid="3">
-                                            <p:txEl>
-                                              <p:pRg st="2" end="2"/>
-                                            </p:txEl>
-                                          </p:spTgt>
-                                        </p:tgtEl>
-                                        <p:attrNameLst>
-                                          <p:attrName>style.visibility</p:attrName>
-                                        </p:attrNameLst>
-                                      </p:cBhvr>
-                                      <p:to>
-                                        <p:strVal val="visible"/>
-                                      </p:to>
-                                    </p:set>
-                                    <p:anim calcmode="lin" valueType="num">
-                                      <p:cBhvr additive="base">
-                                        <p:cTn id="13" dur="500"/>
-                                        <p:tgtEl>
-                                          <p:spTgt spid="3">
-                                            <p:txEl>
-                                              <p:pRg st="2" end="2"/>
-                                            </p:txEl>
-                                          </p:spTgt>
-                                        </p:tgtEl>
-                                        <p:attrNameLst>
-                                          <p:attrName>ppt_y</p:attrName>
-                                        </p:attrNameLst>
-                                      </p:cBhvr>
-                                      <p:tavLst>
-                                        <p:tav tm="0">
-                                          <p:val>
-                                            <p:strVal val="#ppt_y+#ppt_h*1.125000"/>
-                                          </p:val>
-                                        </p:tav>
-                                        <p:tav tm="100000">
-                                          <p:val>
-                                            <p:strVal val="#ppt_y"/>
-                                          </p:val>
-                                        </p:tav>
-                                      </p:tavLst>
-                                    </p:anim>
-                                    <p:animEffect transition="in" filter="wipe(up)">
-                                      <p:cBhvr>
-                                        <p:cTn id="14" dur="500"/>
-                                        <p:tgtEl>
-                                          <p:spTgt spid="3">
-                                            <p:txEl>
-                                              <p:pRg st="2" end="2"/>
-                                            </p:txEl>
-                                          </p:spTgt>
-                                        </p:tgtEl>
-                                      </p:cBhvr>
-                                    </p:animEffect>
-                                  </p:childTnLst>
-                                </p:cTn>
-                              </p:par>
-                            </p:childTnLst>
-                          </p:cTn>
-                        </p:par>
-                      </p:childTnLst>
-                    </p:cTn>
-                  </p:par>
-                  <p:par>
-                    <p:cTn id="15" fill="hold">
-                      <p:stCondLst>
-                        <p:cond delay="indefinite"/>
-                      </p:stCondLst>
-                      <p:childTnLst>
-                        <p:par>
-                          <p:cTn id="16" fill="hold">
-                            <p:stCondLst>
-                              <p:cond delay="0"/>
-                            </p:stCondLst>
-                            <p:childTnLst>
-                              <p:par>
-                                <p:cTn id="17" presetID="12" presetClass="entr" presetSubtype="4" fill="hold" grpId="0" nodeType="clickEffect">
-                                  <p:stCondLst>
-                                    <p:cond delay="0"/>
-                                  </p:stCondLst>
-                                  <p:childTnLst>
-                                    <p:set>
-                                      <p:cBhvr>
-                                        <p:cTn id="18" dur="1" fill="hold">
-                                          <p:stCondLst>
-                                            <p:cond delay="0"/>
-                                          </p:stCondLst>
-                                        </p:cTn>
-                                        <p:tgtEl>
-                                          <p:spTgt spid="3">
-                                            <p:txEl>
-                                              <p:pRg st="4" end="4"/>
-                                            </p:txEl>
-                                          </p:spTgt>
-                                        </p:tgtEl>
-                                        <p:attrNameLst>
-                                          <p:attrName>style.visibility</p:attrName>
-                                        </p:attrNameLst>
-                                      </p:cBhvr>
-                                      <p:to>
-                                        <p:strVal val="visible"/>
-                                      </p:to>
-                                    </p:set>
-                                    <p:anim calcmode="lin" valueType="num">
-                                      <p:cBhvr additive="base">
-                                        <p:cTn id="19" dur="500"/>
-                                        <p:tgtEl>
-                                          <p:spTgt spid="3">
-                                            <p:txEl>
-                                              <p:pRg st="4" end="4"/>
-                                            </p:txEl>
-                                          </p:spTgt>
-                                        </p:tgtEl>
-                                        <p:attrNameLst>
-                                          <p:attrName>ppt_y</p:attrName>
-                                        </p:attrNameLst>
-                                      </p:cBhvr>
-                                      <p:tavLst>
-                                        <p:tav tm="0">
-                                          <p:val>
-                                            <p:strVal val="#ppt_y+#ppt_h*1.125000"/>
-                                          </p:val>
-                                        </p:tav>
-                                        <p:tav tm="100000">
-                                          <p:val>
-                                            <p:strVal val="#ppt_y"/>
-                                          </p:val>
-                                        </p:tav>
-                                      </p:tavLst>
-                                    </p:anim>
-                                    <p:animEffect transition="in" filter="wipe(up)">
-                                      <p:cBhvr>
-                                        <p:cTn id="20" dur="500"/>
-                                        <p:tgtEl>
-                                          <p:spTgt spid="3">
-                                            <p:txEl>
-                                              <p:pRg st="4" end="4"/>
-                                            </p:txEl>
-                                          </p:spTgt>
-                                        </p:tgtEl>
-                                      </p:cBhvr>
-                                    </p:animEffect>
-                                  </p:childTnLst>
-                                </p:cTn>
-                              </p:par>
-                            </p:childTnLst>
-                          </p:cTn>
-                        </p:par>
-                      </p:childTnLst>
-                    </p:cTn>
-                  </p:par>
-                  <p:par>
-                    <p:cTn id="21" fill="hold">
-                      <p:stCondLst>
-                        <p:cond delay="indefinite"/>
-                      </p:stCondLst>
-                      <p:childTnLst>
-                        <p:par>
-                          <p:cTn id="22" fill="hold">
-                            <p:stCondLst>
-                              <p:cond delay="0"/>
-                            </p:stCondLst>
-                            <p:childTnLst>
-                              <p:par>
-                                <p:cTn id="23" presetID="12" presetClass="entr" presetSubtype="4" fill="hold" grpId="0" nodeType="clickEffect">
-                                  <p:stCondLst>
-                                    <p:cond delay="0"/>
-                                  </p:stCondLst>
-                                  <p:childTnLst>
-                                    <p:set>
-                                      <p:cBhvr>
-                                        <p:cTn id="24" dur="1" fill="hold">
-                                          <p:stCondLst>
-                                            <p:cond delay="0"/>
-                                          </p:stCondLst>
-                                        </p:cTn>
-                                        <p:tgtEl>
-                                          <p:spTgt spid="3">
-                                            <p:txEl>
-                                              <p:pRg st="5" end="5"/>
-                                            </p:txEl>
-                                          </p:spTgt>
-                                        </p:tgtEl>
-                                        <p:attrNameLst>
-                                          <p:attrName>style.visibility</p:attrName>
-                                        </p:attrNameLst>
-                                      </p:cBhvr>
-                                      <p:to>
-                                        <p:strVal val="visible"/>
-                                      </p:to>
-                                    </p:set>
-                                    <p:anim calcmode="lin" valueType="num">
-                                      <p:cBhvr additive="base">
-                                        <p:cTn id="25" dur="500"/>
-                                        <p:tgtEl>
-                                          <p:spTgt spid="3">
-                                            <p:txEl>
-                                              <p:pRg st="5" end="5"/>
-                                            </p:txEl>
-                                          </p:spTgt>
-                                        </p:tgtEl>
-                                        <p:attrNameLst>
-                                          <p:attrName>ppt_y</p:attrName>
-                                        </p:attrNameLst>
-                                      </p:cBhvr>
-                                      <p:tavLst>
-                                        <p:tav tm="0">
-                                          <p:val>
-                                            <p:strVal val="#ppt_y+#ppt_h*1.125000"/>
-                                          </p:val>
-                                        </p:tav>
-                                        <p:tav tm="100000">
-                                          <p:val>
-                                            <p:strVal val="#ppt_y"/>
-                                          </p:val>
-                                        </p:tav>
-                                      </p:tavLst>
-                                    </p:anim>
-                                    <p:animEffect transition="in" filter="wipe(up)">
-                                      <p:cBhvr>
-                                        <p:cTn id="26" dur="500"/>
-                                        <p:tgtEl>
-                                          <p:spTgt spid="3">
-                                            <p:txEl>
-                                              <p:pRg st="5" end="5"/>
-                                            </p:txEl>
-                                          </p:spTgt>
-                                        </p:tgtEl>
-                                      </p:cBhvr>
-                                    </p:animEffect>
-                                  </p:childTnLst>
-                                </p:cTn>
-                              </p:par>
-                            </p:childTnLst>
-                          </p:cTn>
-                        </p:par>
-                      </p:childTnLst>
-                    </p:cTn>
-                  </p:par>
-                </p:childTnLst>
-              </p:cTn>
-              <p:prevCondLst>
-                <p:cond evt="onPrev" delay="0">
-                  <p:tgtEl>
-                    <p:sldTgt/>
-                  </p:tgtEl>
-                </p:cond>
-              </p:prevCondLst>
-              <p:nextCondLst>
-                <p:cond evt="onNext" delay="0">
-                  <p:tgtEl>
-                    <p:sldTgt/>
-                  </p:tgtEl>
-                </p:cond>
-              </p:nextCondLst>
-            </p:seq>
-          </p:childTnLst>
-        </p:cTn>
-      </p:par>
-    </p:tnLst>
-    <p:bldLst>
-      <p:bldP spid="3" grpId="0" build="p"/>
     </p:bldLst>
   </p:timing>
 </p:sld>
@@ -20668,6 +20728,615 @@
           <p:cNvPr id="2" name="Title 1">
             <a:extLst>
               <a:ext uri="{FF2B5EF4-FFF2-40B4-BE49-F238E27FC236}">
+                <a16:creationId xmlns:a16="http://schemas.microsoft.com/office/drawing/2014/main" id="{6C3D2955-4BD9-B94D-A098-909D9A3B9CB9}"/>
+              </a:ext>
+            </a:extLst>
+          </p:cNvPr>
+          <p:cNvSpPr>
+            <a:spLocks noGrp="1"/>
+          </p:cNvSpPr>
+          <p:nvPr>
+            <p:ph type="title"/>
+          </p:nvPr>
+        </p:nvSpPr>
+        <p:spPr/>
+        <p:txBody>
+          <a:bodyPr/>
+          <a:lstStyle/>
+          <a:p>
+            <a:pPr algn="ctr"/>
+            <a:r>
+              <a:rPr lang="en-US" dirty="0"/>
+              <a:t>The Switch statement </a:t>
+            </a:r>
+          </a:p>
+        </p:txBody>
+      </p:sp>
+      <p:sp>
+        <p:nvSpPr>
+          <p:cNvPr id="3" name="Content Placeholder 2">
+            <a:extLst>
+              <a:ext uri="{FF2B5EF4-FFF2-40B4-BE49-F238E27FC236}">
+                <a16:creationId xmlns:a16="http://schemas.microsoft.com/office/drawing/2014/main" id="{2AC59D8C-CFA7-4A4A-8C08-3EA2158178B1}"/>
+              </a:ext>
+            </a:extLst>
+          </p:cNvPr>
+          <p:cNvSpPr>
+            <a:spLocks noGrp="1"/>
+          </p:cNvSpPr>
+          <p:nvPr>
+            <p:ph idx="1"/>
+          </p:nvPr>
+        </p:nvSpPr>
+        <p:spPr>
+          <a:xfrm>
+            <a:off x="1141412" y="2249486"/>
+            <a:ext cx="9905999" cy="3989995"/>
+          </a:xfrm>
+        </p:spPr>
+        <p:txBody>
+          <a:bodyPr>
+            <a:normAutofit/>
+          </a:bodyPr>
+          <a:lstStyle/>
+          <a:p>
+            <a:r>
+              <a:rPr lang="en-US" dirty="0"/>
+              <a:t>There is an alternative to the </a:t>
+            </a:r>
+            <a:r>
+              <a:rPr lang="en-US" sz="2000" dirty="0">
+                <a:solidFill>
+                  <a:schemeClr val="accent4"/>
+                </a:solidFill>
+                <a:latin typeface="Consolas" panose="020B0609020204030204" pitchFamily="49" charset="0"/>
+                <a:cs typeface="Consolas" panose="020B0609020204030204" pitchFamily="49" charset="0"/>
+              </a:rPr>
+              <a:t>if</a:t>
+            </a:r>
+            <a:r>
+              <a:rPr lang="en-US" sz="2000" dirty="0">
+                <a:latin typeface="Consolas" panose="020B0609020204030204" pitchFamily="49" charset="0"/>
+                <a:cs typeface="Consolas" panose="020B0609020204030204" pitchFamily="49" charset="0"/>
+              </a:rPr>
+              <a:t>() </a:t>
+            </a:r>
+            <a:r>
+              <a:rPr lang="en-US" dirty="0"/>
+              <a:t>statement, this is called a </a:t>
+            </a:r>
+            <a:r>
+              <a:rPr lang="en-US" sz="2000" dirty="0">
+                <a:solidFill>
+                  <a:schemeClr val="accent4"/>
+                </a:solidFill>
+                <a:latin typeface="Consolas" panose="020B0609020204030204" pitchFamily="49" charset="0"/>
+                <a:cs typeface="Consolas" panose="020B0609020204030204" pitchFamily="49" charset="0"/>
+              </a:rPr>
+              <a:t>switch</a:t>
+            </a:r>
+            <a:r>
+              <a:rPr lang="en-US" sz="2000" dirty="0">
+                <a:latin typeface="Consolas" panose="020B0609020204030204" pitchFamily="49" charset="0"/>
+                <a:cs typeface="Consolas" panose="020B0609020204030204" pitchFamily="49" charset="0"/>
+              </a:rPr>
+              <a:t> </a:t>
+            </a:r>
+            <a:r>
+              <a:rPr lang="en-US" dirty="0"/>
+              <a:t>case</a:t>
+            </a:r>
+          </a:p>
+          <a:p>
+            <a:endParaRPr lang="en-US" dirty="0"/>
+          </a:p>
+          <a:p>
+            <a:r>
+              <a:rPr lang="en-US" dirty="0"/>
+              <a:t>It works identically to the </a:t>
+            </a:r>
+            <a:r>
+              <a:rPr lang="en-US" sz="2000" dirty="0">
+                <a:solidFill>
+                  <a:schemeClr val="accent4"/>
+                </a:solidFill>
+                <a:latin typeface="Consolas" panose="020B0609020204030204" pitchFamily="49" charset="0"/>
+                <a:cs typeface="Consolas" panose="020B0609020204030204" pitchFamily="49" charset="0"/>
+              </a:rPr>
+              <a:t>if</a:t>
+            </a:r>
+            <a:r>
+              <a:rPr lang="en-US" dirty="0"/>
+              <a:t> statement, the only difference being that it adheres to an explicit cases that we specify</a:t>
+            </a:r>
+          </a:p>
+          <a:p>
+            <a:endParaRPr lang="en-US" dirty="0"/>
+          </a:p>
+          <a:p>
+            <a:r>
+              <a:rPr lang="en-US" dirty="0"/>
+              <a:t>The </a:t>
+            </a:r>
+            <a:r>
+              <a:rPr lang="en-US" sz="2000" dirty="0">
+                <a:solidFill>
+                  <a:schemeClr val="accent4"/>
+                </a:solidFill>
+                <a:latin typeface="Consolas" panose="020B0609020204030204" pitchFamily="49" charset="0"/>
+                <a:cs typeface="Consolas" panose="020B0609020204030204" pitchFamily="49" charset="0"/>
+              </a:rPr>
+              <a:t>switch</a:t>
+            </a:r>
+            <a:r>
+              <a:rPr lang="en-US" dirty="0"/>
+              <a:t> expression CAN’T be used with any </a:t>
+            </a:r>
+            <a:r>
+              <a:rPr lang="en-US" u="sng" dirty="0"/>
+              <a:t>floating-point</a:t>
+            </a:r>
+            <a:r>
+              <a:rPr lang="en-US" dirty="0"/>
+              <a:t> data-type</a:t>
+            </a:r>
+          </a:p>
+          <a:p>
+            <a:r>
+              <a:rPr lang="en-US" dirty="0"/>
+              <a:t>The </a:t>
+            </a:r>
+            <a:r>
+              <a:rPr lang="en-US" sz="2000" dirty="0">
+                <a:solidFill>
+                  <a:schemeClr val="accent4"/>
+                </a:solidFill>
+                <a:latin typeface="Consolas" panose="020B0609020204030204" pitchFamily="49" charset="0"/>
+                <a:cs typeface="Consolas" panose="020B0609020204030204" pitchFamily="49" charset="0"/>
+              </a:rPr>
+              <a:t>case</a:t>
+            </a:r>
+            <a:r>
+              <a:rPr lang="en-US" dirty="0"/>
+              <a:t> constant CAN’T be used with the </a:t>
+            </a:r>
+            <a:r>
+              <a:rPr lang="en-US" sz="2000" u="sng" dirty="0">
+                <a:solidFill>
+                  <a:schemeClr val="accent4"/>
+                </a:solidFill>
+                <a:latin typeface="Consolas" panose="020B0609020204030204" pitchFamily="49" charset="0"/>
+                <a:cs typeface="Consolas" panose="020B0609020204030204" pitchFamily="49" charset="0"/>
+              </a:rPr>
+              <a:t>bool</a:t>
+            </a:r>
+            <a:r>
+              <a:rPr lang="en-US" dirty="0"/>
+              <a:t> data-type</a:t>
+            </a:r>
+          </a:p>
+        </p:txBody>
+      </p:sp>
+    </p:spTree>
+    <p:extLst>
+      <p:ext uri="{BB962C8B-B14F-4D97-AF65-F5344CB8AC3E}">
+        <p14:creationId xmlns:p14="http://schemas.microsoft.com/office/powerpoint/2010/main" val="411550234"/>
+      </p:ext>
+    </p:extLst>
+  </p:cSld>
+  <p:clrMapOvr>
+    <a:masterClrMapping/>
+  </p:clrMapOvr>
+  <p:timing>
+    <p:tnLst>
+      <p:par>
+        <p:cTn id="1" dur="indefinite" restart="never" nodeType="tmRoot">
+          <p:childTnLst>
+            <p:seq concurrent="1" nextAc="seek">
+              <p:cTn id="2" dur="indefinite" nodeType="mainSeq">
+                <p:childTnLst>
+                  <p:par>
+                    <p:cTn id="3" fill="hold">
+                      <p:stCondLst>
+                        <p:cond delay="indefinite"/>
+                      </p:stCondLst>
+                      <p:childTnLst>
+                        <p:par>
+                          <p:cTn id="4" fill="hold">
+                            <p:stCondLst>
+                              <p:cond delay="0"/>
+                            </p:stCondLst>
+                            <p:childTnLst>
+                              <p:par>
+                                <p:cTn id="5" presetID="12" presetClass="entr" presetSubtype="4" fill="hold" grpId="0" nodeType="clickEffect">
+                                  <p:stCondLst>
+                                    <p:cond delay="0"/>
+                                  </p:stCondLst>
+                                  <p:childTnLst>
+                                    <p:set>
+                                      <p:cBhvr>
+                                        <p:cTn id="6" dur="1" fill="hold">
+                                          <p:stCondLst>
+                                            <p:cond delay="0"/>
+                                          </p:stCondLst>
+                                        </p:cTn>
+                                        <p:tgtEl>
+                                          <p:spTgt spid="3">
+                                            <p:txEl>
+                                              <p:pRg st="0" end="0"/>
+                                            </p:txEl>
+                                          </p:spTgt>
+                                        </p:tgtEl>
+                                        <p:attrNameLst>
+                                          <p:attrName>style.visibility</p:attrName>
+                                        </p:attrNameLst>
+                                      </p:cBhvr>
+                                      <p:to>
+                                        <p:strVal val="visible"/>
+                                      </p:to>
+                                    </p:set>
+                                    <p:anim calcmode="lin" valueType="num">
+                                      <p:cBhvr additive="base">
+                                        <p:cTn id="7" dur="500"/>
+                                        <p:tgtEl>
+                                          <p:spTgt spid="3">
+                                            <p:txEl>
+                                              <p:pRg st="0" end="0"/>
+                                            </p:txEl>
+                                          </p:spTgt>
+                                        </p:tgtEl>
+                                        <p:attrNameLst>
+                                          <p:attrName>ppt_y</p:attrName>
+                                        </p:attrNameLst>
+                                      </p:cBhvr>
+                                      <p:tavLst>
+                                        <p:tav tm="0">
+                                          <p:val>
+                                            <p:strVal val="#ppt_y+#ppt_h*1.125000"/>
+                                          </p:val>
+                                        </p:tav>
+                                        <p:tav tm="100000">
+                                          <p:val>
+                                            <p:strVal val="#ppt_y"/>
+                                          </p:val>
+                                        </p:tav>
+                                      </p:tavLst>
+                                    </p:anim>
+                                    <p:animEffect transition="in" filter="wipe(up)">
+                                      <p:cBhvr>
+                                        <p:cTn id="8" dur="500"/>
+                                        <p:tgtEl>
+                                          <p:spTgt spid="3">
+                                            <p:txEl>
+                                              <p:pRg st="0" end="0"/>
+                                            </p:txEl>
+                                          </p:spTgt>
+                                        </p:tgtEl>
+                                      </p:cBhvr>
+                                    </p:animEffect>
+                                  </p:childTnLst>
+                                </p:cTn>
+                              </p:par>
+                            </p:childTnLst>
+                          </p:cTn>
+                        </p:par>
+                      </p:childTnLst>
+                    </p:cTn>
+                  </p:par>
+                  <p:par>
+                    <p:cTn id="9" fill="hold">
+                      <p:stCondLst>
+                        <p:cond delay="indefinite"/>
+                      </p:stCondLst>
+                      <p:childTnLst>
+                        <p:par>
+                          <p:cTn id="10" fill="hold">
+                            <p:stCondLst>
+                              <p:cond delay="0"/>
+                            </p:stCondLst>
+                            <p:childTnLst>
+                              <p:par>
+                                <p:cTn id="11" presetID="12" presetClass="entr" presetSubtype="4" fill="hold" grpId="0" nodeType="clickEffect">
+                                  <p:stCondLst>
+                                    <p:cond delay="0"/>
+                                  </p:stCondLst>
+                                  <p:childTnLst>
+                                    <p:set>
+                                      <p:cBhvr>
+                                        <p:cTn id="12" dur="1" fill="hold">
+                                          <p:stCondLst>
+                                            <p:cond delay="0"/>
+                                          </p:stCondLst>
+                                        </p:cTn>
+                                        <p:tgtEl>
+                                          <p:spTgt spid="3">
+                                            <p:txEl>
+                                              <p:pRg st="2" end="2"/>
+                                            </p:txEl>
+                                          </p:spTgt>
+                                        </p:tgtEl>
+                                        <p:attrNameLst>
+                                          <p:attrName>style.visibility</p:attrName>
+                                        </p:attrNameLst>
+                                      </p:cBhvr>
+                                      <p:to>
+                                        <p:strVal val="visible"/>
+                                      </p:to>
+                                    </p:set>
+                                    <p:anim calcmode="lin" valueType="num">
+                                      <p:cBhvr additive="base">
+                                        <p:cTn id="13" dur="500"/>
+                                        <p:tgtEl>
+                                          <p:spTgt spid="3">
+                                            <p:txEl>
+                                              <p:pRg st="2" end="2"/>
+                                            </p:txEl>
+                                          </p:spTgt>
+                                        </p:tgtEl>
+                                        <p:attrNameLst>
+                                          <p:attrName>ppt_y</p:attrName>
+                                        </p:attrNameLst>
+                                      </p:cBhvr>
+                                      <p:tavLst>
+                                        <p:tav tm="0">
+                                          <p:val>
+                                            <p:strVal val="#ppt_y+#ppt_h*1.125000"/>
+                                          </p:val>
+                                        </p:tav>
+                                        <p:tav tm="100000">
+                                          <p:val>
+                                            <p:strVal val="#ppt_y"/>
+                                          </p:val>
+                                        </p:tav>
+                                      </p:tavLst>
+                                    </p:anim>
+                                    <p:animEffect transition="in" filter="wipe(up)">
+                                      <p:cBhvr>
+                                        <p:cTn id="14" dur="500"/>
+                                        <p:tgtEl>
+                                          <p:spTgt spid="3">
+                                            <p:txEl>
+                                              <p:pRg st="2" end="2"/>
+                                            </p:txEl>
+                                          </p:spTgt>
+                                        </p:tgtEl>
+                                      </p:cBhvr>
+                                    </p:animEffect>
+                                  </p:childTnLst>
+                                </p:cTn>
+                              </p:par>
+                            </p:childTnLst>
+                          </p:cTn>
+                        </p:par>
+                      </p:childTnLst>
+                    </p:cTn>
+                  </p:par>
+                  <p:par>
+                    <p:cTn id="15" fill="hold">
+                      <p:stCondLst>
+                        <p:cond delay="indefinite"/>
+                      </p:stCondLst>
+                      <p:childTnLst>
+                        <p:par>
+                          <p:cTn id="16" fill="hold">
+                            <p:stCondLst>
+                              <p:cond delay="0"/>
+                            </p:stCondLst>
+                            <p:childTnLst>
+                              <p:par>
+                                <p:cTn id="17" presetID="12" presetClass="entr" presetSubtype="4" fill="hold" grpId="0" nodeType="clickEffect">
+                                  <p:stCondLst>
+                                    <p:cond delay="0"/>
+                                  </p:stCondLst>
+                                  <p:childTnLst>
+                                    <p:set>
+                                      <p:cBhvr>
+                                        <p:cTn id="18" dur="1" fill="hold">
+                                          <p:stCondLst>
+                                            <p:cond delay="0"/>
+                                          </p:stCondLst>
+                                        </p:cTn>
+                                        <p:tgtEl>
+                                          <p:spTgt spid="3">
+                                            <p:txEl>
+                                              <p:pRg st="4" end="4"/>
+                                            </p:txEl>
+                                          </p:spTgt>
+                                        </p:tgtEl>
+                                        <p:attrNameLst>
+                                          <p:attrName>style.visibility</p:attrName>
+                                        </p:attrNameLst>
+                                      </p:cBhvr>
+                                      <p:to>
+                                        <p:strVal val="visible"/>
+                                      </p:to>
+                                    </p:set>
+                                    <p:anim calcmode="lin" valueType="num">
+                                      <p:cBhvr additive="base">
+                                        <p:cTn id="19" dur="500"/>
+                                        <p:tgtEl>
+                                          <p:spTgt spid="3">
+                                            <p:txEl>
+                                              <p:pRg st="4" end="4"/>
+                                            </p:txEl>
+                                          </p:spTgt>
+                                        </p:tgtEl>
+                                        <p:attrNameLst>
+                                          <p:attrName>ppt_y</p:attrName>
+                                        </p:attrNameLst>
+                                      </p:cBhvr>
+                                      <p:tavLst>
+                                        <p:tav tm="0">
+                                          <p:val>
+                                            <p:strVal val="#ppt_y+#ppt_h*1.125000"/>
+                                          </p:val>
+                                        </p:tav>
+                                        <p:tav tm="100000">
+                                          <p:val>
+                                            <p:strVal val="#ppt_y"/>
+                                          </p:val>
+                                        </p:tav>
+                                      </p:tavLst>
+                                    </p:anim>
+                                    <p:animEffect transition="in" filter="wipe(up)">
+                                      <p:cBhvr>
+                                        <p:cTn id="20" dur="500"/>
+                                        <p:tgtEl>
+                                          <p:spTgt spid="3">
+                                            <p:txEl>
+                                              <p:pRg st="4" end="4"/>
+                                            </p:txEl>
+                                          </p:spTgt>
+                                        </p:tgtEl>
+                                      </p:cBhvr>
+                                    </p:animEffect>
+                                  </p:childTnLst>
+                                </p:cTn>
+                              </p:par>
+                            </p:childTnLst>
+                          </p:cTn>
+                        </p:par>
+                      </p:childTnLst>
+                    </p:cTn>
+                  </p:par>
+                  <p:par>
+                    <p:cTn id="21" fill="hold">
+                      <p:stCondLst>
+                        <p:cond delay="indefinite"/>
+                      </p:stCondLst>
+                      <p:childTnLst>
+                        <p:par>
+                          <p:cTn id="22" fill="hold">
+                            <p:stCondLst>
+                              <p:cond delay="0"/>
+                            </p:stCondLst>
+                            <p:childTnLst>
+                              <p:par>
+                                <p:cTn id="23" presetID="12" presetClass="entr" presetSubtype="4" fill="hold" grpId="0" nodeType="clickEffect">
+                                  <p:stCondLst>
+                                    <p:cond delay="0"/>
+                                  </p:stCondLst>
+                                  <p:childTnLst>
+                                    <p:set>
+                                      <p:cBhvr>
+                                        <p:cTn id="24" dur="1" fill="hold">
+                                          <p:stCondLst>
+                                            <p:cond delay="0"/>
+                                          </p:stCondLst>
+                                        </p:cTn>
+                                        <p:tgtEl>
+                                          <p:spTgt spid="3">
+                                            <p:txEl>
+                                              <p:pRg st="5" end="5"/>
+                                            </p:txEl>
+                                          </p:spTgt>
+                                        </p:tgtEl>
+                                        <p:attrNameLst>
+                                          <p:attrName>style.visibility</p:attrName>
+                                        </p:attrNameLst>
+                                      </p:cBhvr>
+                                      <p:to>
+                                        <p:strVal val="visible"/>
+                                      </p:to>
+                                    </p:set>
+                                    <p:anim calcmode="lin" valueType="num">
+                                      <p:cBhvr additive="base">
+                                        <p:cTn id="25" dur="500"/>
+                                        <p:tgtEl>
+                                          <p:spTgt spid="3">
+                                            <p:txEl>
+                                              <p:pRg st="5" end="5"/>
+                                            </p:txEl>
+                                          </p:spTgt>
+                                        </p:tgtEl>
+                                        <p:attrNameLst>
+                                          <p:attrName>ppt_y</p:attrName>
+                                        </p:attrNameLst>
+                                      </p:cBhvr>
+                                      <p:tavLst>
+                                        <p:tav tm="0">
+                                          <p:val>
+                                            <p:strVal val="#ppt_y+#ppt_h*1.125000"/>
+                                          </p:val>
+                                        </p:tav>
+                                        <p:tav tm="100000">
+                                          <p:val>
+                                            <p:strVal val="#ppt_y"/>
+                                          </p:val>
+                                        </p:tav>
+                                      </p:tavLst>
+                                    </p:anim>
+                                    <p:animEffect transition="in" filter="wipe(up)">
+                                      <p:cBhvr>
+                                        <p:cTn id="26" dur="500"/>
+                                        <p:tgtEl>
+                                          <p:spTgt spid="3">
+                                            <p:txEl>
+                                              <p:pRg st="5" end="5"/>
+                                            </p:txEl>
+                                          </p:spTgt>
+                                        </p:tgtEl>
+                                      </p:cBhvr>
+                                    </p:animEffect>
+                                  </p:childTnLst>
+                                </p:cTn>
+                              </p:par>
+                            </p:childTnLst>
+                          </p:cTn>
+                        </p:par>
+                      </p:childTnLst>
+                    </p:cTn>
+                  </p:par>
+                </p:childTnLst>
+              </p:cTn>
+              <p:prevCondLst>
+                <p:cond evt="onPrev" delay="0">
+                  <p:tgtEl>
+                    <p:sldTgt/>
+                  </p:tgtEl>
+                </p:cond>
+              </p:prevCondLst>
+              <p:nextCondLst>
+                <p:cond evt="onNext" delay="0">
+                  <p:tgtEl>
+                    <p:sldTgt/>
+                  </p:tgtEl>
+                </p:cond>
+              </p:nextCondLst>
+            </p:seq>
+          </p:childTnLst>
+        </p:cTn>
+      </p:par>
+    </p:tnLst>
+    <p:bldLst>
+      <p:bldP spid="3" grpId="0" build="p"/>
+    </p:bldLst>
+  </p:timing>
+</p:sld>
+</file>
+
+<file path=ppt/slides/slide21.xml><?xml version="1.0" encoding="utf-8"?>
+<p:sld xmlns:a="http://schemas.openxmlformats.org/drawingml/2006/main" xmlns:r="http://schemas.openxmlformats.org/officeDocument/2006/relationships" xmlns:p="http://schemas.openxmlformats.org/presentationml/2006/main">
+  <p:cSld>
+    <p:spTree>
+      <p:nvGrpSpPr>
+        <p:cNvPr id="1" name=""/>
+        <p:cNvGrpSpPr/>
+        <p:nvPr/>
+      </p:nvGrpSpPr>
+      <p:grpSpPr>
+        <a:xfrm>
+          <a:off x="0" y="0"/>
+          <a:ext cx="0" cy="0"/>
+          <a:chOff x="0" y="0"/>
+          <a:chExt cx="0" cy="0"/>
+        </a:xfrm>
+      </p:grpSpPr>
+      <p:sp>
+        <p:nvSpPr>
+          <p:cNvPr id="2" name="Title 1">
+            <a:extLst>
+              <a:ext uri="{FF2B5EF4-FFF2-40B4-BE49-F238E27FC236}">
                 <a16:creationId xmlns:a16="http://schemas.microsoft.com/office/drawing/2014/main" id="{9BDEF9C0-39F7-5341-99C7-A7519AE4DB83}"/>
               </a:ext>
             </a:extLst>
@@ -21769,7 +22438,7 @@
 </p:sld>
 </file>
 
-<file path=ppt/slides/slide21.xml><?xml version="1.0" encoding="utf-8"?>
+<file path=ppt/slides/slide22.xml><?xml version="1.0" encoding="utf-8"?>
 <p:sld xmlns:a="http://schemas.openxmlformats.org/drawingml/2006/main" xmlns:r="http://schemas.openxmlformats.org/officeDocument/2006/relationships" xmlns:p="http://schemas.openxmlformats.org/presentationml/2006/main">
   <p:cSld>
     <p:spTree>
@@ -21941,7 +22610,7 @@
 </p:sld>
 </file>
 
-<file path=ppt/slides/slide22.xml><?xml version="1.0" encoding="utf-8"?>
+<file path=ppt/slides/slide23.xml><?xml version="1.0" encoding="utf-8"?>
 <p:sld xmlns:a="http://schemas.openxmlformats.org/drawingml/2006/main" xmlns:r="http://schemas.openxmlformats.org/officeDocument/2006/relationships" xmlns:p="http://schemas.openxmlformats.org/presentationml/2006/main">
   <p:cSld>
     <p:spTree>
@@ -22071,7 +22740,7 @@
         </p:nvSpPr>
         <p:spPr>
           <a:xfrm>
-            <a:off x="6094412" y="2403205"/>
+            <a:off x="6094412" y="3269866"/>
             <a:ext cx="5715550" cy="1200329"/>
           </a:xfrm>
           <a:prstGeom prst="rect">
@@ -22337,7 +23006,7 @@
 </p:sld>
 </file>
 
-<file path=ppt/slides/slide23.xml><?xml version="1.0" encoding="utf-8"?>
+<file path=ppt/slides/slide24.xml><?xml version="1.0" encoding="utf-8"?>
 <p:sld xmlns:a="http://schemas.openxmlformats.org/drawingml/2006/main" xmlns:r="http://schemas.openxmlformats.org/officeDocument/2006/relationships" xmlns:p="http://schemas.openxmlformats.org/presentationml/2006/main">
   <p:cSld>
     <p:spTree>
@@ -22609,7 +23278,7 @@
 </p:sld>
 </file>
 
-<file path=ppt/slides/slide24.xml><?xml version="1.0" encoding="utf-8"?>
+<file path=ppt/slides/slide25.xml><?xml version="1.0" encoding="utf-8"?>
 <p:sld xmlns:a="http://schemas.openxmlformats.org/drawingml/2006/main" xmlns:r="http://schemas.openxmlformats.org/officeDocument/2006/relationships" xmlns:p="http://schemas.openxmlformats.org/presentationml/2006/main">
   <p:cSld>
     <p:spTree>
@@ -22869,7 +23538,7 @@
 </p:sld>
 </file>
 
-<file path=ppt/slides/slide25.xml><?xml version="1.0" encoding="utf-8"?>
+<file path=ppt/slides/slide26.xml><?xml version="1.0" encoding="utf-8"?>
 <p:sld xmlns:a="http://schemas.openxmlformats.org/drawingml/2006/main" xmlns:r="http://schemas.openxmlformats.org/officeDocument/2006/relationships" xmlns:p="http://schemas.openxmlformats.org/presentationml/2006/main">
   <p:cSld>
     <p:spTree>
@@ -23349,7 +24018,7 @@
 </p:sld>
 </file>
 
-<file path=ppt/slides/slide26.xml><?xml version="1.0" encoding="utf-8"?>
+<file path=ppt/slides/slide27.xml><?xml version="1.0" encoding="utf-8"?>
 <p:sld xmlns:a="http://schemas.openxmlformats.org/drawingml/2006/main" xmlns:r="http://schemas.openxmlformats.org/officeDocument/2006/relationships" xmlns:p="http://schemas.openxmlformats.org/presentationml/2006/main">
   <p:cSld>
     <p:spTree>
@@ -23726,7 +24395,7 @@
 </p:sld>
 </file>
 
-<file path=ppt/slides/slide27.xml><?xml version="1.0" encoding="utf-8"?>
+<file path=ppt/slides/slide28.xml><?xml version="1.0" encoding="utf-8"?>
 <p:sld xmlns:a="http://schemas.openxmlformats.org/drawingml/2006/main" xmlns:r="http://schemas.openxmlformats.org/officeDocument/2006/relationships" xmlns:p="http://schemas.openxmlformats.org/presentationml/2006/main">
   <p:cSld>
     <p:spTree>
@@ -25749,7 +26418,7 @@
 </p:sld>
 </file>
 
-<file path=ppt/slides/slide28.xml><?xml version="1.0" encoding="utf-8"?>
+<file path=ppt/slides/slide29.xml><?xml version="1.0" encoding="utf-8"?>
 <p:sld xmlns:a="http://schemas.openxmlformats.org/drawingml/2006/main" xmlns:r="http://schemas.openxmlformats.org/officeDocument/2006/relationships" xmlns:p="http://schemas.openxmlformats.org/presentationml/2006/main">
   <p:cSld>
     <p:spTree>
@@ -26331,588 +27000,6 @@
                                           <p:spTgt spid="3">
                                             <p:txEl>
                                               <p:pRg st="4" end="4"/>
-                                            </p:txEl>
-                                          </p:spTgt>
-                                        </p:tgtEl>
-                                        <p:attrNameLst>
-                                          <p:attrName>ppt_y</p:attrName>
-                                        </p:attrNameLst>
-                                      </p:cBhvr>
-                                      <p:tavLst>
-                                        <p:tav tm="0">
-                                          <p:val>
-                                            <p:strVal val="1+#ppt_h/2"/>
-                                          </p:val>
-                                        </p:tav>
-                                        <p:tav tm="100000">
-                                          <p:val>
-                                            <p:strVal val="#ppt_y"/>
-                                          </p:val>
-                                        </p:tav>
-                                      </p:tavLst>
-                                    </p:anim>
-                                  </p:childTnLst>
-                                </p:cTn>
-                              </p:par>
-                            </p:childTnLst>
-                          </p:cTn>
-                        </p:par>
-                      </p:childTnLst>
-                    </p:cTn>
-                  </p:par>
-                </p:childTnLst>
-              </p:cTn>
-              <p:prevCondLst>
-                <p:cond evt="onPrev" delay="0">
-                  <p:tgtEl>
-                    <p:sldTgt/>
-                  </p:tgtEl>
-                </p:cond>
-              </p:prevCondLst>
-              <p:nextCondLst>
-                <p:cond evt="onNext" delay="0">
-                  <p:tgtEl>
-                    <p:sldTgt/>
-                  </p:tgtEl>
-                </p:cond>
-              </p:nextCondLst>
-            </p:seq>
-          </p:childTnLst>
-        </p:cTn>
-      </p:par>
-    </p:tnLst>
-    <p:bldLst>
-      <p:bldP spid="3" grpId="0" build="p"/>
-    </p:bldLst>
-  </p:timing>
-</p:sld>
-</file>
-
-<file path=ppt/slides/slide29.xml><?xml version="1.0" encoding="utf-8"?>
-<p:sld xmlns:a="http://schemas.openxmlformats.org/drawingml/2006/main" xmlns:r="http://schemas.openxmlformats.org/officeDocument/2006/relationships" xmlns:p="http://schemas.openxmlformats.org/presentationml/2006/main">
-  <p:cSld>
-    <p:spTree>
-      <p:nvGrpSpPr>
-        <p:cNvPr id="1" name=""/>
-        <p:cNvGrpSpPr/>
-        <p:nvPr/>
-      </p:nvGrpSpPr>
-      <p:grpSpPr>
-        <a:xfrm>
-          <a:off x="0" y="0"/>
-          <a:ext cx="0" cy="0"/>
-          <a:chOff x="0" y="0"/>
-          <a:chExt cx="0" cy="0"/>
-        </a:xfrm>
-      </p:grpSpPr>
-      <p:sp>
-        <p:nvSpPr>
-          <p:cNvPr id="2" name="Title 1">
-            <a:extLst>
-              <a:ext uri="{FF2B5EF4-FFF2-40B4-BE49-F238E27FC236}">
-                <a16:creationId xmlns:a16="http://schemas.microsoft.com/office/drawing/2014/main" id="{93DBB41B-98DE-2F4C-9C0C-0561A665B37D}"/>
-              </a:ext>
-            </a:extLst>
-          </p:cNvPr>
-          <p:cNvSpPr>
-            <a:spLocks noGrp="1"/>
-          </p:cNvSpPr>
-          <p:nvPr>
-            <p:ph type="title"/>
-          </p:nvPr>
-        </p:nvSpPr>
-        <p:spPr/>
-        <p:txBody>
-          <a:bodyPr/>
-          <a:lstStyle/>
-          <a:p>
-            <a:pPr algn="ctr"/>
-            <a:r>
-              <a:rPr lang="en-US" dirty="0"/>
-              <a:t>Function Argument</a:t>
-            </a:r>
-          </a:p>
-        </p:txBody>
-      </p:sp>
-      <p:sp>
-        <p:nvSpPr>
-          <p:cNvPr id="3" name="Content Placeholder 2">
-            <a:extLst>
-              <a:ext uri="{FF2B5EF4-FFF2-40B4-BE49-F238E27FC236}">
-                <a16:creationId xmlns:a16="http://schemas.microsoft.com/office/drawing/2014/main" id="{22B3299C-D5DF-3044-BD65-094D59277646}"/>
-              </a:ext>
-            </a:extLst>
-          </p:cNvPr>
-          <p:cNvSpPr>
-            <a:spLocks noGrp="1"/>
-          </p:cNvSpPr>
-          <p:nvPr>
-            <p:ph idx="1"/>
-          </p:nvPr>
-        </p:nvSpPr>
-        <p:spPr/>
-        <p:txBody>
-          <a:bodyPr/>
-          <a:lstStyle/>
-          <a:p>
-            <a:r>
-              <a:rPr lang="en-US" dirty="0"/>
-              <a:t>Function arguments are what gets passed into a function [passed into the brackets of the function].</a:t>
-            </a:r>
-          </a:p>
-          <a:p>
-            <a:r>
-              <a:rPr lang="en-US" dirty="0"/>
-              <a:t>They can have </a:t>
-            </a:r>
-            <a:r>
-              <a:rPr lang="en-US" u="sng" dirty="0"/>
-              <a:t>any name we want</a:t>
-            </a:r>
-            <a:r>
-              <a:rPr lang="en-US" dirty="0"/>
-              <a:t>, as long as it’s </a:t>
-            </a:r>
-            <a:r>
-              <a:rPr lang="en-US" u="sng" dirty="0"/>
-              <a:t>not a number</a:t>
-            </a:r>
-            <a:r>
-              <a:rPr lang="en-US" dirty="0"/>
-              <a:t>.</a:t>
-            </a:r>
-          </a:p>
-          <a:p>
-            <a:r>
-              <a:rPr lang="en-US" dirty="0"/>
-              <a:t>Function arguments are proceeded by their type</a:t>
-            </a:r>
-          </a:p>
-          <a:p>
-            <a:pPr lvl="1"/>
-            <a:r>
-              <a:rPr lang="en-US" dirty="0"/>
-              <a:t>If </a:t>
-            </a:r>
-            <a:r>
-              <a:rPr lang="en-US" sz="1800" dirty="0" err="1">
-                <a:latin typeface="Consolas" panose="020B0609020204030204" pitchFamily="49" charset="0"/>
-                <a:cs typeface="Consolas" panose="020B0609020204030204" pitchFamily="49" charset="0"/>
-              </a:rPr>
-              <a:t>var</a:t>
-            </a:r>
-            <a:r>
-              <a:rPr lang="en-US" dirty="0"/>
-              <a:t> is an </a:t>
-            </a:r>
-            <a:r>
-              <a:rPr lang="en-US" u="sng" dirty="0"/>
-              <a:t>integer</a:t>
-            </a:r>
-            <a:r>
-              <a:rPr lang="en-US" dirty="0"/>
-              <a:t>, then it will have the </a:t>
-            </a:r>
-            <a:r>
-              <a:rPr lang="en-US" sz="1800" dirty="0" err="1">
-                <a:solidFill>
-                  <a:schemeClr val="accent4"/>
-                </a:solidFill>
-                <a:latin typeface="Consolas" panose="020B0609020204030204" pitchFamily="49" charset="0"/>
-                <a:cs typeface="Consolas" panose="020B0609020204030204" pitchFamily="49" charset="0"/>
-              </a:rPr>
-              <a:t>int</a:t>
-            </a:r>
-            <a:r>
-              <a:rPr lang="en-US" dirty="0"/>
-              <a:t> type before it</a:t>
-            </a:r>
-          </a:p>
-        </p:txBody>
-      </p:sp>
-    </p:spTree>
-    <p:extLst>
-      <p:ext uri="{BB962C8B-B14F-4D97-AF65-F5344CB8AC3E}">
-        <p14:creationId xmlns:p14="http://schemas.microsoft.com/office/powerpoint/2010/main" val="75753140"/>
-      </p:ext>
-    </p:extLst>
-  </p:cSld>
-  <p:clrMapOvr>
-    <a:masterClrMapping/>
-  </p:clrMapOvr>
-  <p:timing>
-    <p:tnLst>
-      <p:par>
-        <p:cTn id="1" dur="indefinite" restart="never" nodeType="tmRoot">
-          <p:childTnLst>
-            <p:seq concurrent="1" nextAc="seek">
-              <p:cTn id="2" dur="indefinite" nodeType="mainSeq">
-                <p:childTnLst>
-                  <p:par>
-                    <p:cTn id="3" fill="hold">
-                      <p:stCondLst>
-                        <p:cond delay="indefinite"/>
-                      </p:stCondLst>
-                      <p:childTnLst>
-                        <p:par>
-                          <p:cTn id="4" fill="hold">
-                            <p:stCondLst>
-                              <p:cond delay="0"/>
-                            </p:stCondLst>
-                            <p:childTnLst>
-                              <p:par>
-                                <p:cTn id="5" presetID="2" presetClass="entr" presetSubtype="4" fill="hold" grpId="0" nodeType="clickEffect">
-                                  <p:stCondLst>
-                                    <p:cond delay="0"/>
-                                  </p:stCondLst>
-                                  <p:childTnLst>
-                                    <p:set>
-                                      <p:cBhvr>
-                                        <p:cTn id="6" dur="1" fill="hold">
-                                          <p:stCondLst>
-                                            <p:cond delay="0"/>
-                                          </p:stCondLst>
-                                        </p:cTn>
-                                        <p:tgtEl>
-                                          <p:spTgt spid="3">
-                                            <p:txEl>
-                                              <p:pRg st="0" end="0"/>
-                                            </p:txEl>
-                                          </p:spTgt>
-                                        </p:tgtEl>
-                                        <p:attrNameLst>
-                                          <p:attrName>style.visibility</p:attrName>
-                                        </p:attrNameLst>
-                                      </p:cBhvr>
-                                      <p:to>
-                                        <p:strVal val="visible"/>
-                                      </p:to>
-                                    </p:set>
-                                    <p:anim calcmode="lin" valueType="num">
-                                      <p:cBhvr additive="base">
-                                        <p:cTn id="7" dur="500" fill="hold"/>
-                                        <p:tgtEl>
-                                          <p:spTgt spid="3">
-                                            <p:txEl>
-                                              <p:pRg st="0" end="0"/>
-                                            </p:txEl>
-                                          </p:spTgt>
-                                        </p:tgtEl>
-                                        <p:attrNameLst>
-                                          <p:attrName>ppt_x</p:attrName>
-                                        </p:attrNameLst>
-                                      </p:cBhvr>
-                                      <p:tavLst>
-                                        <p:tav tm="0">
-                                          <p:val>
-                                            <p:strVal val="#ppt_x"/>
-                                          </p:val>
-                                        </p:tav>
-                                        <p:tav tm="100000">
-                                          <p:val>
-                                            <p:strVal val="#ppt_x"/>
-                                          </p:val>
-                                        </p:tav>
-                                      </p:tavLst>
-                                    </p:anim>
-                                    <p:anim calcmode="lin" valueType="num">
-                                      <p:cBhvr additive="base">
-                                        <p:cTn id="8" dur="500" fill="hold"/>
-                                        <p:tgtEl>
-                                          <p:spTgt spid="3">
-                                            <p:txEl>
-                                              <p:pRg st="0" end="0"/>
-                                            </p:txEl>
-                                          </p:spTgt>
-                                        </p:tgtEl>
-                                        <p:attrNameLst>
-                                          <p:attrName>ppt_y</p:attrName>
-                                        </p:attrNameLst>
-                                      </p:cBhvr>
-                                      <p:tavLst>
-                                        <p:tav tm="0">
-                                          <p:val>
-                                            <p:strVal val="1+#ppt_h/2"/>
-                                          </p:val>
-                                        </p:tav>
-                                        <p:tav tm="100000">
-                                          <p:val>
-                                            <p:strVal val="#ppt_y"/>
-                                          </p:val>
-                                        </p:tav>
-                                      </p:tavLst>
-                                    </p:anim>
-                                  </p:childTnLst>
-                                </p:cTn>
-                              </p:par>
-                            </p:childTnLst>
-                          </p:cTn>
-                        </p:par>
-                      </p:childTnLst>
-                    </p:cTn>
-                  </p:par>
-                  <p:par>
-                    <p:cTn id="9" fill="hold">
-                      <p:stCondLst>
-                        <p:cond delay="indefinite"/>
-                      </p:stCondLst>
-                      <p:childTnLst>
-                        <p:par>
-                          <p:cTn id="10" fill="hold">
-                            <p:stCondLst>
-                              <p:cond delay="0"/>
-                            </p:stCondLst>
-                            <p:childTnLst>
-                              <p:par>
-                                <p:cTn id="11" presetID="2" presetClass="entr" presetSubtype="4" fill="hold" grpId="0" nodeType="clickEffect">
-                                  <p:stCondLst>
-                                    <p:cond delay="0"/>
-                                  </p:stCondLst>
-                                  <p:childTnLst>
-                                    <p:set>
-                                      <p:cBhvr>
-                                        <p:cTn id="12" dur="1" fill="hold">
-                                          <p:stCondLst>
-                                            <p:cond delay="0"/>
-                                          </p:stCondLst>
-                                        </p:cTn>
-                                        <p:tgtEl>
-                                          <p:spTgt spid="3">
-                                            <p:txEl>
-                                              <p:pRg st="1" end="1"/>
-                                            </p:txEl>
-                                          </p:spTgt>
-                                        </p:tgtEl>
-                                        <p:attrNameLst>
-                                          <p:attrName>style.visibility</p:attrName>
-                                        </p:attrNameLst>
-                                      </p:cBhvr>
-                                      <p:to>
-                                        <p:strVal val="visible"/>
-                                      </p:to>
-                                    </p:set>
-                                    <p:anim calcmode="lin" valueType="num">
-                                      <p:cBhvr additive="base">
-                                        <p:cTn id="13" dur="500" fill="hold"/>
-                                        <p:tgtEl>
-                                          <p:spTgt spid="3">
-                                            <p:txEl>
-                                              <p:pRg st="1" end="1"/>
-                                            </p:txEl>
-                                          </p:spTgt>
-                                        </p:tgtEl>
-                                        <p:attrNameLst>
-                                          <p:attrName>ppt_x</p:attrName>
-                                        </p:attrNameLst>
-                                      </p:cBhvr>
-                                      <p:tavLst>
-                                        <p:tav tm="0">
-                                          <p:val>
-                                            <p:strVal val="#ppt_x"/>
-                                          </p:val>
-                                        </p:tav>
-                                        <p:tav tm="100000">
-                                          <p:val>
-                                            <p:strVal val="#ppt_x"/>
-                                          </p:val>
-                                        </p:tav>
-                                      </p:tavLst>
-                                    </p:anim>
-                                    <p:anim calcmode="lin" valueType="num">
-                                      <p:cBhvr additive="base">
-                                        <p:cTn id="14" dur="500" fill="hold"/>
-                                        <p:tgtEl>
-                                          <p:spTgt spid="3">
-                                            <p:txEl>
-                                              <p:pRg st="1" end="1"/>
-                                            </p:txEl>
-                                          </p:spTgt>
-                                        </p:tgtEl>
-                                        <p:attrNameLst>
-                                          <p:attrName>ppt_y</p:attrName>
-                                        </p:attrNameLst>
-                                      </p:cBhvr>
-                                      <p:tavLst>
-                                        <p:tav tm="0">
-                                          <p:val>
-                                            <p:strVal val="1+#ppt_h/2"/>
-                                          </p:val>
-                                        </p:tav>
-                                        <p:tav tm="100000">
-                                          <p:val>
-                                            <p:strVal val="#ppt_y"/>
-                                          </p:val>
-                                        </p:tav>
-                                      </p:tavLst>
-                                    </p:anim>
-                                  </p:childTnLst>
-                                </p:cTn>
-                              </p:par>
-                            </p:childTnLst>
-                          </p:cTn>
-                        </p:par>
-                      </p:childTnLst>
-                    </p:cTn>
-                  </p:par>
-                  <p:par>
-                    <p:cTn id="15" fill="hold">
-                      <p:stCondLst>
-                        <p:cond delay="indefinite"/>
-                      </p:stCondLst>
-                      <p:childTnLst>
-                        <p:par>
-                          <p:cTn id="16" fill="hold">
-                            <p:stCondLst>
-                              <p:cond delay="0"/>
-                            </p:stCondLst>
-                            <p:childTnLst>
-                              <p:par>
-                                <p:cTn id="17" presetID="2" presetClass="entr" presetSubtype="4" fill="hold" grpId="0" nodeType="clickEffect">
-                                  <p:stCondLst>
-                                    <p:cond delay="0"/>
-                                  </p:stCondLst>
-                                  <p:childTnLst>
-                                    <p:set>
-                                      <p:cBhvr>
-                                        <p:cTn id="18" dur="1" fill="hold">
-                                          <p:stCondLst>
-                                            <p:cond delay="0"/>
-                                          </p:stCondLst>
-                                        </p:cTn>
-                                        <p:tgtEl>
-                                          <p:spTgt spid="3">
-                                            <p:txEl>
-                                              <p:pRg st="2" end="2"/>
-                                            </p:txEl>
-                                          </p:spTgt>
-                                        </p:tgtEl>
-                                        <p:attrNameLst>
-                                          <p:attrName>style.visibility</p:attrName>
-                                        </p:attrNameLst>
-                                      </p:cBhvr>
-                                      <p:to>
-                                        <p:strVal val="visible"/>
-                                      </p:to>
-                                    </p:set>
-                                    <p:anim calcmode="lin" valueType="num">
-                                      <p:cBhvr additive="base">
-                                        <p:cTn id="19" dur="500" fill="hold"/>
-                                        <p:tgtEl>
-                                          <p:spTgt spid="3">
-                                            <p:txEl>
-                                              <p:pRg st="2" end="2"/>
-                                            </p:txEl>
-                                          </p:spTgt>
-                                        </p:tgtEl>
-                                        <p:attrNameLst>
-                                          <p:attrName>ppt_x</p:attrName>
-                                        </p:attrNameLst>
-                                      </p:cBhvr>
-                                      <p:tavLst>
-                                        <p:tav tm="0">
-                                          <p:val>
-                                            <p:strVal val="#ppt_x"/>
-                                          </p:val>
-                                        </p:tav>
-                                        <p:tav tm="100000">
-                                          <p:val>
-                                            <p:strVal val="#ppt_x"/>
-                                          </p:val>
-                                        </p:tav>
-                                      </p:tavLst>
-                                    </p:anim>
-                                    <p:anim calcmode="lin" valueType="num">
-                                      <p:cBhvr additive="base">
-                                        <p:cTn id="20" dur="500" fill="hold"/>
-                                        <p:tgtEl>
-                                          <p:spTgt spid="3">
-                                            <p:txEl>
-                                              <p:pRg st="2" end="2"/>
-                                            </p:txEl>
-                                          </p:spTgt>
-                                        </p:tgtEl>
-                                        <p:attrNameLst>
-                                          <p:attrName>ppt_y</p:attrName>
-                                        </p:attrNameLst>
-                                      </p:cBhvr>
-                                      <p:tavLst>
-                                        <p:tav tm="0">
-                                          <p:val>
-                                            <p:strVal val="1+#ppt_h/2"/>
-                                          </p:val>
-                                        </p:tav>
-                                        <p:tav tm="100000">
-                                          <p:val>
-                                            <p:strVal val="#ppt_y"/>
-                                          </p:val>
-                                        </p:tav>
-                                      </p:tavLst>
-                                    </p:anim>
-                                  </p:childTnLst>
-                                </p:cTn>
-                              </p:par>
-                              <p:par>
-                                <p:cTn id="21" presetID="2" presetClass="entr" presetSubtype="4" fill="hold" grpId="0" nodeType="withEffect">
-                                  <p:stCondLst>
-                                    <p:cond delay="0"/>
-                                  </p:stCondLst>
-                                  <p:childTnLst>
-                                    <p:set>
-                                      <p:cBhvr>
-                                        <p:cTn id="22" dur="1" fill="hold">
-                                          <p:stCondLst>
-                                            <p:cond delay="0"/>
-                                          </p:stCondLst>
-                                        </p:cTn>
-                                        <p:tgtEl>
-                                          <p:spTgt spid="3">
-                                            <p:txEl>
-                                              <p:pRg st="3" end="3"/>
-                                            </p:txEl>
-                                          </p:spTgt>
-                                        </p:tgtEl>
-                                        <p:attrNameLst>
-                                          <p:attrName>style.visibility</p:attrName>
-                                        </p:attrNameLst>
-                                      </p:cBhvr>
-                                      <p:to>
-                                        <p:strVal val="visible"/>
-                                      </p:to>
-                                    </p:set>
-                                    <p:anim calcmode="lin" valueType="num">
-                                      <p:cBhvr additive="base">
-                                        <p:cTn id="23" dur="500" fill="hold"/>
-                                        <p:tgtEl>
-                                          <p:spTgt spid="3">
-                                            <p:txEl>
-                                              <p:pRg st="3" end="3"/>
-                                            </p:txEl>
-                                          </p:spTgt>
-                                        </p:tgtEl>
-                                        <p:attrNameLst>
-                                          <p:attrName>ppt_x</p:attrName>
-                                        </p:attrNameLst>
-                                      </p:cBhvr>
-                                      <p:tavLst>
-                                        <p:tav tm="0">
-                                          <p:val>
-                                            <p:strVal val="#ppt_x"/>
-                                          </p:val>
-                                        </p:tav>
-                                        <p:tav tm="100000">
-                                          <p:val>
-                                            <p:strVal val="#ppt_x"/>
-                                          </p:val>
-                                        </p:tav>
-                                      </p:tavLst>
-                                    </p:anim>
-                                    <p:anim calcmode="lin" valueType="num">
-                                      <p:cBhvr additive="base">
-                                        <p:cTn id="24" dur="500" fill="hold"/>
-                                        <p:tgtEl>
-                                          <p:spTgt spid="3">
-                                            <p:txEl>
-                                              <p:pRg st="3" end="3"/>
                                             </p:txEl>
                                           </p:spTgt>
                                         </p:tgtEl>
@@ -27536,6 +27623,588 @@
           <p:cNvPr id="2" name="Title 1">
             <a:extLst>
               <a:ext uri="{FF2B5EF4-FFF2-40B4-BE49-F238E27FC236}">
+                <a16:creationId xmlns:a16="http://schemas.microsoft.com/office/drawing/2014/main" id="{93DBB41B-98DE-2F4C-9C0C-0561A665B37D}"/>
+              </a:ext>
+            </a:extLst>
+          </p:cNvPr>
+          <p:cNvSpPr>
+            <a:spLocks noGrp="1"/>
+          </p:cNvSpPr>
+          <p:nvPr>
+            <p:ph type="title"/>
+          </p:nvPr>
+        </p:nvSpPr>
+        <p:spPr/>
+        <p:txBody>
+          <a:bodyPr/>
+          <a:lstStyle/>
+          <a:p>
+            <a:pPr algn="ctr"/>
+            <a:r>
+              <a:rPr lang="en-US" dirty="0"/>
+              <a:t>Function Argument</a:t>
+            </a:r>
+          </a:p>
+        </p:txBody>
+      </p:sp>
+      <p:sp>
+        <p:nvSpPr>
+          <p:cNvPr id="3" name="Content Placeholder 2">
+            <a:extLst>
+              <a:ext uri="{FF2B5EF4-FFF2-40B4-BE49-F238E27FC236}">
+                <a16:creationId xmlns:a16="http://schemas.microsoft.com/office/drawing/2014/main" id="{22B3299C-D5DF-3044-BD65-094D59277646}"/>
+              </a:ext>
+            </a:extLst>
+          </p:cNvPr>
+          <p:cNvSpPr>
+            <a:spLocks noGrp="1"/>
+          </p:cNvSpPr>
+          <p:nvPr>
+            <p:ph idx="1"/>
+          </p:nvPr>
+        </p:nvSpPr>
+        <p:spPr/>
+        <p:txBody>
+          <a:bodyPr/>
+          <a:lstStyle/>
+          <a:p>
+            <a:r>
+              <a:rPr lang="en-US" dirty="0"/>
+              <a:t>Function arguments are what gets passed into a function [passed into the brackets of the function].</a:t>
+            </a:r>
+          </a:p>
+          <a:p>
+            <a:r>
+              <a:rPr lang="en-US" dirty="0"/>
+              <a:t>They can have </a:t>
+            </a:r>
+            <a:r>
+              <a:rPr lang="en-US" u="sng" dirty="0"/>
+              <a:t>any name we want</a:t>
+            </a:r>
+            <a:r>
+              <a:rPr lang="en-US" dirty="0"/>
+              <a:t>, as long as it’s </a:t>
+            </a:r>
+            <a:r>
+              <a:rPr lang="en-US" u="sng" dirty="0"/>
+              <a:t>not a number</a:t>
+            </a:r>
+            <a:r>
+              <a:rPr lang="en-US" dirty="0"/>
+              <a:t>.</a:t>
+            </a:r>
+          </a:p>
+          <a:p>
+            <a:r>
+              <a:rPr lang="en-US" dirty="0"/>
+              <a:t>Function arguments are proceeded by their type</a:t>
+            </a:r>
+          </a:p>
+          <a:p>
+            <a:pPr lvl="1"/>
+            <a:r>
+              <a:rPr lang="en-US" dirty="0"/>
+              <a:t>If </a:t>
+            </a:r>
+            <a:r>
+              <a:rPr lang="en-US" sz="1800" dirty="0" err="1">
+                <a:latin typeface="Consolas" panose="020B0609020204030204" pitchFamily="49" charset="0"/>
+                <a:cs typeface="Consolas" panose="020B0609020204030204" pitchFamily="49" charset="0"/>
+              </a:rPr>
+              <a:t>var</a:t>
+            </a:r>
+            <a:r>
+              <a:rPr lang="en-US" dirty="0"/>
+              <a:t> is an </a:t>
+            </a:r>
+            <a:r>
+              <a:rPr lang="en-US" u="sng" dirty="0"/>
+              <a:t>integer</a:t>
+            </a:r>
+            <a:r>
+              <a:rPr lang="en-US" dirty="0"/>
+              <a:t>, then it will have the </a:t>
+            </a:r>
+            <a:r>
+              <a:rPr lang="en-US" sz="1800" dirty="0" err="1">
+                <a:solidFill>
+                  <a:schemeClr val="accent4"/>
+                </a:solidFill>
+                <a:latin typeface="Consolas" panose="020B0609020204030204" pitchFamily="49" charset="0"/>
+                <a:cs typeface="Consolas" panose="020B0609020204030204" pitchFamily="49" charset="0"/>
+              </a:rPr>
+              <a:t>int</a:t>
+            </a:r>
+            <a:r>
+              <a:rPr lang="en-US" dirty="0"/>
+              <a:t> type before it</a:t>
+            </a:r>
+          </a:p>
+        </p:txBody>
+      </p:sp>
+    </p:spTree>
+    <p:extLst>
+      <p:ext uri="{BB962C8B-B14F-4D97-AF65-F5344CB8AC3E}">
+        <p14:creationId xmlns:p14="http://schemas.microsoft.com/office/powerpoint/2010/main" val="75753140"/>
+      </p:ext>
+    </p:extLst>
+  </p:cSld>
+  <p:clrMapOvr>
+    <a:masterClrMapping/>
+  </p:clrMapOvr>
+  <p:timing>
+    <p:tnLst>
+      <p:par>
+        <p:cTn id="1" dur="indefinite" restart="never" nodeType="tmRoot">
+          <p:childTnLst>
+            <p:seq concurrent="1" nextAc="seek">
+              <p:cTn id="2" dur="indefinite" nodeType="mainSeq">
+                <p:childTnLst>
+                  <p:par>
+                    <p:cTn id="3" fill="hold">
+                      <p:stCondLst>
+                        <p:cond delay="indefinite"/>
+                      </p:stCondLst>
+                      <p:childTnLst>
+                        <p:par>
+                          <p:cTn id="4" fill="hold">
+                            <p:stCondLst>
+                              <p:cond delay="0"/>
+                            </p:stCondLst>
+                            <p:childTnLst>
+                              <p:par>
+                                <p:cTn id="5" presetID="2" presetClass="entr" presetSubtype="4" fill="hold" grpId="0" nodeType="clickEffect">
+                                  <p:stCondLst>
+                                    <p:cond delay="0"/>
+                                  </p:stCondLst>
+                                  <p:childTnLst>
+                                    <p:set>
+                                      <p:cBhvr>
+                                        <p:cTn id="6" dur="1" fill="hold">
+                                          <p:stCondLst>
+                                            <p:cond delay="0"/>
+                                          </p:stCondLst>
+                                        </p:cTn>
+                                        <p:tgtEl>
+                                          <p:spTgt spid="3">
+                                            <p:txEl>
+                                              <p:pRg st="0" end="0"/>
+                                            </p:txEl>
+                                          </p:spTgt>
+                                        </p:tgtEl>
+                                        <p:attrNameLst>
+                                          <p:attrName>style.visibility</p:attrName>
+                                        </p:attrNameLst>
+                                      </p:cBhvr>
+                                      <p:to>
+                                        <p:strVal val="visible"/>
+                                      </p:to>
+                                    </p:set>
+                                    <p:anim calcmode="lin" valueType="num">
+                                      <p:cBhvr additive="base">
+                                        <p:cTn id="7" dur="500" fill="hold"/>
+                                        <p:tgtEl>
+                                          <p:spTgt spid="3">
+                                            <p:txEl>
+                                              <p:pRg st="0" end="0"/>
+                                            </p:txEl>
+                                          </p:spTgt>
+                                        </p:tgtEl>
+                                        <p:attrNameLst>
+                                          <p:attrName>ppt_x</p:attrName>
+                                        </p:attrNameLst>
+                                      </p:cBhvr>
+                                      <p:tavLst>
+                                        <p:tav tm="0">
+                                          <p:val>
+                                            <p:strVal val="#ppt_x"/>
+                                          </p:val>
+                                        </p:tav>
+                                        <p:tav tm="100000">
+                                          <p:val>
+                                            <p:strVal val="#ppt_x"/>
+                                          </p:val>
+                                        </p:tav>
+                                      </p:tavLst>
+                                    </p:anim>
+                                    <p:anim calcmode="lin" valueType="num">
+                                      <p:cBhvr additive="base">
+                                        <p:cTn id="8" dur="500" fill="hold"/>
+                                        <p:tgtEl>
+                                          <p:spTgt spid="3">
+                                            <p:txEl>
+                                              <p:pRg st="0" end="0"/>
+                                            </p:txEl>
+                                          </p:spTgt>
+                                        </p:tgtEl>
+                                        <p:attrNameLst>
+                                          <p:attrName>ppt_y</p:attrName>
+                                        </p:attrNameLst>
+                                      </p:cBhvr>
+                                      <p:tavLst>
+                                        <p:tav tm="0">
+                                          <p:val>
+                                            <p:strVal val="1+#ppt_h/2"/>
+                                          </p:val>
+                                        </p:tav>
+                                        <p:tav tm="100000">
+                                          <p:val>
+                                            <p:strVal val="#ppt_y"/>
+                                          </p:val>
+                                        </p:tav>
+                                      </p:tavLst>
+                                    </p:anim>
+                                  </p:childTnLst>
+                                </p:cTn>
+                              </p:par>
+                            </p:childTnLst>
+                          </p:cTn>
+                        </p:par>
+                      </p:childTnLst>
+                    </p:cTn>
+                  </p:par>
+                  <p:par>
+                    <p:cTn id="9" fill="hold">
+                      <p:stCondLst>
+                        <p:cond delay="indefinite"/>
+                      </p:stCondLst>
+                      <p:childTnLst>
+                        <p:par>
+                          <p:cTn id="10" fill="hold">
+                            <p:stCondLst>
+                              <p:cond delay="0"/>
+                            </p:stCondLst>
+                            <p:childTnLst>
+                              <p:par>
+                                <p:cTn id="11" presetID="2" presetClass="entr" presetSubtype="4" fill="hold" grpId="0" nodeType="clickEffect">
+                                  <p:stCondLst>
+                                    <p:cond delay="0"/>
+                                  </p:stCondLst>
+                                  <p:childTnLst>
+                                    <p:set>
+                                      <p:cBhvr>
+                                        <p:cTn id="12" dur="1" fill="hold">
+                                          <p:stCondLst>
+                                            <p:cond delay="0"/>
+                                          </p:stCondLst>
+                                        </p:cTn>
+                                        <p:tgtEl>
+                                          <p:spTgt spid="3">
+                                            <p:txEl>
+                                              <p:pRg st="1" end="1"/>
+                                            </p:txEl>
+                                          </p:spTgt>
+                                        </p:tgtEl>
+                                        <p:attrNameLst>
+                                          <p:attrName>style.visibility</p:attrName>
+                                        </p:attrNameLst>
+                                      </p:cBhvr>
+                                      <p:to>
+                                        <p:strVal val="visible"/>
+                                      </p:to>
+                                    </p:set>
+                                    <p:anim calcmode="lin" valueType="num">
+                                      <p:cBhvr additive="base">
+                                        <p:cTn id="13" dur="500" fill="hold"/>
+                                        <p:tgtEl>
+                                          <p:spTgt spid="3">
+                                            <p:txEl>
+                                              <p:pRg st="1" end="1"/>
+                                            </p:txEl>
+                                          </p:spTgt>
+                                        </p:tgtEl>
+                                        <p:attrNameLst>
+                                          <p:attrName>ppt_x</p:attrName>
+                                        </p:attrNameLst>
+                                      </p:cBhvr>
+                                      <p:tavLst>
+                                        <p:tav tm="0">
+                                          <p:val>
+                                            <p:strVal val="#ppt_x"/>
+                                          </p:val>
+                                        </p:tav>
+                                        <p:tav tm="100000">
+                                          <p:val>
+                                            <p:strVal val="#ppt_x"/>
+                                          </p:val>
+                                        </p:tav>
+                                      </p:tavLst>
+                                    </p:anim>
+                                    <p:anim calcmode="lin" valueType="num">
+                                      <p:cBhvr additive="base">
+                                        <p:cTn id="14" dur="500" fill="hold"/>
+                                        <p:tgtEl>
+                                          <p:spTgt spid="3">
+                                            <p:txEl>
+                                              <p:pRg st="1" end="1"/>
+                                            </p:txEl>
+                                          </p:spTgt>
+                                        </p:tgtEl>
+                                        <p:attrNameLst>
+                                          <p:attrName>ppt_y</p:attrName>
+                                        </p:attrNameLst>
+                                      </p:cBhvr>
+                                      <p:tavLst>
+                                        <p:tav tm="0">
+                                          <p:val>
+                                            <p:strVal val="1+#ppt_h/2"/>
+                                          </p:val>
+                                        </p:tav>
+                                        <p:tav tm="100000">
+                                          <p:val>
+                                            <p:strVal val="#ppt_y"/>
+                                          </p:val>
+                                        </p:tav>
+                                      </p:tavLst>
+                                    </p:anim>
+                                  </p:childTnLst>
+                                </p:cTn>
+                              </p:par>
+                            </p:childTnLst>
+                          </p:cTn>
+                        </p:par>
+                      </p:childTnLst>
+                    </p:cTn>
+                  </p:par>
+                  <p:par>
+                    <p:cTn id="15" fill="hold">
+                      <p:stCondLst>
+                        <p:cond delay="indefinite"/>
+                      </p:stCondLst>
+                      <p:childTnLst>
+                        <p:par>
+                          <p:cTn id="16" fill="hold">
+                            <p:stCondLst>
+                              <p:cond delay="0"/>
+                            </p:stCondLst>
+                            <p:childTnLst>
+                              <p:par>
+                                <p:cTn id="17" presetID="2" presetClass="entr" presetSubtype="4" fill="hold" grpId="0" nodeType="clickEffect">
+                                  <p:stCondLst>
+                                    <p:cond delay="0"/>
+                                  </p:stCondLst>
+                                  <p:childTnLst>
+                                    <p:set>
+                                      <p:cBhvr>
+                                        <p:cTn id="18" dur="1" fill="hold">
+                                          <p:stCondLst>
+                                            <p:cond delay="0"/>
+                                          </p:stCondLst>
+                                        </p:cTn>
+                                        <p:tgtEl>
+                                          <p:spTgt spid="3">
+                                            <p:txEl>
+                                              <p:pRg st="2" end="2"/>
+                                            </p:txEl>
+                                          </p:spTgt>
+                                        </p:tgtEl>
+                                        <p:attrNameLst>
+                                          <p:attrName>style.visibility</p:attrName>
+                                        </p:attrNameLst>
+                                      </p:cBhvr>
+                                      <p:to>
+                                        <p:strVal val="visible"/>
+                                      </p:to>
+                                    </p:set>
+                                    <p:anim calcmode="lin" valueType="num">
+                                      <p:cBhvr additive="base">
+                                        <p:cTn id="19" dur="500" fill="hold"/>
+                                        <p:tgtEl>
+                                          <p:spTgt spid="3">
+                                            <p:txEl>
+                                              <p:pRg st="2" end="2"/>
+                                            </p:txEl>
+                                          </p:spTgt>
+                                        </p:tgtEl>
+                                        <p:attrNameLst>
+                                          <p:attrName>ppt_x</p:attrName>
+                                        </p:attrNameLst>
+                                      </p:cBhvr>
+                                      <p:tavLst>
+                                        <p:tav tm="0">
+                                          <p:val>
+                                            <p:strVal val="#ppt_x"/>
+                                          </p:val>
+                                        </p:tav>
+                                        <p:tav tm="100000">
+                                          <p:val>
+                                            <p:strVal val="#ppt_x"/>
+                                          </p:val>
+                                        </p:tav>
+                                      </p:tavLst>
+                                    </p:anim>
+                                    <p:anim calcmode="lin" valueType="num">
+                                      <p:cBhvr additive="base">
+                                        <p:cTn id="20" dur="500" fill="hold"/>
+                                        <p:tgtEl>
+                                          <p:spTgt spid="3">
+                                            <p:txEl>
+                                              <p:pRg st="2" end="2"/>
+                                            </p:txEl>
+                                          </p:spTgt>
+                                        </p:tgtEl>
+                                        <p:attrNameLst>
+                                          <p:attrName>ppt_y</p:attrName>
+                                        </p:attrNameLst>
+                                      </p:cBhvr>
+                                      <p:tavLst>
+                                        <p:tav tm="0">
+                                          <p:val>
+                                            <p:strVal val="1+#ppt_h/2"/>
+                                          </p:val>
+                                        </p:tav>
+                                        <p:tav tm="100000">
+                                          <p:val>
+                                            <p:strVal val="#ppt_y"/>
+                                          </p:val>
+                                        </p:tav>
+                                      </p:tavLst>
+                                    </p:anim>
+                                  </p:childTnLst>
+                                </p:cTn>
+                              </p:par>
+                              <p:par>
+                                <p:cTn id="21" presetID="2" presetClass="entr" presetSubtype="4" fill="hold" grpId="0" nodeType="withEffect">
+                                  <p:stCondLst>
+                                    <p:cond delay="0"/>
+                                  </p:stCondLst>
+                                  <p:childTnLst>
+                                    <p:set>
+                                      <p:cBhvr>
+                                        <p:cTn id="22" dur="1" fill="hold">
+                                          <p:stCondLst>
+                                            <p:cond delay="0"/>
+                                          </p:stCondLst>
+                                        </p:cTn>
+                                        <p:tgtEl>
+                                          <p:spTgt spid="3">
+                                            <p:txEl>
+                                              <p:pRg st="3" end="3"/>
+                                            </p:txEl>
+                                          </p:spTgt>
+                                        </p:tgtEl>
+                                        <p:attrNameLst>
+                                          <p:attrName>style.visibility</p:attrName>
+                                        </p:attrNameLst>
+                                      </p:cBhvr>
+                                      <p:to>
+                                        <p:strVal val="visible"/>
+                                      </p:to>
+                                    </p:set>
+                                    <p:anim calcmode="lin" valueType="num">
+                                      <p:cBhvr additive="base">
+                                        <p:cTn id="23" dur="500" fill="hold"/>
+                                        <p:tgtEl>
+                                          <p:spTgt spid="3">
+                                            <p:txEl>
+                                              <p:pRg st="3" end="3"/>
+                                            </p:txEl>
+                                          </p:spTgt>
+                                        </p:tgtEl>
+                                        <p:attrNameLst>
+                                          <p:attrName>ppt_x</p:attrName>
+                                        </p:attrNameLst>
+                                      </p:cBhvr>
+                                      <p:tavLst>
+                                        <p:tav tm="0">
+                                          <p:val>
+                                            <p:strVal val="#ppt_x"/>
+                                          </p:val>
+                                        </p:tav>
+                                        <p:tav tm="100000">
+                                          <p:val>
+                                            <p:strVal val="#ppt_x"/>
+                                          </p:val>
+                                        </p:tav>
+                                      </p:tavLst>
+                                    </p:anim>
+                                    <p:anim calcmode="lin" valueType="num">
+                                      <p:cBhvr additive="base">
+                                        <p:cTn id="24" dur="500" fill="hold"/>
+                                        <p:tgtEl>
+                                          <p:spTgt spid="3">
+                                            <p:txEl>
+                                              <p:pRg st="3" end="3"/>
+                                            </p:txEl>
+                                          </p:spTgt>
+                                        </p:tgtEl>
+                                        <p:attrNameLst>
+                                          <p:attrName>ppt_y</p:attrName>
+                                        </p:attrNameLst>
+                                      </p:cBhvr>
+                                      <p:tavLst>
+                                        <p:tav tm="0">
+                                          <p:val>
+                                            <p:strVal val="1+#ppt_h/2"/>
+                                          </p:val>
+                                        </p:tav>
+                                        <p:tav tm="100000">
+                                          <p:val>
+                                            <p:strVal val="#ppt_y"/>
+                                          </p:val>
+                                        </p:tav>
+                                      </p:tavLst>
+                                    </p:anim>
+                                  </p:childTnLst>
+                                </p:cTn>
+                              </p:par>
+                            </p:childTnLst>
+                          </p:cTn>
+                        </p:par>
+                      </p:childTnLst>
+                    </p:cTn>
+                  </p:par>
+                </p:childTnLst>
+              </p:cTn>
+              <p:prevCondLst>
+                <p:cond evt="onPrev" delay="0">
+                  <p:tgtEl>
+                    <p:sldTgt/>
+                  </p:tgtEl>
+                </p:cond>
+              </p:prevCondLst>
+              <p:nextCondLst>
+                <p:cond evt="onNext" delay="0">
+                  <p:tgtEl>
+                    <p:sldTgt/>
+                  </p:tgtEl>
+                </p:cond>
+              </p:nextCondLst>
+            </p:seq>
+          </p:childTnLst>
+        </p:cTn>
+      </p:par>
+    </p:tnLst>
+    <p:bldLst>
+      <p:bldP spid="3" grpId="0" build="p"/>
+    </p:bldLst>
+  </p:timing>
+</p:sld>
+</file>
+
+<file path=ppt/slides/slide31.xml><?xml version="1.0" encoding="utf-8"?>
+<p:sld xmlns:a="http://schemas.openxmlformats.org/drawingml/2006/main" xmlns:r="http://schemas.openxmlformats.org/officeDocument/2006/relationships" xmlns:p="http://schemas.openxmlformats.org/presentationml/2006/main">
+  <p:cSld>
+    <p:spTree>
+      <p:nvGrpSpPr>
+        <p:cNvPr id="1" name=""/>
+        <p:cNvGrpSpPr/>
+        <p:nvPr/>
+      </p:nvGrpSpPr>
+      <p:grpSpPr>
+        <a:xfrm>
+          <a:off x="0" y="0"/>
+          <a:ext cx="0" cy="0"/>
+          <a:chOff x="0" y="0"/>
+          <a:chExt cx="0" cy="0"/>
+        </a:xfrm>
+      </p:grpSpPr>
+      <p:sp>
+        <p:nvSpPr>
+          <p:cNvPr id="2" name="Title 1">
+            <a:extLst>
+              <a:ext uri="{FF2B5EF4-FFF2-40B4-BE49-F238E27FC236}">
                 <a16:creationId xmlns:a16="http://schemas.microsoft.com/office/drawing/2014/main" id="{226023AA-F073-DA4B-A0BC-B57C1EED86E9}"/>
               </a:ext>
             </a:extLst>
@@ -27794,7 +28463,7 @@
 </p:sld>
 </file>
 
-<file path=ppt/slides/slide31.xml><?xml version="1.0" encoding="utf-8"?>
+<file path=ppt/slides/slide32.xml><?xml version="1.0" encoding="utf-8"?>
 <p:sld xmlns:a="http://schemas.openxmlformats.org/drawingml/2006/main" xmlns:r="http://schemas.openxmlformats.org/officeDocument/2006/relationships" xmlns:p="http://schemas.openxmlformats.org/presentationml/2006/main">
   <p:cSld>
     <p:spTree>
@@ -28151,7 +28820,7 @@
 </p:sld>
 </file>
 
-<file path=ppt/slides/slide32.xml><?xml version="1.0" encoding="utf-8"?>
+<file path=ppt/slides/slide33.xml><?xml version="1.0" encoding="utf-8"?>
 <p:sld xmlns:a="http://schemas.openxmlformats.org/drawingml/2006/main" xmlns:r="http://schemas.openxmlformats.org/officeDocument/2006/relationships" xmlns:p="http://schemas.openxmlformats.org/presentationml/2006/main">
   <p:cSld>
     <p:spTree>
@@ -28862,7 +29531,7 @@
 </p:sld>
 </file>
 
-<file path=ppt/slides/slide33.xml><?xml version="1.0" encoding="utf-8"?>
+<file path=ppt/slides/slide34.xml><?xml version="1.0" encoding="utf-8"?>
 <p:sld xmlns:a="http://schemas.openxmlformats.org/drawingml/2006/main" xmlns:r="http://schemas.openxmlformats.org/officeDocument/2006/relationships" xmlns:p="http://schemas.openxmlformats.org/presentationml/2006/main">
   <p:cSld>
     <p:spTree>
@@ -29441,7 +30110,7 @@
 </p:sld>
 </file>
 
-<file path=ppt/slides/slide34.xml><?xml version="1.0" encoding="utf-8"?>
+<file path=ppt/slides/slide35.xml><?xml version="1.0" encoding="utf-8"?>
 <p:sld xmlns:a="http://schemas.openxmlformats.org/drawingml/2006/main" xmlns:r="http://schemas.openxmlformats.org/officeDocument/2006/relationships" xmlns:p="http://schemas.openxmlformats.org/presentationml/2006/main">
   <p:cSld>
     <p:spTree>
@@ -30056,7 +30725,7 @@
         </p:nvSpPr>
         <p:spPr>
           <a:xfrm>
-            <a:off x="3748102" y="3903868"/>
+            <a:off x="3748103" y="4457866"/>
             <a:ext cx="6171753" cy="369332"/>
           </a:xfrm>
           <a:prstGeom prst="rect">
@@ -30305,7 +30974,7 @@
 </p:sld>
 </file>
 
-<file path=ppt/slides/slide35.xml><?xml version="1.0" encoding="utf-8"?>
+<file path=ppt/slides/slide36.xml><?xml version="1.0" encoding="utf-8"?>
 <p:sld xmlns:a="http://schemas.openxmlformats.org/drawingml/2006/main" xmlns:r="http://schemas.openxmlformats.org/officeDocument/2006/relationships" xmlns:p="http://schemas.openxmlformats.org/presentationml/2006/main">
   <p:cSld>
     <p:spTree>
@@ -31244,7 +31913,7 @@
 </p:sld>
 </file>
 
-<file path=ppt/slides/slide36.xml><?xml version="1.0" encoding="utf-8"?>
+<file path=ppt/slides/slide37.xml><?xml version="1.0" encoding="utf-8"?>
 <p:sld xmlns:a="http://schemas.openxmlformats.org/drawingml/2006/main" xmlns:r="http://schemas.openxmlformats.org/officeDocument/2006/relationships" xmlns:p="http://schemas.openxmlformats.org/presentationml/2006/main">
   <p:cSld>
     <p:spTree>
@@ -31857,7 +32526,7 @@
 </p:sld>
 </file>
 
-<file path=ppt/slides/slide37.xml><?xml version="1.0" encoding="utf-8"?>
+<file path=ppt/slides/slide38.xml><?xml version="1.0" encoding="utf-8"?>
 <p:sld xmlns:a="http://schemas.openxmlformats.org/drawingml/2006/main" xmlns:r="http://schemas.openxmlformats.org/officeDocument/2006/relationships" xmlns:p="http://schemas.openxmlformats.org/presentationml/2006/main">
   <p:cSld>
     <p:spTree>
@@ -32134,7 +32803,7 @@
 </p:sld>
 </file>
 
-<file path=ppt/slides/slide38.xml><?xml version="1.0" encoding="utf-8"?>
+<file path=ppt/slides/slide39.xml><?xml version="1.0" encoding="utf-8"?>
 <p:sld xmlns:a="http://schemas.openxmlformats.org/drawingml/2006/main" xmlns:r="http://schemas.openxmlformats.org/officeDocument/2006/relationships" xmlns:p="http://schemas.openxmlformats.org/presentationml/2006/main">
   <p:cSld>
     <p:spTree>
@@ -32709,607 +33378,6 @@
     </p:tnLst>
     <p:bldLst>
       <p:bldP spid="3" grpId="0" uiExpand="1" build="p"/>
-    </p:bldLst>
-  </p:timing>
-</p:sld>
-</file>
-
-<file path=ppt/slides/slide39.xml><?xml version="1.0" encoding="utf-8"?>
-<p:sld xmlns:a="http://schemas.openxmlformats.org/drawingml/2006/main" xmlns:r="http://schemas.openxmlformats.org/officeDocument/2006/relationships" xmlns:p="http://schemas.openxmlformats.org/presentationml/2006/main">
-  <p:cSld>
-    <p:spTree>
-      <p:nvGrpSpPr>
-        <p:cNvPr id="1" name=""/>
-        <p:cNvGrpSpPr/>
-        <p:nvPr/>
-      </p:nvGrpSpPr>
-      <p:grpSpPr>
-        <a:xfrm>
-          <a:off x="0" y="0"/>
-          <a:ext cx="0" cy="0"/>
-          <a:chOff x="0" y="0"/>
-          <a:chExt cx="0" cy="0"/>
-        </a:xfrm>
-      </p:grpSpPr>
-      <p:sp>
-        <p:nvSpPr>
-          <p:cNvPr id="2" name="Title 1">
-            <a:extLst>
-              <a:ext uri="{FF2B5EF4-FFF2-40B4-BE49-F238E27FC236}">
-                <a16:creationId xmlns:a16="http://schemas.microsoft.com/office/drawing/2014/main" id="{26F5B365-9497-7744-9173-E96F9FDCFE38}"/>
-              </a:ext>
-            </a:extLst>
-          </p:cNvPr>
-          <p:cNvSpPr>
-            <a:spLocks noGrp="1"/>
-          </p:cNvSpPr>
-          <p:nvPr>
-            <p:ph type="title"/>
-          </p:nvPr>
-        </p:nvSpPr>
-        <p:spPr/>
-        <p:txBody>
-          <a:bodyPr/>
-          <a:lstStyle/>
-          <a:p>
-            <a:pPr algn="ctr"/>
-            <a:r>
-              <a:rPr lang="en-US" dirty="0"/>
-              <a:t>Lets visualize this!</a:t>
-            </a:r>
-          </a:p>
-        </p:txBody>
-      </p:sp>
-      <p:sp>
-        <p:nvSpPr>
-          <p:cNvPr id="3" name="Content Placeholder 2">
-            <a:extLst>
-              <a:ext uri="{FF2B5EF4-FFF2-40B4-BE49-F238E27FC236}">
-                <a16:creationId xmlns:a16="http://schemas.microsoft.com/office/drawing/2014/main" id="{D7B8D266-F18A-5844-9AA2-0F3F628A79D2}"/>
-              </a:ext>
-            </a:extLst>
-          </p:cNvPr>
-          <p:cNvSpPr>
-            <a:spLocks noGrp="1"/>
-          </p:cNvSpPr>
-          <p:nvPr>
-            <p:ph idx="1"/>
-          </p:nvPr>
-        </p:nvSpPr>
-        <p:spPr>
-          <a:xfrm>
-            <a:off x="231495" y="2820507"/>
-            <a:ext cx="11960505" cy="1940406"/>
-          </a:xfrm>
-        </p:spPr>
-        <p:txBody>
-          <a:bodyPr>
-            <a:normAutofit/>
-          </a:bodyPr>
-          <a:lstStyle/>
-          <a:p>
-            <a:r>
-              <a:rPr lang="en-US" dirty="0"/>
-              <a:t>If we have an array of </a:t>
-            </a:r>
-            <a:r>
-              <a:rPr lang="en-US" sz="2000" dirty="0">
-                <a:solidFill>
-                  <a:schemeClr val="accent4"/>
-                </a:solidFill>
-                <a:latin typeface="Consolas" panose="020B0609020204030204" pitchFamily="49" charset="0"/>
-                <a:cs typeface="Consolas" panose="020B0609020204030204" pitchFamily="49" charset="0"/>
-              </a:rPr>
-              <a:t>char</a:t>
-            </a:r>
-            <a:r>
-              <a:rPr lang="en-US" dirty="0">
-                <a:cs typeface="Consolas" panose="020B0609020204030204" pitchFamily="49" charset="0"/>
-              </a:rPr>
-              <a:t>s</a:t>
-            </a:r>
-            <a:r>
-              <a:rPr lang="en-US" dirty="0"/>
-              <a:t>, then it would have a structure like this in memory</a:t>
-            </a:r>
-          </a:p>
-          <a:p>
-            <a:pPr lvl="1"/>
-            <a:r>
-              <a:rPr lang="en-US" dirty="0"/>
-              <a:t>Lets say that our array is defined as follows: </a:t>
-            </a:r>
-            <a:r>
-              <a:rPr lang="en-US" dirty="0">
-                <a:solidFill>
-                  <a:schemeClr val="accent4"/>
-                </a:solidFill>
-                <a:latin typeface="Consolas" panose="020B0609020204030204" pitchFamily="49" charset="0"/>
-                <a:cs typeface="Consolas" panose="020B0609020204030204" pitchFamily="49" charset="0"/>
-              </a:rPr>
-              <a:t>char</a:t>
-            </a:r>
-            <a:r>
-              <a:rPr lang="en-US" dirty="0">
-                <a:latin typeface="Consolas" panose="020B0609020204030204" pitchFamily="49" charset="0"/>
-                <a:cs typeface="Consolas" panose="020B0609020204030204" pitchFamily="49" charset="0"/>
-              </a:rPr>
-              <a:t> </a:t>
-            </a:r>
-            <a:r>
-              <a:rPr lang="en-US" dirty="0" err="1">
-                <a:latin typeface="Consolas" panose="020B0609020204030204" pitchFamily="49" charset="0"/>
-                <a:cs typeface="Consolas" panose="020B0609020204030204" pitchFamily="49" charset="0"/>
-              </a:rPr>
-              <a:t>myArray</a:t>
-            </a:r>
-            <a:r>
-              <a:rPr lang="en-US" dirty="0">
-                <a:latin typeface="Consolas" panose="020B0609020204030204" pitchFamily="49" charset="0"/>
-                <a:cs typeface="Consolas" panose="020B0609020204030204" pitchFamily="49" charset="0"/>
-              </a:rPr>
-              <a:t>[] = {</a:t>
-            </a:r>
-            <a:r>
-              <a:rPr lang="en-US" dirty="0">
-                <a:solidFill>
-                  <a:schemeClr val="accent2"/>
-                </a:solidFill>
-                <a:latin typeface="Consolas" panose="020B0609020204030204" pitchFamily="49" charset="0"/>
-                <a:cs typeface="Consolas" panose="020B0609020204030204" pitchFamily="49" charset="0"/>
-              </a:rPr>
-              <a:t>‘H’</a:t>
-            </a:r>
-            <a:r>
-              <a:rPr lang="en-US" dirty="0">
-                <a:latin typeface="Consolas" panose="020B0609020204030204" pitchFamily="49" charset="0"/>
-                <a:cs typeface="Consolas" panose="020B0609020204030204" pitchFamily="49" charset="0"/>
-              </a:rPr>
-              <a:t>, </a:t>
-            </a:r>
-            <a:r>
-              <a:rPr lang="en-US" dirty="0">
-                <a:solidFill>
-                  <a:schemeClr val="accent2"/>
-                </a:solidFill>
-                <a:latin typeface="Consolas" panose="020B0609020204030204" pitchFamily="49" charset="0"/>
-                <a:cs typeface="Consolas" panose="020B0609020204030204" pitchFamily="49" charset="0"/>
-              </a:rPr>
-              <a:t>‘E’</a:t>
-            </a:r>
-            <a:r>
-              <a:rPr lang="en-US" dirty="0">
-                <a:latin typeface="Consolas" panose="020B0609020204030204" pitchFamily="49" charset="0"/>
-                <a:cs typeface="Consolas" panose="020B0609020204030204" pitchFamily="49" charset="0"/>
-              </a:rPr>
-              <a:t>, </a:t>
-            </a:r>
-            <a:r>
-              <a:rPr lang="en-US" dirty="0">
-                <a:solidFill>
-                  <a:schemeClr val="accent2"/>
-                </a:solidFill>
-                <a:latin typeface="Consolas" panose="020B0609020204030204" pitchFamily="49" charset="0"/>
-                <a:cs typeface="Consolas" panose="020B0609020204030204" pitchFamily="49" charset="0"/>
-              </a:rPr>
-              <a:t>‘L’</a:t>
-            </a:r>
-            <a:r>
-              <a:rPr lang="en-US" dirty="0">
-                <a:latin typeface="Consolas" panose="020B0609020204030204" pitchFamily="49" charset="0"/>
-                <a:cs typeface="Consolas" panose="020B0609020204030204" pitchFamily="49" charset="0"/>
-              </a:rPr>
-              <a:t>, </a:t>
-            </a:r>
-            <a:r>
-              <a:rPr lang="en-US" dirty="0">
-                <a:solidFill>
-                  <a:schemeClr val="accent2"/>
-                </a:solidFill>
-                <a:latin typeface="Consolas" panose="020B0609020204030204" pitchFamily="49" charset="0"/>
-                <a:cs typeface="Consolas" panose="020B0609020204030204" pitchFamily="49" charset="0"/>
-              </a:rPr>
-              <a:t>‘L’</a:t>
-            </a:r>
-            <a:r>
-              <a:rPr lang="en-US" dirty="0">
-                <a:latin typeface="Consolas" panose="020B0609020204030204" pitchFamily="49" charset="0"/>
-                <a:cs typeface="Consolas" panose="020B0609020204030204" pitchFamily="49" charset="0"/>
-              </a:rPr>
-              <a:t>, </a:t>
-            </a:r>
-            <a:r>
-              <a:rPr lang="en-US" dirty="0">
-                <a:solidFill>
-                  <a:schemeClr val="accent2"/>
-                </a:solidFill>
-                <a:latin typeface="Consolas" panose="020B0609020204030204" pitchFamily="49" charset="0"/>
-                <a:cs typeface="Consolas" panose="020B0609020204030204" pitchFamily="49" charset="0"/>
-              </a:rPr>
-              <a:t>‘O’</a:t>
-            </a:r>
-            <a:r>
-              <a:rPr lang="en-US" dirty="0">
-                <a:latin typeface="Consolas" panose="020B0609020204030204" pitchFamily="49" charset="0"/>
-                <a:cs typeface="Consolas" panose="020B0609020204030204" pitchFamily="49" charset="0"/>
-              </a:rPr>
-              <a:t>, </a:t>
-            </a:r>
-            <a:r>
-              <a:rPr lang="en-US" dirty="0">
-                <a:solidFill>
-                  <a:schemeClr val="accent4"/>
-                </a:solidFill>
-                <a:latin typeface="Consolas" panose="020B0609020204030204" pitchFamily="49" charset="0"/>
-                <a:cs typeface="Consolas" panose="020B0609020204030204" pitchFamily="49" charset="0"/>
-              </a:rPr>
-              <a:t>0</a:t>
-            </a:r>
-            <a:r>
-              <a:rPr lang="en-US" dirty="0">
-                <a:latin typeface="Consolas" panose="020B0609020204030204" pitchFamily="49" charset="0"/>
-                <a:cs typeface="Consolas" panose="020B0609020204030204" pitchFamily="49" charset="0"/>
-              </a:rPr>
-              <a:t>};</a:t>
-            </a:r>
-          </a:p>
-          <a:p>
-            <a:pPr lvl="1"/>
-            <a:r>
-              <a:rPr lang="en-US" dirty="0">
-                <a:cs typeface="Consolas" panose="020B0609020204030204" pitchFamily="49" charset="0"/>
-              </a:rPr>
-              <a:t>Notice that the </a:t>
-            </a:r>
-            <a:r>
-              <a:rPr lang="en-US" dirty="0">
-                <a:solidFill>
-                  <a:schemeClr val="accent4"/>
-                </a:solidFill>
-                <a:latin typeface="Consolas" panose="020B0609020204030204" pitchFamily="49" charset="0"/>
-                <a:cs typeface="Consolas" panose="020B0609020204030204" pitchFamily="49" charset="0"/>
-              </a:rPr>
-              <a:t>0</a:t>
-            </a:r>
-            <a:r>
-              <a:rPr lang="en-US" dirty="0">
-                <a:cs typeface="Consolas" panose="020B0609020204030204" pitchFamily="49" charset="0"/>
-              </a:rPr>
-              <a:t> just indicates where the array ends ( include this in for </a:t>
-            </a:r>
-            <a:r>
-              <a:rPr lang="en-US" sz="1800" dirty="0">
-                <a:solidFill>
-                  <a:schemeClr val="accent4"/>
-                </a:solidFill>
-                <a:latin typeface="Consolas" panose="020B0609020204030204" pitchFamily="49" charset="0"/>
-                <a:cs typeface="Consolas" panose="020B0609020204030204" pitchFamily="49" charset="0"/>
-              </a:rPr>
-              <a:t>char</a:t>
-            </a:r>
-            <a:r>
-              <a:rPr lang="en-US" dirty="0">
-                <a:cs typeface="Consolas" panose="020B0609020204030204" pitchFamily="49" charset="0"/>
-              </a:rPr>
-              <a:t> arrays as a safety measure)</a:t>
-            </a:r>
-          </a:p>
-        </p:txBody>
-      </p:sp>
-    </p:spTree>
-    <p:extLst>
-      <p:ext uri="{BB962C8B-B14F-4D97-AF65-F5344CB8AC3E}">
-        <p14:creationId xmlns:p14="http://schemas.microsoft.com/office/powerpoint/2010/main" val="3774538707"/>
-      </p:ext>
-    </p:extLst>
-  </p:cSld>
-  <p:clrMapOvr>
-    <a:masterClrMapping/>
-  </p:clrMapOvr>
-  <p:timing>
-    <p:tnLst>
-      <p:par>
-        <p:cTn id="1" dur="indefinite" restart="never" nodeType="tmRoot">
-          <p:childTnLst>
-            <p:seq concurrent="1" nextAc="seek">
-              <p:cTn id="2" dur="indefinite" nodeType="mainSeq">
-                <p:childTnLst>
-                  <p:par>
-                    <p:cTn id="3" fill="hold">
-                      <p:stCondLst>
-                        <p:cond delay="indefinite"/>
-                      </p:stCondLst>
-                      <p:childTnLst>
-                        <p:par>
-                          <p:cTn id="4" fill="hold">
-                            <p:stCondLst>
-                              <p:cond delay="0"/>
-                            </p:stCondLst>
-                            <p:childTnLst>
-                              <p:par>
-                                <p:cTn id="5" presetID="2" presetClass="entr" presetSubtype="4" fill="hold" grpId="0" nodeType="clickEffect">
-                                  <p:stCondLst>
-                                    <p:cond delay="0"/>
-                                  </p:stCondLst>
-                                  <p:childTnLst>
-                                    <p:set>
-                                      <p:cBhvr>
-                                        <p:cTn id="6" dur="1" fill="hold">
-                                          <p:stCondLst>
-                                            <p:cond delay="0"/>
-                                          </p:stCondLst>
-                                        </p:cTn>
-                                        <p:tgtEl>
-                                          <p:spTgt spid="3">
-                                            <p:txEl>
-                                              <p:pRg st="0" end="0"/>
-                                            </p:txEl>
-                                          </p:spTgt>
-                                        </p:tgtEl>
-                                        <p:attrNameLst>
-                                          <p:attrName>style.visibility</p:attrName>
-                                        </p:attrNameLst>
-                                      </p:cBhvr>
-                                      <p:to>
-                                        <p:strVal val="visible"/>
-                                      </p:to>
-                                    </p:set>
-                                    <p:anim calcmode="lin" valueType="num">
-                                      <p:cBhvr additive="base">
-                                        <p:cTn id="7" dur="500" fill="hold"/>
-                                        <p:tgtEl>
-                                          <p:spTgt spid="3">
-                                            <p:txEl>
-                                              <p:pRg st="0" end="0"/>
-                                            </p:txEl>
-                                          </p:spTgt>
-                                        </p:tgtEl>
-                                        <p:attrNameLst>
-                                          <p:attrName>ppt_x</p:attrName>
-                                        </p:attrNameLst>
-                                      </p:cBhvr>
-                                      <p:tavLst>
-                                        <p:tav tm="0">
-                                          <p:val>
-                                            <p:strVal val="#ppt_x"/>
-                                          </p:val>
-                                        </p:tav>
-                                        <p:tav tm="100000">
-                                          <p:val>
-                                            <p:strVal val="#ppt_x"/>
-                                          </p:val>
-                                        </p:tav>
-                                      </p:tavLst>
-                                    </p:anim>
-                                    <p:anim calcmode="lin" valueType="num">
-                                      <p:cBhvr additive="base">
-                                        <p:cTn id="8" dur="500" fill="hold"/>
-                                        <p:tgtEl>
-                                          <p:spTgt spid="3">
-                                            <p:txEl>
-                                              <p:pRg st="0" end="0"/>
-                                            </p:txEl>
-                                          </p:spTgt>
-                                        </p:tgtEl>
-                                        <p:attrNameLst>
-                                          <p:attrName>ppt_y</p:attrName>
-                                        </p:attrNameLst>
-                                      </p:cBhvr>
-                                      <p:tavLst>
-                                        <p:tav tm="0">
-                                          <p:val>
-                                            <p:strVal val="1+#ppt_h/2"/>
-                                          </p:val>
-                                        </p:tav>
-                                        <p:tav tm="100000">
-                                          <p:val>
-                                            <p:strVal val="#ppt_y"/>
-                                          </p:val>
-                                        </p:tav>
-                                      </p:tavLst>
-                                    </p:anim>
-                                  </p:childTnLst>
-                                </p:cTn>
-                              </p:par>
-                              <p:par>
-                                <p:cTn id="9" presetID="2" presetClass="entr" presetSubtype="4" fill="hold" grpId="0" nodeType="withEffect">
-                                  <p:stCondLst>
-                                    <p:cond delay="0"/>
-                                  </p:stCondLst>
-                                  <p:childTnLst>
-                                    <p:set>
-                                      <p:cBhvr>
-                                        <p:cTn id="10" dur="1" fill="hold">
-                                          <p:stCondLst>
-                                            <p:cond delay="0"/>
-                                          </p:stCondLst>
-                                        </p:cTn>
-                                        <p:tgtEl>
-                                          <p:spTgt spid="3">
-                                            <p:txEl>
-                                              <p:pRg st="1" end="1"/>
-                                            </p:txEl>
-                                          </p:spTgt>
-                                        </p:tgtEl>
-                                        <p:attrNameLst>
-                                          <p:attrName>style.visibility</p:attrName>
-                                        </p:attrNameLst>
-                                      </p:cBhvr>
-                                      <p:to>
-                                        <p:strVal val="visible"/>
-                                      </p:to>
-                                    </p:set>
-                                    <p:anim calcmode="lin" valueType="num">
-                                      <p:cBhvr additive="base">
-                                        <p:cTn id="11" dur="500" fill="hold"/>
-                                        <p:tgtEl>
-                                          <p:spTgt spid="3">
-                                            <p:txEl>
-                                              <p:pRg st="1" end="1"/>
-                                            </p:txEl>
-                                          </p:spTgt>
-                                        </p:tgtEl>
-                                        <p:attrNameLst>
-                                          <p:attrName>ppt_x</p:attrName>
-                                        </p:attrNameLst>
-                                      </p:cBhvr>
-                                      <p:tavLst>
-                                        <p:tav tm="0">
-                                          <p:val>
-                                            <p:strVal val="#ppt_x"/>
-                                          </p:val>
-                                        </p:tav>
-                                        <p:tav tm="100000">
-                                          <p:val>
-                                            <p:strVal val="#ppt_x"/>
-                                          </p:val>
-                                        </p:tav>
-                                      </p:tavLst>
-                                    </p:anim>
-                                    <p:anim calcmode="lin" valueType="num">
-                                      <p:cBhvr additive="base">
-                                        <p:cTn id="12" dur="500" fill="hold"/>
-                                        <p:tgtEl>
-                                          <p:spTgt spid="3">
-                                            <p:txEl>
-                                              <p:pRg st="1" end="1"/>
-                                            </p:txEl>
-                                          </p:spTgt>
-                                        </p:tgtEl>
-                                        <p:attrNameLst>
-                                          <p:attrName>ppt_y</p:attrName>
-                                        </p:attrNameLst>
-                                      </p:cBhvr>
-                                      <p:tavLst>
-                                        <p:tav tm="0">
-                                          <p:val>
-                                            <p:strVal val="1+#ppt_h/2"/>
-                                          </p:val>
-                                        </p:tav>
-                                        <p:tav tm="100000">
-                                          <p:val>
-                                            <p:strVal val="#ppt_y"/>
-                                          </p:val>
-                                        </p:tav>
-                                      </p:tavLst>
-                                    </p:anim>
-                                  </p:childTnLst>
-                                </p:cTn>
-                              </p:par>
-                              <p:par>
-                                <p:cTn id="13" presetID="2" presetClass="entr" presetSubtype="4" fill="hold" grpId="0" nodeType="withEffect">
-                                  <p:stCondLst>
-                                    <p:cond delay="0"/>
-                                  </p:stCondLst>
-                                  <p:childTnLst>
-                                    <p:set>
-                                      <p:cBhvr>
-                                        <p:cTn id="14" dur="1" fill="hold">
-                                          <p:stCondLst>
-                                            <p:cond delay="0"/>
-                                          </p:stCondLst>
-                                        </p:cTn>
-                                        <p:tgtEl>
-                                          <p:spTgt spid="3">
-                                            <p:txEl>
-                                              <p:pRg st="2" end="2"/>
-                                            </p:txEl>
-                                          </p:spTgt>
-                                        </p:tgtEl>
-                                        <p:attrNameLst>
-                                          <p:attrName>style.visibility</p:attrName>
-                                        </p:attrNameLst>
-                                      </p:cBhvr>
-                                      <p:to>
-                                        <p:strVal val="visible"/>
-                                      </p:to>
-                                    </p:set>
-                                    <p:anim calcmode="lin" valueType="num">
-                                      <p:cBhvr additive="base">
-                                        <p:cTn id="15" dur="500" fill="hold"/>
-                                        <p:tgtEl>
-                                          <p:spTgt spid="3">
-                                            <p:txEl>
-                                              <p:pRg st="2" end="2"/>
-                                            </p:txEl>
-                                          </p:spTgt>
-                                        </p:tgtEl>
-                                        <p:attrNameLst>
-                                          <p:attrName>ppt_x</p:attrName>
-                                        </p:attrNameLst>
-                                      </p:cBhvr>
-                                      <p:tavLst>
-                                        <p:tav tm="0">
-                                          <p:val>
-                                            <p:strVal val="#ppt_x"/>
-                                          </p:val>
-                                        </p:tav>
-                                        <p:tav tm="100000">
-                                          <p:val>
-                                            <p:strVal val="#ppt_x"/>
-                                          </p:val>
-                                        </p:tav>
-                                      </p:tavLst>
-                                    </p:anim>
-                                    <p:anim calcmode="lin" valueType="num">
-                                      <p:cBhvr additive="base">
-                                        <p:cTn id="16" dur="500" fill="hold"/>
-                                        <p:tgtEl>
-                                          <p:spTgt spid="3">
-                                            <p:txEl>
-                                              <p:pRg st="2" end="2"/>
-                                            </p:txEl>
-                                          </p:spTgt>
-                                        </p:tgtEl>
-                                        <p:attrNameLst>
-                                          <p:attrName>ppt_y</p:attrName>
-                                        </p:attrNameLst>
-                                      </p:cBhvr>
-                                      <p:tavLst>
-                                        <p:tav tm="0">
-                                          <p:val>
-                                            <p:strVal val="1+#ppt_h/2"/>
-                                          </p:val>
-                                        </p:tav>
-                                        <p:tav tm="100000">
-                                          <p:val>
-                                            <p:strVal val="#ppt_y"/>
-                                          </p:val>
-                                        </p:tav>
-                                      </p:tavLst>
-                                    </p:anim>
-                                  </p:childTnLst>
-                                </p:cTn>
-                              </p:par>
-                            </p:childTnLst>
-                          </p:cTn>
-                        </p:par>
-                      </p:childTnLst>
-                    </p:cTn>
-                  </p:par>
-                </p:childTnLst>
-              </p:cTn>
-              <p:prevCondLst>
-                <p:cond evt="onPrev" delay="0">
-                  <p:tgtEl>
-                    <p:sldTgt/>
-                  </p:tgtEl>
-                </p:cond>
-              </p:prevCondLst>
-              <p:nextCondLst>
-                <p:cond evt="onNext" delay="0">
-                  <p:tgtEl>
-                    <p:sldTgt/>
-                  </p:tgtEl>
-                </p:cond>
-              </p:nextCondLst>
-            </p:seq>
-          </p:childTnLst>
-        </p:cTn>
-      </p:par>
-    </p:tnLst>
-    <p:bldLst>
-      <p:bldP spid="3" grpId="0" build="p"/>
     </p:bldLst>
   </p:timing>
 </p:sld>
@@ -33775,6 +33843,607 @@
           <p:cNvPr id="2" name="Title 1">
             <a:extLst>
               <a:ext uri="{FF2B5EF4-FFF2-40B4-BE49-F238E27FC236}">
+                <a16:creationId xmlns:a16="http://schemas.microsoft.com/office/drawing/2014/main" id="{26F5B365-9497-7744-9173-E96F9FDCFE38}"/>
+              </a:ext>
+            </a:extLst>
+          </p:cNvPr>
+          <p:cNvSpPr>
+            <a:spLocks noGrp="1"/>
+          </p:cNvSpPr>
+          <p:nvPr>
+            <p:ph type="title"/>
+          </p:nvPr>
+        </p:nvSpPr>
+        <p:spPr/>
+        <p:txBody>
+          <a:bodyPr/>
+          <a:lstStyle/>
+          <a:p>
+            <a:pPr algn="ctr"/>
+            <a:r>
+              <a:rPr lang="en-US" dirty="0"/>
+              <a:t>Lets visualize this!</a:t>
+            </a:r>
+          </a:p>
+        </p:txBody>
+      </p:sp>
+      <p:sp>
+        <p:nvSpPr>
+          <p:cNvPr id="3" name="Content Placeholder 2">
+            <a:extLst>
+              <a:ext uri="{FF2B5EF4-FFF2-40B4-BE49-F238E27FC236}">
+                <a16:creationId xmlns:a16="http://schemas.microsoft.com/office/drawing/2014/main" id="{D7B8D266-F18A-5844-9AA2-0F3F628A79D2}"/>
+              </a:ext>
+            </a:extLst>
+          </p:cNvPr>
+          <p:cNvSpPr>
+            <a:spLocks noGrp="1"/>
+          </p:cNvSpPr>
+          <p:nvPr>
+            <p:ph idx="1"/>
+          </p:nvPr>
+        </p:nvSpPr>
+        <p:spPr>
+          <a:xfrm>
+            <a:off x="231495" y="3429000"/>
+            <a:ext cx="11960505" cy="1940406"/>
+          </a:xfrm>
+        </p:spPr>
+        <p:txBody>
+          <a:bodyPr>
+            <a:normAutofit/>
+          </a:bodyPr>
+          <a:lstStyle/>
+          <a:p>
+            <a:r>
+              <a:rPr lang="en-US" dirty="0"/>
+              <a:t>If we have an array of </a:t>
+            </a:r>
+            <a:r>
+              <a:rPr lang="en-US" sz="2000" dirty="0">
+                <a:solidFill>
+                  <a:schemeClr val="accent4"/>
+                </a:solidFill>
+                <a:latin typeface="Consolas" panose="020B0609020204030204" pitchFamily="49" charset="0"/>
+                <a:cs typeface="Consolas" panose="020B0609020204030204" pitchFamily="49" charset="0"/>
+              </a:rPr>
+              <a:t>char</a:t>
+            </a:r>
+            <a:r>
+              <a:rPr lang="en-US" dirty="0">
+                <a:cs typeface="Consolas" panose="020B0609020204030204" pitchFamily="49" charset="0"/>
+              </a:rPr>
+              <a:t>s</a:t>
+            </a:r>
+            <a:r>
+              <a:rPr lang="en-US" dirty="0"/>
+              <a:t>, then it would have a structure like this in memory</a:t>
+            </a:r>
+          </a:p>
+          <a:p>
+            <a:pPr lvl="1"/>
+            <a:r>
+              <a:rPr lang="en-US" dirty="0"/>
+              <a:t>Lets say that our array is defined as follows: </a:t>
+            </a:r>
+            <a:r>
+              <a:rPr lang="en-US" dirty="0">
+                <a:solidFill>
+                  <a:schemeClr val="accent4"/>
+                </a:solidFill>
+                <a:latin typeface="Consolas" panose="020B0609020204030204" pitchFamily="49" charset="0"/>
+                <a:cs typeface="Consolas" panose="020B0609020204030204" pitchFamily="49" charset="0"/>
+              </a:rPr>
+              <a:t>char</a:t>
+            </a:r>
+            <a:r>
+              <a:rPr lang="en-US" dirty="0">
+                <a:latin typeface="Consolas" panose="020B0609020204030204" pitchFamily="49" charset="0"/>
+                <a:cs typeface="Consolas" panose="020B0609020204030204" pitchFamily="49" charset="0"/>
+              </a:rPr>
+              <a:t> </a:t>
+            </a:r>
+            <a:r>
+              <a:rPr lang="en-US" dirty="0" err="1">
+                <a:latin typeface="Consolas" panose="020B0609020204030204" pitchFamily="49" charset="0"/>
+                <a:cs typeface="Consolas" panose="020B0609020204030204" pitchFamily="49" charset="0"/>
+              </a:rPr>
+              <a:t>myArray</a:t>
+            </a:r>
+            <a:r>
+              <a:rPr lang="en-US" dirty="0">
+                <a:latin typeface="Consolas" panose="020B0609020204030204" pitchFamily="49" charset="0"/>
+                <a:cs typeface="Consolas" panose="020B0609020204030204" pitchFamily="49" charset="0"/>
+              </a:rPr>
+              <a:t>[] = {</a:t>
+            </a:r>
+            <a:r>
+              <a:rPr lang="en-US" dirty="0">
+                <a:solidFill>
+                  <a:schemeClr val="accent2"/>
+                </a:solidFill>
+                <a:latin typeface="Consolas" panose="020B0609020204030204" pitchFamily="49" charset="0"/>
+                <a:cs typeface="Consolas" panose="020B0609020204030204" pitchFamily="49" charset="0"/>
+              </a:rPr>
+              <a:t>‘H’</a:t>
+            </a:r>
+            <a:r>
+              <a:rPr lang="en-US" dirty="0">
+                <a:latin typeface="Consolas" panose="020B0609020204030204" pitchFamily="49" charset="0"/>
+                <a:cs typeface="Consolas" panose="020B0609020204030204" pitchFamily="49" charset="0"/>
+              </a:rPr>
+              <a:t>, </a:t>
+            </a:r>
+            <a:r>
+              <a:rPr lang="en-US" dirty="0">
+                <a:solidFill>
+                  <a:schemeClr val="accent2"/>
+                </a:solidFill>
+                <a:latin typeface="Consolas" panose="020B0609020204030204" pitchFamily="49" charset="0"/>
+                <a:cs typeface="Consolas" panose="020B0609020204030204" pitchFamily="49" charset="0"/>
+              </a:rPr>
+              <a:t>‘E’</a:t>
+            </a:r>
+            <a:r>
+              <a:rPr lang="en-US" dirty="0">
+                <a:latin typeface="Consolas" panose="020B0609020204030204" pitchFamily="49" charset="0"/>
+                <a:cs typeface="Consolas" panose="020B0609020204030204" pitchFamily="49" charset="0"/>
+              </a:rPr>
+              <a:t>, </a:t>
+            </a:r>
+            <a:r>
+              <a:rPr lang="en-US" dirty="0">
+                <a:solidFill>
+                  <a:schemeClr val="accent2"/>
+                </a:solidFill>
+                <a:latin typeface="Consolas" panose="020B0609020204030204" pitchFamily="49" charset="0"/>
+                <a:cs typeface="Consolas" panose="020B0609020204030204" pitchFamily="49" charset="0"/>
+              </a:rPr>
+              <a:t>‘L’</a:t>
+            </a:r>
+            <a:r>
+              <a:rPr lang="en-US" dirty="0">
+                <a:latin typeface="Consolas" panose="020B0609020204030204" pitchFamily="49" charset="0"/>
+                <a:cs typeface="Consolas" panose="020B0609020204030204" pitchFamily="49" charset="0"/>
+              </a:rPr>
+              <a:t>, </a:t>
+            </a:r>
+            <a:r>
+              <a:rPr lang="en-US" dirty="0">
+                <a:solidFill>
+                  <a:schemeClr val="accent2"/>
+                </a:solidFill>
+                <a:latin typeface="Consolas" panose="020B0609020204030204" pitchFamily="49" charset="0"/>
+                <a:cs typeface="Consolas" panose="020B0609020204030204" pitchFamily="49" charset="0"/>
+              </a:rPr>
+              <a:t>‘L’</a:t>
+            </a:r>
+            <a:r>
+              <a:rPr lang="en-US" dirty="0">
+                <a:latin typeface="Consolas" panose="020B0609020204030204" pitchFamily="49" charset="0"/>
+                <a:cs typeface="Consolas" panose="020B0609020204030204" pitchFamily="49" charset="0"/>
+              </a:rPr>
+              <a:t>, </a:t>
+            </a:r>
+            <a:r>
+              <a:rPr lang="en-US" dirty="0">
+                <a:solidFill>
+                  <a:schemeClr val="accent2"/>
+                </a:solidFill>
+                <a:latin typeface="Consolas" panose="020B0609020204030204" pitchFamily="49" charset="0"/>
+                <a:cs typeface="Consolas" panose="020B0609020204030204" pitchFamily="49" charset="0"/>
+              </a:rPr>
+              <a:t>‘O’</a:t>
+            </a:r>
+            <a:r>
+              <a:rPr lang="en-US" dirty="0">
+                <a:latin typeface="Consolas" panose="020B0609020204030204" pitchFamily="49" charset="0"/>
+                <a:cs typeface="Consolas" panose="020B0609020204030204" pitchFamily="49" charset="0"/>
+              </a:rPr>
+              <a:t>, </a:t>
+            </a:r>
+            <a:r>
+              <a:rPr lang="en-US" dirty="0">
+                <a:solidFill>
+                  <a:schemeClr val="accent4"/>
+                </a:solidFill>
+                <a:latin typeface="Consolas" panose="020B0609020204030204" pitchFamily="49" charset="0"/>
+                <a:cs typeface="Consolas" panose="020B0609020204030204" pitchFamily="49" charset="0"/>
+              </a:rPr>
+              <a:t>0</a:t>
+            </a:r>
+            <a:r>
+              <a:rPr lang="en-US" dirty="0">
+                <a:latin typeface="Consolas" panose="020B0609020204030204" pitchFamily="49" charset="0"/>
+                <a:cs typeface="Consolas" panose="020B0609020204030204" pitchFamily="49" charset="0"/>
+              </a:rPr>
+              <a:t>};</a:t>
+            </a:r>
+          </a:p>
+          <a:p>
+            <a:pPr lvl="1"/>
+            <a:r>
+              <a:rPr lang="en-US" dirty="0">
+                <a:cs typeface="Consolas" panose="020B0609020204030204" pitchFamily="49" charset="0"/>
+              </a:rPr>
+              <a:t>Notice that the </a:t>
+            </a:r>
+            <a:r>
+              <a:rPr lang="en-US" dirty="0">
+                <a:solidFill>
+                  <a:schemeClr val="accent4"/>
+                </a:solidFill>
+                <a:latin typeface="Consolas" panose="020B0609020204030204" pitchFamily="49" charset="0"/>
+                <a:cs typeface="Consolas" panose="020B0609020204030204" pitchFamily="49" charset="0"/>
+              </a:rPr>
+              <a:t>0</a:t>
+            </a:r>
+            <a:r>
+              <a:rPr lang="en-US" dirty="0">
+                <a:cs typeface="Consolas" panose="020B0609020204030204" pitchFamily="49" charset="0"/>
+              </a:rPr>
+              <a:t> just indicates where the array ends ( include this in for </a:t>
+            </a:r>
+            <a:r>
+              <a:rPr lang="en-US" sz="1800" dirty="0">
+                <a:solidFill>
+                  <a:schemeClr val="accent4"/>
+                </a:solidFill>
+                <a:latin typeface="Consolas" panose="020B0609020204030204" pitchFamily="49" charset="0"/>
+                <a:cs typeface="Consolas" panose="020B0609020204030204" pitchFamily="49" charset="0"/>
+              </a:rPr>
+              <a:t>char</a:t>
+            </a:r>
+            <a:r>
+              <a:rPr lang="en-US" dirty="0">
+                <a:cs typeface="Consolas" panose="020B0609020204030204" pitchFamily="49" charset="0"/>
+              </a:rPr>
+              <a:t> arrays as a safety measure)</a:t>
+            </a:r>
+          </a:p>
+        </p:txBody>
+      </p:sp>
+    </p:spTree>
+    <p:extLst>
+      <p:ext uri="{BB962C8B-B14F-4D97-AF65-F5344CB8AC3E}">
+        <p14:creationId xmlns:p14="http://schemas.microsoft.com/office/powerpoint/2010/main" val="3774538707"/>
+      </p:ext>
+    </p:extLst>
+  </p:cSld>
+  <p:clrMapOvr>
+    <a:masterClrMapping/>
+  </p:clrMapOvr>
+  <p:timing>
+    <p:tnLst>
+      <p:par>
+        <p:cTn id="1" dur="indefinite" restart="never" nodeType="tmRoot">
+          <p:childTnLst>
+            <p:seq concurrent="1" nextAc="seek">
+              <p:cTn id="2" dur="indefinite" nodeType="mainSeq">
+                <p:childTnLst>
+                  <p:par>
+                    <p:cTn id="3" fill="hold">
+                      <p:stCondLst>
+                        <p:cond delay="indefinite"/>
+                      </p:stCondLst>
+                      <p:childTnLst>
+                        <p:par>
+                          <p:cTn id="4" fill="hold">
+                            <p:stCondLst>
+                              <p:cond delay="0"/>
+                            </p:stCondLst>
+                            <p:childTnLst>
+                              <p:par>
+                                <p:cTn id="5" presetID="2" presetClass="entr" presetSubtype="4" fill="hold" grpId="0" nodeType="clickEffect">
+                                  <p:stCondLst>
+                                    <p:cond delay="0"/>
+                                  </p:stCondLst>
+                                  <p:childTnLst>
+                                    <p:set>
+                                      <p:cBhvr>
+                                        <p:cTn id="6" dur="1" fill="hold">
+                                          <p:stCondLst>
+                                            <p:cond delay="0"/>
+                                          </p:stCondLst>
+                                        </p:cTn>
+                                        <p:tgtEl>
+                                          <p:spTgt spid="3">
+                                            <p:txEl>
+                                              <p:pRg st="0" end="0"/>
+                                            </p:txEl>
+                                          </p:spTgt>
+                                        </p:tgtEl>
+                                        <p:attrNameLst>
+                                          <p:attrName>style.visibility</p:attrName>
+                                        </p:attrNameLst>
+                                      </p:cBhvr>
+                                      <p:to>
+                                        <p:strVal val="visible"/>
+                                      </p:to>
+                                    </p:set>
+                                    <p:anim calcmode="lin" valueType="num">
+                                      <p:cBhvr additive="base">
+                                        <p:cTn id="7" dur="500" fill="hold"/>
+                                        <p:tgtEl>
+                                          <p:spTgt spid="3">
+                                            <p:txEl>
+                                              <p:pRg st="0" end="0"/>
+                                            </p:txEl>
+                                          </p:spTgt>
+                                        </p:tgtEl>
+                                        <p:attrNameLst>
+                                          <p:attrName>ppt_x</p:attrName>
+                                        </p:attrNameLst>
+                                      </p:cBhvr>
+                                      <p:tavLst>
+                                        <p:tav tm="0">
+                                          <p:val>
+                                            <p:strVal val="#ppt_x"/>
+                                          </p:val>
+                                        </p:tav>
+                                        <p:tav tm="100000">
+                                          <p:val>
+                                            <p:strVal val="#ppt_x"/>
+                                          </p:val>
+                                        </p:tav>
+                                      </p:tavLst>
+                                    </p:anim>
+                                    <p:anim calcmode="lin" valueType="num">
+                                      <p:cBhvr additive="base">
+                                        <p:cTn id="8" dur="500" fill="hold"/>
+                                        <p:tgtEl>
+                                          <p:spTgt spid="3">
+                                            <p:txEl>
+                                              <p:pRg st="0" end="0"/>
+                                            </p:txEl>
+                                          </p:spTgt>
+                                        </p:tgtEl>
+                                        <p:attrNameLst>
+                                          <p:attrName>ppt_y</p:attrName>
+                                        </p:attrNameLst>
+                                      </p:cBhvr>
+                                      <p:tavLst>
+                                        <p:tav tm="0">
+                                          <p:val>
+                                            <p:strVal val="1+#ppt_h/2"/>
+                                          </p:val>
+                                        </p:tav>
+                                        <p:tav tm="100000">
+                                          <p:val>
+                                            <p:strVal val="#ppt_y"/>
+                                          </p:val>
+                                        </p:tav>
+                                      </p:tavLst>
+                                    </p:anim>
+                                  </p:childTnLst>
+                                </p:cTn>
+                              </p:par>
+                              <p:par>
+                                <p:cTn id="9" presetID="2" presetClass="entr" presetSubtype="4" fill="hold" grpId="0" nodeType="withEffect">
+                                  <p:stCondLst>
+                                    <p:cond delay="0"/>
+                                  </p:stCondLst>
+                                  <p:childTnLst>
+                                    <p:set>
+                                      <p:cBhvr>
+                                        <p:cTn id="10" dur="1" fill="hold">
+                                          <p:stCondLst>
+                                            <p:cond delay="0"/>
+                                          </p:stCondLst>
+                                        </p:cTn>
+                                        <p:tgtEl>
+                                          <p:spTgt spid="3">
+                                            <p:txEl>
+                                              <p:pRg st="1" end="1"/>
+                                            </p:txEl>
+                                          </p:spTgt>
+                                        </p:tgtEl>
+                                        <p:attrNameLst>
+                                          <p:attrName>style.visibility</p:attrName>
+                                        </p:attrNameLst>
+                                      </p:cBhvr>
+                                      <p:to>
+                                        <p:strVal val="visible"/>
+                                      </p:to>
+                                    </p:set>
+                                    <p:anim calcmode="lin" valueType="num">
+                                      <p:cBhvr additive="base">
+                                        <p:cTn id="11" dur="500" fill="hold"/>
+                                        <p:tgtEl>
+                                          <p:spTgt spid="3">
+                                            <p:txEl>
+                                              <p:pRg st="1" end="1"/>
+                                            </p:txEl>
+                                          </p:spTgt>
+                                        </p:tgtEl>
+                                        <p:attrNameLst>
+                                          <p:attrName>ppt_x</p:attrName>
+                                        </p:attrNameLst>
+                                      </p:cBhvr>
+                                      <p:tavLst>
+                                        <p:tav tm="0">
+                                          <p:val>
+                                            <p:strVal val="#ppt_x"/>
+                                          </p:val>
+                                        </p:tav>
+                                        <p:tav tm="100000">
+                                          <p:val>
+                                            <p:strVal val="#ppt_x"/>
+                                          </p:val>
+                                        </p:tav>
+                                      </p:tavLst>
+                                    </p:anim>
+                                    <p:anim calcmode="lin" valueType="num">
+                                      <p:cBhvr additive="base">
+                                        <p:cTn id="12" dur="500" fill="hold"/>
+                                        <p:tgtEl>
+                                          <p:spTgt spid="3">
+                                            <p:txEl>
+                                              <p:pRg st="1" end="1"/>
+                                            </p:txEl>
+                                          </p:spTgt>
+                                        </p:tgtEl>
+                                        <p:attrNameLst>
+                                          <p:attrName>ppt_y</p:attrName>
+                                        </p:attrNameLst>
+                                      </p:cBhvr>
+                                      <p:tavLst>
+                                        <p:tav tm="0">
+                                          <p:val>
+                                            <p:strVal val="1+#ppt_h/2"/>
+                                          </p:val>
+                                        </p:tav>
+                                        <p:tav tm="100000">
+                                          <p:val>
+                                            <p:strVal val="#ppt_y"/>
+                                          </p:val>
+                                        </p:tav>
+                                      </p:tavLst>
+                                    </p:anim>
+                                  </p:childTnLst>
+                                </p:cTn>
+                              </p:par>
+                              <p:par>
+                                <p:cTn id="13" presetID="2" presetClass="entr" presetSubtype="4" fill="hold" grpId="0" nodeType="withEffect">
+                                  <p:stCondLst>
+                                    <p:cond delay="0"/>
+                                  </p:stCondLst>
+                                  <p:childTnLst>
+                                    <p:set>
+                                      <p:cBhvr>
+                                        <p:cTn id="14" dur="1" fill="hold">
+                                          <p:stCondLst>
+                                            <p:cond delay="0"/>
+                                          </p:stCondLst>
+                                        </p:cTn>
+                                        <p:tgtEl>
+                                          <p:spTgt spid="3">
+                                            <p:txEl>
+                                              <p:pRg st="2" end="2"/>
+                                            </p:txEl>
+                                          </p:spTgt>
+                                        </p:tgtEl>
+                                        <p:attrNameLst>
+                                          <p:attrName>style.visibility</p:attrName>
+                                        </p:attrNameLst>
+                                      </p:cBhvr>
+                                      <p:to>
+                                        <p:strVal val="visible"/>
+                                      </p:to>
+                                    </p:set>
+                                    <p:anim calcmode="lin" valueType="num">
+                                      <p:cBhvr additive="base">
+                                        <p:cTn id="15" dur="500" fill="hold"/>
+                                        <p:tgtEl>
+                                          <p:spTgt spid="3">
+                                            <p:txEl>
+                                              <p:pRg st="2" end="2"/>
+                                            </p:txEl>
+                                          </p:spTgt>
+                                        </p:tgtEl>
+                                        <p:attrNameLst>
+                                          <p:attrName>ppt_x</p:attrName>
+                                        </p:attrNameLst>
+                                      </p:cBhvr>
+                                      <p:tavLst>
+                                        <p:tav tm="0">
+                                          <p:val>
+                                            <p:strVal val="#ppt_x"/>
+                                          </p:val>
+                                        </p:tav>
+                                        <p:tav tm="100000">
+                                          <p:val>
+                                            <p:strVal val="#ppt_x"/>
+                                          </p:val>
+                                        </p:tav>
+                                      </p:tavLst>
+                                    </p:anim>
+                                    <p:anim calcmode="lin" valueType="num">
+                                      <p:cBhvr additive="base">
+                                        <p:cTn id="16" dur="500" fill="hold"/>
+                                        <p:tgtEl>
+                                          <p:spTgt spid="3">
+                                            <p:txEl>
+                                              <p:pRg st="2" end="2"/>
+                                            </p:txEl>
+                                          </p:spTgt>
+                                        </p:tgtEl>
+                                        <p:attrNameLst>
+                                          <p:attrName>ppt_y</p:attrName>
+                                        </p:attrNameLst>
+                                      </p:cBhvr>
+                                      <p:tavLst>
+                                        <p:tav tm="0">
+                                          <p:val>
+                                            <p:strVal val="1+#ppt_h/2"/>
+                                          </p:val>
+                                        </p:tav>
+                                        <p:tav tm="100000">
+                                          <p:val>
+                                            <p:strVal val="#ppt_y"/>
+                                          </p:val>
+                                        </p:tav>
+                                      </p:tavLst>
+                                    </p:anim>
+                                  </p:childTnLst>
+                                </p:cTn>
+                              </p:par>
+                            </p:childTnLst>
+                          </p:cTn>
+                        </p:par>
+                      </p:childTnLst>
+                    </p:cTn>
+                  </p:par>
+                </p:childTnLst>
+              </p:cTn>
+              <p:prevCondLst>
+                <p:cond evt="onPrev" delay="0">
+                  <p:tgtEl>
+                    <p:sldTgt/>
+                  </p:tgtEl>
+                </p:cond>
+              </p:prevCondLst>
+              <p:nextCondLst>
+                <p:cond evt="onNext" delay="0">
+                  <p:tgtEl>
+                    <p:sldTgt/>
+                  </p:tgtEl>
+                </p:cond>
+              </p:nextCondLst>
+            </p:seq>
+          </p:childTnLst>
+        </p:cTn>
+      </p:par>
+    </p:tnLst>
+    <p:bldLst>
+      <p:bldP spid="3" grpId="0" build="p"/>
+    </p:bldLst>
+  </p:timing>
+</p:sld>
+</file>
+
+<file path=ppt/slides/slide41.xml><?xml version="1.0" encoding="utf-8"?>
+<p:sld xmlns:a="http://schemas.openxmlformats.org/drawingml/2006/main" xmlns:r="http://schemas.openxmlformats.org/officeDocument/2006/relationships" xmlns:p="http://schemas.openxmlformats.org/presentationml/2006/main">
+  <p:cSld>
+    <p:spTree>
+      <p:nvGrpSpPr>
+        <p:cNvPr id="1" name=""/>
+        <p:cNvGrpSpPr/>
+        <p:nvPr/>
+      </p:nvGrpSpPr>
+      <p:grpSpPr>
+        <a:xfrm>
+          <a:off x="0" y="0"/>
+          <a:ext cx="0" cy="0"/>
+          <a:chOff x="0" y="0"/>
+          <a:chExt cx="0" cy="0"/>
+        </a:xfrm>
+      </p:grpSpPr>
+      <p:sp>
+        <p:nvSpPr>
+          <p:cNvPr id="2" name="Title 1">
+            <a:extLst>
+              <a:ext uri="{FF2B5EF4-FFF2-40B4-BE49-F238E27FC236}">
                 <a16:creationId xmlns:a16="http://schemas.microsoft.com/office/drawing/2014/main" id="{766F9608-B213-4542-B581-4F712F142756}"/>
               </a:ext>
             </a:extLst>
@@ -36257,7 +36926,7 @@
 </p:sld>
 </file>
 
-<file path=ppt/slides/slide41.xml><?xml version="1.0" encoding="utf-8"?>
+<file path=ppt/slides/slide42.xml><?xml version="1.0" encoding="utf-8"?>
 <p:sld xmlns:a="http://schemas.openxmlformats.org/drawingml/2006/main" xmlns:r="http://schemas.openxmlformats.org/officeDocument/2006/relationships" xmlns:p="http://schemas.openxmlformats.org/presentationml/2006/main">
   <p:cSld>
     <p:spTree>
@@ -36646,7 +37315,7 @@
 </p:sld>
 </file>
 
-<file path=ppt/slides/slide42.xml><?xml version="1.0" encoding="utf-8"?>
+<file path=ppt/slides/slide43.xml><?xml version="1.0" encoding="utf-8"?>
 <p:sld xmlns:a="http://schemas.openxmlformats.org/drawingml/2006/main" xmlns:r="http://schemas.openxmlformats.org/officeDocument/2006/relationships" xmlns:p="http://schemas.openxmlformats.org/presentationml/2006/main">
   <p:cSld>
     <p:spTree>
@@ -37137,7 +37806,7 @@
 </p:sld>
 </file>
 
-<file path=ppt/slides/slide43.xml><?xml version="1.0" encoding="utf-8"?>
+<file path=ppt/slides/slide44.xml><?xml version="1.0" encoding="utf-8"?>
 <p:sld xmlns:a="http://schemas.openxmlformats.org/drawingml/2006/main" xmlns:r="http://schemas.openxmlformats.org/officeDocument/2006/relationships" xmlns:p="http://schemas.openxmlformats.org/presentationml/2006/main">
   <p:cSld>
     <p:spTree>
@@ -37916,7 +38585,7 @@
 </p:sld>
 </file>
 
-<file path=ppt/slides/slide44.xml><?xml version="1.0" encoding="utf-8"?>
+<file path=ppt/slides/slide45.xml><?xml version="1.0" encoding="utf-8"?>
 <p:sld xmlns:a="http://schemas.openxmlformats.org/drawingml/2006/main" xmlns:r="http://schemas.openxmlformats.org/officeDocument/2006/relationships" xmlns:p="http://schemas.openxmlformats.org/presentationml/2006/main">
   <p:cSld>
     <p:spTree>
@@ -38556,6 +39225,1862 @@
                                         <p:tav tm="0">
                                           <p:val>
                                             <p:strVal val="1+#ppt_h/2"/>
+                                          </p:val>
+                                        </p:tav>
+                                        <p:tav tm="100000">
+                                          <p:val>
+                                            <p:strVal val="#ppt_y"/>
+                                          </p:val>
+                                        </p:tav>
+                                      </p:tavLst>
+                                    </p:anim>
+                                  </p:childTnLst>
+                                </p:cTn>
+                              </p:par>
+                            </p:childTnLst>
+                          </p:cTn>
+                        </p:par>
+                      </p:childTnLst>
+                    </p:cTn>
+                  </p:par>
+                </p:childTnLst>
+              </p:cTn>
+              <p:prevCondLst>
+                <p:cond evt="onPrev" delay="0">
+                  <p:tgtEl>
+                    <p:sldTgt/>
+                  </p:tgtEl>
+                </p:cond>
+              </p:prevCondLst>
+              <p:nextCondLst>
+                <p:cond evt="onNext" delay="0">
+                  <p:tgtEl>
+                    <p:sldTgt/>
+                  </p:tgtEl>
+                </p:cond>
+              </p:nextCondLst>
+            </p:seq>
+          </p:childTnLst>
+        </p:cTn>
+      </p:par>
+    </p:tnLst>
+    <p:bldLst>
+      <p:bldP spid="3" grpId="0" build="p"/>
+    </p:bldLst>
+  </p:timing>
+</p:sld>
+</file>
+
+<file path=ppt/slides/slide46.xml><?xml version="1.0" encoding="utf-8"?>
+<p:sld xmlns:a="http://schemas.openxmlformats.org/drawingml/2006/main" xmlns:r="http://schemas.openxmlformats.org/officeDocument/2006/relationships" xmlns:p="http://schemas.openxmlformats.org/presentationml/2006/main">
+  <p:cSld>
+    <p:spTree>
+      <p:nvGrpSpPr>
+        <p:cNvPr id="1" name=""/>
+        <p:cNvGrpSpPr/>
+        <p:nvPr/>
+      </p:nvGrpSpPr>
+      <p:grpSpPr>
+        <a:xfrm>
+          <a:off x="0" y="0"/>
+          <a:ext cx="0" cy="0"/>
+          <a:chOff x="0" y="0"/>
+          <a:chExt cx="0" cy="0"/>
+        </a:xfrm>
+      </p:grpSpPr>
+      <p:sp>
+        <p:nvSpPr>
+          <p:cNvPr id="2" name="Title 1">
+            <a:extLst>
+              <a:ext uri="{FF2B5EF4-FFF2-40B4-BE49-F238E27FC236}">
+                <a16:creationId xmlns:a16="http://schemas.microsoft.com/office/drawing/2014/main" id="{0B26525D-5B39-4C42-94BF-7E83FEA95706}"/>
+              </a:ext>
+            </a:extLst>
+          </p:cNvPr>
+          <p:cNvSpPr>
+            <a:spLocks noGrp="1"/>
+          </p:cNvSpPr>
+          <p:nvPr>
+            <p:ph type="title"/>
+          </p:nvPr>
+        </p:nvSpPr>
+        <p:spPr/>
+        <p:txBody>
+          <a:bodyPr/>
+          <a:lstStyle/>
+          <a:p>
+            <a:pPr algn="ctr"/>
+            <a:r>
+              <a:rPr lang="en-US" b="1" dirty="0"/>
+              <a:t>Variable scope &amp; lifetime</a:t>
+            </a:r>
+          </a:p>
+        </p:txBody>
+      </p:sp>
+      <p:sp>
+        <p:nvSpPr>
+          <p:cNvPr id="3" name="Content Placeholder 2">
+            <a:extLst>
+              <a:ext uri="{FF2B5EF4-FFF2-40B4-BE49-F238E27FC236}">
+                <a16:creationId xmlns:a16="http://schemas.microsoft.com/office/drawing/2014/main" id="{5B67E0A4-65D5-A14D-AA83-453062BD1F5E}"/>
+              </a:ext>
+            </a:extLst>
+          </p:cNvPr>
+          <p:cNvSpPr>
+            <a:spLocks noGrp="1"/>
+          </p:cNvSpPr>
+          <p:nvPr>
+            <p:ph idx="1"/>
+          </p:nvPr>
+        </p:nvSpPr>
+        <p:spPr/>
+        <p:txBody>
+          <a:bodyPr/>
+          <a:lstStyle/>
+          <a:p>
+            <a:r>
+              <a:rPr lang="en-US" dirty="0"/>
+              <a:t>So far all the variables we have used were </a:t>
+            </a:r>
+            <a:r>
+              <a:rPr lang="en-US" u="sng" dirty="0"/>
+              <a:t>member variables</a:t>
+            </a:r>
+            <a:r>
+              <a:rPr lang="en-US" dirty="0"/>
+              <a:t> of a function.</a:t>
+            </a:r>
+          </a:p>
+          <a:p>
+            <a:endParaRPr lang="en-US" dirty="0"/>
+          </a:p>
+          <a:p>
+            <a:r>
+              <a:rPr lang="en-US" dirty="0"/>
+              <a:t>We may call these types of variables </a:t>
+            </a:r>
+            <a:r>
+              <a:rPr lang="en-US" b="1" dirty="0"/>
+              <a:t>LOCAL</a:t>
+            </a:r>
+            <a:r>
+              <a:rPr lang="en-US" dirty="0"/>
+              <a:t> variables</a:t>
+            </a:r>
+          </a:p>
+          <a:p>
+            <a:endParaRPr lang="en-US" dirty="0"/>
+          </a:p>
+          <a:p>
+            <a:r>
+              <a:rPr lang="en-US" dirty="0"/>
+              <a:t>There is another type of variable that we may utilize called </a:t>
+            </a:r>
+            <a:r>
+              <a:rPr lang="en-US" b="1" dirty="0"/>
+              <a:t>GLOBAL </a:t>
+            </a:r>
+            <a:r>
+              <a:rPr lang="en-US" dirty="0"/>
+              <a:t>variables</a:t>
+            </a:r>
+          </a:p>
+        </p:txBody>
+      </p:sp>
+    </p:spTree>
+    <p:extLst>
+      <p:ext uri="{BB962C8B-B14F-4D97-AF65-F5344CB8AC3E}">
+        <p14:creationId xmlns:p14="http://schemas.microsoft.com/office/powerpoint/2010/main" val="3437823038"/>
+      </p:ext>
+    </p:extLst>
+  </p:cSld>
+  <p:clrMapOvr>
+    <a:masterClrMapping/>
+  </p:clrMapOvr>
+  <p:timing>
+    <p:tnLst>
+      <p:par>
+        <p:cTn id="1" dur="indefinite" restart="never" nodeType="tmRoot">
+          <p:childTnLst>
+            <p:seq concurrent="1" nextAc="seek">
+              <p:cTn id="2" dur="indefinite" nodeType="mainSeq">
+                <p:childTnLst>
+                  <p:par>
+                    <p:cTn id="3" fill="hold">
+                      <p:stCondLst>
+                        <p:cond delay="indefinite"/>
+                      </p:stCondLst>
+                      <p:childTnLst>
+                        <p:par>
+                          <p:cTn id="4" fill="hold">
+                            <p:stCondLst>
+                              <p:cond delay="0"/>
+                            </p:stCondLst>
+                            <p:childTnLst>
+                              <p:par>
+                                <p:cTn id="5" presetID="52" presetClass="entr" presetSubtype="0" fill="hold" grpId="0" nodeType="clickEffect">
+                                  <p:stCondLst>
+                                    <p:cond delay="0"/>
+                                  </p:stCondLst>
+                                  <p:childTnLst>
+                                    <p:set>
+                                      <p:cBhvr>
+                                        <p:cTn id="6" dur="1" fill="hold">
+                                          <p:stCondLst>
+                                            <p:cond delay="0"/>
+                                          </p:stCondLst>
+                                        </p:cTn>
+                                        <p:tgtEl>
+                                          <p:spTgt spid="3">
+                                            <p:txEl>
+                                              <p:pRg st="0" end="0"/>
+                                            </p:txEl>
+                                          </p:spTgt>
+                                        </p:tgtEl>
+                                        <p:attrNameLst>
+                                          <p:attrName>style.visibility</p:attrName>
+                                        </p:attrNameLst>
+                                      </p:cBhvr>
+                                      <p:to>
+                                        <p:strVal val="visible"/>
+                                      </p:to>
+                                    </p:set>
+                                    <p:animScale>
+                                      <p:cBhvr>
+                                        <p:cTn id="7" dur="1000" decel="50000" fill="hold">
+                                          <p:stCondLst>
+                                            <p:cond delay="0"/>
+                                          </p:stCondLst>
+                                        </p:cTn>
+                                        <p:tgtEl>
+                                          <p:spTgt spid="3">
+                                            <p:txEl>
+                                              <p:pRg st="0" end="0"/>
+                                            </p:txEl>
+                                          </p:spTgt>
+                                        </p:tgtEl>
+                                      </p:cBhvr>
+                                      <p:from x="250000" y="250000"/>
+                                      <p:to x="100000" y="100000"/>
+                                    </p:animScale>
+                                    <p:animMotion origin="layout" path="M -0.46736 0.92887  C -0.37517 0.88508  -0.02552 0.75279  0.0908 0.66613  C  0.20747 0.57948  0.21649 0.50394  0.23177 0.40825  C 0.24705 0.31256  0.22118 0.15964   0.18264 0.09152  C 0.1441 0.02341  0.03802 0.0  0.0 0.0  " pathEditMode="relative" ptsTypes="">
+                                      <p:cBhvr>
+                                        <p:cTn id="8" dur="1000" decel="50000" fill="hold">
+                                          <p:stCondLst>
+                                            <p:cond delay="0"/>
+                                          </p:stCondLst>
+                                        </p:cTn>
+                                        <p:tgtEl>
+                                          <p:spTgt spid="3">
+                                            <p:txEl>
+                                              <p:pRg st="0" end="0"/>
+                                            </p:txEl>
+                                          </p:spTgt>
+                                        </p:tgtEl>
+                                        <p:attrNameLst>
+                                          <p:attrName>ppt_x</p:attrName>
+                                          <p:attrName>ppt_y</p:attrName>
+                                        </p:attrNameLst>
+                                      </p:cBhvr>
+                                    </p:animMotion>
+                                    <p:animEffect transition="in" filter="fade">
+                                      <p:cBhvr>
+                                        <p:cTn id="9" dur="1000"/>
+                                        <p:tgtEl>
+                                          <p:spTgt spid="3">
+                                            <p:txEl>
+                                              <p:pRg st="0" end="0"/>
+                                            </p:txEl>
+                                          </p:spTgt>
+                                        </p:tgtEl>
+                                      </p:cBhvr>
+                                    </p:animEffect>
+                                  </p:childTnLst>
+                                </p:cTn>
+                              </p:par>
+                            </p:childTnLst>
+                          </p:cTn>
+                        </p:par>
+                      </p:childTnLst>
+                    </p:cTn>
+                  </p:par>
+                  <p:par>
+                    <p:cTn id="10" fill="hold">
+                      <p:stCondLst>
+                        <p:cond delay="indefinite"/>
+                      </p:stCondLst>
+                      <p:childTnLst>
+                        <p:par>
+                          <p:cTn id="11" fill="hold">
+                            <p:stCondLst>
+                              <p:cond delay="0"/>
+                            </p:stCondLst>
+                            <p:childTnLst>
+                              <p:par>
+                                <p:cTn id="12" presetID="52" presetClass="entr" presetSubtype="0" fill="hold" grpId="0" nodeType="clickEffect">
+                                  <p:stCondLst>
+                                    <p:cond delay="0"/>
+                                  </p:stCondLst>
+                                  <p:childTnLst>
+                                    <p:set>
+                                      <p:cBhvr>
+                                        <p:cTn id="13" dur="1" fill="hold">
+                                          <p:stCondLst>
+                                            <p:cond delay="0"/>
+                                          </p:stCondLst>
+                                        </p:cTn>
+                                        <p:tgtEl>
+                                          <p:spTgt spid="3">
+                                            <p:txEl>
+                                              <p:pRg st="2" end="2"/>
+                                            </p:txEl>
+                                          </p:spTgt>
+                                        </p:tgtEl>
+                                        <p:attrNameLst>
+                                          <p:attrName>style.visibility</p:attrName>
+                                        </p:attrNameLst>
+                                      </p:cBhvr>
+                                      <p:to>
+                                        <p:strVal val="visible"/>
+                                      </p:to>
+                                    </p:set>
+                                    <p:animScale>
+                                      <p:cBhvr>
+                                        <p:cTn id="14" dur="1000" decel="50000" fill="hold">
+                                          <p:stCondLst>
+                                            <p:cond delay="0"/>
+                                          </p:stCondLst>
+                                        </p:cTn>
+                                        <p:tgtEl>
+                                          <p:spTgt spid="3">
+                                            <p:txEl>
+                                              <p:pRg st="2" end="2"/>
+                                            </p:txEl>
+                                          </p:spTgt>
+                                        </p:tgtEl>
+                                      </p:cBhvr>
+                                      <p:from x="250000" y="250000"/>
+                                      <p:to x="100000" y="100000"/>
+                                    </p:animScale>
+                                    <p:animMotion origin="layout" path="M -0.46736 0.92887  C -0.37517 0.88508  -0.02552 0.75279  0.0908 0.66613  C  0.20747 0.57948  0.21649 0.50394  0.23177 0.40825  C 0.24705 0.31256  0.22118 0.15964   0.18264 0.09152  C 0.1441 0.02341  0.03802 0.0  0.0 0.0  " pathEditMode="relative" ptsTypes="">
+                                      <p:cBhvr>
+                                        <p:cTn id="15" dur="1000" decel="50000" fill="hold">
+                                          <p:stCondLst>
+                                            <p:cond delay="0"/>
+                                          </p:stCondLst>
+                                        </p:cTn>
+                                        <p:tgtEl>
+                                          <p:spTgt spid="3">
+                                            <p:txEl>
+                                              <p:pRg st="2" end="2"/>
+                                            </p:txEl>
+                                          </p:spTgt>
+                                        </p:tgtEl>
+                                        <p:attrNameLst>
+                                          <p:attrName>ppt_x</p:attrName>
+                                          <p:attrName>ppt_y</p:attrName>
+                                        </p:attrNameLst>
+                                      </p:cBhvr>
+                                    </p:animMotion>
+                                    <p:animEffect transition="in" filter="fade">
+                                      <p:cBhvr>
+                                        <p:cTn id="16" dur="1000"/>
+                                        <p:tgtEl>
+                                          <p:spTgt spid="3">
+                                            <p:txEl>
+                                              <p:pRg st="2" end="2"/>
+                                            </p:txEl>
+                                          </p:spTgt>
+                                        </p:tgtEl>
+                                      </p:cBhvr>
+                                    </p:animEffect>
+                                  </p:childTnLst>
+                                </p:cTn>
+                              </p:par>
+                            </p:childTnLst>
+                          </p:cTn>
+                        </p:par>
+                      </p:childTnLst>
+                    </p:cTn>
+                  </p:par>
+                  <p:par>
+                    <p:cTn id="17" fill="hold">
+                      <p:stCondLst>
+                        <p:cond delay="indefinite"/>
+                      </p:stCondLst>
+                      <p:childTnLst>
+                        <p:par>
+                          <p:cTn id="18" fill="hold">
+                            <p:stCondLst>
+                              <p:cond delay="0"/>
+                            </p:stCondLst>
+                            <p:childTnLst>
+                              <p:par>
+                                <p:cTn id="19" presetID="52" presetClass="entr" presetSubtype="0" fill="hold" grpId="0" nodeType="clickEffect">
+                                  <p:stCondLst>
+                                    <p:cond delay="0"/>
+                                  </p:stCondLst>
+                                  <p:childTnLst>
+                                    <p:set>
+                                      <p:cBhvr>
+                                        <p:cTn id="20" dur="1" fill="hold">
+                                          <p:stCondLst>
+                                            <p:cond delay="0"/>
+                                          </p:stCondLst>
+                                        </p:cTn>
+                                        <p:tgtEl>
+                                          <p:spTgt spid="3">
+                                            <p:txEl>
+                                              <p:pRg st="4" end="4"/>
+                                            </p:txEl>
+                                          </p:spTgt>
+                                        </p:tgtEl>
+                                        <p:attrNameLst>
+                                          <p:attrName>style.visibility</p:attrName>
+                                        </p:attrNameLst>
+                                      </p:cBhvr>
+                                      <p:to>
+                                        <p:strVal val="visible"/>
+                                      </p:to>
+                                    </p:set>
+                                    <p:animScale>
+                                      <p:cBhvr>
+                                        <p:cTn id="21" dur="1000" decel="50000" fill="hold">
+                                          <p:stCondLst>
+                                            <p:cond delay="0"/>
+                                          </p:stCondLst>
+                                        </p:cTn>
+                                        <p:tgtEl>
+                                          <p:spTgt spid="3">
+                                            <p:txEl>
+                                              <p:pRg st="4" end="4"/>
+                                            </p:txEl>
+                                          </p:spTgt>
+                                        </p:tgtEl>
+                                      </p:cBhvr>
+                                      <p:from x="250000" y="250000"/>
+                                      <p:to x="100000" y="100000"/>
+                                    </p:animScale>
+                                    <p:animMotion origin="layout" path="M -0.46736 0.92887  C -0.37517 0.88508  -0.02552 0.75279  0.0908 0.66613  C  0.20747 0.57948  0.21649 0.50394  0.23177 0.40825  C 0.24705 0.31256  0.22118 0.15964   0.18264 0.09152  C 0.1441 0.02341  0.03802 0.0  0.0 0.0  " pathEditMode="relative" ptsTypes="">
+                                      <p:cBhvr>
+                                        <p:cTn id="22" dur="1000" decel="50000" fill="hold">
+                                          <p:stCondLst>
+                                            <p:cond delay="0"/>
+                                          </p:stCondLst>
+                                        </p:cTn>
+                                        <p:tgtEl>
+                                          <p:spTgt spid="3">
+                                            <p:txEl>
+                                              <p:pRg st="4" end="4"/>
+                                            </p:txEl>
+                                          </p:spTgt>
+                                        </p:tgtEl>
+                                        <p:attrNameLst>
+                                          <p:attrName>ppt_x</p:attrName>
+                                          <p:attrName>ppt_y</p:attrName>
+                                        </p:attrNameLst>
+                                      </p:cBhvr>
+                                    </p:animMotion>
+                                    <p:animEffect transition="in" filter="fade">
+                                      <p:cBhvr>
+                                        <p:cTn id="23" dur="1000"/>
+                                        <p:tgtEl>
+                                          <p:spTgt spid="3">
+                                            <p:txEl>
+                                              <p:pRg st="4" end="4"/>
+                                            </p:txEl>
+                                          </p:spTgt>
+                                        </p:tgtEl>
+                                      </p:cBhvr>
+                                    </p:animEffect>
+                                  </p:childTnLst>
+                                </p:cTn>
+                              </p:par>
+                            </p:childTnLst>
+                          </p:cTn>
+                        </p:par>
+                      </p:childTnLst>
+                    </p:cTn>
+                  </p:par>
+                </p:childTnLst>
+              </p:cTn>
+              <p:prevCondLst>
+                <p:cond evt="onPrev" delay="0">
+                  <p:tgtEl>
+                    <p:sldTgt/>
+                  </p:tgtEl>
+                </p:cond>
+              </p:prevCondLst>
+              <p:nextCondLst>
+                <p:cond evt="onNext" delay="0">
+                  <p:tgtEl>
+                    <p:sldTgt/>
+                  </p:tgtEl>
+                </p:cond>
+              </p:nextCondLst>
+            </p:seq>
+          </p:childTnLst>
+        </p:cTn>
+      </p:par>
+    </p:tnLst>
+    <p:bldLst>
+      <p:bldP spid="3" grpId="0" build="p"/>
+    </p:bldLst>
+  </p:timing>
+</p:sld>
+</file>
+
+<file path=ppt/slides/slide47.xml><?xml version="1.0" encoding="utf-8"?>
+<p:sld xmlns:a="http://schemas.openxmlformats.org/drawingml/2006/main" xmlns:r="http://schemas.openxmlformats.org/officeDocument/2006/relationships" xmlns:p="http://schemas.openxmlformats.org/presentationml/2006/main">
+  <p:cSld>
+    <p:spTree>
+      <p:nvGrpSpPr>
+        <p:cNvPr id="1" name=""/>
+        <p:cNvGrpSpPr/>
+        <p:nvPr/>
+      </p:nvGrpSpPr>
+      <p:grpSpPr>
+        <a:xfrm>
+          <a:off x="0" y="0"/>
+          <a:ext cx="0" cy="0"/>
+          <a:chOff x="0" y="0"/>
+          <a:chExt cx="0" cy="0"/>
+        </a:xfrm>
+      </p:grpSpPr>
+      <p:sp>
+        <p:nvSpPr>
+          <p:cNvPr id="2" name="Title 1">
+            <a:extLst>
+              <a:ext uri="{FF2B5EF4-FFF2-40B4-BE49-F238E27FC236}">
+                <a16:creationId xmlns:a16="http://schemas.microsoft.com/office/drawing/2014/main" id="{D7D7E17E-D9F8-0640-BF32-B766974A0F40}"/>
+              </a:ext>
+            </a:extLst>
+          </p:cNvPr>
+          <p:cNvSpPr>
+            <a:spLocks noGrp="1"/>
+          </p:cNvSpPr>
+          <p:nvPr>
+            <p:ph type="title"/>
+          </p:nvPr>
+        </p:nvSpPr>
+        <p:spPr/>
+        <p:txBody>
+          <a:bodyPr/>
+          <a:lstStyle/>
+          <a:p>
+            <a:pPr algn="ctr"/>
+            <a:r>
+              <a:rPr lang="en-US" b="1" dirty="0"/>
+              <a:t>Local</a:t>
+            </a:r>
+            <a:r>
+              <a:rPr lang="en-US" dirty="0"/>
+              <a:t> Variable</a:t>
+            </a:r>
+          </a:p>
+        </p:txBody>
+      </p:sp>
+      <p:sp>
+        <p:nvSpPr>
+          <p:cNvPr id="3" name="Content Placeholder 2">
+            <a:extLst>
+              <a:ext uri="{FF2B5EF4-FFF2-40B4-BE49-F238E27FC236}">
+                <a16:creationId xmlns:a16="http://schemas.microsoft.com/office/drawing/2014/main" id="{4ADEF193-C865-2E42-A8C7-B269B5E6C2B0}"/>
+              </a:ext>
+            </a:extLst>
+          </p:cNvPr>
+          <p:cNvSpPr>
+            <a:spLocks noGrp="1"/>
+          </p:cNvSpPr>
+          <p:nvPr>
+            <p:ph idx="1"/>
+          </p:nvPr>
+        </p:nvSpPr>
+        <p:spPr/>
+        <p:txBody>
+          <a:bodyPr/>
+          <a:lstStyle/>
+          <a:p>
+            <a:r>
+              <a:rPr lang="en-US" dirty="0"/>
+              <a:t>A variable that is </a:t>
+            </a:r>
+            <a:r>
+              <a:rPr lang="en-US" u="sng" dirty="0"/>
+              <a:t>local to a single function</a:t>
+            </a:r>
+            <a:r>
+              <a:rPr lang="en-US" dirty="0"/>
+              <a:t>. The variable only exists inside a specific function</a:t>
+            </a:r>
+          </a:p>
+          <a:p>
+            <a:endParaRPr lang="en-US" dirty="0"/>
+          </a:p>
+          <a:p>
+            <a:r>
+              <a:rPr lang="en-US" dirty="0"/>
+              <a:t>The variable </a:t>
+            </a:r>
+            <a:r>
+              <a:rPr lang="en-US" u="sng" dirty="0"/>
+              <a:t>gets destroyed</a:t>
+            </a:r>
+            <a:r>
+              <a:rPr lang="en-US" dirty="0"/>
+              <a:t> once its parent </a:t>
+            </a:r>
+            <a:r>
+              <a:rPr lang="en-US" u="sng" dirty="0"/>
+              <a:t>function returns</a:t>
+            </a:r>
+            <a:r>
+              <a:rPr lang="en-US" dirty="0"/>
+              <a:t>.</a:t>
+            </a:r>
+          </a:p>
+        </p:txBody>
+      </p:sp>
+    </p:spTree>
+    <p:extLst>
+      <p:ext uri="{BB962C8B-B14F-4D97-AF65-F5344CB8AC3E}">
+        <p14:creationId xmlns:p14="http://schemas.microsoft.com/office/powerpoint/2010/main" val="4132238477"/>
+      </p:ext>
+    </p:extLst>
+  </p:cSld>
+  <p:clrMapOvr>
+    <a:masterClrMapping/>
+  </p:clrMapOvr>
+  <p:timing>
+    <p:tnLst>
+      <p:par>
+        <p:cTn id="1" dur="indefinite" restart="never" nodeType="tmRoot">
+          <p:childTnLst>
+            <p:seq concurrent="1" nextAc="seek">
+              <p:cTn id="2" dur="indefinite" nodeType="mainSeq">
+                <p:childTnLst>
+                  <p:par>
+                    <p:cTn id="3" fill="hold">
+                      <p:stCondLst>
+                        <p:cond delay="indefinite"/>
+                      </p:stCondLst>
+                      <p:childTnLst>
+                        <p:par>
+                          <p:cTn id="4" fill="hold">
+                            <p:stCondLst>
+                              <p:cond delay="0"/>
+                            </p:stCondLst>
+                            <p:childTnLst>
+                              <p:par>
+                                <p:cTn id="5" presetID="2" presetClass="entr" presetSubtype="4" fill="hold" grpId="0" nodeType="clickEffect">
+                                  <p:stCondLst>
+                                    <p:cond delay="0"/>
+                                  </p:stCondLst>
+                                  <p:childTnLst>
+                                    <p:set>
+                                      <p:cBhvr>
+                                        <p:cTn id="6" dur="1" fill="hold">
+                                          <p:stCondLst>
+                                            <p:cond delay="0"/>
+                                          </p:stCondLst>
+                                        </p:cTn>
+                                        <p:tgtEl>
+                                          <p:spTgt spid="3">
+                                            <p:txEl>
+                                              <p:pRg st="0" end="0"/>
+                                            </p:txEl>
+                                          </p:spTgt>
+                                        </p:tgtEl>
+                                        <p:attrNameLst>
+                                          <p:attrName>style.visibility</p:attrName>
+                                        </p:attrNameLst>
+                                      </p:cBhvr>
+                                      <p:to>
+                                        <p:strVal val="visible"/>
+                                      </p:to>
+                                    </p:set>
+                                    <p:anim calcmode="lin" valueType="num">
+                                      <p:cBhvr additive="base">
+                                        <p:cTn id="7" dur="500" fill="hold"/>
+                                        <p:tgtEl>
+                                          <p:spTgt spid="3">
+                                            <p:txEl>
+                                              <p:pRg st="0" end="0"/>
+                                            </p:txEl>
+                                          </p:spTgt>
+                                        </p:tgtEl>
+                                        <p:attrNameLst>
+                                          <p:attrName>ppt_x</p:attrName>
+                                        </p:attrNameLst>
+                                      </p:cBhvr>
+                                      <p:tavLst>
+                                        <p:tav tm="0">
+                                          <p:val>
+                                            <p:strVal val="#ppt_x"/>
+                                          </p:val>
+                                        </p:tav>
+                                        <p:tav tm="100000">
+                                          <p:val>
+                                            <p:strVal val="#ppt_x"/>
+                                          </p:val>
+                                        </p:tav>
+                                      </p:tavLst>
+                                    </p:anim>
+                                    <p:anim calcmode="lin" valueType="num">
+                                      <p:cBhvr additive="base">
+                                        <p:cTn id="8" dur="500" fill="hold"/>
+                                        <p:tgtEl>
+                                          <p:spTgt spid="3">
+                                            <p:txEl>
+                                              <p:pRg st="0" end="0"/>
+                                            </p:txEl>
+                                          </p:spTgt>
+                                        </p:tgtEl>
+                                        <p:attrNameLst>
+                                          <p:attrName>ppt_y</p:attrName>
+                                        </p:attrNameLst>
+                                      </p:cBhvr>
+                                      <p:tavLst>
+                                        <p:tav tm="0">
+                                          <p:val>
+                                            <p:strVal val="1+#ppt_h/2"/>
+                                          </p:val>
+                                        </p:tav>
+                                        <p:tav tm="100000">
+                                          <p:val>
+                                            <p:strVal val="#ppt_y"/>
+                                          </p:val>
+                                        </p:tav>
+                                      </p:tavLst>
+                                    </p:anim>
+                                  </p:childTnLst>
+                                </p:cTn>
+                              </p:par>
+                            </p:childTnLst>
+                          </p:cTn>
+                        </p:par>
+                      </p:childTnLst>
+                    </p:cTn>
+                  </p:par>
+                  <p:par>
+                    <p:cTn id="9" fill="hold">
+                      <p:stCondLst>
+                        <p:cond delay="indefinite"/>
+                      </p:stCondLst>
+                      <p:childTnLst>
+                        <p:par>
+                          <p:cTn id="10" fill="hold">
+                            <p:stCondLst>
+                              <p:cond delay="0"/>
+                            </p:stCondLst>
+                            <p:childTnLst>
+                              <p:par>
+                                <p:cTn id="11" presetID="2" presetClass="entr" presetSubtype="4" fill="hold" grpId="0" nodeType="clickEffect">
+                                  <p:stCondLst>
+                                    <p:cond delay="0"/>
+                                  </p:stCondLst>
+                                  <p:childTnLst>
+                                    <p:set>
+                                      <p:cBhvr>
+                                        <p:cTn id="12" dur="1" fill="hold">
+                                          <p:stCondLst>
+                                            <p:cond delay="0"/>
+                                          </p:stCondLst>
+                                        </p:cTn>
+                                        <p:tgtEl>
+                                          <p:spTgt spid="3">
+                                            <p:txEl>
+                                              <p:pRg st="2" end="2"/>
+                                            </p:txEl>
+                                          </p:spTgt>
+                                        </p:tgtEl>
+                                        <p:attrNameLst>
+                                          <p:attrName>style.visibility</p:attrName>
+                                        </p:attrNameLst>
+                                      </p:cBhvr>
+                                      <p:to>
+                                        <p:strVal val="visible"/>
+                                      </p:to>
+                                    </p:set>
+                                    <p:anim calcmode="lin" valueType="num">
+                                      <p:cBhvr additive="base">
+                                        <p:cTn id="13" dur="500" fill="hold"/>
+                                        <p:tgtEl>
+                                          <p:spTgt spid="3">
+                                            <p:txEl>
+                                              <p:pRg st="2" end="2"/>
+                                            </p:txEl>
+                                          </p:spTgt>
+                                        </p:tgtEl>
+                                        <p:attrNameLst>
+                                          <p:attrName>ppt_x</p:attrName>
+                                        </p:attrNameLst>
+                                      </p:cBhvr>
+                                      <p:tavLst>
+                                        <p:tav tm="0">
+                                          <p:val>
+                                            <p:strVal val="#ppt_x"/>
+                                          </p:val>
+                                        </p:tav>
+                                        <p:tav tm="100000">
+                                          <p:val>
+                                            <p:strVal val="#ppt_x"/>
+                                          </p:val>
+                                        </p:tav>
+                                      </p:tavLst>
+                                    </p:anim>
+                                    <p:anim calcmode="lin" valueType="num">
+                                      <p:cBhvr additive="base">
+                                        <p:cTn id="14" dur="500" fill="hold"/>
+                                        <p:tgtEl>
+                                          <p:spTgt spid="3">
+                                            <p:txEl>
+                                              <p:pRg st="2" end="2"/>
+                                            </p:txEl>
+                                          </p:spTgt>
+                                        </p:tgtEl>
+                                        <p:attrNameLst>
+                                          <p:attrName>ppt_y</p:attrName>
+                                        </p:attrNameLst>
+                                      </p:cBhvr>
+                                      <p:tavLst>
+                                        <p:tav tm="0">
+                                          <p:val>
+                                            <p:strVal val="1+#ppt_h/2"/>
+                                          </p:val>
+                                        </p:tav>
+                                        <p:tav tm="100000">
+                                          <p:val>
+                                            <p:strVal val="#ppt_y"/>
+                                          </p:val>
+                                        </p:tav>
+                                      </p:tavLst>
+                                    </p:anim>
+                                  </p:childTnLst>
+                                </p:cTn>
+                              </p:par>
+                            </p:childTnLst>
+                          </p:cTn>
+                        </p:par>
+                      </p:childTnLst>
+                    </p:cTn>
+                  </p:par>
+                </p:childTnLst>
+              </p:cTn>
+              <p:prevCondLst>
+                <p:cond evt="onPrev" delay="0">
+                  <p:tgtEl>
+                    <p:sldTgt/>
+                  </p:tgtEl>
+                </p:cond>
+              </p:prevCondLst>
+              <p:nextCondLst>
+                <p:cond evt="onNext" delay="0">
+                  <p:tgtEl>
+                    <p:sldTgt/>
+                  </p:tgtEl>
+                </p:cond>
+              </p:nextCondLst>
+            </p:seq>
+          </p:childTnLst>
+        </p:cTn>
+      </p:par>
+    </p:tnLst>
+    <p:bldLst>
+      <p:bldP spid="3" grpId="0" build="p"/>
+    </p:bldLst>
+  </p:timing>
+</p:sld>
+</file>
+
+<file path=ppt/slides/slide48.xml><?xml version="1.0" encoding="utf-8"?>
+<p:sld xmlns:a="http://schemas.openxmlformats.org/drawingml/2006/main" xmlns:r="http://schemas.openxmlformats.org/officeDocument/2006/relationships" xmlns:p="http://schemas.openxmlformats.org/presentationml/2006/main">
+  <p:cSld>
+    <p:spTree>
+      <p:nvGrpSpPr>
+        <p:cNvPr id="1" name=""/>
+        <p:cNvGrpSpPr/>
+        <p:nvPr/>
+      </p:nvGrpSpPr>
+      <p:grpSpPr>
+        <a:xfrm>
+          <a:off x="0" y="0"/>
+          <a:ext cx="0" cy="0"/>
+          <a:chOff x="0" y="0"/>
+          <a:chExt cx="0" cy="0"/>
+        </a:xfrm>
+      </p:grpSpPr>
+      <p:sp>
+        <p:nvSpPr>
+          <p:cNvPr id="2" name="Title 1">
+            <a:extLst>
+              <a:ext uri="{FF2B5EF4-FFF2-40B4-BE49-F238E27FC236}">
+                <a16:creationId xmlns:a16="http://schemas.microsoft.com/office/drawing/2014/main" id="{61E88B33-77CA-9B44-B618-5D1FF0C03F71}"/>
+              </a:ext>
+            </a:extLst>
+          </p:cNvPr>
+          <p:cNvSpPr>
+            <a:spLocks noGrp="1"/>
+          </p:cNvSpPr>
+          <p:nvPr>
+            <p:ph type="title"/>
+          </p:nvPr>
+        </p:nvSpPr>
+        <p:spPr/>
+        <p:txBody>
+          <a:bodyPr/>
+          <a:lstStyle/>
+          <a:p>
+            <a:pPr algn="ctr"/>
+            <a:r>
+              <a:rPr lang="en-US" dirty="0"/>
+              <a:t>Example of Local variables</a:t>
+            </a:r>
+          </a:p>
+        </p:txBody>
+      </p:sp>
+      <p:pic>
+        <p:nvPicPr>
+          <p:cNvPr id="5" name="Content Placeholder 4">
+            <a:extLst>
+              <a:ext uri="{FF2B5EF4-FFF2-40B4-BE49-F238E27FC236}">
+                <a16:creationId xmlns:a16="http://schemas.microsoft.com/office/drawing/2014/main" id="{0F6C6771-2CA5-214C-B59F-322CFDB3D553}"/>
+              </a:ext>
+            </a:extLst>
+          </p:cNvPr>
+          <p:cNvPicPr>
+            <a:picLocks noGrp="1" noChangeAspect="1"/>
+          </p:cNvPicPr>
+          <p:nvPr>
+            <p:ph idx="1"/>
+          </p:nvPr>
+        </p:nvPicPr>
+        <p:blipFill>
+          <a:blip r:embed="rId2"/>
+          <a:stretch>
+            <a:fillRect/>
+          </a:stretch>
+        </p:blipFill>
+        <p:spPr>
+          <a:xfrm>
+            <a:off x="1336285" y="2097088"/>
+            <a:ext cx="4449918" cy="4515599"/>
+          </a:xfrm>
+        </p:spPr>
+      </p:pic>
+      <p:sp>
+        <p:nvSpPr>
+          <p:cNvPr id="6" name="TextBox 5">
+            <a:extLst>
+              <a:ext uri="{FF2B5EF4-FFF2-40B4-BE49-F238E27FC236}">
+                <a16:creationId xmlns:a16="http://schemas.microsoft.com/office/drawing/2014/main" id="{20881922-F4BC-E042-A299-F5772E05241B}"/>
+              </a:ext>
+            </a:extLst>
+          </p:cNvPr>
+          <p:cNvSpPr txBox="1"/>
+          <p:nvPr/>
+        </p:nvSpPr>
+        <p:spPr>
+          <a:xfrm>
+            <a:off x="6405799" y="4170221"/>
+            <a:ext cx="3927423" cy="369332"/>
+          </a:xfrm>
+          <a:prstGeom prst="rect">
+            <a:avLst/>
+          </a:prstGeom>
+          <a:noFill/>
+        </p:spPr>
+        <p:txBody>
+          <a:bodyPr wrap="square" rtlCol="0">
+            <a:spAutoFit/>
+          </a:bodyPr>
+          <a:lstStyle/>
+          <a:p>
+            <a:r>
+              <a:rPr lang="en-US" dirty="0" err="1">
+                <a:solidFill>
+                  <a:schemeClr val="accent4"/>
+                </a:solidFill>
+                <a:latin typeface="Consolas" panose="020B0609020204030204" pitchFamily="49" charset="0"/>
+                <a:cs typeface="Consolas" panose="020B0609020204030204" pitchFamily="49" charset="0"/>
+              </a:rPr>
+              <a:t>int</a:t>
+            </a:r>
+            <a:r>
+              <a:rPr lang="en-US" dirty="0">
+                <a:latin typeface="Consolas" panose="020B0609020204030204" pitchFamily="49" charset="0"/>
+                <a:cs typeface="Consolas" panose="020B0609020204030204" pitchFamily="49" charset="0"/>
+              </a:rPr>
+              <a:t> </a:t>
+            </a:r>
+            <a:r>
+              <a:rPr lang="en-US" dirty="0" err="1">
+                <a:latin typeface="Consolas" panose="020B0609020204030204" pitchFamily="49" charset="0"/>
+                <a:cs typeface="Consolas" panose="020B0609020204030204" pitchFamily="49" charset="0"/>
+              </a:rPr>
+              <a:t>var</a:t>
+            </a:r>
+            <a:r>
+              <a:rPr lang="en-US" dirty="0"/>
+              <a:t> is a local variable for </a:t>
+            </a:r>
+            <a:r>
+              <a:rPr lang="en-US" dirty="0">
+                <a:latin typeface="Consolas" panose="020B0609020204030204" pitchFamily="49" charset="0"/>
+                <a:cs typeface="Consolas" panose="020B0609020204030204" pitchFamily="49" charset="0"/>
+              </a:rPr>
+              <a:t>main()</a:t>
+            </a:r>
+          </a:p>
+        </p:txBody>
+      </p:sp>
+      <p:sp>
+        <p:nvSpPr>
+          <p:cNvPr id="7" name="TextBox 6">
+            <a:extLst>
+              <a:ext uri="{FF2B5EF4-FFF2-40B4-BE49-F238E27FC236}">
+                <a16:creationId xmlns:a16="http://schemas.microsoft.com/office/drawing/2014/main" id="{B7E62806-50CE-4045-881F-9EF3BF281E16}"/>
+              </a:ext>
+            </a:extLst>
+          </p:cNvPr>
+          <p:cNvSpPr txBox="1"/>
+          <p:nvPr/>
+        </p:nvSpPr>
+        <p:spPr>
+          <a:xfrm>
+            <a:off x="6405799" y="4961744"/>
+            <a:ext cx="4137285" cy="646331"/>
+          </a:xfrm>
+          <a:prstGeom prst="rect">
+            <a:avLst/>
+          </a:prstGeom>
+          <a:noFill/>
+        </p:spPr>
+        <p:txBody>
+          <a:bodyPr wrap="square" rtlCol="0">
+            <a:spAutoFit/>
+          </a:bodyPr>
+          <a:lstStyle/>
+          <a:p>
+            <a:r>
+              <a:rPr lang="en-US" dirty="0" err="1">
+                <a:solidFill>
+                  <a:schemeClr val="accent4"/>
+                </a:solidFill>
+                <a:latin typeface="Consolas" panose="020B0609020204030204" pitchFamily="49" charset="0"/>
+                <a:cs typeface="Consolas" panose="020B0609020204030204" pitchFamily="49" charset="0"/>
+              </a:rPr>
+              <a:t>int</a:t>
+            </a:r>
+            <a:r>
+              <a:rPr lang="en-US" dirty="0">
+                <a:solidFill>
+                  <a:schemeClr val="accent4">
+                    <a:lumMod val="60000"/>
+                    <a:lumOff val="40000"/>
+                  </a:schemeClr>
+                </a:solidFill>
+                <a:latin typeface="Consolas" panose="020B0609020204030204" pitchFamily="49" charset="0"/>
+                <a:cs typeface="Consolas" panose="020B0609020204030204" pitchFamily="49" charset="0"/>
+              </a:rPr>
+              <a:t> </a:t>
+            </a:r>
+            <a:r>
+              <a:rPr lang="en-US" dirty="0" err="1">
+                <a:latin typeface="Consolas" panose="020B0609020204030204" pitchFamily="49" charset="0"/>
+                <a:cs typeface="Consolas" panose="020B0609020204030204" pitchFamily="49" charset="0"/>
+              </a:rPr>
+              <a:t>arg</a:t>
+            </a:r>
+            <a:r>
+              <a:rPr lang="en-US" dirty="0"/>
+              <a:t> and </a:t>
+            </a:r>
+            <a:r>
+              <a:rPr lang="en-US" dirty="0">
+                <a:solidFill>
+                  <a:schemeClr val="accent4"/>
+                </a:solidFill>
+                <a:latin typeface="Consolas" panose="020B0609020204030204" pitchFamily="49" charset="0"/>
+                <a:cs typeface="Consolas" panose="020B0609020204030204" pitchFamily="49" charset="0"/>
+              </a:rPr>
+              <a:t>double</a:t>
+            </a:r>
+            <a:r>
+              <a:rPr lang="en-US" dirty="0"/>
+              <a:t> </a:t>
+            </a:r>
+            <a:r>
+              <a:rPr lang="en-US" dirty="0" err="1">
+                <a:latin typeface="Consolas" panose="020B0609020204030204" pitchFamily="49" charset="0"/>
+                <a:cs typeface="Consolas" panose="020B0609020204030204" pitchFamily="49" charset="0"/>
+              </a:rPr>
+              <a:t>mDouble</a:t>
+            </a:r>
+            <a:r>
+              <a:rPr lang="en-US" dirty="0"/>
+              <a:t> are local variables for </a:t>
+            </a:r>
+            <a:r>
+              <a:rPr lang="en-US" dirty="0" err="1">
+                <a:latin typeface="Consolas" panose="020B0609020204030204" pitchFamily="49" charset="0"/>
+                <a:cs typeface="Consolas" panose="020B0609020204030204" pitchFamily="49" charset="0"/>
+              </a:rPr>
+              <a:t>myFunction</a:t>
+            </a:r>
+            <a:r>
+              <a:rPr lang="en-US" dirty="0">
+                <a:latin typeface="Consolas" panose="020B0609020204030204" pitchFamily="49" charset="0"/>
+                <a:cs typeface="Consolas" panose="020B0609020204030204" pitchFamily="49" charset="0"/>
+              </a:rPr>
+              <a:t>()</a:t>
+            </a:r>
+            <a:endParaRPr lang="en-US" dirty="0"/>
+          </a:p>
+        </p:txBody>
+      </p:sp>
+    </p:spTree>
+    <p:extLst>
+      <p:ext uri="{BB962C8B-B14F-4D97-AF65-F5344CB8AC3E}">
+        <p14:creationId xmlns:p14="http://schemas.microsoft.com/office/powerpoint/2010/main" val="2855039625"/>
+      </p:ext>
+    </p:extLst>
+  </p:cSld>
+  <p:clrMapOvr>
+    <a:masterClrMapping/>
+  </p:clrMapOvr>
+  <p:timing>
+    <p:tnLst>
+      <p:par>
+        <p:cTn id="1" dur="indefinite" restart="never" nodeType="tmRoot">
+          <p:childTnLst>
+            <p:seq concurrent="1" nextAc="seek">
+              <p:cTn id="2" dur="indefinite" nodeType="mainSeq">
+                <p:childTnLst>
+                  <p:par>
+                    <p:cTn id="3" fill="hold">
+                      <p:stCondLst>
+                        <p:cond delay="indefinite"/>
+                      </p:stCondLst>
+                      <p:childTnLst>
+                        <p:par>
+                          <p:cTn id="4" fill="hold">
+                            <p:stCondLst>
+                              <p:cond delay="0"/>
+                            </p:stCondLst>
+                            <p:childTnLst>
+                              <p:par>
+                                <p:cTn id="5" presetID="18" presetClass="entr" presetSubtype="12" fill="hold" grpId="0" nodeType="clickEffect">
+                                  <p:stCondLst>
+                                    <p:cond delay="0"/>
+                                  </p:stCondLst>
+                                  <p:childTnLst>
+                                    <p:set>
+                                      <p:cBhvr>
+                                        <p:cTn id="6" dur="1" fill="hold">
+                                          <p:stCondLst>
+                                            <p:cond delay="0"/>
+                                          </p:stCondLst>
+                                        </p:cTn>
+                                        <p:tgtEl>
+                                          <p:spTgt spid="6"/>
+                                        </p:tgtEl>
+                                        <p:attrNameLst>
+                                          <p:attrName>style.visibility</p:attrName>
+                                        </p:attrNameLst>
+                                      </p:cBhvr>
+                                      <p:to>
+                                        <p:strVal val="visible"/>
+                                      </p:to>
+                                    </p:set>
+                                    <p:animEffect transition="in" filter="strips(downLeft)">
+                                      <p:cBhvr>
+                                        <p:cTn id="7" dur="500"/>
+                                        <p:tgtEl>
+                                          <p:spTgt spid="6"/>
+                                        </p:tgtEl>
+                                      </p:cBhvr>
+                                    </p:animEffect>
+                                  </p:childTnLst>
+                                </p:cTn>
+                              </p:par>
+                            </p:childTnLst>
+                          </p:cTn>
+                        </p:par>
+                      </p:childTnLst>
+                    </p:cTn>
+                  </p:par>
+                  <p:par>
+                    <p:cTn id="8" fill="hold">
+                      <p:stCondLst>
+                        <p:cond delay="indefinite"/>
+                      </p:stCondLst>
+                      <p:childTnLst>
+                        <p:par>
+                          <p:cTn id="9" fill="hold">
+                            <p:stCondLst>
+                              <p:cond delay="0"/>
+                            </p:stCondLst>
+                            <p:childTnLst>
+                              <p:par>
+                                <p:cTn id="10" presetID="22" presetClass="entr" presetSubtype="4" fill="hold" grpId="0" nodeType="clickEffect">
+                                  <p:stCondLst>
+                                    <p:cond delay="0"/>
+                                  </p:stCondLst>
+                                  <p:childTnLst>
+                                    <p:set>
+                                      <p:cBhvr>
+                                        <p:cTn id="11" dur="1" fill="hold">
+                                          <p:stCondLst>
+                                            <p:cond delay="0"/>
+                                          </p:stCondLst>
+                                        </p:cTn>
+                                        <p:tgtEl>
+                                          <p:spTgt spid="7"/>
+                                        </p:tgtEl>
+                                        <p:attrNameLst>
+                                          <p:attrName>style.visibility</p:attrName>
+                                        </p:attrNameLst>
+                                      </p:cBhvr>
+                                      <p:to>
+                                        <p:strVal val="visible"/>
+                                      </p:to>
+                                    </p:set>
+                                    <p:animEffect transition="in" filter="wipe(down)">
+                                      <p:cBhvr>
+                                        <p:cTn id="12" dur="500"/>
+                                        <p:tgtEl>
+                                          <p:spTgt spid="7"/>
+                                        </p:tgtEl>
+                                      </p:cBhvr>
+                                    </p:animEffect>
+                                  </p:childTnLst>
+                                </p:cTn>
+                              </p:par>
+                            </p:childTnLst>
+                          </p:cTn>
+                        </p:par>
+                      </p:childTnLst>
+                    </p:cTn>
+                  </p:par>
+                </p:childTnLst>
+              </p:cTn>
+              <p:prevCondLst>
+                <p:cond evt="onPrev" delay="0">
+                  <p:tgtEl>
+                    <p:sldTgt/>
+                  </p:tgtEl>
+                </p:cond>
+              </p:prevCondLst>
+              <p:nextCondLst>
+                <p:cond evt="onNext" delay="0">
+                  <p:tgtEl>
+                    <p:sldTgt/>
+                  </p:tgtEl>
+                </p:cond>
+              </p:nextCondLst>
+            </p:seq>
+          </p:childTnLst>
+        </p:cTn>
+      </p:par>
+    </p:tnLst>
+    <p:bldLst>
+      <p:bldP spid="6" grpId="0"/>
+      <p:bldP spid="7" grpId="0"/>
+    </p:bldLst>
+  </p:timing>
+</p:sld>
+</file>
+
+<file path=ppt/slides/slide49.xml><?xml version="1.0" encoding="utf-8"?>
+<p:sld xmlns:a="http://schemas.openxmlformats.org/drawingml/2006/main" xmlns:r="http://schemas.openxmlformats.org/officeDocument/2006/relationships" xmlns:p="http://schemas.openxmlformats.org/presentationml/2006/main">
+  <p:cSld>
+    <p:spTree>
+      <p:nvGrpSpPr>
+        <p:cNvPr id="1" name=""/>
+        <p:cNvGrpSpPr/>
+        <p:nvPr/>
+      </p:nvGrpSpPr>
+      <p:grpSpPr>
+        <a:xfrm>
+          <a:off x="0" y="0"/>
+          <a:ext cx="0" cy="0"/>
+          <a:chOff x="0" y="0"/>
+          <a:chExt cx="0" cy="0"/>
+        </a:xfrm>
+      </p:grpSpPr>
+      <p:sp>
+        <p:nvSpPr>
+          <p:cNvPr id="2" name="Title 1">
+            <a:extLst>
+              <a:ext uri="{FF2B5EF4-FFF2-40B4-BE49-F238E27FC236}">
+                <a16:creationId xmlns:a16="http://schemas.microsoft.com/office/drawing/2014/main" id="{CE133B02-11CF-4442-9389-2F3C912037F0}"/>
+              </a:ext>
+            </a:extLst>
+          </p:cNvPr>
+          <p:cNvSpPr>
+            <a:spLocks noGrp="1"/>
+          </p:cNvSpPr>
+          <p:nvPr>
+            <p:ph type="title"/>
+          </p:nvPr>
+        </p:nvSpPr>
+        <p:spPr/>
+        <p:txBody>
+          <a:bodyPr/>
+          <a:lstStyle/>
+          <a:p>
+            <a:pPr algn="ctr"/>
+            <a:r>
+              <a:rPr lang="en-US" b="1" dirty="0"/>
+              <a:t>Global</a:t>
+            </a:r>
+            <a:r>
+              <a:rPr lang="en-US" dirty="0"/>
+              <a:t> variables</a:t>
+            </a:r>
+          </a:p>
+        </p:txBody>
+      </p:sp>
+      <p:sp>
+        <p:nvSpPr>
+          <p:cNvPr id="3" name="Content Placeholder 2">
+            <a:extLst>
+              <a:ext uri="{FF2B5EF4-FFF2-40B4-BE49-F238E27FC236}">
+                <a16:creationId xmlns:a16="http://schemas.microsoft.com/office/drawing/2014/main" id="{B7A03D44-9929-8C4F-9529-C99D9A72C683}"/>
+              </a:ext>
+            </a:extLst>
+          </p:cNvPr>
+          <p:cNvSpPr>
+            <a:spLocks noGrp="1"/>
+          </p:cNvSpPr>
+          <p:nvPr>
+            <p:ph idx="1"/>
+          </p:nvPr>
+        </p:nvSpPr>
+        <p:spPr/>
+        <p:txBody>
+          <a:bodyPr/>
+          <a:lstStyle/>
+          <a:p>
+            <a:r>
+              <a:rPr lang="en-US" b="1" dirty="0"/>
+              <a:t>Global</a:t>
+            </a:r>
+            <a:r>
+              <a:rPr lang="en-US" dirty="0"/>
+              <a:t> variables are a bit different, they can be </a:t>
+            </a:r>
+            <a:r>
+              <a:rPr lang="en-US" u="sng" dirty="0"/>
+              <a:t>accessed from anywhere</a:t>
+            </a:r>
+            <a:r>
+              <a:rPr lang="en-US" dirty="0"/>
+              <a:t>.</a:t>
+            </a:r>
+          </a:p>
+          <a:p>
+            <a:endParaRPr lang="en-US" dirty="0"/>
+          </a:p>
+          <a:p>
+            <a:r>
+              <a:rPr lang="en-US" dirty="0"/>
+              <a:t>They are </a:t>
+            </a:r>
+            <a:r>
+              <a:rPr lang="en-US" u="sng" dirty="0"/>
+              <a:t>created at the start</a:t>
+            </a:r>
+            <a:r>
+              <a:rPr lang="en-US" dirty="0"/>
+              <a:t> of our program and are </a:t>
+            </a:r>
+            <a:r>
+              <a:rPr lang="en-US" u="sng" dirty="0"/>
+              <a:t>declared &amp; defined </a:t>
+            </a:r>
+            <a:r>
+              <a:rPr lang="en-US" b="1" dirty="0"/>
+              <a:t>OUTSIDE</a:t>
+            </a:r>
+            <a:r>
+              <a:rPr lang="en-US" dirty="0"/>
+              <a:t> the </a:t>
+            </a:r>
+            <a:r>
+              <a:rPr lang="en-US" dirty="0">
+                <a:latin typeface="Consolas" panose="020B0609020204030204" pitchFamily="49" charset="0"/>
+                <a:cs typeface="Consolas" panose="020B0609020204030204" pitchFamily="49" charset="0"/>
+              </a:rPr>
+              <a:t>main()</a:t>
+            </a:r>
+            <a:r>
+              <a:rPr lang="en-US" dirty="0"/>
+              <a:t> </a:t>
+            </a:r>
+          </a:p>
+          <a:p>
+            <a:endParaRPr lang="en-US" dirty="0"/>
+          </a:p>
+          <a:p>
+            <a:r>
+              <a:rPr lang="en-US" dirty="0"/>
+              <a:t>Global variables are </a:t>
+            </a:r>
+            <a:r>
+              <a:rPr lang="en-US" u="sng" dirty="0"/>
+              <a:t>destroyed</a:t>
+            </a:r>
+            <a:r>
+              <a:rPr lang="en-US" dirty="0"/>
+              <a:t> once the </a:t>
+            </a:r>
+            <a:r>
+              <a:rPr lang="en-US" b="1" dirty="0"/>
+              <a:t>PROGRAM ENDS</a:t>
+            </a:r>
+          </a:p>
+        </p:txBody>
+      </p:sp>
+    </p:spTree>
+    <p:extLst>
+      <p:ext uri="{BB962C8B-B14F-4D97-AF65-F5344CB8AC3E}">
+        <p14:creationId xmlns:p14="http://schemas.microsoft.com/office/powerpoint/2010/main" val="1669214840"/>
+      </p:ext>
+    </p:extLst>
+  </p:cSld>
+  <p:clrMapOvr>
+    <a:masterClrMapping/>
+  </p:clrMapOvr>
+  <p:timing>
+    <p:tnLst>
+      <p:par>
+        <p:cTn id="1" dur="indefinite" restart="never" nodeType="tmRoot">
+          <p:childTnLst>
+            <p:seq concurrent="1" nextAc="seek">
+              <p:cTn id="2" dur="indefinite" nodeType="mainSeq">
+                <p:childTnLst>
+                  <p:par>
+                    <p:cTn id="3" fill="hold">
+                      <p:stCondLst>
+                        <p:cond delay="indefinite"/>
+                      </p:stCondLst>
+                      <p:childTnLst>
+                        <p:par>
+                          <p:cTn id="4" fill="hold">
+                            <p:stCondLst>
+                              <p:cond delay="0"/>
+                            </p:stCondLst>
+                            <p:childTnLst>
+                              <p:par>
+                                <p:cTn id="5" presetID="37" presetClass="entr" presetSubtype="0" fill="hold" grpId="0" nodeType="clickEffect">
+                                  <p:stCondLst>
+                                    <p:cond delay="0"/>
+                                  </p:stCondLst>
+                                  <p:childTnLst>
+                                    <p:set>
+                                      <p:cBhvr>
+                                        <p:cTn id="6" dur="1" fill="hold">
+                                          <p:stCondLst>
+                                            <p:cond delay="0"/>
+                                          </p:stCondLst>
+                                        </p:cTn>
+                                        <p:tgtEl>
+                                          <p:spTgt spid="3">
+                                            <p:txEl>
+                                              <p:pRg st="0" end="0"/>
+                                            </p:txEl>
+                                          </p:spTgt>
+                                        </p:tgtEl>
+                                        <p:attrNameLst>
+                                          <p:attrName>style.visibility</p:attrName>
+                                        </p:attrNameLst>
+                                      </p:cBhvr>
+                                      <p:to>
+                                        <p:strVal val="visible"/>
+                                      </p:to>
+                                    </p:set>
+                                    <p:animEffect transition="in" filter="fade">
+                                      <p:cBhvr>
+                                        <p:cTn id="7" dur="1000"/>
+                                        <p:tgtEl>
+                                          <p:spTgt spid="3">
+                                            <p:txEl>
+                                              <p:pRg st="0" end="0"/>
+                                            </p:txEl>
+                                          </p:spTgt>
+                                        </p:tgtEl>
+                                      </p:cBhvr>
+                                    </p:animEffect>
+                                    <p:anim calcmode="lin" valueType="num">
+                                      <p:cBhvr>
+                                        <p:cTn id="8" dur="1000" fill="hold"/>
+                                        <p:tgtEl>
+                                          <p:spTgt spid="3">
+                                            <p:txEl>
+                                              <p:pRg st="0" end="0"/>
+                                            </p:txEl>
+                                          </p:spTgt>
+                                        </p:tgtEl>
+                                        <p:attrNameLst>
+                                          <p:attrName>ppt_x</p:attrName>
+                                        </p:attrNameLst>
+                                      </p:cBhvr>
+                                      <p:tavLst>
+                                        <p:tav tm="0">
+                                          <p:val>
+                                            <p:strVal val="#ppt_x"/>
+                                          </p:val>
+                                        </p:tav>
+                                        <p:tav tm="100000">
+                                          <p:val>
+                                            <p:strVal val="#ppt_x"/>
+                                          </p:val>
+                                        </p:tav>
+                                      </p:tavLst>
+                                    </p:anim>
+                                    <p:anim calcmode="lin" valueType="num">
+                                      <p:cBhvr>
+                                        <p:cTn id="9" dur="900" decel="100000" fill="hold"/>
+                                        <p:tgtEl>
+                                          <p:spTgt spid="3">
+                                            <p:txEl>
+                                              <p:pRg st="0" end="0"/>
+                                            </p:txEl>
+                                          </p:spTgt>
+                                        </p:tgtEl>
+                                        <p:attrNameLst>
+                                          <p:attrName>ppt_y</p:attrName>
+                                        </p:attrNameLst>
+                                      </p:cBhvr>
+                                      <p:tavLst>
+                                        <p:tav tm="0">
+                                          <p:val>
+                                            <p:strVal val="#ppt_y+1"/>
+                                          </p:val>
+                                        </p:tav>
+                                        <p:tav tm="100000">
+                                          <p:val>
+                                            <p:strVal val="#ppt_y-.03"/>
+                                          </p:val>
+                                        </p:tav>
+                                      </p:tavLst>
+                                    </p:anim>
+                                    <p:anim calcmode="lin" valueType="num">
+                                      <p:cBhvr>
+                                        <p:cTn id="10" dur="100" accel="100000" fill="hold">
+                                          <p:stCondLst>
+                                            <p:cond delay="900"/>
+                                          </p:stCondLst>
+                                        </p:cTn>
+                                        <p:tgtEl>
+                                          <p:spTgt spid="3">
+                                            <p:txEl>
+                                              <p:pRg st="0" end="0"/>
+                                            </p:txEl>
+                                          </p:spTgt>
+                                        </p:tgtEl>
+                                        <p:attrNameLst>
+                                          <p:attrName>ppt_y</p:attrName>
+                                        </p:attrNameLst>
+                                      </p:cBhvr>
+                                      <p:tavLst>
+                                        <p:tav tm="0">
+                                          <p:val>
+                                            <p:strVal val="#ppt_y-.03"/>
+                                          </p:val>
+                                        </p:tav>
+                                        <p:tav tm="100000">
+                                          <p:val>
+                                            <p:strVal val="#ppt_y"/>
+                                          </p:val>
+                                        </p:tav>
+                                      </p:tavLst>
+                                    </p:anim>
+                                  </p:childTnLst>
+                                </p:cTn>
+                              </p:par>
+                            </p:childTnLst>
+                          </p:cTn>
+                        </p:par>
+                      </p:childTnLst>
+                    </p:cTn>
+                  </p:par>
+                  <p:par>
+                    <p:cTn id="11" fill="hold">
+                      <p:stCondLst>
+                        <p:cond delay="indefinite"/>
+                      </p:stCondLst>
+                      <p:childTnLst>
+                        <p:par>
+                          <p:cTn id="12" fill="hold">
+                            <p:stCondLst>
+                              <p:cond delay="0"/>
+                            </p:stCondLst>
+                            <p:childTnLst>
+                              <p:par>
+                                <p:cTn id="13" presetID="37" presetClass="entr" presetSubtype="0" fill="hold" grpId="0" nodeType="clickEffect">
+                                  <p:stCondLst>
+                                    <p:cond delay="0"/>
+                                  </p:stCondLst>
+                                  <p:childTnLst>
+                                    <p:set>
+                                      <p:cBhvr>
+                                        <p:cTn id="14" dur="1" fill="hold">
+                                          <p:stCondLst>
+                                            <p:cond delay="0"/>
+                                          </p:stCondLst>
+                                        </p:cTn>
+                                        <p:tgtEl>
+                                          <p:spTgt spid="3">
+                                            <p:txEl>
+                                              <p:pRg st="2" end="2"/>
+                                            </p:txEl>
+                                          </p:spTgt>
+                                        </p:tgtEl>
+                                        <p:attrNameLst>
+                                          <p:attrName>style.visibility</p:attrName>
+                                        </p:attrNameLst>
+                                      </p:cBhvr>
+                                      <p:to>
+                                        <p:strVal val="visible"/>
+                                      </p:to>
+                                    </p:set>
+                                    <p:animEffect transition="in" filter="fade">
+                                      <p:cBhvr>
+                                        <p:cTn id="15" dur="1000"/>
+                                        <p:tgtEl>
+                                          <p:spTgt spid="3">
+                                            <p:txEl>
+                                              <p:pRg st="2" end="2"/>
+                                            </p:txEl>
+                                          </p:spTgt>
+                                        </p:tgtEl>
+                                      </p:cBhvr>
+                                    </p:animEffect>
+                                    <p:anim calcmode="lin" valueType="num">
+                                      <p:cBhvr>
+                                        <p:cTn id="16" dur="1000" fill="hold"/>
+                                        <p:tgtEl>
+                                          <p:spTgt spid="3">
+                                            <p:txEl>
+                                              <p:pRg st="2" end="2"/>
+                                            </p:txEl>
+                                          </p:spTgt>
+                                        </p:tgtEl>
+                                        <p:attrNameLst>
+                                          <p:attrName>ppt_x</p:attrName>
+                                        </p:attrNameLst>
+                                      </p:cBhvr>
+                                      <p:tavLst>
+                                        <p:tav tm="0">
+                                          <p:val>
+                                            <p:strVal val="#ppt_x"/>
+                                          </p:val>
+                                        </p:tav>
+                                        <p:tav tm="100000">
+                                          <p:val>
+                                            <p:strVal val="#ppt_x"/>
+                                          </p:val>
+                                        </p:tav>
+                                      </p:tavLst>
+                                    </p:anim>
+                                    <p:anim calcmode="lin" valueType="num">
+                                      <p:cBhvr>
+                                        <p:cTn id="17" dur="900" decel="100000" fill="hold"/>
+                                        <p:tgtEl>
+                                          <p:spTgt spid="3">
+                                            <p:txEl>
+                                              <p:pRg st="2" end="2"/>
+                                            </p:txEl>
+                                          </p:spTgt>
+                                        </p:tgtEl>
+                                        <p:attrNameLst>
+                                          <p:attrName>ppt_y</p:attrName>
+                                        </p:attrNameLst>
+                                      </p:cBhvr>
+                                      <p:tavLst>
+                                        <p:tav tm="0">
+                                          <p:val>
+                                            <p:strVal val="#ppt_y+1"/>
+                                          </p:val>
+                                        </p:tav>
+                                        <p:tav tm="100000">
+                                          <p:val>
+                                            <p:strVal val="#ppt_y-.03"/>
+                                          </p:val>
+                                        </p:tav>
+                                      </p:tavLst>
+                                    </p:anim>
+                                    <p:anim calcmode="lin" valueType="num">
+                                      <p:cBhvr>
+                                        <p:cTn id="18" dur="100" accel="100000" fill="hold">
+                                          <p:stCondLst>
+                                            <p:cond delay="900"/>
+                                          </p:stCondLst>
+                                        </p:cTn>
+                                        <p:tgtEl>
+                                          <p:spTgt spid="3">
+                                            <p:txEl>
+                                              <p:pRg st="2" end="2"/>
+                                            </p:txEl>
+                                          </p:spTgt>
+                                        </p:tgtEl>
+                                        <p:attrNameLst>
+                                          <p:attrName>ppt_y</p:attrName>
+                                        </p:attrNameLst>
+                                      </p:cBhvr>
+                                      <p:tavLst>
+                                        <p:tav tm="0">
+                                          <p:val>
+                                            <p:strVal val="#ppt_y-.03"/>
+                                          </p:val>
+                                        </p:tav>
+                                        <p:tav tm="100000">
+                                          <p:val>
+                                            <p:strVal val="#ppt_y"/>
+                                          </p:val>
+                                        </p:tav>
+                                      </p:tavLst>
+                                    </p:anim>
+                                  </p:childTnLst>
+                                </p:cTn>
+                              </p:par>
+                            </p:childTnLst>
+                          </p:cTn>
+                        </p:par>
+                      </p:childTnLst>
+                    </p:cTn>
+                  </p:par>
+                  <p:par>
+                    <p:cTn id="19" fill="hold">
+                      <p:stCondLst>
+                        <p:cond delay="indefinite"/>
+                      </p:stCondLst>
+                      <p:childTnLst>
+                        <p:par>
+                          <p:cTn id="20" fill="hold">
+                            <p:stCondLst>
+                              <p:cond delay="0"/>
+                            </p:stCondLst>
+                            <p:childTnLst>
+                              <p:par>
+                                <p:cTn id="21" presetID="37" presetClass="entr" presetSubtype="0" fill="hold" grpId="0" nodeType="clickEffect">
+                                  <p:stCondLst>
+                                    <p:cond delay="0"/>
+                                  </p:stCondLst>
+                                  <p:childTnLst>
+                                    <p:set>
+                                      <p:cBhvr>
+                                        <p:cTn id="22" dur="1" fill="hold">
+                                          <p:stCondLst>
+                                            <p:cond delay="0"/>
+                                          </p:stCondLst>
+                                        </p:cTn>
+                                        <p:tgtEl>
+                                          <p:spTgt spid="3">
+                                            <p:txEl>
+                                              <p:pRg st="4" end="4"/>
+                                            </p:txEl>
+                                          </p:spTgt>
+                                        </p:tgtEl>
+                                        <p:attrNameLst>
+                                          <p:attrName>style.visibility</p:attrName>
+                                        </p:attrNameLst>
+                                      </p:cBhvr>
+                                      <p:to>
+                                        <p:strVal val="visible"/>
+                                      </p:to>
+                                    </p:set>
+                                    <p:animEffect transition="in" filter="fade">
+                                      <p:cBhvr>
+                                        <p:cTn id="23" dur="1000"/>
+                                        <p:tgtEl>
+                                          <p:spTgt spid="3">
+                                            <p:txEl>
+                                              <p:pRg st="4" end="4"/>
+                                            </p:txEl>
+                                          </p:spTgt>
+                                        </p:tgtEl>
+                                      </p:cBhvr>
+                                    </p:animEffect>
+                                    <p:anim calcmode="lin" valueType="num">
+                                      <p:cBhvr>
+                                        <p:cTn id="24" dur="1000" fill="hold"/>
+                                        <p:tgtEl>
+                                          <p:spTgt spid="3">
+                                            <p:txEl>
+                                              <p:pRg st="4" end="4"/>
+                                            </p:txEl>
+                                          </p:spTgt>
+                                        </p:tgtEl>
+                                        <p:attrNameLst>
+                                          <p:attrName>ppt_x</p:attrName>
+                                        </p:attrNameLst>
+                                      </p:cBhvr>
+                                      <p:tavLst>
+                                        <p:tav tm="0">
+                                          <p:val>
+                                            <p:strVal val="#ppt_x"/>
+                                          </p:val>
+                                        </p:tav>
+                                        <p:tav tm="100000">
+                                          <p:val>
+                                            <p:strVal val="#ppt_x"/>
+                                          </p:val>
+                                        </p:tav>
+                                      </p:tavLst>
+                                    </p:anim>
+                                    <p:anim calcmode="lin" valueType="num">
+                                      <p:cBhvr>
+                                        <p:cTn id="25" dur="900" decel="100000" fill="hold"/>
+                                        <p:tgtEl>
+                                          <p:spTgt spid="3">
+                                            <p:txEl>
+                                              <p:pRg st="4" end="4"/>
+                                            </p:txEl>
+                                          </p:spTgt>
+                                        </p:tgtEl>
+                                        <p:attrNameLst>
+                                          <p:attrName>ppt_y</p:attrName>
+                                        </p:attrNameLst>
+                                      </p:cBhvr>
+                                      <p:tavLst>
+                                        <p:tav tm="0">
+                                          <p:val>
+                                            <p:strVal val="#ppt_y+1"/>
+                                          </p:val>
+                                        </p:tav>
+                                        <p:tav tm="100000">
+                                          <p:val>
+                                            <p:strVal val="#ppt_y-.03"/>
+                                          </p:val>
+                                        </p:tav>
+                                      </p:tavLst>
+                                    </p:anim>
+                                    <p:anim calcmode="lin" valueType="num">
+                                      <p:cBhvr>
+                                        <p:cTn id="26" dur="100" accel="100000" fill="hold">
+                                          <p:stCondLst>
+                                            <p:cond delay="900"/>
+                                          </p:stCondLst>
+                                        </p:cTn>
+                                        <p:tgtEl>
+                                          <p:spTgt spid="3">
+                                            <p:txEl>
+                                              <p:pRg st="4" end="4"/>
+                                            </p:txEl>
+                                          </p:spTgt>
+                                        </p:tgtEl>
+                                        <p:attrNameLst>
+                                          <p:attrName>ppt_y</p:attrName>
+                                        </p:attrNameLst>
+                                      </p:cBhvr>
+                                      <p:tavLst>
+                                        <p:tav tm="0">
+                                          <p:val>
+                                            <p:strVal val="#ppt_y-.03"/>
                                           </p:val>
                                         </p:tav>
                                         <p:tav tm="100000">
@@ -39103,6 +41628,302 @@
     </p:tnLst>
     <p:bldLst>
       <p:bldP spid="3" grpId="0" build="p"/>
+    </p:bldLst>
+  </p:timing>
+</p:sld>
+</file>
+
+<file path=ppt/slides/slide50.xml><?xml version="1.0" encoding="utf-8"?>
+<p:sld xmlns:a="http://schemas.openxmlformats.org/drawingml/2006/main" xmlns:r="http://schemas.openxmlformats.org/officeDocument/2006/relationships" xmlns:p="http://schemas.openxmlformats.org/presentationml/2006/main">
+  <p:cSld>
+    <p:spTree>
+      <p:nvGrpSpPr>
+        <p:cNvPr id="1" name=""/>
+        <p:cNvGrpSpPr/>
+        <p:nvPr/>
+      </p:nvGrpSpPr>
+      <p:grpSpPr>
+        <a:xfrm>
+          <a:off x="0" y="0"/>
+          <a:ext cx="0" cy="0"/>
+          <a:chOff x="0" y="0"/>
+          <a:chExt cx="0" cy="0"/>
+        </a:xfrm>
+      </p:grpSpPr>
+      <p:sp>
+        <p:nvSpPr>
+          <p:cNvPr id="2" name="Title 1">
+            <a:extLst>
+              <a:ext uri="{FF2B5EF4-FFF2-40B4-BE49-F238E27FC236}">
+                <a16:creationId xmlns:a16="http://schemas.microsoft.com/office/drawing/2014/main" id="{1922C841-5BD7-6B4B-BC67-FE917B24F627}"/>
+              </a:ext>
+            </a:extLst>
+          </p:cNvPr>
+          <p:cNvSpPr>
+            <a:spLocks noGrp="1"/>
+          </p:cNvSpPr>
+          <p:nvPr>
+            <p:ph type="title"/>
+          </p:nvPr>
+        </p:nvSpPr>
+        <p:spPr/>
+        <p:txBody>
+          <a:bodyPr/>
+          <a:lstStyle/>
+          <a:p>
+            <a:pPr algn="ctr"/>
+            <a:r>
+              <a:rPr lang="en-US" dirty="0"/>
+              <a:t>Example of Global variables</a:t>
+            </a:r>
+          </a:p>
+        </p:txBody>
+      </p:sp>
+      <p:pic>
+        <p:nvPicPr>
+          <p:cNvPr id="5" name="Content Placeholder 4">
+            <a:extLst>
+              <a:ext uri="{FF2B5EF4-FFF2-40B4-BE49-F238E27FC236}">
+                <a16:creationId xmlns:a16="http://schemas.microsoft.com/office/drawing/2014/main" id="{FDD04910-12D9-A344-BCEC-1A1280BCBF02}"/>
+              </a:ext>
+            </a:extLst>
+          </p:cNvPr>
+          <p:cNvPicPr>
+            <a:picLocks noGrp="1" noChangeAspect="1"/>
+          </p:cNvPicPr>
+          <p:nvPr>
+            <p:ph idx="1"/>
+          </p:nvPr>
+        </p:nvPicPr>
+        <p:blipFill>
+          <a:blip r:embed="rId2"/>
+          <a:stretch>
+            <a:fillRect/>
+          </a:stretch>
+        </p:blipFill>
+        <p:spPr>
+          <a:xfrm>
+            <a:off x="976521" y="2015912"/>
+            <a:ext cx="10824092" cy="3119489"/>
+          </a:xfrm>
+        </p:spPr>
+      </p:pic>
+      <p:sp>
+        <p:nvSpPr>
+          <p:cNvPr id="6" name="TextBox 5">
+            <a:extLst>
+              <a:ext uri="{FF2B5EF4-FFF2-40B4-BE49-F238E27FC236}">
+                <a16:creationId xmlns:a16="http://schemas.microsoft.com/office/drawing/2014/main" id="{ACB518B1-CA44-484D-BF52-4B4B6EE27A8E}"/>
+              </a:ext>
+            </a:extLst>
+          </p:cNvPr>
+          <p:cNvSpPr txBox="1"/>
+          <p:nvPr/>
+        </p:nvSpPr>
+        <p:spPr>
+          <a:xfrm>
+            <a:off x="1409076" y="5591331"/>
+            <a:ext cx="3807501" cy="400110"/>
+          </a:xfrm>
+          <a:prstGeom prst="rect">
+            <a:avLst/>
+          </a:prstGeom>
+          <a:noFill/>
+        </p:spPr>
+        <p:txBody>
+          <a:bodyPr wrap="square" rtlCol="0">
+            <a:spAutoFit/>
+          </a:bodyPr>
+          <a:lstStyle/>
+          <a:p>
+            <a:r>
+              <a:rPr lang="en-US" sz="2000" b="1" dirty="0"/>
+              <a:t>Question:</a:t>
+            </a:r>
+            <a:r>
+              <a:rPr lang="en-US" sz="2000" dirty="0"/>
+              <a:t> What will this print?</a:t>
+            </a:r>
+          </a:p>
+        </p:txBody>
+      </p:sp>
+      <p:pic>
+        <p:nvPicPr>
+          <p:cNvPr id="8" name="Picture 7">
+            <a:extLst>
+              <a:ext uri="{FF2B5EF4-FFF2-40B4-BE49-F238E27FC236}">
+                <a16:creationId xmlns:a16="http://schemas.microsoft.com/office/drawing/2014/main" id="{7F3650EC-842F-3D4B-963F-73B56BD85987}"/>
+              </a:ext>
+            </a:extLst>
+          </p:cNvPr>
+          <p:cNvPicPr>
+            <a:picLocks noChangeAspect="1"/>
+          </p:cNvPicPr>
+          <p:nvPr/>
+        </p:nvPicPr>
+        <p:blipFill>
+          <a:blip r:embed="rId3"/>
+          <a:stretch>
+            <a:fillRect/>
+          </a:stretch>
+        </p:blipFill>
+        <p:spPr>
+          <a:xfrm>
+            <a:off x="1543882" y="6174112"/>
+            <a:ext cx="3190960" cy="546518"/>
+          </a:xfrm>
+          <a:prstGeom prst="rect">
+            <a:avLst/>
+          </a:prstGeom>
+        </p:spPr>
+      </p:pic>
+    </p:spTree>
+    <p:extLst>
+      <p:ext uri="{BB962C8B-B14F-4D97-AF65-F5344CB8AC3E}">
+        <p14:creationId xmlns:p14="http://schemas.microsoft.com/office/powerpoint/2010/main" val="3350708330"/>
+      </p:ext>
+    </p:extLst>
+  </p:cSld>
+  <p:clrMapOvr>
+    <a:masterClrMapping/>
+  </p:clrMapOvr>
+  <p:timing>
+    <p:tnLst>
+      <p:par>
+        <p:cTn id="1" dur="indefinite" restart="never" nodeType="tmRoot">
+          <p:childTnLst>
+            <p:seq concurrent="1" nextAc="seek">
+              <p:cTn id="2" dur="indefinite" nodeType="mainSeq">
+                <p:childTnLst>
+                  <p:par>
+                    <p:cTn id="3" fill="hold">
+                      <p:stCondLst>
+                        <p:cond delay="indefinite"/>
+                      </p:stCondLst>
+                      <p:childTnLst>
+                        <p:par>
+                          <p:cTn id="4" fill="hold">
+                            <p:stCondLst>
+                              <p:cond delay="0"/>
+                            </p:stCondLst>
+                            <p:childTnLst>
+                              <p:par>
+                                <p:cTn id="5" presetID="9" presetClass="entr" presetSubtype="0" fill="hold" grpId="0" nodeType="clickEffect">
+                                  <p:stCondLst>
+                                    <p:cond delay="0"/>
+                                  </p:stCondLst>
+                                  <p:childTnLst>
+                                    <p:set>
+                                      <p:cBhvr>
+                                        <p:cTn id="6" dur="1" fill="hold">
+                                          <p:stCondLst>
+                                            <p:cond delay="0"/>
+                                          </p:stCondLst>
+                                        </p:cTn>
+                                        <p:tgtEl>
+                                          <p:spTgt spid="6"/>
+                                        </p:tgtEl>
+                                        <p:attrNameLst>
+                                          <p:attrName>style.visibility</p:attrName>
+                                        </p:attrNameLst>
+                                      </p:cBhvr>
+                                      <p:to>
+                                        <p:strVal val="visible"/>
+                                      </p:to>
+                                    </p:set>
+                                    <p:animEffect transition="in" filter="dissolve">
+                                      <p:cBhvr>
+                                        <p:cTn id="7" dur="500"/>
+                                        <p:tgtEl>
+                                          <p:spTgt spid="6"/>
+                                        </p:tgtEl>
+                                      </p:cBhvr>
+                                    </p:animEffect>
+                                  </p:childTnLst>
+                                </p:cTn>
+                              </p:par>
+                            </p:childTnLst>
+                          </p:cTn>
+                        </p:par>
+                      </p:childTnLst>
+                    </p:cTn>
+                  </p:par>
+                  <p:par>
+                    <p:cTn id="8" fill="hold">
+                      <p:stCondLst>
+                        <p:cond delay="indefinite"/>
+                      </p:stCondLst>
+                      <p:childTnLst>
+                        <p:par>
+                          <p:cTn id="9" fill="hold">
+                            <p:stCondLst>
+                              <p:cond delay="0"/>
+                            </p:stCondLst>
+                            <p:childTnLst>
+                              <p:par>
+                                <p:cTn id="10" presetID="21" presetClass="entr" presetSubtype="1" fill="hold" nodeType="clickEffect">
+                                  <p:stCondLst>
+                                    <p:cond delay="0"/>
+                                  </p:stCondLst>
+                                  <p:childTnLst>
+                                    <p:set>
+                                      <p:cBhvr>
+                                        <p:cTn id="11" dur="1" fill="hold">
+                                          <p:stCondLst>
+                                            <p:cond delay="0"/>
+                                          </p:stCondLst>
+                                        </p:cTn>
+                                        <p:tgtEl>
+                                          <p:spTgt spid="8"/>
+                                        </p:tgtEl>
+                                        <p:attrNameLst>
+                                          <p:attrName>style.visibility</p:attrName>
+                                        </p:attrNameLst>
+                                      </p:cBhvr>
+                                      <p:to>
+                                        <p:strVal val="visible"/>
+                                      </p:to>
+                                    </p:set>
+                                    <p:animEffect transition="in" filter="wheel(1)">
+                                      <p:cBhvr>
+                                        <p:cTn id="12" dur="2000"/>
+                                        <p:tgtEl>
+                                          <p:spTgt spid="8"/>
+                                        </p:tgtEl>
+                                      </p:cBhvr>
+                                    </p:animEffect>
+                                  </p:childTnLst>
+                                </p:cTn>
+                              </p:par>
+                            </p:childTnLst>
+                          </p:cTn>
+                        </p:par>
+                      </p:childTnLst>
+                    </p:cTn>
+                  </p:par>
+                </p:childTnLst>
+              </p:cTn>
+              <p:prevCondLst>
+                <p:cond evt="onPrev" delay="0">
+                  <p:tgtEl>
+                    <p:sldTgt/>
+                  </p:tgtEl>
+                </p:cond>
+              </p:prevCondLst>
+              <p:nextCondLst>
+                <p:cond evt="onNext" delay="0">
+                  <p:tgtEl>
+                    <p:sldTgt/>
+                  </p:tgtEl>
+                </p:cond>
+              </p:nextCondLst>
+            </p:seq>
+          </p:childTnLst>
+        </p:cTn>
+      </p:par>
+    </p:tnLst>
+    <p:bldLst>
+      <p:bldP spid="6" grpId="0"/>
     </p:bldLst>
   </p:timing>
 </p:sld>
